--- a/PdfParser Design.pptx
+++ b/PdfParser Design.pptx
@@ -12,6 +12,8 @@
     <p:sldId id="258" r:id="rId6"/>
     <p:sldId id="259" r:id="rId7"/>
     <p:sldId id="262" r:id="rId8"/>
+    <p:sldId id="264" r:id="rId9"/>
+    <p:sldId id="265" r:id="rId10"/>
   </p:sldIdLst>
   <p:sldSz cx="9144000" cy="6858000" type="screen4x3"/>
   <p:notesSz cx="6858000" cy="9144000"/>
@@ -294,7 +296,7 @@
           <a:p>
             <a:fld id="{8ED238AC-D00D-4077-9A18-165FEE5E386A}" type="datetimeFigureOut">
               <a:rPr lang="en-SG" smtClean="0"/>
-              <a:t>5/7/2021</a:t>
+              <a:t>18/7/2021</a:t>
             </a:fld>
             <a:endParaRPr lang="en-SG"/>
           </a:p>
@@ -464,7 +466,7 @@
           <a:p>
             <a:fld id="{8ED238AC-D00D-4077-9A18-165FEE5E386A}" type="datetimeFigureOut">
               <a:rPr lang="en-SG" smtClean="0"/>
-              <a:t>5/7/2021</a:t>
+              <a:t>18/7/2021</a:t>
             </a:fld>
             <a:endParaRPr lang="en-SG"/>
           </a:p>
@@ -644,7 +646,7 @@
           <a:p>
             <a:fld id="{8ED238AC-D00D-4077-9A18-165FEE5E386A}" type="datetimeFigureOut">
               <a:rPr lang="en-SG" smtClean="0"/>
-              <a:t>5/7/2021</a:t>
+              <a:t>18/7/2021</a:t>
             </a:fld>
             <a:endParaRPr lang="en-SG"/>
           </a:p>
@@ -814,7 +816,7 @@
           <a:p>
             <a:fld id="{8ED238AC-D00D-4077-9A18-165FEE5E386A}" type="datetimeFigureOut">
               <a:rPr lang="en-SG" smtClean="0"/>
-              <a:t>5/7/2021</a:t>
+              <a:t>18/7/2021</a:t>
             </a:fld>
             <a:endParaRPr lang="en-SG"/>
           </a:p>
@@ -1060,7 +1062,7 @@
           <a:p>
             <a:fld id="{8ED238AC-D00D-4077-9A18-165FEE5E386A}" type="datetimeFigureOut">
               <a:rPr lang="en-SG" smtClean="0"/>
-              <a:t>5/7/2021</a:t>
+              <a:t>18/7/2021</a:t>
             </a:fld>
             <a:endParaRPr lang="en-SG"/>
           </a:p>
@@ -1348,7 +1350,7 @@
           <a:p>
             <a:fld id="{8ED238AC-D00D-4077-9A18-165FEE5E386A}" type="datetimeFigureOut">
               <a:rPr lang="en-SG" smtClean="0"/>
-              <a:t>5/7/2021</a:t>
+              <a:t>18/7/2021</a:t>
             </a:fld>
             <a:endParaRPr lang="en-SG"/>
           </a:p>
@@ -1770,7 +1772,7 @@
           <a:p>
             <a:fld id="{8ED238AC-D00D-4077-9A18-165FEE5E386A}" type="datetimeFigureOut">
               <a:rPr lang="en-SG" smtClean="0"/>
-              <a:t>5/7/2021</a:t>
+              <a:t>18/7/2021</a:t>
             </a:fld>
             <a:endParaRPr lang="en-SG"/>
           </a:p>
@@ -1888,7 +1890,7 @@
           <a:p>
             <a:fld id="{8ED238AC-D00D-4077-9A18-165FEE5E386A}" type="datetimeFigureOut">
               <a:rPr lang="en-SG" smtClean="0"/>
-              <a:t>5/7/2021</a:t>
+              <a:t>18/7/2021</a:t>
             </a:fld>
             <a:endParaRPr lang="en-SG"/>
           </a:p>
@@ -1983,7 +1985,7 @@
           <a:p>
             <a:fld id="{8ED238AC-D00D-4077-9A18-165FEE5E386A}" type="datetimeFigureOut">
               <a:rPr lang="en-SG" smtClean="0"/>
-              <a:t>5/7/2021</a:t>
+              <a:t>18/7/2021</a:t>
             </a:fld>
             <a:endParaRPr lang="en-SG"/>
           </a:p>
@@ -2260,7 +2262,7 @@
           <a:p>
             <a:fld id="{8ED238AC-D00D-4077-9A18-165FEE5E386A}" type="datetimeFigureOut">
               <a:rPr lang="en-SG" smtClean="0"/>
-              <a:t>5/7/2021</a:t>
+              <a:t>18/7/2021</a:t>
             </a:fld>
             <a:endParaRPr lang="en-SG"/>
           </a:p>
@@ -2513,7 +2515,7 @@
           <a:p>
             <a:fld id="{8ED238AC-D00D-4077-9A18-165FEE5E386A}" type="datetimeFigureOut">
               <a:rPr lang="en-SG" smtClean="0"/>
-              <a:t>5/7/2021</a:t>
+              <a:t>18/7/2021</a:t>
             </a:fld>
             <a:endParaRPr lang="en-SG"/>
           </a:p>
@@ -2726,7 +2728,7 @@
           <a:p>
             <a:fld id="{8ED238AC-D00D-4077-9A18-165FEE5E386A}" type="datetimeFigureOut">
               <a:rPr lang="en-SG" smtClean="0"/>
-              <a:t>5/7/2021</a:t>
+              <a:t>18/7/2021</a:t>
             </a:fld>
             <a:endParaRPr lang="en-SG"/>
           </a:p>
@@ -3887,11 +3889,7 @@
           <a:p>
             <a:r>
               <a:rPr lang="en-SG" sz="1200" b="1" dirty="0" smtClean="0"/>
-              <a:t>s</a:t>
-            </a:r>
-            <a:r>
-              <a:rPr lang="en-SG" sz="1200" b="1" dirty="0" smtClean="0"/>
-              <a:t>crollbar</a:t>
+              <a:t>scrollbar</a:t>
             </a:r>
           </a:p>
           <a:p>
@@ -4360,11 +4358,7 @@
           <a:p>
             <a:r>
               <a:rPr lang="en-US" b="1" dirty="0" smtClean="0"/>
-              <a:t>Pdf File </a:t>
-            </a:r>
-            <a:r>
-              <a:rPr lang="en-US" b="1" dirty="0" smtClean="0"/>
-              <a:t>Structure, Encryption</a:t>
+              <a:t>Pdf File Structure, Encryption</a:t>
             </a:r>
             <a:endParaRPr lang="en-SG" b="1" dirty="0"/>
           </a:p>
@@ -13700,6 +13694,2044 @@
     <p:extLst>
       <p:ext uri="{BB962C8B-B14F-4D97-AF65-F5344CB8AC3E}">
         <p14:creationId xmlns:p14="http://schemas.microsoft.com/office/powerpoint/2010/main" val="2101982952"/>
+      </p:ext>
+    </p:extLst>
+  </p:cSld>
+  <p:clrMapOvr>
+    <a:masterClrMapping/>
+  </p:clrMapOvr>
+</p:sld>
+</file>
+
+<file path=ppt/slides/slide8.xml><?xml version="1.0" encoding="utf-8"?>
+<p:sld xmlns:a="http://schemas.openxmlformats.org/drawingml/2006/main" xmlns:r="http://schemas.openxmlformats.org/officeDocument/2006/relationships" xmlns:p="http://schemas.openxmlformats.org/presentationml/2006/main">
+  <p:cSld>
+    <p:spTree>
+      <p:nvGrpSpPr>
+        <p:cNvPr id="1" name=""/>
+        <p:cNvGrpSpPr/>
+        <p:nvPr/>
+      </p:nvGrpSpPr>
+      <p:grpSpPr>
+        <a:xfrm>
+          <a:off x="0" y="0"/>
+          <a:ext cx="0" cy="0"/>
+          <a:chOff x="0" y="0"/>
+          <a:chExt cx="0" cy="0"/>
+        </a:xfrm>
+      </p:grpSpPr>
+      <p:sp>
+        <p:nvSpPr>
+          <p:cNvPr id="36" name="Rectangle 35"/>
+          <p:cNvSpPr/>
+          <p:nvPr/>
+        </p:nvSpPr>
+        <p:spPr>
+          <a:xfrm>
+            <a:off x="1115616" y="640433"/>
+            <a:ext cx="6120680" cy="3120151"/>
+          </a:xfrm>
+          <a:prstGeom prst="rect">
+            <a:avLst/>
+          </a:prstGeom>
+        </p:spPr>
+        <p:style>
+          <a:lnRef idx="1">
+            <a:schemeClr val="dk1"/>
+          </a:lnRef>
+          <a:fillRef idx="2">
+            <a:schemeClr val="dk1"/>
+          </a:fillRef>
+          <a:effectRef idx="1">
+            <a:schemeClr val="dk1"/>
+          </a:effectRef>
+          <a:fontRef idx="minor">
+            <a:schemeClr val="dk1"/>
+          </a:fontRef>
+        </p:style>
+        <p:txBody>
+          <a:bodyPr rtlCol="0" anchor="ctr"/>
+          <a:lstStyle/>
+          <a:p>
+            <a:pPr algn="ctr"/>
+            <a:endParaRPr lang="en-SG"/>
+          </a:p>
+        </p:txBody>
+      </p:sp>
+      <p:sp>
+        <p:nvSpPr>
+          <p:cNvPr id="38" name="Rectangle 37"/>
+          <p:cNvSpPr/>
+          <p:nvPr/>
+        </p:nvSpPr>
+        <p:spPr>
+          <a:xfrm>
+            <a:off x="1187624" y="959242"/>
+            <a:ext cx="1641204" cy="2705527"/>
+          </a:xfrm>
+          <a:prstGeom prst="rect">
+            <a:avLst/>
+          </a:prstGeom>
+        </p:spPr>
+        <p:style>
+          <a:lnRef idx="1">
+            <a:schemeClr val="accent1"/>
+          </a:lnRef>
+          <a:fillRef idx="2">
+            <a:schemeClr val="accent1"/>
+          </a:fillRef>
+          <a:effectRef idx="1">
+            <a:schemeClr val="accent1"/>
+          </a:effectRef>
+          <a:fontRef idx="minor">
+            <a:schemeClr val="dk1"/>
+          </a:fontRef>
+        </p:style>
+        <p:txBody>
+          <a:bodyPr rtlCol="0" anchor="ctr"/>
+          <a:lstStyle/>
+          <a:p>
+            <a:pPr algn="ctr"/>
+            <a:endParaRPr lang="en-SG"/>
+          </a:p>
+        </p:txBody>
+      </p:sp>
+      <p:sp>
+        <p:nvSpPr>
+          <p:cNvPr id="17" name="Rectangle 16"/>
+          <p:cNvSpPr/>
+          <p:nvPr/>
+        </p:nvSpPr>
+        <p:spPr>
+          <a:xfrm>
+            <a:off x="3104308" y="1321022"/>
+            <a:ext cx="1899739" cy="1819945"/>
+          </a:xfrm>
+          <a:prstGeom prst="rect">
+            <a:avLst/>
+          </a:prstGeom>
+        </p:spPr>
+        <p:style>
+          <a:lnRef idx="1">
+            <a:schemeClr val="accent1"/>
+          </a:lnRef>
+          <a:fillRef idx="2">
+            <a:schemeClr val="accent1"/>
+          </a:fillRef>
+          <a:effectRef idx="1">
+            <a:schemeClr val="accent1"/>
+          </a:effectRef>
+          <a:fontRef idx="minor">
+            <a:schemeClr val="dk1"/>
+          </a:fontRef>
+        </p:style>
+        <p:txBody>
+          <a:bodyPr rtlCol="0" anchor="ctr"/>
+          <a:lstStyle/>
+          <a:p>
+            <a:pPr algn="ctr"/>
+            <a:endParaRPr lang="en-SG"/>
+          </a:p>
+        </p:txBody>
+      </p:sp>
+      <p:sp>
+        <p:nvSpPr>
+          <p:cNvPr id="5" name="Rectangle 4"/>
+          <p:cNvSpPr/>
+          <p:nvPr/>
+        </p:nvSpPr>
+        <p:spPr>
+          <a:xfrm>
+            <a:off x="107504" y="44624"/>
+            <a:ext cx="7704856" cy="369332"/>
+          </a:xfrm>
+          <a:prstGeom prst="rect">
+            <a:avLst/>
+          </a:prstGeom>
+        </p:spPr>
+        <p:txBody>
+          <a:bodyPr wrap="square">
+            <a:spAutoFit/>
+          </a:bodyPr>
+          <a:lstStyle/>
+          <a:p>
+            <a:r>
+              <a:rPr lang="en-SG" b="1" dirty="0" err="1" smtClean="0"/>
+              <a:t>TextViewer</a:t>
+            </a:r>
+            <a:endParaRPr lang="en-SG" b="1" dirty="0"/>
+          </a:p>
+        </p:txBody>
+      </p:sp>
+      <p:sp>
+        <p:nvSpPr>
+          <p:cNvPr id="7" name="Rectangle 6"/>
+          <p:cNvSpPr/>
+          <p:nvPr/>
+        </p:nvSpPr>
+        <p:spPr>
+          <a:xfrm>
+            <a:off x="3429755" y="1987365"/>
+            <a:ext cx="710197" cy="646331"/>
+          </a:xfrm>
+          <a:prstGeom prst="rect">
+            <a:avLst/>
+          </a:prstGeom>
+          <a:solidFill>
+            <a:schemeClr val="bg1">
+              <a:lumMod val="95000"/>
+            </a:schemeClr>
+          </a:solidFill>
+          <a:ln w="9525">
+            <a:solidFill>
+              <a:schemeClr val="tx1"/>
+            </a:solidFill>
+          </a:ln>
+        </p:spPr>
+        <p:style>
+          <a:lnRef idx="2">
+            <a:schemeClr val="accent1">
+              <a:shade val="50000"/>
+            </a:schemeClr>
+          </a:lnRef>
+          <a:fillRef idx="1">
+            <a:schemeClr val="accent1"/>
+          </a:fillRef>
+          <a:effectRef idx="0">
+            <a:schemeClr val="accent1"/>
+          </a:effectRef>
+          <a:fontRef idx="minor">
+            <a:schemeClr val="lt1"/>
+          </a:fontRef>
+        </p:style>
+        <p:txBody>
+          <a:bodyPr rtlCol="0" anchor="ctr"/>
+          <a:lstStyle/>
+          <a:p>
+            <a:pPr algn="ctr"/>
+            <a:endParaRPr lang="en-SG"/>
+          </a:p>
+        </p:txBody>
+      </p:sp>
+      <p:sp>
+        <p:nvSpPr>
+          <p:cNvPr id="8" name="Rectangle 7"/>
+          <p:cNvSpPr/>
+          <p:nvPr/>
+        </p:nvSpPr>
+        <p:spPr>
+          <a:xfrm>
+            <a:off x="3347864" y="2120793"/>
+            <a:ext cx="576064" cy="216024"/>
+          </a:xfrm>
+          <a:prstGeom prst="rect">
+            <a:avLst/>
+          </a:prstGeom>
+        </p:spPr>
+        <p:style>
+          <a:lnRef idx="2">
+            <a:schemeClr val="accent1">
+              <a:shade val="50000"/>
+            </a:schemeClr>
+          </a:lnRef>
+          <a:fillRef idx="1">
+            <a:schemeClr val="accent1"/>
+          </a:fillRef>
+          <a:effectRef idx="0">
+            <a:schemeClr val="accent1"/>
+          </a:effectRef>
+          <a:fontRef idx="minor">
+            <a:schemeClr val="lt1"/>
+          </a:fontRef>
+        </p:style>
+        <p:txBody>
+          <a:bodyPr rtlCol="0" anchor="ctr"/>
+          <a:lstStyle/>
+          <a:p>
+            <a:pPr algn="ctr"/>
+            <a:endParaRPr lang="en-SG"/>
+          </a:p>
+        </p:txBody>
+      </p:sp>
+      <p:sp>
+        <p:nvSpPr>
+          <p:cNvPr id="6" name="TextBox 5"/>
+          <p:cNvSpPr txBox="1"/>
+          <p:nvPr/>
+        </p:nvSpPr>
+        <p:spPr>
+          <a:xfrm>
+            <a:off x="3275856" y="1841608"/>
+            <a:ext cx="706475" cy="523220"/>
+          </a:xfrm>
+          <a:prstGeom prst="rect">
+            <a:avLst/>
+          </a:prstGeom>
+          <a:solidFill>
+            <a:srgbClr val="969696">
+              <a:alpha val="32157"/>
+            </a:srgbClr>
+          </a:solidFill>
+          <a:ln>
+            <a:solidFill>
+              <a:schemeClr val="tx1"/>
+            </a:solidFill>
+          </a:ln>
+        </p:spPr>
+        <p:txBody>
+          <a:bodyPr wrap="none" rtlCol="0">
+            <a:spAutoFit/>
+          </a:bodyPr>
+          <a:lstStyle/>
+          <a:p>
+            <a:r>
+              <a:rPr lang="en-SG" sz="1400" dirty="0" smtClean="0"/>
+              <a:t>Link</a:t>
+            </a:r>
+          </a:p>
+          <a:p>
+            <a:r>
+              <a:rPr lang="en-SG" sz="1400" dirty="0" smtClean="0"/>
+              <a:t>Stream</a:t>
+            </a:r>
+            <a:endParaRPr lang="en-SG" sz="1400" dirty="0"/>
+          </a:p>
+        </p:txBody>
+      </p:sp>
+      <p:sp>
+        <p:nvSpPr>
+          <p:cNvPr id="10" name="Rectangle 9"/>
+          <p:cNvSpPr/>
+          <p:nvPr/>
+        </p:nvSpPr>
+        <p:spPr>
+          <a:xfrm>
+            <a:off x="1115616" y="908720"/>
+            <a:ext cx="882357" cy="307777"/>
+          </a:xfrm>
+          <a:prstGeom prst="rect">
+            <a:avLst/>
+          </a:prstGeom>
+        </p:spPr>
+        <p:txBody>
+          <a:bodyPr wrap="none">
+            <a:spAutoFit/>
+          </a:bodyPr>
+          <a:lstStyle/>
+          <a:p>
+            <a:r>
+              <a:rPr lang="en-SG" sz="1400" b="1" dirty="0" err="1"/>
+              <a:t>TextStore</a:t>
+            </a:r>
+            <a:endParaRPr lang="en-SG" sz="1400" b="1" dirty="0"/>
+          </a:p>
+        </p:txBody>
+      </p:sp>
+      <p:sp>
+        <p:nvSpPr>
+          <p:cNvPr id="12" name="Left Brace 11"/>
+          <p:cNvSpPr/>
+          <p:nvPr/>
+        </p:nvSpPr>
+        <p:spPr>
+          <a:xfrm>
+            <a:off x="3131840" y="1913616"/>
+            <a:ext cx="117727" cy="432048"/>
+          </a:xfrm>
+          <a:prstGeom prst="leftBrace">
+            <a:avLst/>
+          </a:prstGeom>
+          <a:ln w="19050"/>
+        </p:spPr>
+        <p:style>
+          <a:lnRef idx="1">
+            <a:schemeClr val="accent1"/>
+          </a:lnRef>
+          <a:fillRef idx="0">
+            <a:schemeClr val="accent1"/>
+          </a:fillRef>
+          <a:effectRef idx="0">
+            <a:schemeClr val="accent1"/>
+          </a:effectRef>
+          <a:fontRef idx="minor">
+            <a:schemeClr val="tx1"/>
+          </a:fontRef>
+        </p:style>
+        <p:txBody>
+          <a:bodyPr rtlCol="0" anchor="ctr"/>
+          <a:lstStyle/>
+          <a:p>
+            <a:pPr algn="ctr"/>
+            <a:endParaRPr lang="en-SG"/>
+          </a:p>
+        </p:txBody>
+      </p:sp>
+      <p:sp>
+        <p:nvSpPr>
+          <p:cNvPr id="15" name="Rectangle 14"/>
+          <p:cNvSpPr/>
+          <p:nvPr/>
+        </p:nvSpPr>
+        <p:spPr>
+          <a:xfrm>
+            <a:off x="3154943" y="1564609"/>
+            <a:ext cx="1273041" cy="276999"/>
+          </a:xfrm>
+          <a:prstGeom prst="rect">
+            <a:avLst/>
+          </a:prstGeom>
+        </p:spPr>
+        <p:txBody>
+          <a:bodyPr wrap="none">
+            <a:spAutoFit/>
+          </a:bodyPr>
+          <a:lstStyle/>
+          <a:p>
+            <a:r>
+              <a:rPr lang="en-SG" sz="1200" b="1" dirty="0" err="1"/>
+              <a:t>TextViewerGlyph</a:t>
+            </a:r>
+            <a:endParaRPr lang="en-SG" sz="1200" b="1" dirty="0"/>
+          </a:p>
+        </p:txBody>
+      </p:sp>
+      <p:sp>
+        <p:nvSpPr>
+          <p:cNvPr id="16" name="Rectangle 15"/>
+          <p:cNvSpPr/>
+          <p:nvPr/>
+        </p:nvSpPr>
+        <p:spPr>
+          <a:xfrm>
+            <a:off x="3347864" y="2633696"/>
+            <a:ext cx="1484637" cy="276999"/>
+          </a:xfrm>
+          <a:prstGeom prst="rect">
+            <a:avLst/>
+          </a:prstGeom>
+        </p:spPr>
+        <p:txBody>
+          <a:bodyPr wrap="none">
+            <a:spAutoFit/>
+          </a:bodyPr>
+          <a:lstStyle/>
+          <a:p>
+            <a:r>
+              <a:rPr lang="en-SG" sz="1200" b="1" dirty="0" err="1"/>
+              <a:t>TextViewerSelection</a:t>
+            </a:r>
+            <a:endParaRPr lang="en-SG" sz="1200" b="1" dirty="0"/>
+          </a:p>
+        </p:txBody>
+      </p:sp>
+      <p:sp>
+        <p:nvSpPr>
+          <p:cNvPr id="18" name="Rectangle 17"/>
+          <p:cNvSpPr/>
+          <p:nvPr/>
+        </p:nvSpPr>
+        <p:spPr>
+          <a:xfrm>
+            <a:off x="3104309" y="1321023"/>
+            <a:ext cx="726417" cy="307777"/>
+          </a:xfrm>
+          <a:prstGeom prst="rect">
+            <a:avLst/>
+          </a:prstGeom>
+        </p:spPr>
+        <p:txBody>
+          <a:bodyPr wrap="none">
+            <a:spAutoFit/>
+          </a:bodyPr>
+          <a:lstStyle/>
+          <a:p>
+            <a:r>
+              <a:rPr lang="en-SG" sz="1400" b="1" dirty="0" smtClean="0"/>
+              <a:t>Display</a:t>
+            </a:r>
+            <a:endParaRPr lang="en-SG" sz="1400" b="1" dirty="0"/>
+          </a:p>
+        </p:txBody>
+      </p:sp>
+      <p:sp>
+        <p:nvSpPr>
+          <p:cNvPr id="19" name="TextBox 18"/>
+          <p:cNvSpPr txBox="1"/>
+          <p:nvPr/>
+        </p:nvSpPr>
+        <p:spPr>
+          <a:xfrm>
+            <a:off x="1568438" y="1432521"/>
+            <a:ext cx="367408" cy="1384995"/>
+          </a:xfrm>
+          <a:prstGeom prst="rect">
+            <a:avLst/>
+          </a:prstGeom>
+          <a:solidFill>
+            <a:schemeClr val="bg1"/>
+          </a:solidFill>
+          <a:ln>
+            <a:solidFill>
+              <a:schemeClr val="tx1"/>
+            </a:solidFill>
+          </a:ln>
+        </p:spPr>
+        <p:txBody>
+          <a:bodyPr wrap="none" rtlCol="0">
+            <a:spAutoFit/>
+          </a:bodyPr>
+          <a:lstStyle/>
+          <a:p>
+            <a:pPr algn="r"/>
+            <a:r>
+              <a:rPr lang="en-SG" sz="1400" dirty="0" smtClean="0"/>
+              <a:t>0</a:t>
+            </a:r>
+          </a:p>
+          <a:p>
+            <a:pPr algn="r"/>
+            <a:r>
+              <a:rPr lang="en-SG" sz="1400" dirty="0" smtClean="0"/>
+              <a:t>3</a:t>
+            </a:r>
+          </a:p>
+          <a:p>
+            <a:pPr algn="r"/>
+            <a:r>
+              <a:rPr lang="en-SG" sz="1400" dirty="0" smtClean="0"/>
+              <a:t>6</a:t>
+            </a:r>
+          </a:p>
+          <a:p>
+            <a:pPr algn="r"/>
+            <a:r>
+              <a:rPr lang="en-SG" sz="1400" dirty="0" smtClean="0"/>
+              <a:t>9</a:t>
+            </a:r>
+          </a:p>
+          <a:p>
+            <a:pPr algn="r"/>
+            <a:r>
+              <a:rPr lang="en-SG" sz="1400" dirty="0" smtClean="0"/>
+              <a:t>12</a:t>
+            </a:r>
+          </a:p>
+          <a:p>
+            <a:pPr algn="r"/>
+            <a:r>
+              <a:rPr lang="en-SG" sz="1400" dirty="0" smtClean="0"/>
+              <a:t>15</a:t>
+            </a:r>
+            <a:endParaRPr lang="en-SG" sz="1400" dirty="0"/>
+          </a:p>
+        </p:txBody>
+      </p:sp>
+      <p:sp>
+        <p:nvSpPr>
+          <p:cNvPr id="20" name="TextBox 19"/>
+          <p:cNvSpPr txBox="1"/>
+          <p:nvPr/>
+        </p:nvSpPr>
+        <p:spPr>
+          <a:xfrm>
+            <a:off x="1295922" y="1432521"/>
+            <a:ext cx="276038" cy="1384995"/>
+          </a:xfrm>
+          <a:prstGeom prst="rect">
+            <a:avLst/>
+          </a:prstGeom>
+          <a:solidFill>
+            <a:schemeClr val="bg1"/>
+          </a:solidFill>
+          <a:ln>
+            <a:solidFill>
+              <a:schemeClr val="tx1"/>
+            </a:solidFill>
+          </a:ln>
+        </p:spPr>
+        <p:txBody>
+          <a:bodyPr wrap="none" rtlCol="0">
+            <a:spAutoFit/>
+          </a:bodyPr>
+          <a:lstStyle/>
+          <a:p>
+            <a:r>
+              <a:rPr lang="en-SG" sz="1400" dirty="0" smtClean="0"/>
+              <a:t>0</a:t>
+            </a:r>
+          </a:p>
+          <a:p>
+            <a:r>
+              <a:rPr lang="en-SG" sz="1400" dirty="0" smtClean="0"/>
+              <a:t>1</a:t>
+            </a:r>
+          </a:p>
+          <a:p>
+            <a:r>
+              <a:rPr lang="en-SG" sz="1400" dirty="0" smtClean="0"/>
+              <a:t>2</a:t>
+            </a:r>
+          </a:p>
+          <a:p>
+            <a:r>
+              <a:rPr lang="en-SG" sz="1400" dirty="0" smtClean="0"/>
+              <a:t>3</a:t>
+            </a:r>
+          </a:p>
+          <a:p>
+            <a:r>
+              <a:rPr lang="en-SG" sz="1400" dirty="0" smtClean="0"/>
+              <a:t>4</a:t>
+            </a:r>
+          </a:p>
+          <a:p>
+            <a:r>
+              <a:rPr lang="en-SG" sz="1400" dirty="0" smtClean="0"/>
+              <a:t>5</a:t>
+            </a:r>
+            <a:endParaRPr lang="en-SG" sz="1400" dirty="0"/>
+          </a:p>
+        </p:txBody>
+      </p:sp>
+      <p:sp>
+        <p:nvSpPr>
+          <p:cNvPr id="21" name="Rectangle 20"/>
+          <p:cNvSpPr/>
+          <p:nvPr/>
+        </p:nvSpPr>
+        <p:spPr>
+          <a:xfrm>
+            <a:off x="1187624" y="3387770"/>
+            <a:ext cx="1244380" cy="276999"/>
+          </a:xfrm>
+          <a:prstGeom prst="rect">
+            <a:avLst/>
+          </a:prstGeom>
+        </p:spPr>
+        <p:txBody>
+          <a:bodyPr wrap="none">
+            <a:spAutoFit/>
+          </a:bodyPr>
+          <a:lstStyle/>
+          <a:p>
+            <a:r>
+              <a:rPr lang="en-SG" sz="1200" dirty="0" err="1" smtClean="0"/>
+              <a:t>absolutLineIndex</a:t>
+            </a:r>
+            <a:endParaRPr lang="en-SG" sz="1200" dirty="0"/>
+          </a:p>
+        </p:txBody>
+      </p:sp>
+      <p:sp>
+        <p:nvSpPr>
+          <p:cNvPr id="22" name="Rectangle 21"/>
+          <p:cNvSpPr/>
+          <p:nvPr/>
+        </p:nvSpPr>
+        <p:spPr>
+          <a:xfrm>
+            <a:off x="1448322" y="2915072"/>
+            <a:ext cx="1380506" cy="461665"/>
+          </a:xfrm>
+          <a:prstGeom prst="rect">
+            <a:avLst/>
+          </a:prstGeom>
+        </p:spPr>
+        <p:txBody>
+          <a:bodyPr wrap="none">
+            <a:spAutoFit/>
+          </a:bodyPr>
+          <a:lstStyle/>
+          <a:p>
+            <a:r>
+              <a:rPr lang="en-SG" sz="1200" dirty="0" smtClean="0"/>
+              <a:t>First character </a:t>
+            </a:r>
+          </a:p>
+          <a:p>
+            <a:r>
+              <a:rPr lang="en-SG" sz="1200" dirty="0" smtClean="0"/>
+              <a:t>position of this line</a:t>
+            </a:r>
+            <a:endParaRPr lang="en-SG" sz="1200" dirty="0"/>
+          </a:p>
+        </p:txBody>
+      </p:sp>
+      <p:cxnSp>
+        <p:nvCxnSpPr>
+          <p:cNvPr id="24" name="Straight Arrow Connector 23"/>
+          <p:cNvCxnSpPr>
+            <a:endCxn id="20" idx="2"/>
+          </p:cNvCxnSpPr>
+          <p:nvPr/>
+        </p:nvCxnSpPr>
+        <p:spPr>
+          <a:xfrm flipV="1">
+            <a:off x="1433941" y="2817516"/>
+            <a:ext cx="0" cy="570254"/>
+          </a:xfrm>
+          <a:prstGeom prst="straightConnector1">
+            <a:avLst/>
+          </a:prstGeom>
+          <a:ln>
+            <a:tailEnd type="arrow"/>
+          </a:ln>
+        </p:spPr>
+        <p:style>
+          <a:lnRef idx="1">
+            <a:schemeClr val="accent1"/>
+          </a:lnRef>
+          <a:fillRef idx="0">
+            <a:schemeClr val="accent1"/>
+          </a:fillRef>
+          <a:effectRef idx="0">
+            <a:schemeClr val="accent1"/>
+          </a:effectRef>
+          <a:fontRef idx="minor">
+            <a:schemeClr val="tx1"/>
+          </a:fontRef>
+        </p:style>
+      </p:cxnSp>
+      <p:cxnSp>
+        <p:nvCxnSpPr>
+          <p:cNvPr id="27" name="Straight Arrow Connector 26"/>
+          <p:cNvCxnSpPr>
+            <a:endCxn id="19" idx="2"/>
+          </p:cNvCxnSpPr>
+          <p:nvPr/>
+        </p:nvCxnSpPr>
+        <p:spPr>
+          <a:xfrm flipV="1">
+            <a:off x="1752142" y="2817516"/>
+            <a:ext cx="0" cy="199181"/>
+          </a:xfrm>
+          <a:prstGeom prst="straightConnector1">
+            <a:avLst/>
+          </a:prstGeom>
+          <a:ln>
+            <a:tailEnd type="arrow"/>
+          </a:ln>
+        </p:spPr>
+        <p:style>
+          <a:lnRef idx="1">
+            <a:schemeClr val="accent1"/>
+          </a:lnRef>
+          <a:fillRef idx="0">
+            <a:schemeClr val="accent1"/>
+          </a:fillRef>
+          <a:effectRef idx="0">
+            <a:schemeClr val="accent1"/>
+          </a:effectRef>
+          <a:fontRef idx="minor">
+            <a:schemeClr val="tx1"/>
+          </a:fontRef>
+        </p:style>
+      </p:cxnSp>
+      <p:sp>
+        <p:nvSpPr>
+          <p:cNvPr id="29" name="Rectangle 28"/>
+          <p:cNvSpPr/>
+          <p:nvPr/>
+        </p:nvSpPr>
+        <p:spPr>
+          <a:xfrm>
+            <a:off x="3707155" y="1351801"/>
+            <a:ext cx="1368901" cy="276999"/>
+          </a:xfrm>
+          <a:prstGeom prst="rect">
+            <a:avLst/>
+          </a:prstGeom>
+        </p:spPr>
+        <p:txBody>
+          <a:bodyPr wrap="none">
+            <a:spAutoFit/>
+          </a:bodyPr>
+          <a:lstStyle/>
+          <a:p>
+            <a:r>
+              <a:rPr lang="en-SG" sz="1200" dirty="0" err="1" smtClean="0"/>
+              <a:t>displayLineIndex</a:t>
+            </a:r>
+            <a:r>
+              <a:rPr lang="en-SG" sz="1200" dirty="0" smtClean="0"/>
+              <a:t>: 0</a:t>
+            </a:r>
+            <a:endParaRPr lang="en-SG" sz="1200" dirty="0"/>
+          </a:p>
+        </p:txBody>
+      </p:sp>
+      <p:cxnSp>
+        <p:nvCxnSpPr>
+          <p:cNvPr id="31" name="Straight Arrow Connector 30"/>
+          <p:cNvCxnSpPr/>
+          <p:nvPr/>
+        </p:nvCxnSpPr>
+        <p:spPr>
+          <a:xfrm flipH="1">
+            <a:off x="3707904" y="1628800"/>
+            <a:ext cx="1124597" cy="358565"/>
+          </a:xfrm>
+          <a:prstGeom prst="straightConnector1">
+            <a:avLst/>
+          </a:prstGeom>
+          <a:ln>
+            <a:tailEnd type="arrow"/>
+          </a:ln>
+        </p:spPr>
+        <p:style>
+          <a:lnRef idx="1">
+            <a:schemeClr val="accent1"/>
+          </a:lnRef>
+          <a:fillRef idx="0">
+            <a:schemeClr val="accent1"/>
+          </a:fillRef>
+          <a:effectRef idx="0">
+            <a:schemeClr val="accent1"/>
+          </a:effectRef>
+          <a:fontRef idx="minor">
+            <a:schemeClr val="tx1"/>
+          </a:fontRef>
+        </p:style>
+      </p:cxnSp>
+      <p:sp>
+        <p:nvSpPr>
+          <p:cNvPr id="32" name="TextBox 31"/>
+          <p:cNvSpPr txBox="1"/>
+          <p:nvPr/>
+        </p:nvSpPr>
+        <p:spPr>
+          <a:xfrm>
+            <a:off x="200232" y="3760584"/>
+            <a:ext cx="8692247" cy="830997"/>
+          </a:xfrm>
+          <a:prstGeom prst="rect">
+            <a:avLst/>
+          </a:prstGeom>
+          <a:noFill/>
+        </p:spPr>
+        <p:txBody>
+          <a:bodyPr wrap="square" rtlCol="0">
+            <a:spAutoFit/>
+          </a:bodyPr>
+          <a:lstStyle/>
+          <a:p>
+            <a:r>
+              <a:rPr lang="en-SG" sz="1200" b="1" dirty="0" err="1" smtClean="0"/>
+              <a:t>TextStore</a:t>
+            </a:r>
+            <a:r>
+              <a:rPr lang="en-SG" sz="1200" dirty="0" smtClean="0"/>
+              <a:t> contains all characters of a document</a:t>
+            </a:r>
+          </a:p>
+          <a:p>
+            <a:r>
+              <a:rPr lang="en-SG" sz="1200" b="1" dirty="0" err="1" smtClean="0"/>
+              <a:t>TextViewerGlyph</a:t>
+            </a:r>
+            <a:r>
+              <a:rPr lang="en-SG" sz="1200" dirty="0" smtClean="0"/>
+              <a:t> calculates the width of the characters and paints them to the screen</a:t>
+            </a:r>
+          </a:p>
+          <a:p>
+            <a:r>
+              <a:rPr lang="en-SG" sz="1200" b="1" dirty="0" err="1" smtClean="0"/>
+              <a:t>TextViewerSelection</a:t>
+            </a:r>
+            <a:r>
+              <a:rPr lang="en-SG" sz="1200" dirty="0" smtClean="0"/>
+              <a:t> draws blue rectangles under characters selected by user</a:t>
+            </a:r>
+          </a:p>
+          <a:p>
+            <a:r>
+              <a:rPr lang="en-SG" sz="1200" b="1" dirty="0" err="1" smtClean="0"/>
+              <a:t>TextViewerObjects</a:t>
+            </a:r>
+            <a:r>
+              <a:rPr lang="en-SG" sz="1200" dirty="0" smtClean="0"/>
+              <a:t> holds information about some </a:t>
+            </a:r>
+            <a:r>
+              <a:rPr lang="en-SG" sz="1200" dirty="0"/>
+              <a:t>displayed </a:t>
+            </a:r>
+            <a:r>
+              <a:rPr lang="en-SG" sz="1200" dirty="0" smtClean="0"/>
+              <a:t>characters, showing a pdf stream or a </a:t>
+            </a:r>
+            <a:r>
+              <a:rPr lang="en-SG" sz="1200" u="sng" dirty="0" smtClean="0"/>
+              <a:t>link</a:t>
+            </a:r>
+            <a:r>
+              <a:rPr lang="en-SG" sz="1200" dirty="0" smtClean="0"/>
+              <a:t> to another part in the document</a:t>
+            </a:r>
+            <a:endParaRPr lang="en-SG" sz="1200" dirty="0"/>
+          </a:p>
+        </p:txBody>
+      </p:sp>
+      <p:sp>
+        <p:nvSpPr>
+          <p:cNvPr id="33" name="Rectangle 32"/>
+          <p:cNvSpPr/>
+          <p:nvPr/>
+        </p:nvSpPr>
+        <p:spPr>
+          <a:xfrm>
+            <a:off x="1115616" y="1144489"/>
+            <a:ext cx="816377" cy="276999"/>
+          </a:xfrm>
+          <a:prstGeom prst="rect">
+            <a:avLst/>
+          </a:prstGeom>
+        </p:spPr>
+        <p:txBody>
+          <a:bodyPr wrap="none">
+            <a:spAutoFit/>
+          </a:bodyPr>
+          <a:lstStyle/>
+          <a:p>
+            <a:r>
+              <a:rPr lang="en-SG" sz="1200" b="1" dirty="0" err="1"/>
+              <a:t>LineStarts</a:t>
+            </a:r>
+            <a:endParaRPr lang="en-SG" sz="1200" b="1" dirty="0"/>
+          </a:p>
+        </p:txBody>
+      </p:sp>
+      <p:sp>
+        <p:nvSpPr>
+          <p:cNvPr id="34" name="Rectangle 33"/>
+          <p:cNvSpPr/>
+          <p:nvPr/>
+        </p:nvSpPr>
+        <p:spPr>
+          <a:xfrm>
+            <a:off x="1899829" y="1144489"/>
+            <a:ext cx="538674" cy="276999"/>
+          </a:xfrm>
+          <a:prstGeom prst="rect">
+            <a:avLst/>
+          </a:prstGeom>
+        </p:spPr>
+        <p:txBody>
+          <a:bodyPr wrap="none">
+            <a:spAutoFit/>
+          </a:bodyPr>
+          <a:lstStyle/>
+          <a:p>
+            <a:r>
+              <a:rPr lang="en-SG" sz="1200" b="1" dirty="0" smtClean="0"/>
+              <a:t>Chars</a:t>
+            </a:r>
+            <a:endParaRPr lang="en-SG" sz="1200" b="1" dirty="0"/>
+          </a:p>
+        </p:txBody>
+      </p:sp>
+      <p:sp>
+        <p:nvSpPr>
+          <p:cNvPr id="35" name="Rectangle 34"/>
+          <p:cNvSpPr/>
+          <p:nvPr/>
+        </p:nvSpPr>
+        <p:spPr>
+          <a:xfrm>
+            <a:off x="251519" y="4645585"/>
+            <a:ext cx="8640960" cy="1015663"/>
+          </a:xfrm>
+          <a:prstGeom prst="rect">
+            <a:avLst/>
+          </a:prstGeom>
+        </p:spPr>
+        <p:txBody>
+          <a:bodyPr wrap="square">
+            <a:spAutoFit/>
+          </a:bodyPr>
+          <a:lstStyle/>
+          <a:p>
+            <a:r>
+              <a:rPr lang="en-SG" sz="1200" b="1" dirty="0" err="1"/>
+              <a:t>TextStore</a:t>
+            </a:r>
+            <a:r>
+              <a:rPr lang="en-SG" sz="1200" dirty="0"/>
+              <a:t> </a:t>
+            </a:r>
+            <a:endParaRPr lang="en-SG" sz="1200" dirty="0" smtClean="0"/>
+          </a:p>
+          <a:p>
+            <a:r>
+              <a:rPr lang="en-SG" sz="1200" dirty="0" smtClean="0"/>
+              <a:t>Stores all characters in </a:t>
+            </a:r>
+            <a:r>
+              <a:rPr lang="en-SG" sz="1200" b="1" dirty="0" smtClean="0"/>
+              <a:t>chars</a:t>
+            </a:r>
+            <a:r>
+              <a:rPr lang="en-SG" sz="1200" dirty="0" smtClean="0"/>
+              <a:t>, a char[], which gets reused by ever document</a:t>
+            </a:r>
+          </a:p>
+          <a:p>
+            <a:r>
+              <a:rPr lang="en-SG" sz="1200" dirty="0" smtClean="0"/>
+              <a:t>The </a:t>
+            </a:r>
+            <a:r>
+              <a:rPr lang="en-SG" sz="1200" dirty="0" err="1" smtClean="0"/>
+              <a:t>int</a:t>
+            </a:r>
+            <a:r>
+              <a:rPr lang="en-SG" sz="1200" dirty="0" smtClean="0"/>
+              <a:t>[] </a:t>
+            </a:r>
+            <a:r>
+              <a:rPr lang="en-SG" sz="1200" b="1" dirty="0" err="1" smtClean="0"/>
+              <a:t>LineStarts</a:t>
+            </a:r>
+            <a:r>
+              <a:rPr lang="en-SG" sz="1200" dirty="0" smtClean="0"/>
+              <a:t> stores for every line a character index into </a:t>
+            </a:r>
+            <a:r>
+              <a:rPr lang="en-SG" sz="1200" b="1" dirty="0" smtClean="0"/>
+              <a:t>chars</a:t>
+            </a:r>
+            <a:r>
+              <a:rPr lang="en-SG" sz="1200" dirty="0" smtClean="0"/>
+              <a:t> where that line starts. </a:t>
+            </a:r>
+            <a:r>
+              <a:rPr lang="en-SG" sz="1200" b="1" dirty="0" err="1" smtClean="0"/>
+              <a:t>LineStarts</a:t>
+            </a:r>
+            <a:r>
+              <a:rPr lang="en-SG" sz="1200" dirty="0" smtClean="0"/>
+              <a:t>[0] is always 0. </a:t>
+            </a:r>
+            <a:r>
+              <a:rPr lang="en-SG" sz="1200" b="1" dirty="0" err="1" smtClean="0"/>
+              <a:t>LineStarts</a:t>
+            </a:r>
+            <a:r>
+              <a:rPr lang="en-SG" sz="1200" dirty="0"/>
+              <a:t> </a:t>
+            </a:r>
+            <a:r>
+              <a:rPr lang="en-SG" sz="1200" dirty="0" smtClean="0"/>
+              <a:t>has 1 more line entry than the number of lines in the document. It points to the first character in </a:t>
+            </a:r>
+            <a:r>
+              <a:rPr lang="en-SG" sz="1200" b="1" dirty="0" smtClean="0"/>
+              <a:t>chars</a:t>
+            </a:r>
+            <a:r>
+              <a:rPr lang="en-SG" sz="1200" dirty="0" smtClean="0"/>
+              <a:t> after the document ends. </a:t>
+            </a:r>
+          </a:p>
+          <a:p>
+            <a:endParaRPr lang="en-SG" sz="1200" dirty="0"/>
+          </a:p>
+        </p:txBody>
+      </p:sp>
+      <p:sp>
+        <p:nvSpPr>
+          <p:cNvPr id="37" name="Rectangle 36"/>
+          <p:cNvSpPr/>
+          <p:nvPr/>
+        </p:nvSpPr>
+        <p:spPr>
+          <a:xfrm>
+            <a:off x="1043608" y="620688"/>
+            <a:ext cx="1132490" cy="338554"/>
+          </a:xfrm>
+          <a:prstGeom prst="rect">
+            <a:avLst/>
+          </a:prstGeom>
+        </p:spPr>
+        <p:txBody>
+          <a:bodyPr wrap="none">
+            <a:spAutoFit/>
+          </a:bodyPr>
+          <a:lstStyle/>
+          <a:p>
+            <a:r>
+              <a:rPr lang="en-SG" sz="1600" b="1" dirty="0" err="1" smtClean="0"/>
+              <a:t>TextViewer</a:t>
+            </a:r>
+            <a:endParaRPr lang="en-SG" sz="1600" b="1" dirty="0"/>
+          </a:p>
+        </p:txBody>
+      </p:sp>
+      <p:sp>
+        <p:nvSpPr>
+          <p:cNvPr id="39" name="Rectangle 38"/>
+          <p:cNvSpPr/>
+          <p:nvPr/>
+        </p:nvSpPr>
+        <p:spPr>
+          <a:xfrm>
+            <a:off x="179511" y="5560784"/>
+            <a:ext cx="8856985" cy="1015663"/>
+          </a:xfrm>
+          <a:prstGeom prst="rect">
+            <a:avLst/>
+          </a:prstGeom>
+        </p:spPr>
+        <p:txBody>
+          <a:bodyPr wrap="square">
+            <a:spAutoFit/>
+          </a:bodyPr>
+          <a:lstStyle/>
+          <a:p>
+            <a:r>
+              <a:rPr lang="en-SG" sz="1200" b="1" dirty="0" smtClean="0"/>
+              <a:t>Line Indexes</a:t>
+            </a:r>
+            <a:endParaRPr lang="en-SG" sz="1200" dirty="0" smtClean="0"/>
+          </a:p>
+          <a:p>
+            <a:r>
+              <a:rPr lang="en-SG" sz="1200" dirty="0" smtClean="0"/>
+              <a:t>Lines related to the </a:t>
+            </a:r>
+            <a:r>
+              <a:rPr lang="en-SG" sz="1200" dirty="0" err="1" smtClean="0"/>
+              <a:t>TextStore</a:t>
+            </a:r>
+            <a:r>
+              <a:rPr lang="en-SG" sz="1200" dirty="0" smtClean="0"/>
+              <a:t> are counted from the beginning of the document and are called absolute lines.</a:t>
+            </a:r>
+          </a:p>
+          <a:p>
+            <a:r>
+              <a:rPr lang="en-SG" sz="1200" dirty="0" smtClean="0"/>
+              <a:t>Lines counted from the first displayed line are called display lines. For example the mouse position is first translated to a display line index.</a:t>
+            </a:r>
+          </a:p>
+          <a:p>
+            <a:r>
+              <a:rPr lang="en-SG" sz="1200" dirty="0" smtClean="0"/>
+              <a:t>Most lines in the code are absolute lines.</a:t>
+            </a:r>
+          </a:p>
+          <a:p>
+            <a:endParaRPr lang="en-SG" sz="1200" dirty="0"/>
+          </a:p>
+        </p:txBody>
+      </p:sp>
+      <p:sp>
+        <p:nvSpPr>
+          <p:cNvPr id="45" name="Rectangle 44"/>
+          <p:cNvSpPr/>
+          <p:nvPr/>
+        </p:nvSpPr>
+        <p:spPr>
+          <a:xfrm>
+            <a:off x="5192542" y="1484784"/>
+            <a:ext cx="1671070" cy="989507"/>
+          </a:xfrm>
+          <a:prstGeom prst="rect">
+            <a:avLst/>
+          </a:prstGeom>
+        </p:spPr>
+        <p:style>
+          <a:lnRef idx="1">
+            <a:schemeClr val="accent1"/>
+          </a:lnRef>
+          <a:fillRef idx="2">
+            <a:schemeClr val="accent1"/>
+          </a:fillRef>
+          <a:effectRef idx="1">
+            <a:schemeClr val="accent1"/>
+          </a:effectRef>
+          <a:fontRef idx="minor">
+            <a:schemeClr val="dk1"/>
+          </a:fontRef>
+        </p:style>
+        <p:txBody>
+          <a:bodyPr rtlCol="0" anchor="ctr"/>
+          <a:lstStyle/>
+          <a:p>
+            <a:pPr algn="ctr"/>
+            <a:endParaRPr lang="en-SG"/>
+          </a:p>
+        </p:txBody>
+      </p:sp>
+      <p:sp>
+        <p:nvSpPr>
+          <p:cNvPr id="46" name="Rectangle 45"/>
+          <p:cNvSpPr/>
+          <p:nvPr/>
+        </p:nvSpPr>
+        <p:spPr>
+          <a:xfrm>
+            <a:off x="5285743" y="1484784"/>
+            <a:ext cx="1577868" cy="307777"/>
+          </a:xfrm>
+          <a:prstGeom prst="rect">
+            <a:avLst/>
+          </a:prstGeom>
+        </p:spPr>
+        <p:txBody>
+          <a:bodyPr wrap="none">
+            <a:spAutoFit/>
+          </a:bodyPr>
+          <a:lstStyle/>
+          <a:p>
+            <a:r>
+              <a:rPr lang="en-SG" sz="1400" b="1" dirty="0" err="1"/>
+              <a:t>TextViewerObjects</a:t>
+            </a:r>
+            <a:endParaRPr lang="en-SG" sz="1400" b="1" dirty="0"/>
+          </a:p>
+        </p:txBody>
+      </p:sp>
+      <p:sp>
+        <p:nvSpPr>
+          <p:cNvPr id="9" name="TextBox 8"/>
+          <p:cNvSpPr txBox="1"/>
+          <p:nvPr/>
+        </p:nvSpPr>
+        <p:spPr>
+          <a:xfrm>
+            <a:off x="1935235" y="1421488"/>
+            <a:ext cx="706475" cy="1169551"/>
+          </a:xfrm>
+          <a:prstGeom prst="rect">
+            <a:avLst/>
+          </a:prstGeom>
+          <a:solidFill>
+            <a:schemeClr val="bg1"/>
+          </a:solidFill>
+          <a:ln w="19050">
+            <a:solidFill>
+              <a:schemeClr val="tx1"/>
+            </a:solidFill>
+          </a:ln>
+        </p:spPr>
+        <p:txBody>
+          <a:bodyPr wrap="none" rtlCol="0">
+            <a:spAutoFit/>
+          </a:bodyPr>
+          <a:lstStyle/>
+          <a:p>
+            <a:r>
+              <a:rPr lang="en-SG" sz="1400" dirty="0" err="1" smtClean="0"/>
+              <a:t>Aaa</a:t>
+            </a:r>
+            <a:endParaRPr lang="en-SG" sz="1400" dirty="0" smtClean="0"/>
+          </a:p>
+          <a:p>
+            <a:r>
+              <a:rPr lang="en-SG" sz="1400" dirty="0" err="1" smtClean="0"/>
+              <a:t>Bbb</a:t>
+            </a:r>
+            <a:endParaRPr lang="en-SG" sz="1400" dirty="0" smtClean="0"/>
+          </a:p>
+          <a:p>
+            <a:r>
+              <a:rPr lang="en-SG" sz="1400" dirty="0" smtClean="0"/>
+              <a:t>Link</a:t>
+            </a:r>
+          </a:p>
+          <a:p>
+            <a:r>
+              <a:rPr lang="en-SG" sz="1400" dirty="0" smtClean="0"/>
+              <a:t>Stream</a:t>
+            </a:r>
+          </a:p>
+          <a:p>
+            <a:r>
+              <a:rPr lang="en-SG" sz="1400" dirty="0" smtClean="0"/>
+              <a:t>456</a:t>
+            </a:r>
+            <a:endParaRPr lang="en-SG" sz="1400" dirty="0"/>
+          </a:p>
+        </p:txBody>
+      </p:sp>
+      <p:sp>
+        <p:nvSpPr>
+          <p:cNvPr id="47" name="TextBox 46"/>
+          <p:cNvSpPr txBox="1"/>
+          <p:nvPr/>
+        </p:nvSpPr>
+        <p:spPr>
+          <a:xfrm>
+            <a:off x="5385320" y="1773397"/>
+            <a:ext cx="706475" cy="523220"/>
+          </a:xfrm>
+          <a:prstGeom prst="rect">
+            <a:avLst/>
+          </a:prstGeom>
+          <a:solidFill>
+            <a:schemeClr val="bg1"/>
+          </a:solidFill>
+          <a:ln w="19050">
+            <a:solidFill>
+              <a:schemeClr val="tx1"/>
+            </a:solidFill>
+          </a:ln>
+        </p:spPr>
+        <p:txBody>
+          <a:bodyPr wrap="none" rtlCol="0">
+            <a:spAutoFit/>
+          </a:bodyPr>
+          <a:lstStyle/>
+          <a:p>
+            <a:r>
+              <a:rPr lang="en-SG" sz="1400" dirty="0" smtClean="0"/>
+              <a:t>Link</a:t>
+            </a:r>
+          </a:p>
+          <a:p>
+            <a:r>
+              <a:rPr lang="en-SG" sz="1400" dirty="0" smtClean="0"/>
+              <a:t>Stream</a:t>
+            </a:r>
+            <a:endParaRPr lang="en-SG" sz="1400" dirty="0"/>
+          </a:p>
+        </p:txBody>
+      </p:sp>
+      <p:sp>
+        <p:nvSpPr>
+          <p:cNvPr id="11" name="Right Brace 10"/>
+          <p:cNvSpPr/>
+          <p:nvPr/>
+        </p:nvSpPr>
+        <p:spPr>
+          <a:xfrm>
+            <a:off x="2483768" y="1911875"/>
+            <a:ext cx="144016" cy="433789"/>
+          </a:xfrm>
+          <a:prstGeom prst="rightBrace">
+            <a:avLst/>
+          </a:prstGeom>
+          <a:ln w="19050"/>
+        </p:spPr>
+        <p:style>
+          <a:lnRef idx="1">
+            <a:schemeClr val="accent1"/>
+          </a:lnRef>
+          <a:fillRef idx="0">
+            <a:schemeClr val="accent1"/>
+          </a:fillRef>
+          <a:effectRef idx="0">
+            <a:schemeClr val="accent1"/>
+          </a:effectRef>
+          <a:fontRef idx="minor">
+            <a:schemeClr val="tx1"/>
+          </a:fontRef>
+        </p:style>
+        <p:txBody>
+          <a:bodyPr rtlCol="0" anchor="ctr"/>
+          <a:lstStyle/>
+          <a:p>
+            <a:pPr algn="ctr"/>
+            <a:endParaRPr lang="en-SG"/>
+          </a:p>
+        </p:txBody>
+      </p:sp>
+      <p:cxnSp>
+        <p:nvCxnSpPr>
+          <p:cNvPr id="14" name="Straight Arrow Connector 13"/>
+          <p:cNvCxnSpPr>
+            <a:stCxn id="11" idx="1"/>
+            <a:endCxn id="12" idx="1"/>
+          </p:cNvCxnSpPr>
+          <p:nvPr/>
+        </p:nvCxnSpPr>
+        <p:spPr>
+          <a:xfrm>
+            <a:off x="2627784" y="2128770"/>
+            <a:ext cx="504056" cy="870"/>
+          </a:xfrm>
+          <a:prstGeom prst="straightConnector1">
+            <a:avLst/>
+          </a:prstGeom>
+          <a:ln w="19050">
+            <a:headEnd type="arrow" w="med" len="med"/>
+            <a:tailEnd type="arrow" w="med" len="med"/>
+          </a:ln>
+        </p:spPr>
+        <p:style>
+          <a:lnRef idx="1">
+            <a:schemeClr val="accent1"/>
+          </a:lnRef>
+          <a:fillRef idx="0">
+            <a:schemeClr val="accent1"/>
+          </a:fillRef>
+          <a:effectRef idx="0">
+            <a:schemeClr val="accent1"/>
+          </a:effectRef>
+          <a:fontRef idx="minor">
+            <a:schemeClr val="tx1"/>
+          </a:fontRef>
+        </p:style>
+      </p:cxnSp>
+      <p:cxnSp>
+        <p:nvCxnSpPr>
+          <p:cNvPr id="49" name="Straight Arrow Connector 48"/>
+          <p:cNvCxnSpPr/>
+          <p:nvPr/>
+        </p:nvCxnSpPr>
+        <p:spPr>
+          <a:xfrm flipH="1">
+            <a:off x="3791463" y="1911875"/>
+            <a:ext cx="1644633" cy="67662"/>
+          </a:xfrm>
+          <a:prstGeom prst="straightConnector1">
+            <a:avLst/>
+          </a:prstGeom>
+          <a:ln>
+            <a:tailEnd type="arrow"/>
+          </a:ln>
+        </p:spPr>
+        <p:style>
+          <a:lnRef idx="1">
+            <a:schemeClr val="accent1"/>
+          </a:lnRef>
+          <a:fillRef idx="0">
+            <a:schemeClr val="accent1"/>
+          </a:fillRef>
+          <a:effectRef idx="0">
+            <a:schemeClr val="accent1"/>
+          </a:effectRef>
+          <a:fontRef idx="minor">
+            <a:schemeClr val="tx1"/>
+          </a:fontRef>
+        </p:style>
+      </p:cxnSp>
+      <p:cxnSp>
+        <p:nvCxnSpPr>
+          <p:cNvPr id="51" name="Straight Arrow Connector 50"/>
+          <p:cNvCxnSpPr/>
+          <p:nvPr/>
+        </p:nvCxnSpPr>
+        <p:spPr>
+          <a:xfrm flipH="1">
+            <a:off x="3753872" y="2131906"/>
+            <a:ext cx="1682224" cy="96899"/>
+          </a:xfrm>
+          <a:prstGeom prst="straightConnector1">
+            <a:avLst/>
+          </a:prstGeom>
+          <a:ln>
+            <a:tailEnd type="arrow"/>
+          </a:ln>
+        </p:spPr>
+        <p:style>
+          <a:lnRef idx="1">
+            <a:schemeClr val="accent1"/>
+          </a:lnRef>
+          <a:fillRef idx="0">
+            <a:schemeClr val="accent1"/>
+          </a:fillRef>
+          <a:effectRef idx="0">
+            <a:schemeClr val="accent1"/>
+          </a:effectRef>
+          <a:fontRef idx="minor">
+            <a:schemeClr val="tx1"/>
+          </a:fontRef>
+        </p:style>
+      </p:cxnSp>
+    </p:spTree>
+    <p:extLst>
+      <p:ext uri="{BB962C8B-B14F-4D97-AF65-F5344CB8AC3E}">
+        <p14:creationId xmlns:p14="http://schemas.microsoft.com/office/powerpoint/2010/main" val="107876005"/>
+      </p:ext>
+    </p:extLst>
+  </p:cSld>
+  <p:clrMapOvr>
+    <a:masterClrMapping/>
+  </p:clrMapOvr>
+</p:sld>
+</file>
+
+<file path=ppt/slides/slide9.xml><?xml version="1.0" encoding="utf-8"?>
+<p:sld xmlns:a="http://schemas.openxmlformats.org/drawingml/2006/main" xmlns:r="http://schemas.openxmlformats.org/officeDocument/2006/relationships" xmlns:p="http://schemas.openxmlformats.org/presentationml/2006/main">
+  <p:cSld>
+    <p:spTree>
+      <p:nvGrpSpPr>
+        <p:cNvPr id="1" name=""/>
+        <p:cNvGrpSpPr/>
+        <p:nvPr/>
+      </p:nvGrpSpPr>
+      <p:grpSpPr>
+        <a:xfrm>
+          <a:off x="0" y="0"/>
+          <a:ext cx="0" cy="0"/>
+          <a:chOff x="0" y="0"/>
+          <a:chExt cx="0" cy="0"/>
+        </a:xfrm>
+      </p:grpSpPr>
+      <p:sp>
+        <p:nvSpPr>
+          <p:cNvPr id="4" name="Rectangle 3"/>
+          <p:cNvSpPr/>
+          <p:nvPr/>
+        </p:nvSpPr>
+        <p:spPr>
+          <a:xfrm>
+            <a:off x="107504" y="44624"/>
+            <a:ext cx="7704856" cy="369332"/>
+          </a:xfrm>
+          <a:prstGeom prst="rect">
+            <a:avLst/>
+          </a:prstGeom>
+        </p:spPr>
+        <p:txBody>
+          <a:bodyPr wrap="square">
+            <a:spAutoFit/>
+          </a:bodyPr>
+          <a:lstStyle/>
+          <a:p>
+            <a:r>
+              <a:rPr lang="en-SG" b="1" dirty="0" err="1" smtClean="0"/>
+              <a:t>TextViewer</a:t>
+            </a:r>
+            <a:endParaRPr lang="en-SG" b="1" dirty="0"/>
+          </a:p>
+        </p:txBody>
+      </p:sp>
+      <p:sp>
+        <p:nvSpPr>
+          <p:cNvPr id="5" name="Rectangle 4"/>
+          <p:cNvSpPr/>
+          <p:nvPr/>
+        </p:nvSpPr>
+        <p:spPr>
+          <a:xfrm>
+            <a:off x="539552" y="1052736"/>
+            <a:ext cx="2232248" cy="3168352"/>
+          </a:xfrm>
+          <a:prstGeom prst="rect">
+            <a:avLst/>
+          </a:prstGeom>
+        </p:spPr>
+        <p:style>
+          <a:lnRef idx="1">
+            <a:schemeClr val="dk1"/>
+          </a:lnRef>
+          <a:fillRef idx="2">
+            <a:schemeClr val="dk1"/>
+          </a:fillRef>
+          <a:effectRef idx="1">
+            <a:schemeClr val="dk1"/>
+          </a:effectRef>
+          <a:fontRef idx="minor">
+            <a:schemeClr val="dk1"/>
+          </a:fontRef>
+        </p:style>
+        <p:txBody>
+          <a:bodyPr rtlCol="0" anchor="t"/>
+          <a:lstStyle/>
+          <a:p>
+            <a:r>
+              <a:rPr lang="en-SG" sz="1400" b="1" dirty="0" err="1" smtClean="0"/>
+              <a:t>TextViewer</a:t>
+            </a:r>
+            <a:endParaRPr lang="en-SG" sz="1400" b="1" dirty="0" smtClean="0"/>
+          </a:p>
+          <a:p>
+            <a:r>
+              <a:rPr lang="en-SG" sz="1200" dirty="0" err="1"/>
+              <a:t>TextViewer_SizeChanged</a:t>
+            </a:r>
+            <a:endParaRPr lang="en-SG" sz="1200" dirty="0" smtClean="0"/>
+          </a:p>
+          <a:p>
+            <a:r>
+              <a:rPr lang="en-SG" sz="1200" dirty="0" err="1" smtClean="0"/>
+              <a:t>ScrollBar_ValueChanged</a:t>
+            </a:r>
+            <a:endParaRPr lang="en-SG" sz="1200" dirty="0" smtClean="0"/>
+          </a:p>
+          <a:p>
+            <a:endParaRPr lang="en-SG" sz="1200" dirty="0"/>
+          </a:p>
+          <a:p>
+            <a:r>
+              <a:rPr lang="en-SG" sz="1200" dirty="0" err="1" smtClean="0"/>
+              <a:t>TextViewer_MouseMove</a:t>
+            </a:r>
+            <a:endParaRPr lang="en-SG" sz="1200" dirty="0" smtClean="0"/>
+          </a:p>
+          <a:p>
+            <a:r>
+              <a:rPr lang="en-SG" sz="1200" i="1" dirty="0"/>
+              <a:t> </a:t>
+            </a:r>
+            <a:r>
+              <a:rPr lang="en-SG" sz="1200" i="1" dirty="0" smtClean="0"/>
+              <a:t> when left mouse button is</a:t>
+            </a:r>
+          </a:p>
+          <a:p>
+            <a:r>
+              <a:rPr lang="en-SG" sz="1200" i="1" dirty="0"/>
+              <a:t> </a:t>
+            </a:r>
+            <a:r>
+              <a:rPr lang="en-SG" sz="1200" i="1" dirty="0" smtClean="0"/>
+              <a:t> pressed, text selection changes</a:t>
+            </a:r>
+          </a:p>
+          <a:p>
+            <a:endParaRPr lang="en-SG" sz="1200" dirty="0" smtClean="0"/>
+          </a:p>
+          <a:p>
+            <a:endParaRPr lang="en-SG" sz="1200" dirty="0"/>
+          </a:p>
+        </p:txBody>
+      </p:sp>
+      <p:sp>
+        <p:nvSpPr>
+          <p:cNvPr id="6" name="Rectangle 5"/>
+          <p:cNvSpPr/>
+          <p:nvPr/>
+        </p:nvSpPr>
+        <p:spPr>
+          <a:xfrm>
+            <a:off x="3419872" y="260648"/>
+            <a:ext cx="2232248" cy="1296144"/>
+          </a:xfrm>
+          <a:prstGeom prst="rect">
+            <a:avLst/>
+          </a:prstGeom>
+        </p:spPr>
+        <p:style>
+          <a:lnRef idx="1">
+            <a:schemeClr val="dk1"/>
+          </a:lnRef>
+          <a:fillRef idx="2">
+            <a:schemeClr val="dk1"/>
+          </a:fillRef>
+          <a:effectRef idx="1">
+            <a:schemeClr val="dk1"/>
+          </a:effectRef>
+          <a:fontRef idx="minor">
+            <a:schemeClr val="dk1"/>
+          </a:fontRef>
+        </p:style>
+        <p:txBody>
+          <a:bodyPr rtlCol="0" anchor="t"/>
+          <a:lstStyle/>
+          <a:p>
+            <a:r>
+              <a:rPr lang="en-SG" sz="1400" b="1" dirty="0" err="1" smtClean="0"/>
+              <a:t>TextViewerGlyph</a:t>
+            </a:r>
+            <a:endParaRPr lang="en-SG" sz="1400" b="1" dirty="0" smtClean="0"/>
+          </a:p>
+          <a:p>
+            <a:r>
+              <a:rPr lang="en-SG" sz="1200" dirty="0" err="1"/>
+              <a:t>SetDisplayLines</a:t>
+            </a:r>
+            <a:r>
+              <a:rPr lang="en-SG" sz="1200" dirty="0" smtClean="0"/>
+              <a:t>()</a:t>
+            </a:r>
+          </a:p>
+          <a:p>
+            <a:endParaRPr lang="en-SG" sz="1200" dirty="0" smtClean="0"/>
+          </a:p>
+          <a:p>
+            <a:r>
+              <a:rPr lang="en-SG" sz="1200" dirty="0" err="1" smtClean="0"/>
+              <a:t>OnRenderContent</a:t>
+            </a:r>
+            <a:r>
+              <a:rPr lang="en-SG" sz="1200" dirty="0"/>
+              <a:t>()</a:t>
+            </a:r>
+          </a:p>
+          <a:p>
+            <a:endParaRPr lang="en-SG" sz="1200" dirty="0" smtClean="0"/>
+          </a:p>
+        </p:txBody>
+      </p:sp>
+      <p:sp>
+        <p:nvSpPr>
+          <p:cNvPr id="7" name="Rectangle 6"/>
+          <p:cNvSpPr/>
+          <p:nvPr/>
+        </p:nvSpPr>
+        <p:spPr>
+          <a:xfrm>
+            <a:off x="6156176" y="2132856"/>
+            <a:ext cx="2232248" cy="1368152"/>
+          </a:xfrm>
+          <a:prstGeom prst="rect">
+            <a:avLst/>
+          </a:prstGeom>
+        </p:spPr>
+        <p:style>
+          <a:lnRef idx="1">
+            <a:schemeClr val="dk1"/>
+          </a:lnRef>
+          <a:fillRef idx="2">
+            <a:schemeClr val="dk1"/>
+          </a:fillRef>
+          <a:effectRef idx="1">
+            <a:schemeClr val="dk1"/>
+          </a:effectRef>
+          <a:fontRef idx="minor">
+            <a:schemeClr val="dk1"/>
+          </a:fontRef>
+        </p:style>
+        <p:txBody>
+          <a:bodyPr rtlCol="0" anchor="t"/>
+          <a:lstStyle/>
+          <a:p>
+            <a:r>
+              <a:rPr lang="en-SG" sz="1400" b="1" dirty="0" err="1" smtClean="0"/>
+              <a:t>TextViewerSelection</a:t>
+            </a:r>
+            <a:endParaRPr lang="en-SG" sz="1400" b="1" dirty="0" smtClean="0"/>
+          </a:p>
+          <a:p>
+            <a:r>
+              <a:rPr lang="en-SG" sz="1200" dirty="0" err="1"/>
+              <a:t>SetDisplayLines</a:t>
+            </a:r>
+            <a:r>
+              <a:rPr lang="en-SG" sz="1200" dirty="0" smtClean="0"/>
+              <a:t>()</a:t>
+            </a:r>
+          </a:p>
+          <a:p>
+            <a:endParaRPr lang="en-SG" sz="1200" dirty="0"/>
+          </a:p>
+          <a:p>
+            <a:r>
+              <a:rPr lang="en-SG" sz="1200" dirty="0" err="1"/>
+              <a:t>SetSelection</a:t>
+            </a:r>
+            <a:r>
+              <a:rPr lang="en-SG" sz="1200" dirty="0" smtClean="0"/>
+              <a:t>()</a:t>
+            </a:r>
+          </a:p>
+          <a:p>
+            <a:endParaRPr lang="en-SG" sz="1200" dirty="0"/>
+          </a:p>
+          <a:p>
+            <a:r>
+              <a:rPr lang="en-SG" sz="1200" dirty="0" err="1"/>
+              <a:t>OnRenderContent</a:t>
+            </a:r>
+            <a:r>
+              <a:rPr lang="en-SG" sz="1200" dirty="0"/>
+              <a:t>()</a:t>
+            </a:r>
+            <a:endParaRPr lang="en-SG" sz="1200" dirty="0" smtClean="0"/>
+          </a:p>
+        </p:txBody>
+      </p:sp>
+      <p:cxnSp>
+        <p:nvCxnSpPr>
+          <p:cNvPr id="9" name="Straight Arrow Connector 8"/>
+          <p:cNvCxnSpPr/>
+          <p:nvPr/>
+        </p:nvCxnSpPr>
+        <p:spPr>
+          <a:xfrm flipV="1">
+            <a:off x="2123728" y="620688"/>
+            <a:ext cx="1368152" cy="864096"/>
+          </a:xfrm>
+          <a:prstGeom prst="straightConnector1">
+            <a:avLst/>
+          </a:prstGeom>
+          <a:ln>
+            <a:tailEnd type="arrow"/>
+          </a:ln>
+        </p:spPr>
+        <p:style>
+          <a:lnRef idx="1">
+            <a:schemeClr val="accent1"/>
+          </a:lnRef>
+          <a:fillRef idx="0">
+            <a:schemeClr val="accent1"/>
+          </a:fillRef>
+          <a:effectRef idx="0">
+            <a:schemeClr val="accent1"/>
+          </a:effectRef>
+          <a:fontRef idx="minor">
+            <a:schemeClr val="tx1"/>
+          </a:fontRef>
+        </p:style>
+      </p:cxnSp>
+      <p:cxnSp>
+        <p:nvCxnSpPr>
+          <p:cNvPr id="11" name="Straight Arrow Connector 10"/>
+          <p:cNvCxnSpPr/>
+          <p:nvPr/>
+        </p:nvCxnSpPr>
+        <p:spPr>
+          <a:xfrm>
+            <a:off x="4067944" y="1052736"/>
+            <a:ext cx="2016224" cy="1440160"/>
+          </a:xfrm>
+          <a:prstGeom prst="straightConnector1">
+            <a:avLst/>
+          </a:prstGeom>
+          <a:ln>
+            <a:tailEnd type="arrow"/>
+          </a:ln>
+        </p:spPr>
+        <p:style>
+          <a:lnRef idx="1">
+            <a:schemeClr val="accent1"/>
+          </a:lnRef>
+          <a:fillRef idx="0">
+            <a:schemeClr val="accent1"/>
+          </a:fillRef>
+          <a:effectRef idx="0">
+            <a:schemeClr val="accent1"/>
+          </a:effectRef>
+          <a:fontRef idx="minor">
+            <a:schemeClr val="tx1"/>
+          </a:fontRef>
+        </p:style>
+      </p:cxnSp>
+      <p:cxnSp>
+        <p:nvCxnSpPr>
+          <p:cNvPr id="13" name="Straight Arrow Connector 12"/>
+          <p:cNvCxnSpPr/>
+          <p:nvPr/>
+        </p:nvCxnSpPr>
+        <p:spPr>
+          <a:xfrm>
+            <a:off x="2339752" y="1988840"/>
+            <a:ext cx="3744416" cy="855095"/>
+          </a:xfrm>
+          <a:prstGeom prst="straightConnector1">
+            <a:avLst/>
+          </a:prstGeom>
+          <a:ln>
+            <a:tailEnd type="arrow"/>
+          </a:ln>
+        </p:spPr>
+        <p:style>
+          <a:lnRef idx="1">
+            <a:schemeClr val="accent1"/>
+          </a:lnRef>
+          <a:fillRef idx="0">
+            <a:schemeClr val="accent1"/>
+          </a:fillRef>
+          <a:effectRef idx="0">
+            <a:schemeClr val="accent1"/>
+          </a:effectRef>
+          <a:fontRef idx="minor">
+            <a:schemeClr val="tx1"/>
+          </a:fontRef>
+        </p:style>
+      </p:cxnSp>
+      <p:sp>
+        <p:nvSpPr>
+          <p:cNvPr id="14" name="Rectangle 13"/>
+          <p:cNvSpPr/>
+          <p:nvPr/>
+        </p:nvSpPr>
+        <p:spPr>
+          <a:xfrm>
+            <a:off x="6156176" y="548680"/>
+            <a:ext cx="2232248" cy="1296144"/>
+          </a:xfrm>
+          <a:prstGeom prst="rect">
+            <a:avLst/>
+          </a:prstGeom>
+        </p:spPr>
+        <p:style>
+          <a:lnRef idx="1">
+            <a:schemeClr val="dk1"/>
+          </a:lnRef>
+          <a:fillRef idx="2">
+            <a:schemeClr val="dk1"/>
+          </a:fillRef>
+          <a:effectRef idx="1">
+            <a:schemeClr val="dk1"/>
+          </a:effectRef>
+          <a:fontRef idx="minor">
+            <a:schemeClr val="dk1"/>
+          </a:fontRef>
+        </p:style>
+        <p:txBody>
+          <a:bodyPr rtlCol="0" anchor="t"/>
+          <a:lstStyle/>
+          <a:p>
+            <a:r>
+              <a:rPr lang="en-SG" sz="1400" b="1" dirty="0" err="1"/>
+              <a:t>TextViewerObjects</a:t>
+            </a:r>
+            <a:endParaRPr lang="en-SG" sz="1400" b="1" dirty="0" smtClean="0"/>
+          </a:p>
+          <a:p>
+            <a:r>
+              <a:rPr lang="en-SG" sz="1200" dirty="0" err="1"/>
+              <a:t>AddLink</a:t>
+            </a:r>
+            <a:r>
+              <a:rPr lang="en-SG" sz="1200" dirty="0" smtClean="0"/>
+              <a:t>()</a:t>
+            </a:r>
+          </a:p>
+          <a:p>
+            <a:r>
+              <a:rPr lang="en-SG" sz="1200" dirty="0" err="1" smtClean="0"/>
+              <a:t>AddStream</a:t>
+            </a:r>
+            <a:r>
+              <a:rPr lang="en-SG" sz="1200" dirty="0" smtClean="0"/>
+              <a:t>()</a:t>
+            </a:r>
+          </a:p>
+        </p:txBody>
+      </p:sp>
+      <p:cxnSp>
+        <p:nvCxnSpPr>
+          <p:cNvPr id="16" name="Straight Arrow Connector 15"/>
+          <p:cNvCxnSpPr/>
+          <p:nvPr/>
+        </p:nvCxnSpPr>
+        <p:spPr>
+          <a:xfrm>
+            <a:off x="4716016" y="980728"/>
+            <a:ext cx="1512168" cy="0"/>
+          </a:xfrm>
+          <a:prstGeom prst="straightConnector1">
+            <a:avLst/>
+          </a:prstGeom>
+          <a:ln>
+            <a:tailEnd type="arrow"/>
+          </a:ln>
+        </p:spPr>
+        <p:style>
+          <a:lnRef idx="1">
+            <a:schemeClr val="accent1"/>
+          </a:lnRef>
+          <a:fillRef idx="0">
+            <a:schemeClr val="accent1"/>
+          </a:fillRef>
+          <a:effectRef idx="0">
+            <a:schemeClr val="accent1"/>
+          </a:effectRef>
+          <a:fontRef idx="minor">
+            <a:schemeClr val="tx1"/>
+          </a:fontRef>
+        </p:style>
+      </p:cxnSp>
+      <p:cxnSp>
+        <p:nvCxnSpPr>
+          <p:cNvPr id="20" name="Straight Arrow Connector 19"/>
+          <p:cNvCxnSpPr/>
+          <p:nvPr/>
+        </p:nvCxnSpPr>
+        <p:spPr>
+          <a:xfrm>
+            <a:off x="4067944" y="692696"/>
+            <a:ext cx="0" cy="216024"/>
+          </a:xfrm>
+          <a:prstGeom prst="straightConnector1">
+            <a:avLst/>
+          </a:prstGeom>
+          <a:ln>
+            <a:tailEnd type="arrow"/>
+          </a:ln>
+        </p:spPr>
+        <p:style>
+          <a:lnRef idx="1">
+            <a:schemeClr val="accent1"/>
+          </a:lnRef>
+          <a:fillRef idx="0">
+            <a:schemeClr val="accent1"/>
+          </a:fillRef>
+          <a:effectRef idx="0">
+            <a:schemeClr val="accent1"/>
+          </a:effectRef>
+          <a:fontRef idx="minor">
+            <a:schemeClr val="tx1"/>
+          </a:fontRef>
+        </p:style>
+      </p:cxnSp>
+      <p:cxnSp>
+        <p:nvCxnSpPr>
+          <p:cNvPr id="22" name="Straight Arrow Connector 21"/>
+          <p:cNvCxnSpPr/>
+          <p:nvPr/>
+        </p:nvCxnSpPr>
+        <p:spPr>
+          <a:xfrm>
+            <a:off x="6732240" y="2924944"/>
+            <a:ext cx="0" cy="216024"/>
+          </a:xfrm>
+          <a:prstGeom prst="straightConnector1">
+            <a:avLst/>
+          </a:prstGeom>
+          <a:ln>
+            <a:tailEnd type="arrow"/>
+          </a:ln>
+        </p:spPr>
+        <p:style>
+          <a:lnRef idx="1">
+            <a:schemeClr val="accent1"/>
+          </a:lnRef>
+          <a:fillRef idx="0">
+            <a:schemeClr val="accent1"/>
+          </a:fillRef>
+          <a:effectRef idx="0">
+            <a:schemeClr val="accent1"/>
+          </a:effectRef>
+          <a:fontRef idx="minor">
+            <a:schemeClr val="tx1"/>
+          </a:fontRef>
+        </p:style>
+      </p:cxnSp>
+      <p:cxnSp>
+        <p:nvCxnSpPr>
+          <p:cNvPr id="24" name="Straight Arrow Connector 23"/>
+          <p:cNvCxnSpPr/>
+          <p:nvPr/>
+        </p:nvCxnSpPr>
+        <p:spPr>
+          <a:xfrm>
+            <a:off x="7236296" y="2564904"/>
+            <a:ext cx="0" cy="432048"/>
+          </a:xfrm>
+          <a:prstGeom prst="straightConnector1">
+            <a:avLst/>
+          </a:prstGeom>
+          <a:ln>
+            <a:tailEnd type="arrow"/>
+          </a:ln>
+        </p:spPr>
+        <p:style>
+          <a:lnRef idx="1">
+            <a:schemeClr val="accent1"/>
+          </a:lnRef>
+          <a:fillRef idx="0">
+            <a:schemeClr val="accent1"/>
+          </a:fillRef>
+          <a:effectRef idx="0">
+            <a:schemeClr val="accent1"/>
+          </a:effectRef>
+          <a:fontRef idx="minor">
+            <a:schemeClr val="tx1"/>
+          </a:fontRef>
+        </p:style>
+      </p:cxnSp>
+    </p:spTree>
+    <p:extLst>
+      <p:ext uri="{BB962C8B-B14F-4D97-AF65-F5344CB8AC3E}">
+        <p14:creationId xmlns:p14="http://schemas.microsoft.com/office/powerpoint/2010/main" val="3140254973"/>
       </p:ext>
     </p:extLst>
   </p:cSld>

--- a/PdfParser Design.pptx
+++ b/PdfParser Design.pptx
@@ -6,14 +6,15 @@
   </p:sldMasterIdLst>
   <p:sldIdLst>
     <p:sldId id="256" r:id="rId2"/>
-    <p:sldId id="263" r:id="rId3"/>
-    <p:sldId id="260" r:id="rId4"/>
-    <p:sldId id="261" r:id="rId5"/>
-    <p:sldId id="258" r:id="rId6"/>
-    <p:sldId id="259" r:id="rId7"/>
-    <p:sldId id="262" r:id="rId8"/>
-    <p:sldId id="264" r:id="rId9"/>
-    <p:sldId id="265" r:id="rId10"/>
+    <p:sldId id="266" r:id="rId3"/>
+    <p:sldId id="263" r:id="rId4"/>
+    <p:sldId id="260" r:id="rId5"/>
+    <p:sldId id="261" r:id="rId6"/>
+    <p:sldId id="258" r:id="rId7"/>
+    <p:sldId id="259" r:id="rId8"/>
+    <p:sldId id="262" r:id="rId9"/>
+    <p:sldId id="264" r:id="rId10"/>
+    <p:sldId id="265" r:id="rId11"/>
   </p:sldIdLst>
   <p:sldSz cx="9144000" cy="6858000" type="screen4x3"/>
   <p:notesSz cx="6858000" cy="9144000"/>
@@ -296,7 +297,7 @@
           <a:p>
             <a:fld id="{8ED238AC-D00D-4077-9A18-165FEE5E386A}" type="datetimeFigureOut">
               <a:rPr lang="en-SG" smtClean="0"/>
-              <a:t>18/7/2021</a:t>
+              <a:t>27/7/2021</a:t>
             </a:fld>
             <a:endParaRPr lang="en-SG"/>
           </a:p>
@@ -466,7 +467,7 @@
           <a:p>
             <a:fld id="{8ED238AC-D00D-4077-9A18-165FEE5E386A}" type="datetimeFigureOut">
               <a:rPr lang="en-SG" smtClean="0"/>
-              <a:t>18/7/2021</a:t>
+              <a:t>27/7/2021</a:t>
             </a:fld>
             <a:endParaRPr lang="en-SG"/>
           </a:p>
@@ -646,7 +647,7 @@
           <a:p>
             <a:fld id="{8ED238AC-D00D-4077-9A18-165FEE5E386A}" type="datetimeFigureOut">
               <a:rPr lang="en-SG" smtClean="0"/>
-              <a:t>18/7/2021</a:t>
+              <a:t>27/7/2021</a:t>
             </a:fld>
             <a:endParaRPr lang="en-SG"/>
           </a:p>
@@ -816,7 +817,7 @@
           <a:p>
             <a:fld id="{8ED238AC-D00D-4077-9A18-165FEE5E386A}" type="datetimeFigureOut">
               <a:rPr lang="en-SG" smtClean="0"/>
-              <a:t>18/7/2021</a:t>
+              <a:t>27/7/2021</a:t>
             </a:fld>
             <a:endParaRPr lang="en-SG"/>
           </a:p>
@@ -1062,7 +1063,7 @@
           <a:p>
             <a:fld id="{8ED238AC-D00D-4077-9A18-165FEE5E386A}" type="datetimeFigureOut">
               <a:rPr lang="en-SG" smtClean="0"/>
-              <a:t>18/7/2021</a:t>
+              <a:t>27/7/2021</a:t>
             </a:fld>
             <a:endParaRPr lang="en-SG"/>
           </a:p>
@@ -1350,7 +1351,7 @@
           <a:p>
             <a:fld id="{8ED238AC-D00D-4077-9A18-165FEE5E386A}" type="datetimeFigureOut">
               <a:rPr lang="en-SG" smtClean="0"/>
-              <a:t>18/7/2021</a:t>
+              <a:t>27/7/2021</a:t>
             </a:fld>
             <a:endParaRPr lang="en-SG"/>
           </a:p>
@@ -1772,7 +1773,7 @@
           <a:p>
             <a:fld id="{8ED238AC-D00D-4077-9A18-165FEE5E386A}" type="datetimeFigureOut">
               <a:rPr lang="en-SG" smtClean="0"/>
-              <a:t>18/7/2021</a:t>
+              <a:t>27/7/2021</a:t>
             </a:fld>
             <a:endParaRPr lang="en-SG"/>
           </a:p>
@@ -1890,7 +1891,7 @@
           <a:p>
             <a:fld id="{8ED238AC-D00D-4077-9A18-165FEE5E386A}" type="datetimeFigureOut">
               <a:rPr lang="en-SG" smtClean="0"/>
-              <a:t>18/7/2021</a:t>
+              <a:t>27/7/2021</a:t>
             </a:fld>
             <a:endParaRPr lang="en-SG"/>
           </a:p>
@@ -1985,7 +1986,7 @@
           <a:p>
             <a:fld id="{8ED238AC-D00D-4077-9A18-165FEE5E386A}" type="datetimeFigureOut">
               <a:rPr lang="en-SG" smtClean="0"/>
-              <a:t>18/7/2021</a:t>
+              <a:t>27/7/2021</a:t>
             </a:fld>
             <a:endParaRPr lang="en-SG"/>
           </a:p>
@@ -2262,7 +2263,7 @@
           <a:p>
             <a:fld id="{8ED238AC-D00D-4077-9A18-165FEE5E386A}" type="datetimeFigureOut">
               <a:rPr lang="en-SG" smtClean="0"/>
-              <a:t>18/7/2021</a:t>
+              <a:t>27/7/2021</a:t>
             </a:fld>
             <a:endParaRPr lang="en-SG"/>
           </a:p>
@@ -2515,7 +2516,7 @@
           <a:p>
             <a:fld id="{8ED238AC-D00D-4077-9A18-165FEE5E386A}" type="datetimeFigureOut">
               <a:rPr lang="en-SG" smtClean="0"/>
-              <a:t>18/7/2021</a:t>
+              <a:t>27/7/2021</a:t>
             </a:fld>
             <a:endParaRPr lang="en-SG"/>
           </a:p>
@@ -2728,7 +2729,7 @@
           <a:p>
             <a:fld id="{8ED238AC-D00D-4077-9A18-165FEE5E386A}" type="datetimeFigureOut">
               <a:rPr lang="en-SG" smtClean="0"/>
-              <a:t>18/7/2021</a:t>
+              <a:t>27/7/2021</a:t>
             </a:fld>
             <a:endParaRPr lang="en-SG"/>
           </a:p>
@@ -4318,7 +4319,2377 @@
 </p:sld>
 </file>
 
+<file path=ppt/slides/slide10.xml><?xml version="1.0" encoding="utf-8"?>
+<p:sld xmlns:a="http://schemas.openxmlformats.org/drawingml/2006/main" xmlns:r="http://schemas.openxmlformats.org/officeDocument/2006/relationships" xmlns:p="http://schemas.openxmlformats.org/presentationml/2006/main">
+  <p:cSld>
+    <p:spTree>
+      <p:nvGrpSpPr>
+        <p:cNvPr id="1" name=""/>
+        <p:cNvGrpSpPr/>
+        <p:nvPr/>
+      </p:nvGrpSpPr>
+      <p:grpSpPr>
+        <a:xfrm>
+          <a:off x="0" y="0"/>
+          <a:ext cx="0" cy="0"/>
+          <a:chOff x="0" y="0"/>
+          <a:chExt cx="0" cy="0"/>
+        </a:xfrm>
+      </p:grpSpPr>
+      <p:sp>
+        <p:nvSpPr>
+          <p:cNvPr id="4" name="Rectangle 3"/>
+          <p:cNvSpPr/>
+          <p:nvPr/>
+        </p:nvSpPr>
+        <p:spPr>
+          <a:xfrm>
+            <a:off x="107504" y="44624"/>
+            <a:ext cx="7704856" cy="369332"/>
+          </a:xfrm>
+          <a:prstGeom prst="rect">
+            <a:avLst/>
+          </a:prstGeom>
+        </p:spPr>
+        <p:txBody>
+          <a:bodyPr wrap="square">
+            <a:spAutoFit/>
+          </a:bodyPr>
+          <a:lstStyle/>
+          <a:p>
+            <a:r>
+              <a:rPr lang="en-SG" b="1" dirty="0" err="1" smtClean="0"/>
+              <a:t>TextViewer</a:t>
+            </a:r>
+            <a:endParaRPr lang="en-SG" b="1" dirty="0"/>
+          </a:p>
+        </p:txBody>
+      </p:sp>
+      <p:sp>
+        <p:nvSpPr>
+          <p:cNvPr id="5" name="Rectangle 4"/>
+          <p:cNvSpPr/>
+          <p:nvPr/>
+        </p:nvSpPr>
+        <p:spPr>
+          <a:xfrm>
+            <a:off x="539552" y="1052736"/>
+            <a:ext cx="2232248" cy="3168352"/>
+          </a:xfrm>
+          <a:prstGeom prst="rect">
+            <a:avLst/>
+          </a:prstGeom>
+        </p:spPr>
+        <p:style>
+          <a:lnRef idx="1">
+            <a:schemeClr val="dk1"/>
+          </a:lnRef>
+          <a:fillRef idx="2">
+            <a:schemeClr val="dk1"/>
+          </a:fillRef>
+          <a:effectRef idx="1">
+            <a:schemeClr val="dk1"/>
+          </a:effectRef>
+          <a:fontRef idx="minor">
+            <a:schemeClr val="dk1"/>
+          </a:fontRef>
+        </p:style>
+        <p:txBody>
+          <a:bodyPr rtlCol="0" anchor="t"/>
+          <a:lstStyle/>
+          <a:p>
+            <a:r>
+              <a:rPr lang="en-SG" sz="1400" b="1" dirty="0" err="1" smtClean="0"/>
+              <a:t>TextViewer</a:t>
+            </a:r>
+            <a:endParaRPr lang="en-SG" sz="1400" b="1" dirty="0" smtClean="0"/>
+          </a:p>
+          <a:p>
+            <a:r>
+              <a:rPr lang="en-SG" sz="1200" dirty="0" err="1"/>
+              <a:t>TextViewer_SizeChanged</a:t>
+            </a:r>
+            <a:endParaRPr lang="en-SG" sz="1200" dirty="0" smtClean="0"/>
+          </a:p>
+          <a:p>
+            <a:r>
+              <a:rPr lang="en-SG" sz="1200" dirty="0" err="1" smtClean="0"/>
+              <a:t>ScrollBar_ValueChanged</a:t>
+            </a:r>
+            <a:endParaRPr lang="en-SG" sz="1200" dirty="0" smtClean="0"/>
+          </a:p>
+          <a:p>
+            <a:endParaRPr lang="en-SG" sz="1200" dirty="0"/>
+          </a:p>
+          <a:p>
+            <a:r>
+              <a:rPr lang="en-SG" sz="1200" dirty="0" err="1" smtClean="0"/>
+              <a:t>TextViewer_MouseMove</a:t>
+            </a:r>
+            <a:endParaRPr lang="en-SG" sz="1200" dirty="0" smtClean="0"/>
+          </a:p>
+          <a:p>
+            <a:r>
+              <a:rPr lang="en-SG" sz="1200" i="1" dirty="0"/>
+              <a:t> </a:t>
+            </a:r>
+            <a:r>
+              <a:rPr lang="en-SG" sz="1200" i="1" dirty="0" smtClean="0"/>
+              <a:t> when left mouse button is</a:t>
+            </a:r>
+          </a:p>
+          <a:p>
+            <a:r>
+              <a:rPr lang="en-SG" sz="1200" i="1" dirty="0"/>
+              <a:t> </a:t>
+            </a:r>
+            <a:r>
+              <a:rPr lang="en-SG" sz="1200" i="1" dirty="0" smtClean="0"/>
+              <a:t> pressed, text selection changes</a:t>
+            </a:r>
+          </a:p>
+          <a:p>
+            <a:endParaRPr lang="en-SG" sz="1200" dirty="0" smtClean="0"/>
+          </a:p>
+          <a:p>
+            <a:endParaRPr lang="en-SG" sz="1200" dirty="0"/>
+          </a:p>
+        </p:txBody>
+      </p:sp>
+      <p:sp>
+        <p:nvSpPr>
+          <p:cNvPr id="6" name="Rectangle 5"/>
+          <p:cNvSpPr/>
+          <p:nvPr/>
+        </p:nvSpPr>
+        <p:spPr>
+          <a:xfrm>
+            <a:off x="3419872" y="260648"/>
+            <a:ext cx="2232248" cy="1296144"/>
+          </a:xfrm>
+          <a:prstGeom prst="rect">
+            <a:avLst/>
+          </a:prstGeom>
+        </p:spPr>
+        <p:style>
+          <a:lnRef idx="1">
+            <a:schemeClr val="dk1"/>
+          </a:lnRef>
+          <a:fillRef idx="2">
+            <a:schemeClr val="dk1"/>
+          </a:fillRef>
+          <a:effectRef idx="1">
+            <a:schemeClr val="dk1"/>
+          </a:effectRef>
+          <a:fontRef idx="minor">
+            <a:schemeClr val="dk1"/>
+          </a:fontRef>
+        </p:style>
+        <p:txBody>
+          <a:bodyPr rtlCol="0" anchor="t"/>
+          <a:lstStyle/>
+          <a:p>
+            <a:r>
+              <a:rPr lang="en-SG" sz="1400" b="1" dirty="0" err="1" smtClean="0"/>
+              <a:t>TextViewerGlyph</a:t>
+            </a:r>
+            <a:endParaRPr lang="en-SG" sz="1400" b="1" dirty="0" smtClean="0"/>
+          </a:p>
+          <a:p>
+            <a:r>
+              <a:rPr lang="en-SG" sz="1200" dirty="0" err="1"/>
+              <a:t>SetDisplayLines</a:t>
+            </a:r>
+            <a:r>
+              <a:rPr lang="en-SG" sz="1200" dirty="0" smtClean="0"/>
+              <a:t>()</a:t>
+            </a:r>
+          </a:p>
+          <a:p>
+            <a:endParaRPr lang="en-SG" sz="1200" dirty="0" smtClean="0"/>
+          </a:p>
+          <a:p>
+            <a:r>
+              <a:rPr lang="en-SG" sz="1200" dirty="0" err="1" smtClean="0"/>
+              <a:t>OnRenderContent</a:t>
+            </a:r>
+            <a:r>
+              <a:rPr lang="en-SG" sz="1200" dirty="0"/>
+              <a:t>()</a:t>
+            </a:r>
+          </a:p>
+          <a:p>
+            <a:endParaRPr lang="en-SG" sz="1200" dirty="0" smtClean="0"/>
+          </a:p>
+        </p:txBody>
+      </p:sp>
+      <p:sp>
+        <p:nvSpPr>
+          <p:cNvPr id="7" name="Rectangle 6"/>
+          <p:cNvSpPr/>
+          <p:nvPr/>
+        </p:nvSpPr>
+        <p:spPr>
+          <a:xfrm>
+            <a:off x="6156176" y="2132856"/>
+            <a:ext cx="2232248" cy="1368152"/>
+          </a:xfrm>
+          <a:prstGeom prst="rect">
+            <a:avLst/>
+          </a:prstGeom>
+        </p:spPr>
+        <p:style>
+          <a:lnRef idx="1">
+            <a:schemeClr val="dk1"/>
+          </a:lnRef>
+          <a:fillRef idx="2">
+            <a:schemeClr val="dk1"/>
+          </a:fillRef>
+          <a:effectRef idx="1">
+            <a:schemeClr val="dk1"/>
+          </a:effectRef>
+          <a:fontRef idx="minor">
+            <a:schemeClr val="dk1"/>
+          </a:fontRef>
+        </p:style>
+        <p:txBody>
+          <a:bodyPr rtlCol="0" anchor="t"/>
+          <a:lstStyle/>
+          <a:p>
+            <a:r>
+              <a:rPr lang="en-SG" sz="1400" b="1" dirty="0" err="1" smtClean="0"/>
+              <a:t>TextViewerSelection</a:t>
+            </a:r>
+            <a:endParaRPr lang="en-SG" sz="1400" b="1" dirty="0" smtClean="0"/>
+          </a:p>
+          <a:p>
+            <a:r>
+              <a:rPr lang="en-SG" sz="1200" dirty="0" err="1"/>
+              <a:t>SetDisplayLines</a:t>
+            </a:r>
+            <a:r>
+              <a:rPr lang="en-SG" sz="1200" dirty="0" smtClean="0"/>
+              <a:t>()</a:t>
+            </a:r>
+          </a:p>
+          <a:p>
+            <a:endParaRPr lang="en-SG" sz="1200" dirty="0"/>
+          </a:p>
+          <a:p>
+            <a:r>
+              <a:rPr lang="en-SG" sz="1200" dirty="0" err="1"/>
+              <a:t>SetSelection</a:t>
+            </a:r>
+            <a:r>
+              <a:rPr lang="en-SG" sz="1200" dirty="0" smtClean="0"/>
+              <a:t>()</a:t>
+            </a:r>
+          </a:p>
+          <a:p>
+            <a:endParaRPr lang="en-SG" sz="1200" dirty="0"/>
+          </a:p>
+          <a:p>
+            <a:r>
+              <a:rPr lang="en-SG" sz="1200" dirty="0" err="1"/>
+              <a:t>OnRenderContent</a:t>
+            </a:r>
+            <a:r>
+              <a:rPr lang="en-SG" sz="1200" dirty="0"/>
+              <a:t>()</a:t>
+            </a:r>
+            <a:endParaRPr lang="en-SG" sz="1200" dirty="0" smtClean="0"/>
+          </a:p>
+        </p:txBody>
+      </p:sp>
+      <p:cxnSp>
+        <p:nvCxnSpPr>
+          <p:cNvPr id="9" name="Straight Arrow Connector 8"/>
+          <p:cNvCxnSpPr/>
+          <p:nvPr/>
+        </p:nvCxnSpPr>
+        <p:spPr>
+          <a:xfrm flipV="1">
+            <a:off x="2123728" y="620688"/>
+            <a:ext cx="1368152" cy="864096"/>
+          </a:xfrm>
+          <a:prstGeom prst="straightConnector1">
+            <a:avLst/>
+          </a:prstGeom>
+          <a:ln>
+            <a:tailEnd type="arrow"/>
+          </a:ln>
+        </p:spPr>
+        <p:style>
+          <a:lnRef idx="1">
+            <a:schemeClr val="accent1"/>
+          </a:lnRef>
+          <a:fillRef idx="0">
+            <a:schemeClr val="accent1"/>
+          </a:fillRef>
+          <a:effectRef idx="0">
+            <a:schemeClr val="accent1"/>
+          </a:effectRef>
+          <a:fontRef idx="minor">
+            <a:schemeClr val="tx1"/>
+          </a:fontRef>
+        </p:style>
+      </p:cxnSp>
+      <p:cxnSp>
+        <p:nvCxnSpPr>
+          <p:cNvPr id="11" name="Straight Arrow Connector 10"/>
+          <p:cNvCxnSpPr/>
+          <p:nvPr/>
+        </p:nvCxnSpPr>
+        <p:spPr>
+          <a:xfrm>
+            <a:off x="4067944" y="1052736"/>
+            <a:ext cx="2016224" cy="1440160"/>
+          </a:xfrm>
+          <a:prstGeom prst="straightConnector1">
+            <a:avLst/>
+          </a:prstGeom>
+          <a:ln>
+            <a:tailEnd type="arrow"/>
+          </a:ln>
+        </p:spPr>
+        <p:style>
+          <a:lnRef idx="1">
+            <a:schemeClr val="accent1"/>
+          </a:lnRef>
+          <a:fillRef idx="0">
+            <a:schemeClr val="accent1"/>
+          </a:fillRef>
+          <a:effectRef idx="0">
+            <a:schemeClr val="accent1"/>
+          </a:effectRef>
+          <a:fontRef idx="minor">
+            <a:schemeClr val="tx1"/>
+          </a:fontRef>
+        </p:style>
+      </p:cxnSp>
+      <p:cxnSp>
+        <p:nvCxnSpPr>
+          <p:cNvPr id="13" name="Straight Arrow Connector 12"/>
+          <p:cNvCxnSpPr/>
+          <p:nvPr/>
+        </p:nvCxnSpPr>
+        <p:spPr>
+          <a:xfrm>
+            <a:off x="2339752" y="1988840"/>
+            <a:ext cx="3744416" cy="855095"/>
+          </a:xfrm>
+          <a:prstGeom prst="straightConnector1">
+            <a:avLst/>
+          </a:prstGeom>
+          <a:ln>
+            <a:tailEnd type="arrow"/>
+          </a:ln>
+        </p:spPr>
+        <p:style>
+          <a:lnRef idx="1">
+            <a:schemeClr val="accent1"/>
+          </a:lnRef>
+          <a:fillRef idx="0">
+            <a:schemeClr val="accent1"/>
+          </a:fillRef>
+          <a:effectRef idx="0">
+            <a:schemeClr val="accent1"/>
+          </a:effectRef>
+          <a:fontRef idx="minor">
+            <a:schemeClr val="tx1"/>
+          </a:fontRef>
+        </p:style>
+      </p:cxnSp>
+      <p:sp>
+        <p:nvSpPr>
+          <p:cNvPr id="14" name="Rectangle 13"/>
+          <p:cNvSpPr/>
+          <p:nvPr/>
+        </p:nvSpPr>
+        <p:spPr>
+          <a:xfrm>
+            <a:off x="6156176" y="548680"/>
+            <a:ext cx="2232248" cy="1296144"/>
+          </a:xfrm>
+          <a:prstGeom prst="rect">
+            <a:avLst/>
+          </a:prstGeom>
+        </p:spPr>
+        <p:style>
+          <a:lnRef idx="1">
+            <a:schemeClr val="dk1"/>
+          </a:lnRef>
+          <a:fillRef idx="2">
+            <a:schemeClr val="dk1"/>
+          </a:fillRef>
+          <a:effectRef idx="1">
+            <a:schemeClr val="dk1"/>
+          </a:effectRef>
+          <a:fontRef idx="minor">
+            <a:schemeClr val="dk1"/>
+          </a:fontRef>
+        </p:style>
+        <p:txBody>
+          <a:bodyPr rtlCol="0" anchor="t"/>
+          <a:lstStyle/>
+          <a:p>
+            <a:r>
+              <a:rPr lang="en-SG" sz="1400" b="1" dirty="0" err="1"/>
+              <a:t>TextViewerObjects</a:t>
+            </a:r>
+            <a:endParaRPr lang="en-SG" sz="1400" b="1" dirty="0" smtClean="0"/>
+          </a:p>
+          <a:p>
+            <a:r>
+              <a:rPr lang="en-SG" sz="1200" dirty="0" err="1"/>
+              <a:t>AddLink</a:t>
+            </a:r>
+            <a:r>
+              <a:rPr lang="en-SG" sz="1200" dirty="0" smtClean="0"/>
+              <a:t>()</a:t>
+            </a:r>
+          </a:p>
+          <a:p>
+            <a:r>
+              <a:rPr lang="en-SG" sz="1200" dirty="0" err="1" smtClean="0"/>
+              <a:t>AddStream</a:t>
+            </a:r>
+            <a:r>
+              <a:rPr lang="en-SG" sz="1200" dirty="0" smtClean="0"/>
+              <a:t>()</a:t>
+            </a:r>
+          </a:p>
+        </p:txBody>
+      </p:sp>
+      <p:cxnSp>
+        <p:nvCxnSpPr>
+          <p:cNvPr id="16" name="Straight Arrow Connector 15"/>
+          <p:cNvCxnSpPr/>
+          <p:nvPr/>
+        </p:nvCxnSpPr>
+        <p:spPr>
+          <a:xfrm>
+            <a:off x="4716016" y="980728"/>
+            <a:ext cx="1512168" cy="0"/>
+          </a:xfrm>
+          <a:prstGeom prst="straightConnector1">
+            <a:avLst/>
+          </a:prstGeom>
+          <a:ln>
+            <a:tailEnd type="arrow"/>
+          </a:ln>
+        </p:spPr>
+        <p:style>
+          <a:lnRef idx="1">
+            <a:schemeClr val="accent1"/>
+          </a:lnRef>
+          <a:fillRef idx="0">
+            <a:schemeClr val="accent1"/>
+          </a:fillRef>
+          <a:effectRef idx="0">
+            <a:schemeClr val="accent1"/>
+          </a:effectRef>
+          <a:fontRef idx="minor">
+            <a:schemeClr val="tx1"/>
+          </a:fontRef>
+        </p:style>
+      </p:cxnSp>
+      <p:cxnSp>
+        <p:nvCxnSpPr>
+          <p:cNvPr id="20" name="Straight Arrow Connector 19"/>
+          <p:cNvCxnSpPr/>
+          <p:nvPr/>
+        </p:nvCxnSpPr>
+        <p:spPr>
+          <a:xfrm>
+            <a:off x="4067944" y="692696"/>
+            <a:ext cx="0" cy="216024"/>
+          </a:xfrm>
+          <a:prstGeom prst="straightConnector1">
+            <a:avLst/>
+          </a:prstGeom>
+          <a:ln>
+            <a:tailEnd type="arrow"/>
+          </a:ln>
+        </p:spPr>
+        <p:style>
+          <a:lnRef idx="1">
+            <a:schemeClr val="accent1"/>
+          </a:lnRef>
+          <a:fillRef idx="0">
+            <a:schemeClr val="accent1"/>
+          </a:fillRef>
+          <a:effectRef idx="0">
+            <a:schemeClr val="accent1"/>
+          </a:effectRef>
+          <a:fontRef idx="minor">
+            <a:schemeClr val="tx1"/>
+          </a:fontRef>
+        </p:style>
+      </p:cxnSp>
+      <p:cxnSp>
+        <p:nvCxnSpPr>
+          <p:cNvPr id="22" name="Straight Arrow Connector 21"/>
+          <p:cNvCxnSpPr/>
+          <p:nvPr/>
+        </p:nvCxnSpPr>
+        <p:spPr>
+          <a:xfrm>
+            <a:off x="6732240" y="2924944"/>
+            <a:ext cx="0" cy="216024"/>
+          </a:xfrm>
+          <a:prstGeom prst="straightConnector1">
+            <a:avLst/>
+          </a:prstGeom>
+          <a:ln>
+            <a:tailEnd type="arrow"/>
+          </a:ln>
+        </p:spPr>
+        <p:style>
+          <a:lnRef idx="1">
+            <a:schemeClr val="accent1"/>
+          </a:lnRef>
+          <a:fillRef idx="0">
+            <a:schemeClr val="accent1"/>
+          </a:fillRef>
+          <a:effectRef idx="0">
+            <a:schemeClr val="accent1"/>
+          </a:effectRef>
+          <a:fontRef idx="minor">
+            <a:schemeClr val="tx1"/>
+          </a:fontRef>
+        </p:style>
+      </p:cxnSp>
+      <p:cxnSp>
+        <p:nvCxnSpPr>
+          <p:cNvPr id="24" name="Straight Arrow Connector 23"/>
+          <p:cNvCxnSpPr/>
+          <p:nvPr/>
+        </p:nvCxnSpPr>
+        <p:spPr>
+          <a:xfrm>
+            <a:off x="7236296" y="2564904"/>
+            <a:ext cx="0" cy="432048"/>
+          </a:xfrm>
+          <a:prstGeom prst="straightConnector1">
+            <a:avLst/>
+          </a:prstGeom>
+          <a:ln>
+            <a:tailEnd type="arrow"/>
+          </a:ln>
+        </p:spPr>
+        <p:style>
+          <a:lnRef idx="1">
+            <a:schemeClr val="accent1"/>
+          </a:lnRef>
+          <a:fillRef idx="0">
+            <a:schemeClr val="accent1"/>
+          </a:fillRef>
+          <a:effectRef idx="0">
+            <a:schemeClr val="accent1"/>
+          </a:effectRef>
+          <a:fontRef idx="minor">
+            <a:schemeClr val="tx1"/>
+          </a:fontRef>
+        </p:style>
+      </p:cxnSp>
+    </p:spTree>
+    <p:extLst>
+      <p:ext uri="{BB962C8B-B14F-4D97-AF65-F5344CB8AC3E}">
+        <p14:creationId xmlns:p14="http://schemas.microsoft.com/office/powerpoint/2010/main" val="3140254973"/>
+      </p:ext>
+    </p:extLst>
+  </p:cSld>
+  <p:clrMapOvr>
+    <a:masterClrMapping/>
+  </p:clrMapOvr>
+</p:sld>
+</file>
+
 <file path=ppt/slides/slide2.xml><?xml version="1.0" encoding="utf-8"?>
+<p:sld xmlns:a="http://schemas.openxmlformats.org/drawingml/2006/main" xmlns:r="http://schemas.openxmlformats.org/officeDocument/2006/relationships" xmlns:p="http://schemas.openxmlformats.org/presentationml/2006/main">
+  <p:cSld>
+    <p:spTree>
+      <p:nvGrpSpPr>
+        <p:cNvPr id="1" name=""/>
+        <p:cNvGrpSpPr/>
+        <p:nvPr/>
+      </p:nvGrpSpPr>
+      <p:grpSpPr>
+        <a:xfrm>
+          <a:off x="0" y="0"/>
+          <a:ext cx="0" cy="0"/>
+          <a:chOff x="0" y="0"/>
+          <a:chExt cx="0" cy="0"/>
+        </a:xfrm>
+      </p:grpSpPr>
+      <p:sp>
+        <p:nvSpPr>
+          <p:cNvPr id="13" name="Rectangle 12"/>
+          <p:cNvSpPr/>
+          <p:nvPr/>
+        </p:nvSpPr>
+        <p:spPr>
+          <a:xfrm>
+            <a:off x="107504" y="260648"/>
+            <a:ext cx="576064" cy="686653"/>
+          </a:xfrm>
+          <a:prstGeom prst="rect">
+            <a:avLst/>
+          </a:prstGeom>
+        </p:spPr>
+        <p:style>
+          <a:lnRef idx="1">
+            <a:schemeClr val="dk1"/>
+          </a:lnRef>
+          <a:fillRef idx="2">
+            <a:schemeClr val="dk1"/>
+          </a:fillRef>
+          <a:effectRef idx="1">
+            <a:schemeClr val="dk1"/>
+          </a:effectRef>
+          <a:fontRef idx="minor">
+            <a:schemeClr val="dk1"/>
+          </a:fontRef>
+        </p:style>
+        <p:txBody>
+          <a:bodyPr rtlCol="0" anchor="t"/>
+          <a:lstStyle/>
+          <a:p>
+            <a:r>
+              <a:rPr lang="en-SG" sz="1000" b="1" dirty="0" err="1" smtClean="0"/>
+              <a:t>MainWIndow</a:t>
+            </a:r>
+            <a:endParaRPr lang="en-SG" sz="1000" b="1" dirty="0"/>
+          </a:p>
+        </p:txBody>
+      </p:sp>
+      <p:sp>
+        <p:nvSpPr>
+          <p:cNvPr id="14" name="Rectangle 13"/>
+          <p:cNvSpPr/>
+          <p:nvPr/>
+        </p:nvSpPr>
+        <p:spPr>
+          <a:xfrm>
+            <a:off x="1043608" y="260648"/>
+            <a:ext cx="1656184" cy="6264696"/>
+          </a:xfrm>
+          <a:prstGeom prst="rect">
+            <a:avLst/>
+          </a:prstGeom>
+        </p:spPr>
+        <p:style>
+          <a:lnRef idx="1">
+            <a:schemeClr val="dk1"/>
+          </a:lnRef>
+          <a:fillRef idx="2">
+            <a:schemeClr val="dk1"/>
+          </a:fillRef>
+          <a:effectRef idx="1">
+            <a:schemeClr val="dk1"/>
+          </a:effectRef>
+          <a:fontRef idx="minor">
+            <a:schemeClr val="dk1"/>
+          </a:fontRef>
+        </p:style>
+        <p:txBody>
+          <a:bodyPr rtlCol="0" anchor="t"/>
+          <a:lstStyle/>
+          <a:p>
+            <a:r>
+              <a:rPr lang="en-SG" sz="1000" b="1" dirty="0" err="1"/>
+              <a:t>TextViewer</a:t>
+            </a:r>
+            <a:endParaRPr lang="en-SG" sz="1000" b="1" dirty="0"/>
+          </a:p>
+        </p:txBody>
+      </p:sp>
+      <p:sp>
+        <p:nvSpPr>
+          <p:cNvPr id="15" name="Rectangle 14"/>
+          <p:cNvSpPr/>
+          <p:nvPr/>
+        </p:nvSpPr>
+        <p:spPr>
+          <a:xfrm>
+            <a:off x="3131840" y="260648"/>
+            <a:ext cx="1656184" cy="6264696"/>
+          </a:xfrm>
+          <a:prstGeom prst="rect">
+            <a:avLst/>
+          </a:prstGeom>
+        </p:spPr>
+        <p:style>
+          <a:lnRef idx="1">
+            <a:schemeClr val="dk1"/>
+          </a:lnRef>
+          <a:fillRef idx="2">
+            <a:schemeClr val="dk1"/>
+          </a:fillRef>
+          <a:effectRef idx="1">
+            <a:schemeClr val="dk1"/>
+          </a:effectRef>
+          <a:fontRef idx="minor">
+            <a:schemeClr val="dk1"/>
+          </a:fontRef>
+        </p:style>
+        <p:txBody>
+          <a:bodyPr rtlCol="0" anchor="t"/>
+          <a:lstStyle/>
+          <a:p>
+            <a:r>
+              <a:rPr lang="en-SG" sz="1000" b="1" dirty="0" err="1" smtClean="0"/>
+              <a:t>TextStore</a:t>
+            </a:r>
+            <a:endParaRPr lang="en-SG" sz="1000" b="1" dirty="0"/>
+          </a:p>
+        </p:txBody>
+      </p:sp>
+      <p:sp>
+        <p:nvSpPr>
+          <p:cNvPr id="16" name="Rectangle 15"/>
+          <p:cNvSpPr/>
+          <p:nvPr/>
+        </p:nvSpPr>
+        <p:spPr>
+          <a:xfrm>
+            <a:off x="5220072" y="260648"/>
+            <a:ext cx="1656184" cy="6264696"/>
+          </a:xfrm>
+          <a:prstGeom prst="rect">
+            <a:avLst/>
+          </a:prstGeom>
+        </p:spPr>
+        <p:style>
+          <a:lnRef idx="1">
+            <a:schemeClr val="dk1"/>
+          </a:lnRef>
+          <a:fillRef idx="2">
+            <a:schemeClr val="dk1"/>
+          </a:fillRef>
+          <a:effectRef idx="1">
+            <a:schemeClr val="dk1"/>
+          </a:effectRef>
+          <a:fontRef idx="minor">
+            <a:schemeClr val="dk1"/>
+          </a:fontRef>
+        </p:style>
+        <p:txBody>
+          <a:bodyPr rtlCol="0" anchor="t"/>
+          <a:lstStyle/>
+          <a:p>
+            <a:r>
+              <a:rPr lang="en-SG" sz="1000" b="1" dirty="0" err="1"/>
+              <a:t>TextViewerGlyph</a:t>
+            </a:r>
+            <a:endParaRPr lang="en-SG" sz="1000" b="1" dirty="0"/>
+          </a:p>
+        </p:txBody>
+      </p:sp>
+      <p:sp>
+        <p:nvSpPr>
+          <p:cNvPr id="17" name="TextBox 16"/>
+          <p:cNvSpPr txBox="1"/>
+          <p:nvPr/>
+        </p:nvSpPr>
+        <p:spPr>
+          <a:xfrm>
+            <a:off x="1043608" y="446475"/>
+            <a:ext cx="519694" cy="246221"/>
+          </a:xfrm>
+          <a:prstGeom prst="rect">
+            <a:avLst/>
+          </a:prstGeom>
+          <a:noFill/>
+        </p:spPr>
+        <p:txBody>
+          <a:bodyPr wrap="none" rtlCol="0">
+            <a:spAutoFit/>
+          </a:bodyPr>
+          <a:lstStyle/>
+          <a:p>
+            <a:r>
+              <a:rPr lang="en-SG" sz="1000" b="1" dirty="0" smtClean="0"/>
+              <a:t>Load()</a:t>
+            </a:r>
+            <a:endParaRPr lang="en-SG" sz="1000" b="1" dirty="0"/>
+          </a:p>
+        </p:txBody>
+      </p:sp>
+      <p:sp>
+        <p:nvSpPr>
+          <p:cNvPr id="18" name="Rectangle 17"/>
+          <p:cNvSpPr/>
+          <p:nvPr/>
+        </p:nvSpPr>
+        <p:spPr>
+          <a:xfrm>
+            <a:off x="7308304" y="260648"/>
+            <a:ext cx="1656184" cy="6264696"/>
+          </a:xfrm>
+          <a:prstGeom prst="rect">
+            <a:avLst/>
+          </a:prstGeom>
+        </p:spPr>
+        <p:style>
+          <a:lnRef idx="1">
+            <a:schemeClr val="dk1"/>
+          </a:lnRef>
+          <a:fillRef idx="2">
+            <a:schemeClr val="dk1"/>
+          </a:fillRef>
+          <a:effectRef idx="1">
+            <a:schemeClr val="dk1"/>
+          </a:effectRef>
+          <a:fontRef idx="minor">
+            <a:schemeClr val="dk1"/>
+          </a:fontRef>
+        </p:style>
+        <p:txBody>
+          <a:bodyPr rtlCol="0" anchor="t"/>
+          <a:lstStyle/>
+          <a:p>
+            <a:r>
+              <a:rPr lang="en-SG" sz="1000" b="1" dirty="0" err="1" smtClean="0"/>
+              <a:t>TextViewerSelection</a:t>
+            </a:r>
+            <a:endParaRPr lang="en-SG" sz="1000" b="1" dirty="0"/>
+          </a:p>
+        </p:txBody>
+      </p:sp>
+      <p:cxnSp>
+        <p:nvCxnSpPr>
+          <p:cNvPr id="20" name="Straight Arrow Connector 19"/>
+          <p:cNvCxnSpPr>
+            <a:endCxn id="17" idx="1"/>
+          </p:cNvCxnSpPr>
+          <p:nvPr/>
+        </p:nvCxnSpPr>
+        <p:spPr>
+          <a:xfrm>
+            <a:off x="547175" y="569585"/>
+            <a:ext cx="496433" cy="1"/>
+          </a:xfrm>
+          <a:prstGeom prst="straightConnector1">
+            <a:avLst/>
+          </a:prstGeom>
+          <a:ln>
+            <a:tailEnd type="arrow"/>
+          </a:ln>
+        </p:spPr>
+        <p:style>
+          <a:lnRef idx="1">
+            <a:schemeClr val="accent1"/>
+          </a:lnRef>
+          <a:fillRef idx="0">
+            <a:schemeClr val="accent1"/>
+          </a:fillRef>
+          <a:effectRef idx="0">
+            <a:schemeClr val="accent1"/>
+          </a:effectRef>
+          <a:fontRef idx="minor">
+            <a:schemeClr val="tx1"/>
+          </a:fontRef>
+        </p:style>
+      </p:cxnSp>
+      <p:sp>
+        <p:nvSpPr>
+          <p:cNvPr id="22" name="TextBox 21"/>
+          <p:cNvSpPr txBox="1"/>
+          <p:nvPr/>
+        </p:nvSpPr>
+        <p:spPr>
+          <a:xfrm>
+            <a:off x="3131840" y="548680"/>
+            <a:ext cx="558166" cy="246221"/>
+          </a:xfrm>
+          <a:prstGeom prst="rect">
+            <a:avLst/>
+          </a:prstGeom>
+          <a:noFill/>
+        </p:spPr>
+        <p:txBody>
+          <a:bodyPr wrap="none" rtlCol="0">
+            <a:spAutoFit/>
+          </a:bodyPr>
+          <a:lstStyle/>
+          <a:p>
+            <a:r>
+              <a:rPr lang="en-SG" sz="1000" b="1" dirty="0" smtClean="0"/>
+              <a:t>Reset</a:t>
+            </a:r>
+            <a:r>
+              <a:rPr lang="en-SG" sz="1000" dirty="0" smtClean="0"/>
+              <a:t>()</a:t>
+            </a:r>
+            <a:endParaRPr lang="en-SG" sz="1000" dirty="0"/>
+          </a:p>
+        </p:txBody>
+      </p:sp>
+      <p:sp>
+        <p:nvSpPr>
+          <p:cNvPr id="23" name="TextBox 22"/>
+          <p:cNvSpPr txBox="1"/>
+          <p:nvPr/>
+        </p:nvSpPr>
+        <p:spPr>
+          <a:xfrm>
+            <a:off x="5244382" y="548680"/>
+            <a:ext cx="558166" cy="246221"/>
+          </a:xfrm>
+          <a:prstGeom prst="rect">
+            <a:avLst/>
+          </a:prstGeom>
+          <a:noFill/>
+        </p:spPr>
+        <p:txBody>
+          <a:bodyPr wrap="none" rtlCol="0">
+            <a:spAutoFit/>
+          </a:bodyPr>
+          <a:lstStyle/>
+          <a:p>
+            <a:r>
+              <a:rPr lang="en-SG" sz="1000" b="1" dirty="0" smtClean="0"/>
+              <a:t>Reset</a:t>
+            </a:r>
+            <a:r>
+              <a:rPr lang="en-SG" sz="1000" dirty="0" smtClean="0"/>
+              <a:t>()</a:t>
+            </a:r>
+            <a:endParaRPr lang="en-SG" sz="1000" dirty="0"/>
+          </a:p>
+        </p:txBody>
+      </p:sp>
+      <p:sp>
+        <p:nvSpPr>
+          <p:cNvPr id="24" name="TextBox 23"/>
+          <p:cNvSpPr txBox="1"/>
+          <p:nvPr/>
+        </p:nvSpPr>
+        <p:spPr>
+          <a:xfrm>
+            <a:off x="7356924" y="446475"/>
+            <a:ext cx="558166" cy="246221"/>
+          </a:xfrm>
+          <a:prstGeom prst="rect">
+            <a:avLst/>
+          </a:prstGeom>
+          <a:noFill/>
+        </p:spPr>
+        <p:txBody>
+          <a:bodyPr wrap="none" rtlCol="0">
+            <a:spAutoFit/>
+          </a:bodyPr>
+          <a:lstStyle/>
+          <a:p>
+            <a:r>
+              <a:rPr lang="en-SG" sz="1000" b="1" dirty="0" smtClean="0"/>
+              <a:t>Reset</a:t>
+            </a:r>
+            <a:r>
+              <a:rPr lang="en-SG" sz="1000" dirty="0" smtClean="0"/>
+              <a:t>()</a:t>
+            </a:r>
+            <a:endParaRPr lang="en-SG" sz="1000" dirty="0"/>
+          </a:p>
+        </p:txBody>
+      </p:sp>
+      <p:cxnSp>
+        <p:nvCxnSpPr>
+          <p:cNvPr id="26" name="Straight Arrow Connector 25"/>
+          <p:cNvCxnSpPr>
+            <a:stCxn id="17" idx="3"/>
+            <a:endCxn id="22" idx="1"/>
+          </p:cNvCxnSpPr>
+          <p:nvPr/>
+        </p:nvCxnSpPr>
+        <p:spPr>
+          <a:xfrm>
+            <a:off x="1563302" y="569586"/>
+            <a:ext cx="1568538" cy="102205"/>
+          </a:xfrm>
+          <a:prstGeom prst="straightConnector1">
+            <a:avLst/>
+          </a:prstGeom>
+          <a:ln>
+            <a:tailEnd type="arrow"/>
+          </a:ln>
+        </p:spPr>
+        <p:style>
+          <a:lnRef idx="1">
+            <a:schemeClr val="accent1"/>
+          </a:lnRef>
+          <a:fillRef idx="0">
+            <a:schemeClr val="accent1"/>
+          </a:fillRef>
+          <a:effectRef idx="0">
+            <a:schemeClr val="accent1"/>
+          </a:effectRef>
+          <a:fontRef idx="minor">
+            <a:schemeClr val="tx1"/>
+          </a:fontRef>
+        </p:style>
+      </p:cxnSp>
+      <p:cxnSp>
+        <p:nvCxnSpPr>
+          <p:cNvPr id="28" name="Straight Arrow Connector 27"/>
+          <p:cNvCxnSpPr>
+            <a:stCxn id="17" idx="3"/>
+            <a:endCxn id="23" idx="1"/>
+          </p:cNvCxnSpPr>
+          <p:nvPr/>
+        </p:nvCxnSpPr>
+        <p:spPr>
+          <a:xfrm>
+            <a:off x="1563302" y="569586"/>
+            <a:ext cx="3681080" cy="102205"/>
+          </a:xfrm>
+          <a:prstGeom prst="straightConnector1">
+            <a:avLst/>
+          </a:prstGeom>
+          <a:ln>
+            <a:tailEnd type="arrow"/>
+          </a:ln>
+        </p:spPr>
+        <p:style>
+          <a:lnRef idx="1">
+            <a:schemeClr val="accent1"/>
+          </a:lnRef>
+          <a:fillRef idx="0">
+            <a:schemeClr val="accent1"/>
+          </a:fillRef>
+          <a:effectRef idx="0">
+            <a:schemeClr val="accent1"/>
+          </a:effectRef>
+          <a:fontRef idx="minor">
+            <a:schemeClr val="tx1"/>
+          </a:fontRef>
+        </p:style>
+      </p:cxnSp>
+      <p:cxnSp>
+        <p:nvCxnSpPr>
+          <p:cNvPr id="30" name="Straight Arrow Connector 29"/>
+          <p:cNvCxnSpPr>
+            <a:endCxn id="24" idx="1"/>
+          </p:cNvCxnSpPr>
+          <p:nvPr/>
+        </p:nvCxnSpPr>
+        <p:spPr>
+          <a:xfrm>
+            <a:off x="1619672" y="569585"/>
+            <a:ext cx="5737252" cy="1"/>
+          </a:xfrm>
+          <a:prstGeom prst="straightConnector1">
+            <a:avLst/>
+          </a:prstGeom>
+          <a:ln>
+            <a:tailEnd type="arrow"/>
+          </a:ln>
+        </p:spPr>
+        <p:style>
+          <a:lnRef idx="1">
+            <a:schemeClr val="accent1"/>
+          </a:lnRef>
+          <a:fillRef idx="0">
+            <a:schemeClr val="accent1"/>
+          </a:fillRef>
+          <a:effectRef idx="0">
+            <a:schemeClr val="accent1"/>
+          </a:effectRef>
+          <a:fontRef idx="minor">
+            <a:schemeClr val="tx1"/>
+          </a:fontRef>
+        </p:style>
+      </p:cxnSp>
+      <p:sp>
+        <p:nvSpPr>
+          <p:cNvPr id="31" name="TextBox 30"/>
+          <p:cNvSpPr txBox="1"/>
+          <p:nvPr/>
+        </p:nvSpPr>
+        <p:spPr>
+          <a:xfrm>
+            <a:off x="3131840" y="701080"/>
+            <a:ext cx="678391" cy="246221"/>
+          </a:xfrm>
+          <a:prstGeom prst="rect">
+            <a:avLst/>
+          </a:prstGeom>
+          <a:noFill/>
+        </p:spPr>
+        <p:txBody>
+          <a:bodyPr wrap="none" rtlCol="0">
+            <a:spAutoFit/>
+          </a:bodyPr>
+          <a:lstStyle/>
+          <a:p>
+            <a:r>
+              <a:rPr lang="en-SG" sz="1000" b="1" dirty="0" smtClean="0"/>
+              <a:t>Append</a:t>
+            </a:r>
+            <a:r>
+              <a:rPr lang="en-SG" sz="1000" dirty="0" smtClean="0"/>
+              <a:t>()</a:t>
+            </a:r>
+            <a:endParaRPr lang="en-SG" sz="1000" dirty="0"/>
+          </a:p>
+        </p:txBody>
+      </p:sp>
+      <p:cxnSp>
+        <p:nvCxnSpPr>
+          <p:cNvPr id="33" name="Straight Arrow Connector 32"/>
+          <p:cNvCxnSpPr>
+            <a:stCxn id="17" idx="3"/>
+          </p:cNvCxnSpPr>
+          <p:nvPr/>
+        </p:nvCxnSpPr>
+        <p:spPr>
+          <a:xfrm>
+            <a:off x="1563302" y="569586"/>
+            <a:ext cx="1504153" cy="267126"/>
+          </a:xfrm>
+          <a:prstGeom prst="straightConnector1">
+            <a:avLst/>
+          </a:prstGeom>
+          <a:ln>
+            <a:tailEnd type="arrow"/>
+          </a:ln>
+        </p:spPr>
+        <p:style>
+          <a:lnRef idx="1">
+            <a:schemeClr val="accent1"/>
+          </a:lnRef>
+          <a:fillRef idx="0">
+            <a:schemeClr val="accent1"/>
+          </a:fillRef>
+          <a:effectRef idx="0">
+            <a:schemeClr val="accent1"/>
+          </a:effectRef>
+          <a:fontRef idx="minor">
+            <a:schemeClr val="tx1"/>
+          </a:fontRef>
+        </p:style>
+      </p:cxnSp>
+      <p:sp>
+        <p:nvSpPr>
+          <p:cNvPr id="34" name="TextBox 33"/>
+          <p:cNvSpPr txBox="1"/>
+          <p:nvPr/>
+        </p:nvSpPr>
+        <p:spPr>
+          <a:xfrm>
+            <a:off x="1043608" y="598875"/>
+            <a:ext cx="1138453" cy="246221"/>
+          </a:xfrm>
+          <a:prstGeom prst="rect">
+            <a:avLst/>
+          </a:prstGeom>
+          <a:noFill/>
+        </p:spPr>
+        <p:txBody>
+          <a:bodyPr wrap="none" rtlCol="0">
+            <a:spAutoFit/>
+          </a:bodyPr>
+          <a:lstStyle/>
+          <a:p>
+            <a:r>
+              <a:rPr lang="en-SG" sz="1000" dirty="0" smtClean="0"/>
+              <a:t>  </a:t>
+            </a:r>
+            <a:r>
+              <a:rPr lang="en-SG" sz="1000" dirty="0" err="1" smtClean="0"/>
+              <a:t>InvalidateVisual</a:t>
+            </a:r>
+            <a:r>
+              <a:rPr lang="en-SG" sz="1000" dirty="0" smtClean="0"/>
+              <a:t>()</a:t>
+            </a:r>
+            <a:endParaRPr lang="en-SG" sz="1000" dirty="0"/>
+          </a:p>
+        </p:txBody>
+      </p:sp>
+      <p:sp>
+        <p:nvSpPr>
+          <p:cNvPr id="35" name="TextBox 34"/>
+          <p:cNvSpPr txBox="1"/>
+          <p:nvPr/>
+        </p:nvSpPr>
+        <p:spPr>
+          <a:xfrm>
+            <a:off x="1043608" y="1022539"/>
+            <a:ext cx="1627369" cy="246221"/>
+          </a:xfrm>
+          <a:prstGeom prst="rect">
+            <a:avLst/>
+          </a:prstGeom>
+          <a:noFill/>
+        </p:spPr>
+        <p:txBody>
+          <a:bodyPr wrap="none" rtlCol="0">
+            <a:spAutoFit/>
+          </a:bodyPr>
+          <a:lstStyle/>
+          <a:p>
+            <a:r>
+              <a:rPr lang="en-SG" sz="1000" b="1" dirty="0" err="1"/>
+              <a:t>MeasureContentOverride</a:t>
+            </a:r>
+            <a:r>
+              <a:rPr lang="en-SG" sz="1000" b="1" dirty="0" smtClean="0"/>
+              <a:t>()</a:t>
+            </a:r>
+            <a:endParaRPr lang="en-SG" sz="1000" b="1" dirty="0"/>
+          </a:p>
+        </p:txBody>
+      </p:sp>
+      <p:cxnSp>
+        <p:nvCxnSpPr>
+          <p:cNvPr id="37" name="Straight Arrow Connector 36"/>
+          <p:cNvCxnSpPr>
+            <a:stCxn id="34" idx="2"/>
+            <a:endCxn id="35" idx="0"/>
+          </p:cNvCxnSpPr>
+          <p:nvPr/>
+        </p:nvCxnSpPr>
+        <p:spPr>
+          <a:xfrm>
+            <a:off x="1612835" y="845096"/>
+            <a:ext cx="244458" cy="177443"/>
+          </a:xfrm>
+          <a:prstGeom prst="straightConnector1">
+            <a:avLst/>
+          </a:prstGeom>
+          <a:ln>
+            <a:tailEnd type="arrow"/>
+          </a:ln>
+        </p:spPr>
+        <p:style>
+          <a:lnRef idx="1">
+            <a:schemeClr val="accent1"/>
+          </a:lnRef>
+          <a:fillRef idx="0">
+            <a:schemeClr val="accent1"/>
+          </a:fillRef>
+          <a:effectRef idx="0">
+            <a:schemeClr val="accent1"/>
+          </a:effectRef>
+          <a:fontRef idx="minor">
+            <a:schemeClr val="tx1"/>
+          </a:fontRef>
+        </p:style>
+      </p:cxnSp>
+      <p:sp>
+        <p:nvSpPr>
+          <p:cNvPr id="38" name="TextBox 37"/>
+          <p:cNvSpPr txBox="1"/>
+          <p:nvPr/>
+        </p:nvSpPr>
+        <p:spPr>
+          <a:xfrm>
+            <a:off x="5220072" y="1166555"/>
+            <a:ext cx="1627369" cy="246221"/>
+          </a:xfrm>
+          <a:prstGeom prst="rect">
+            <a:avLst/>
+          </a:prstGeom>
+          <a:noFill/>
+        </p:spPr>
+        <p:txBody>
+          <a:bodyPr wrap="none" rtlCol="0">
+            <a:spAutoFit/>
+          </a:bodyPr>
+          <a:lstStyle/>
+          <a:p>
+            <a:r>
+              <a:rPr lang="en-SG" sz="1000" b="1" dirty="0" err="1"/>
+              <a:t>MeasureContentOverride</a:t>
+            </a:r>
+            <a:r>
+              <a:rPr lang="en-SG" sz="1000" b="1" dirty="0" smtClean="0"/>
+              <a:t>()</a:t>
+            </a:r>
+            <a:endParaRPr lang="en-SG" sz="1000" b="1" dirty="0"/>
+          </a:p>
+        </p:txBody>
+      </p:sp>
+      <p:sp>
+        <p:nvSpPr>
+          <p:cNvPr id="39" name="TextBox 38"/>
+          <p:cNvSpPr txBox="1"/>
+          <p:nvPr/>
+        </p:nvSpPr>
+        <p:spPr>
+          <a:xfrm>
+            <a:off x="7308304" y="1022539"/>
+            <a:ext cx="1627369" cy="246221"/>
+          </a:xfrm>
+          <a:prstGeom prst="rect">
+            <a:avLst/>
+          </a:prstGeom>
+          <a:noFill/>
+        </p:spPr>
+        <p:txBody>
+          <a:bodyPr wrap="none" rtlCol="0">
+            <a:spAutoFit/>
+          </a:bodyPr>
+          <a:lstStyle/>
+          <a:p>
+            <a:r>
+              <a:rPr lang="en-SG" sz="1000" b="1" dirty="0" err="1"/>
+              <a:t>MeasureContentOverride</a:t>
+            </a:r>
+            <a:r>
+              <a:rPr lang="en-SG" sz="1000" b="1" dirty="0" smtClean="0"/>
+              <a:t>()</a:t>
+            </a:r>
+            <a:endParaRPr lang="en-SG" sz="1000" b="1" dirty="0"/>
+          </a:p>
+        </p:txBody>
+      </p:sp>
+      <p:cxnSp>
+        <p:nvCxnSpPr>
+          <p:cNvPr id="41" name="Straight Arrow Connector 40"/>
+          <p:cNvCxnSpPr>
+            <a:stCxn id="35" idx="3"/>
+            <a:endCxn id="38" idx="1"/>
+          </p:cNvCxnSpPr>
+          <p:nvPr/>
+        </p:nvCxnSpPr>
+        <p:spPr>
+          <a:xfrm>
+            <a:off x="2670977" y="1145650"/>
+            <a:ext cx="2549095" cy="144016"/>
+          </a:xfrm>
+          <a:prstGeom prst="straightConnector1">
+            <a:avLst/>
+          </a:prstGeom>
+          <a:ln>
+            <a:tailEnd type="arrow"/>
+          </a:ln>
+        </p:spPr>
+        <p:style>
+          <a:lnRef idx="1">
+            <a:schemeClr val="accent1"/>
+          </a:lnRef>
+          <a:fillRef idx="0">
+            <a:schemeClr val="accent1"/>
+          </a:fillRef>
+          <a:effectRef idx="0">
+            <a:schemeClr val="accent1"/>
+          </a:effectRef>
+          <a:fontRef idx="minor">
+            <a:schemeClr val="tx1"/>
+          </a:fontRef>
+        </p:style>
+      </p:cxnSp>
+      <p:cxnSp>
+        <p:nvCxnSpPr>
+          <p:cNvPr id="43" name="Straight Arrow Connector 42"/>
+          <p:cNvCxnSpPr>
+            <a:stCxn id="35" idx="3"/>
+            <a:endCxn id="39" idx="1"/>
+          </p:cNvCxnSpPr>
+          <p:nvPr/>
+        </p:nvCxnSpPr>
+        <p:spPr>
+          <a:xfrm>
+            <a:off x="2670977" y="1145650"/>
+            <a:ext cx="4637327" cy="0"/>
+          </a:xfrm>
+          <a:prstGeom prst="straightConnector1">
+            <a:avLst/>
+          </a:prstGeom>
+          <a:ln>
+            <a:tailEnd type="arrow"/>
+          </a:ln>
+        </p:spPr>
+        <p:style>
+          <a:lnRef idx="1">
+            <a:schemeClr val="accent1"/>
+          </a:lnRef>
+          <a:fillRef idx="0">
+            <a:schemeClr val="accent1"/>
+          </a:fillRef>
+          <a:effectRef idx="0">
+            <a:schemeClr val="accent1"/>
+          </a:effectRef>
+          <a:fontRef idx="minor">
+            <a:schemeClr val="tx1"/>
+          </a:fontRef>
+        </p:style>
+      </p:cxnSp>
+      <p:sp>
+        <p:nvSpPr>
+          <p:cNvPr id="45" name="TextBox 44"/>
+          <p:cNvSpPr txBox="1"/>
+          <p:nvPr/>
+        </p:nvSpPr>
+        <p:spPr>
+          <a:xfrm>
+            <a:off x="1043608" y="1454587"/>
+            <a:ext cx="1582484" cy="246221"/>
+          </a:xfrm>
+          <a:prstGeom prst="rect">
+            <a:avLst/>
+          </a:prstGeom>
+          <a:noFill/>
+        </p:spPr>
+        <p:txBody>
+          <a:bodyPr wrap="none" rtlCol="0">
+            <a:spAutoFit/>
+          </a:bodyPr>
+          <a:lstStyle/>
+          <a:p>
+            <a:r>
+              <a:rPr lang="en-SG" sz="1000" b="1" dirty="0" err="1"/>
+              <a:t>ArrangeContentOverride</a:t>
+            </a:r>
+            <a:r>
+              <a:rPr lang="en-SG" sz="1000" b="1" dirty="0" smtClean="0"/>
+              <a:t>()</a:t>
+            </a:r>
+            <a:endParaRPr lang="en-SG" sz="1000" b="1" dirty="0"/>
+          </a:p>
+        </p:txBody>
+      </p:sp>
+      <p:sp>
+        <p:nvSpPr>
+          <p:cNvPr id="46" name="TextBox 45"/>
+          <p:cNvSpPr txBox="1"/>
+          <p:nvPr/>
+        </p:nvSpPr>
+        <p:spPr>
+          <a:xfrm>
+            <a:off x="5220072" y="1598603"/>
+            <a:ext cx="1582484" cy="246221"/>
+          </a:xfrm>
+          <a:prstGeom prst="rect">
+            <a:avLst/>
+          </a:prstGeom>
+          <a:noFill/>
+        </p:spPr>
+        <p:txBody>
+          <a:bodyPr wrap="none" rtlCol="0">
+            <a:spAutoFit/>
+          </a:bodyPr>
+          <a:lstStyle/>
+          <a:p>
+            <a:r>
+              <a:rPr lang="en-SG" sz="1000" b="1" dirty="0" err="1"/>
+              <a:t>ArrangeContentOverride</a:t>
+            </a:r>
+            <a:r>
+              <a:rPr lang="en-SG" sz="1000" b="1" dirty="0" smtClean="0"/>
+              <a:t>()</a:t>
+            </a:r>
+            <a:endParaRPr lang="en-SG" sz="1000" b="1" dirty="0"/>
+          </a:p>
+        </p:txBody>
+      </p:sp>
+      <p:sp>
+        <p:nvSpPr>
+          <p:cNvPr id="47" name="TextBox 46"/>
+          <p:cNvSpPr txBox="1"/>
+          <p:nvPr/>
+        </p:nvSpPr>
+        <p:spPr>
+          <a:xfrm>
+            <a:off x="7308304" y="1454587"/>
+            <a:ext cx="1582484" cy="246221"/>
+          </a:xfrm>
+          <a:prstGeom prst="rect">
+            <a:avLst/>
+          </a:prstGeom>
+          <a:noFill/>
+        </p:spPr>
+        <p:txBody>
+          <a:bodyPr wrap="none" rtlCol="0">
+            <a:spAutoFit/>
+          </a:bodyPr>
+          <a:lstStyle/>
+          <a:p>
+            <a:r>
+              <a:rPr lang="en-SG" sz="1000" b="1" dirty="0" err="1"/>
+              <a:t>ArrangeContentOverride</a:t>
+            </a:r>
+            <a:r>
+              <a:rPr lang="en-SG" sz="1000" b="1" dirty="0" smtClean="0"/>
+              <a:t>()</a:t>
+            </a:r>
+            <a:endParaRPr lang="en-SG" sz="1000" b="1" dirty="0"/>
+          </a:p>
+        </p:txBody>
+      </p:sp>
+      <p:cxnSp>
+        <p:nvCxnSpPr>
+          <p:cNvPr id="48" name="Straight Arrow Connector 47"/>
+          <p:cNvCxnSpPr>
+            <a:stCxn id="45" idx="3"/>
+            <a:endCxn id="46" idx="1"/>
+          </p:cNvCxnSpPr>
+          <p:nvPr/>
+        </p:nvCxnSpPr>
+        <p:spPr>
+          <a:xfrm>
+            <a:off x="2626092" y="1577698"/>
+            <a:ext cx="2593980" cy="144016"/>
+          </a:xfrm>
+          <a:prstGeom prst="straightConnector1">
+            <a:avLst/>
+          </a:prstGeom>
+          <a:ln>
+            <a:tailEnd type="arrow"/>
+          </a:ln>
+        </p:spPr>
+        <p:style>
+          <a:lnRef idx="1">
+            <a:schemeClr val="accent1"/>
+          </a:lnRef>
+          <a:fillRef idx="0">
+            <a:schemeClr val="accent1"/>
+          </a:fillRef>
+          <a:effectRef idx="0">
+            <a:schemeClr val="accent1"/>
+          </a:effectRef>
+          <a:fontRef idx="minor">
+            <a:schemeClr val="tx1"/>
+          </a:fontRef>
+        </p:style>
+      </p:cxnSp>
+      <p:cxnSp>
+        <p:nvCxnSpPr>
+          <p:cNvPr id="49" name="Straight Arrow Connector 48"/>
+          <p:cNvCxnSpPr>
+            <a:stCxn id="45" idx="3"/>
+            <a:endCxn id="47" idx="1"/>
+          </p:cNvCxnSpPr>
+          <p:nvPr/>
+        </p:nvCxnSpPr>
+        <p:spPr>
+          <a:xfrm>
+            <a:off x="2626092" y="1577698"/>
+            <a:ext cx="4682212" cy="0"/>
+          </a:xfrm>
+          <a:prstGeom prst="straightConnector1">
+            <a:avLst/>
+          </a:prstGeom>
+          <a:ln>
+            <a:tailEnd type="arrow"/>
+          </a:ln>
+        </p:spPr>
+        <p:style>
+          <a:lnRef idx="1">
+            <a:schemeClr val="accent1"/>
+          </a:lnRef>
+          <a:fillRef idx="0">
+            <a:schemeClr val="accent1"/>
+          </a:fillRef>
+          <a:effectRef idx="0">
+            <a:schemeClr val="accent1"/>
+          </a:effectRef>
+          <a:fontRef idx="minor">
+            <a:schemeClr val="tx1"/>
+          </a:fontRef>
+        </p:style>
+      </p:cxnSp>
+      <p:sp>
+        <p:nvSpPr>
+          <p:cNvPr id="50" name="TextBox 49"/>
+          <p:cNvSpPr txBox="1"/>
+          <p:nvPr/>
+        </p:nvSpPr>
+        <p:spPr>
+          <a:xfrm>
+            <a:off x="1043608" y="1958643"/>
+            <a:ext cx="1231427" cy="246221"/>
+          </a:xfrm>
+          <a:prstGeom prst="rect">
+            <a:avLst/>
+          </a:prstGeom>
+          <a:noFill/>
+        </p:spPr>
+        <p:txBody>
+          <a:bodyPr wrap="none" rtlCol="0">
+            <a:spAutoFit/>
+          </a:bodyPr>
+          <a:lstStyle/>
+          <a:p>
+            <a:r>
+              <a:rPr lang="en-SG" sz="1000" b="1" dirty="0" err="1"/>
+              <a:t>OnRenderContent</a:t>
+            </a:r>
+            <a:r>
+              <a:rPr lang="en-SG" sz="1000" b="1" dirty="0" smtClean="0"/>
+              <a:t>()</a:t>
+            </a:r>
+            <a:endParaRPr lang="en-SG" sz="1000" b="1" dirty="0"/>
+          </a:p>
+        </p:txBody>
+      </p:sp>
+      <p:sp>
+        <p:nvSpPr>
+          <p:cNvPr id="51" name="TextBox 50"/>
+          <p:cNvSpPr txBox="1"/>
+          <p:nvPr/>
+        </p:nvSpPr>
+        <p:spPr>
+          <a:xfrm>
+            <a:off x="5220072" y="2102659"/>
+            <a:ext cx="1231427" cy="246221"/>
+          </a:xfrm>
+          <a:prstGeom prst="rect">
+            <a:avLst/>
+          </a:prstGeom>
+          <a:noFill/>
+        </p:spPr>
+        <p:txBody>
+          <a:bodyPr wrap="none" rtlCol="0">
+            <a:spAutoFit/>
+          </a:bodyPr>
+          <a:lstStyle/>
+          <a:p>
+            <a:r>
+              <a:rPr lang="en-SG" sz="1000" b="1" dirty="0" err="1"/>
+              <a:t>OnRenderContent</a:t>
+            </a:r>
+            <a:r>
+              <a:rPr lang="en-SG" sz="1000" b="1" dirty="0" smtClean="0"/>
+              <a:t>()</a:t>
+            </a:r>
+            <a:endParaRPr lang="en-SG" sz="1000" b="1" dirty="0"/>
+          </a:p>
+        </p:txBody>
+      </p:sp>
+      <p:sp>
+        <p:nvSpPr>
+          <p:cNvPr id="52" name="TextBox 51"/>
+          <p:cNvSpPr txBox="1"/>
+          <p:nvPr/>
+        </p:nvSpPr>
+        <p:spPr>
+          <a:xfrm>
+            <a:off x="7308304" y="1958643"/>
+            <a:ext cx="1231427" cy="246221"/>
+          </a:xfrm>
+          <a:prstGeom prst="rect">
+            <a:avLst/>
+          </a:prstGeom>
+          <a:noFill/>
+        </p:spPr>
+        <p:txBody>
+          <a:bodyPr wrap="none" rtlCol="0">
+            <a:spAutoFit/>
+          </a:bodyPr>
+          <a:lstStyle/>
+          <a:p>
+            <a:r>
+              <a:rPr lang="en-SG" sz="1000" b="1" dirty="0" err="1"/>
+              <a:t>OnRenderContent</a:t>
+            </a:r>
+            <a:r>
+              <a:rPr lang="en-SG" sz="1000" b="1" dirty="0" smtClean="0"/>
+              <a:t>()</a:t>
+            </a:r>
+            <a:endParaRPr lang="en-SG" sz="1000" b="1" dirty="0"/>
+          </a:p>
+        </p:txBody>
+      </p:sp>
+      <p:cxnSp>
+        <p:nvCxnSpPr>
+          <p:cNvPr id="53" name="Straight Arrow Connector 52"/>
+          <p:cNvCxnSpPr>
+            <a:stCxn id="50" idx="3"/>
+            <a:endCxn id="51" idx="1"/>
+          </p:cNvCxnSpPr>
+          <p:nvPr/>
+        </p:nvCxnSpPr>
+        <p:spPr>
+          <a:xfrm>
+            <a:off x="2275035" y="2081754"/>
+            <a:ext cx="2945037" cy="144016"/>
+          </a:xfrm>
+          <a:prstGeom prst="straightConnector1">
+            <a:avLst/>
+          </a:prstGeom>
+          <a:ln>
+            <a:tailEnd type="arrow"/>
+          </a:ln>
+        </p:spPr>
+        <p:style>
+          <a:lnRef idx="1">
+            <a:schemeClr val="accent1"/>
+          </a:lnRef>
+          <a:fillRef idx="0">
+            <a:schemeClr val="accent1"/>
+          </a:fillRef>
+          <a:effectRef idx="0">
+            <a:schemeClr val="accent1"/>
+          </a:effectRef>
+          <a:fontRef idx="minor">
+            <a:schemeClr val="tx1"/>
+          </a:fontRef>
+        </p:style>
+      </p:cxnSp>
+      <p:cxnSp>
+        <p:nvCxnSpPr>
+          <p:cNvPr id="54" name="Straight Arrow Connector 53"/>
+          <p:cNvCxnSpPr>
+            <a:stCxn id="50" idx="3"/>
+            <a:endCxn id="52" idx="1"/>
+          </p:cNvCxnSpPr>
+          <p:nvPr/>
+        </p:nvCxnSpPr>
+        <p:spPr>
+          <a:xfrm>
+            <a:off x="2275035" y="2081754"/>
+            <a:ext cx="5033269" cy="0"/>
+          </a:xfrm>
+          <a:prstGeom prst="straightConnector1">
+            <a:avLst/>
+          </a:prstGeom>
+          <a:ln>
+            <a:tailEnd type="arrow"/>
+          </a:ln>
+        </p:spPr>
+        <p:style>
+          <a:lnRef idx="1">
+            <a:schemeClr val="accent1"/>
+          </a:lnRef>
+          <a:fillRef idx="0">
+            <a:schemeClr val="accent1"/>
+          </a:fillRef>
+          <a:effectRef idx="0">
+            <a:schemeClr val="accent1"/>
+          </a:effectRef>
+          <a:fontRef idx="minor">
+            <a:schemeClr val="tx1"/>
+          </a:fontRef>
+        </p:style>
+      </p:cxnSp>
+      <p:sp>
+        <p:nvSpPr>
+          <p:cNvPr id="55" name="TextBox 54"/>
+          <p:cNvSpPr txBox="1"/>
+          <p:nvPr/>
+        </p:nvSpPr>
+        <p:spPr>
+          <a:xfrm>
+            <a:off x="1043608" y="2318683"/>
+            <a:ext cx="934871" cy="246221"/>
+          </a:xfrm>
+          <a:prstGeom prst="rect">
+            <a:avLst/>
+          </a:prstGeom>
+          <a:noFill/>
+        </p:spPr>
+        <p:txBody>
+          <a:bodyPr wrap="none" rtlCol="0">
+            <a:spAutoFit/>
+          </a:bodyPr>
+          <a:lstStyle/>
+          <a:p>
+            <a:r>
+              <a:rPr lang="en-SG" sz="1000" b="1" dirty="0" err="1"/>
+              <a:t>SizeChanged</a:t>
+            </a:r>
+            <a:r>
+              <a:rPr lang="en-SG" sz="1000" b="1" dirty="0" smtClean="0"/>
+              <a:t>()</a:t>
+            </a:r>
+            <a:endParaRPr lang="en-SG" sz="1000" b="1" dirty="0"/>
+          </a:p>
+        </p:txBody>
+      </p:sp>
+      <p:sp>
+        <p:nvSpPr>
+          <p:cNvPr id="56" name="TextBox 55"/>
+          <p:cNvSpPr txBox="1"/>
+          <p:nvPr/>
+        </p:nvSpPr>
+        <p:spPr>
+          <a:xfrm>
+            <a:off x="1043608" y="2462699"/>
+            <a:ext cx="1560042" cy="400110"/>
+          </a:xfrm>
+          <a:prstGeom prst="rect">
+            <a:avLst/>
+          </a:prstGeom>
+          <a:noFill/>
+        </p:spPr>
+        <p:txBody>
+          <a:bodyPr wrap="none" rtlCol="0">
+            <a:spAutoFit/>
+          </a:bodyPr>
+          <a:lstStyle/>
+          <a:p>
+            <a:r>
+              <a:rPr lang="en-SG" sz="1000" dirty="0" smtClean="0"/>
+              <a:t> </a:t>
+            </a:r>
+            <a:r>
+              <a:rPr lang="en-SG" sz="1000" dirty="0" err="1"/>
+              <a:t>LinesPerPage</a:t>
+            </a:r>
+            <a:r>
+              <a:rPr lang="en-SG" sz="1000" dirty="0"/>
+              <a:t> = </a:t>
+            </a:r>
+            <a:endParaRPr lang="en-SG" sz="1000" dirty="0" smtClean="0"/>
+          </a:p>
+          <a:p>
+            <a:r>
+              <a:rPr lang="en-SG" sz="1000" dirty="0"/>
+              <a:t> </a:t>
+            </a:r>
+            <a:r>
+              <a:rPr lang="en-SG" sz="1000" dirty="0" smtClean="0"/>
+              <a:t>   </a:t>
+            </a:r>
+            <a:r>
+              <a:rPr lang="en-SG" sz="1000" dirty="0" err="1" smtClean="0"/>
+              <a:t>ActualHeight</a:t>
+            </a:r>
+            <a:r>
+              <a:rPr lang="en-SG" sz="1000" dirty="0" smtClean="0"/>
+              <a:t> </a:t>
+            </a:r>
+            <a:r>
+              <a:rPr lang="en-SG" sz="1000" dirty="0"/>
+              <a:t>/ </a:t>
+            </a:r>
+            <a:r>
+              <a:rPr lang="en-SG" sz="1000" dirty="0" err="1"/>
+              <a:t>FontSize</a:t>
+            </a:r>
+            <a:r>
+              <a:rPr lang="en-SG" sz="1000" dirty="0"/>
+              <a:t>)</a:t>
+            </a:r>
+            <a:endParaRPr lang="en-SG" sz="1000" dirty="0"/>
+          </a:p>
+        </p:txBody>
+      </p:sp>
+      <p:sp>
+        <p:nvSpPr>
+          <p:cNvPr id="57" name="TextBox 56"/>
+          <p:cNvSpPr txBox="1"/>
+          <p:nvPr/>
+        </p:nvSpPr>
+        <p:spPr>
+          <a:xfrm>
+            <a:off x="1043608" y="2750731"/>
+            <a:ext cx="1340432" cy="246221"/>
+          </a:xfrm>
+          <a:prstGeom prst="rect">
+            <a:avLst/>
+          </a:prstGeom>
+          <a:noFill/>
+        </p:spPr>
+        <p:txBody>
+          <a:bodyPr wrap="none" rtlCol="0">
+            <a:spAutoFit/>
+          </a:bodyPr>
+          <a:lstStyle/>
+          <a:p>
+            <a:r>
+              <a:rPr lang="en-SG" sz="1000" dirty="0" smtClean="0"/>
+              <a:t>  </a:t>
+            </a:r>
+            <a:r>
+              <a:rPr lang="en-SG" sz="1000" dirty="0" err="1" smtClean="0"/>
+              <a:t>SetVerticalScrollbar</a:t>
+            </a:r>
+            <a:r>
+              <a:rPr lang="en-SG" sz="1000" dirty="0" smtClean="0"/>
+              <a:t>()</a:t>
+            </a:r>
+            <a:endParaRPr lang="en-SG" sz="1000" dirty="0"/>
+          </a:p>
+        </p:txBody>
+      </p:sp>
+      <p:sp>
+        <p:nvSpPr>
+          <p:cNvPr id="58" name="TextBox 57"/>
+          <p:cNvSpPr txBox="1"/>
+          <p:nvPr/>
+        </p:nvSpPr>
+        <p:spPr>
+          <a:xfrm>
+            <a:off x="5220072" y="2606715"/>
+            <a:ext cx="1093569" cy="246221"/>
+          </a:xfrm>
+          <a:prstGeom prst="rect">
+            <a:avLst/>
+          </a:prstGeom>
+          <a:noFill/>
+        </p:spPr>
+        <p:txBody>
+          <a:bodyPr wrap="none" rtlCol="0">
+            <a:spAutoFit/>
+          </a:bodyPr>
+          <a:lstStyle/>
+          <a:p>
+            <a:r>
+              <a:rPr lang="en-SG" sz="1000" b="1" dirty="0" err="1"/>
+              <a:t>SetDisplayLines</a:t>
+            </a:r>
+            <a:r>
+              <a:rPr lang="en-SG" sz="1000" b="1" dirty="0" smtClean="0"/>
+              <a:t>()</a:t>
+            </a:r>
+            <a:endParaRPr lang="en-SG" sz="1000" b="1" dirty="0"/>
+          </a:p>
+        </p:txBody>
+      </p:sp>
+      <p:sp>
+        <p:nvSpPr>
+          <p:cNvPr id="59" name="TextBox 58"/>
+          <p:cNvSpPr txBox="1"/>
+          <p:nvPr/>
+        </p:nvSpPr>
+        <p:spPr>
+          <a:xfrm>
+            <a:off x="5220072" y="2780928"/>
+            <a:ext cx="1346844" cy="246221"/>
+          </a:xfrm>
+          <a:prstGeom prst="rect">
+            <a:avLst/>
+          </a:prstGeom>
+          <a:noFill/>
+        </p:spPr>
+        <p:txBody>
+          <a:bodyPr wrap="none" rtlCol="0">
+            <a:spAutoFit/>
+          </a:bodyPr>
+          <a:lstStyle/>
+          <a:p>
+            <a:r>
+              <a:rPr lang="en-SG" sz="1000" b="1" dirty="0" err="1"/>
+              <a:t>ResetMaxLineWidth</a:t>
+            </a:r>
+            <a:r>
+              <a:rPr lang="en-SG" sz="1000" b="1" dirty="0" smtClean="0"/>
+              <a:t>()</a:t>
+            </a:r>
+            <a:endParaRPr lang="en-SG" sz="1000" b="1" dirty="0"/>
+          </a:p>
+        </p:txBody>
+      </p:sp>
+      <p:cxnSp>
+        <p:nvCxnSpPr>
+          <p:cNvPr id="61" name="Straight Arrow Connector 60"/>
+          <p:cNvCxnSpPr>
+            <a:stCxn id="55" idx="3"/>
+            <a:endCxn id="58" idx="1"/>
+          </p:cNvCxnSpPr>
+          <p:nvPr/>
+        </p:nvCxnSpPr>
+        <p:spPr>
+          <a:xfrm>
+            <a:off x="1978479" y="2441794"/>
+            <a:ext cx="3241593" cy="288032"/>
+          </a:xfrm>
+          <a:prstGeom prst="straightConnector1">
+            <a:avLst/>
+          </a:prstGeom>
+          <a:ln>
+            <a:tailEnd type="arrow"/>
+          </a:ln>
+        </p:spPr>
+        <p:style>
+          <a:lnRef idx="1">
+            <a:schemeClr val="accent1"/>
+          </a:lnRef>
+          <a:fillRef idx="0">
+            <a:schemeClr val="accent1"/>
+          </a:fillRef>
+          <a:effectRef idx="0">
+            <a:schemeClr val="accent1"/>
+          </a:effectRef>
+          <a:fontRef idx="minor">
+            <a:schemeClr val="tx1"/>
+          </a:fontRef>
+        </p:style>
+      </p:cxnSp>
+      <p:cxnSp>
+        <p:nvCxnSpPr>
+          <p:cNvPr id="63" name="Straight Arrow Connector 62"/>
+          <p:cNvCxnSpPr>
+            <a:stCxn id="55" idx="3"/>
+            <a:endCxn id="59" idx="1"/>
+          </p:cNvCxnSpPr>
+          <p:nvPr/>
+        </p:nvCxnSpPr>
+        <p:spPr>
+          <a:xfrm>
+            <a:off x="1978479" y="2441794"/>
+            <a:ext cx="3241593" cy="462245"/>
+          </a:xfrm>
+          <a:prstGeom prst="straightConnector1">
+            <a:avLst/>
+          </a:prstGeom>
+          <a:ln>
+            <a:tailEnd type="arrow"/>
+          </a:ln>
+        </p:spPr>
+        <p:style>
+          <a:lnRef idx="1">
+            <a:schemeClr val="accent1"/>
+          </a:lnRef>
+          <a:fillRef idx="0">
+            <a:schemeClr val="accent1"/>
+          </a:fillRef>
+          <a:effectRef idx="0">
+            <a:schemeClr val="accent1"/>
+          </a:effectRef>
+          <a:fontRef idx="minor">
+            <a:schemeClr val="tx1"/>
+          </a:fontRef>
+        </p:style>
+      </p:cxnSp>
+      <p:sp>
+        <p:nvSpPr>
+          <p:cNvPr id="64" name="Rectangle 63"/>
+          <p:cNvSpPr/>
+          <p:nvPr/>
+        </p:nvSpPr>
+        <p:spPr>
+          <a:xfrm>
+            <a:off x="107504" y="2636912"/>
+            <a:ext cx="576064" cy="379331"/>
+          </a:xfrm>
+          <a:prstGeom prst="rect">
+            <a:avLst/>
+          </a:prstGeom>
+        </p:spPr>
+        <p:style>
+          <a:lnRef idx="1">
+            <a:schemeClr val="dk1"/>
+          </a:lnRef>
+          <a:fillRef idx="2">
+            <a:schemeClr val="dk1"/>
+          </a:fillRef>
+          <a:effectRef idx="1">
+            <a:schemeClr val="dk1"/>
+          </a:effectRef>
+          <a:fontRef idx="minor">
+            <a:schemeClr val="dk1"/>
+          </a:fontRef>
+        </p:style>
+        <p:txBody>
+          <a:bodyPr rtlCol="0" anchor="t"/>
+          <a:lstStyle/>
+          <a:p>
+            <a:r>
+              <a:rPr lang="en-SG" sz="1000" b="1" dirty="0" smtClean="0"/>
+              <a:t>Mouse</a:t>
+            </a:r>
+            <a:endParaRPr lang="en-SG" sz="1000" b="1" dirty="0"/>
+          </a:p>
+        </p:txBody>
+      </p:sp>
+      <p:sp>
+        <p:nvSpPr>
+          <p:cNvPr id="65" name="TextBox 64"/>
+          <p:cNvSpPr txBox="1"/>
+          <p:nvPr/>
+        </p:nvSpPr>
+        <p:spPr>
+          <a:xfrm>
+            <a:off x="107504" y="2750731"/>
+            <a:ext cx="522900" cy="246221"/>
+          </a:xfrm>
+          <a:prstGeom prst="rect">
+            <a:avLst/>
+          </a:prstGeom>
+          <a:noFill/>
+        </p:spPr>
+        <p:txBody>
+          <a:bodyPr wrap="none" rtlCol="0">
+            <a:spAutoFit/>
+          </a:bodyPr>
+          <a:lstStyle/>
+          <a:p>
+            <a:r>
+              <a:rPr lang="en-SG" sz="1000" dirty="0" smtClean="0"/>
+              <a:t>Wheel</a:t>
+            </a:r>
+            <a:endParaRPr lang="en-SG" sz="1000" dirty="0"/>
+          </a:p>
+        </p:txBody>
+      </p:sp>
+      <p:sp>
+        <p:nvSpPr>
+          <p:cNvPr id="66" name="TextBox 65"/>
+          <p:cNvSpPr txBox="1"/>
+          <p:nvPr/>
+        </p:nvSpPr>
+        <p:spPr>
+          <a:xfrm>
+            <a:off x="1043608" y="3110771"/>
+            <a:ext cx="1611339" cy="246221"/>
+          </a:xfrm>
+          <a:prstGeom prst="rect">
+            <a:avLst/>
+          </a:prstGeom>
+          <a:noFill/>
+        </p:spPr>
+        <p:txBody>
+          <a:bodyPr wrap="none" rtlCol="0">
+            <a:spAutoFit/>
+          </a:bodyPr>
+          <a:lstStyle/>
+          <a:p>
+            <a:r>
+              <a:rPr lang="en-SG" sz="1000" dirty="0" err="1" smtClean="0"/>
+              <a:t>VScrollBar_ValueChanged</a:t>
+            </a:r>
+            <a:r>
+              <a:rPr lang="en-SG" sz="1000" b="1" dirty="0" smtClean="0"/>
+              <a:t>()</a:t>
+            </a:r>
+            <a:endParaRPr lang="en-SG" sz="1000" b="1" dirty="0"/>
+          </a:p>
+        </p:txBody>
+      </p:sp>
+      <p:cxnSp>
+        <p:nvCxnSpPr>
+          <p:cNvPr id="68" name="Straight Arrow Connector 67"/>
+          <p:cNvCxnSpPr>
+            <a:stCxn id="65" idx="3"/>
+            <a:endCxn id="66" idx="1"/>
+          </p:cNvCxnSpPr>
+          <p:nvPr/>
+        </p:nvCxnSpPr>
+        <p:spPr>
+          <a:xfrm>
+            <a:off x="630404" y="2873842"/>
+            <a:ext cx="413204" cy="360040"/>
+          </a:xfrm>
+          <a:prstGeom prst="straightConnector1">
+            <a:avLst/>
+          </a:prstGeom>
+          <a:ln>
+            <a:tailEnd type="arrow"/>
+          </a:ln>
+        </p:spPr>
+        <p:style>
+          <a:lnRef idx="1">
+            <a:schemeClr val="accent1"/>
+          </a:lnRef>
+          <a:fillRef idx="0">
+            <a:schemeClr val="accent1"/>
+          </a:fillRef>
+          <a:effectRef idx="0">
+            <a:schemeClr val="accent1"/>
+          </a:effectRef>
+          <a:fontRef idx="minor">
+            <a:schemeClr val="tx1"/>
+          </a:fontRef>
+        </p:style>
+      </p:cxnSp>
+      <p:sp>
+        <p:nvSpPr>
+          <p:cNvPr id="69" name="Rectangle 68"/>
+          <p:cNvSpPr/>
+          <p:nvPr/>
+        </p:nvSpPr>
+        <p:spPr>
+          <a:xfrm>
+            <a:off x="107504" y="3229022"/>
+            <a:ext cx="576064" cy="686653"/>
+          </a:xfrm>
+          <a:prstGeom prst="rect">
+            <a:avLst/>
+          </a:prstGeom>
+        </p:spPr>
+        <p:style>
+          <a:lnRef idx="1">
+            <a:schemeClr val="dk1"/>
+          </a:lnRef>
+          <a:fillRef idx="2">
+            <a:schemeClr val="dk1"/>
+          </a:fillRef>
+          <a:effectRef idx="1">
+            <a:schemeClr val="dk1"/>
+          </a:effectRef>
+          <a:fontRef idx="minor">
+            <a:schemeClr val="dk1"/>
+          </a:fontRef>
+        </p:style>
+        <p:txBody>
+          <a:bodyPr rtlCol="0" anchor="t"/>
+          <a:lstStyle/>
+          <a:p>
+            <a:r>
+              <a:rPr lang="en-SG" sz="1000" b="1" dirty="0" smtClean="0"/>
+              <a:t>Keyboard</a:t>
+            </a:r>
+            <a:endParaRPr lang="en-SG" sz="1000" b="1" dirty="0"/>
+          </a:p>
+        </p:txBody>
+      </p:sp>
+      <p:sp>
+        <p:nvSpPr>
+          <p:cNvPr id="71" name="TextBox 70"/>
+          <p:cNvSpPr txBox="1"/>
+          <p:nvPr/>
+        </p:nvSpPr>
+        <p:spPr>
+          <a:xfrm>
+            <a:off x="107504" y="3542819"/>
+            <a:ext cx="646331" cy="400110"/>
+          </a:xfrm>
+          <a:prstGeom prst="rect">
+            <a:avLst/>
+          </a:prstGeom>
+          <a:noFill/>
+        </p:spPr>
+        <p:txBody>
+          <a:bodyPr wrap="none" rtlCol="0">
+            <a:spAutoFit/>
+          </a:bodyPr>
+          <a:lstStyle/>
+          <a:p>
+            <a:r>
+              <a:rPr lang="en-SG" sz="1000" dirty="0" err="1" smtClean="0"/>
+              <a:t>PageUp</a:t>
+            </a:r>
+            <a:r>
+              <a:rPr lang="en-SG" sz="1000" dirty="0" smtClean="0"/>
+              <a:t>,</a:t>
+            </a:r>
+          </a:p>
+          <a:p>
+            <a:r>
+              <a:rPr lang="en-SG" sz="1000" dirty="0" smtClean="0"/>
+              <a:t>Down, …</a:t>
+            </a:r>
+            <a:endParaRPr lang="en-SG" sz="1000" dirty="0"/>
+          </a:p>
+        </p:txBody>
+      </p:sp>
+      <p:cxnSp>
+        <p:nvCxnSpPr>
+          <p:cNvPr id="73" name="Straight Arrow Connector 72"/>
+          <p:cNvCxnSpPr>
+            <a:stCxn id="71" idx="3"/>
+            <a:endCxn id="66" idx="1"/>
+          </p:cNvCxnSpPr>
+          <p:nvPr/>
+        </p:nvCxnSpPr>
+        <p:spPr>
+          <a:xfrm flipV="1">
+            <a:off x="753835" y="3233882"/>
+            <a:ext cx="289773" cy="508992"/>
+          </a:xfrm>
+          <a:prstGeom prst="straightConnector1">
+            <a:avLst/>
+          </a:prstGeom>
+          <a:ln>
+            <a:tailEnd type="arrow"/>
+          </a:ln>
+        </p:spPr>
+        <p:style>
+          <a:lnRef idx="1">
+            <a:schemeClr val="accent1"/>
+          </a:lnRef>
+          <a:fillRef idx="0">
+            <a:schemeClr val="accent1"/>
+          </a:fillRef>
+          <a:effectRef idx="0">
+            <a:schemeClr val="accent1"/>
+          </a:effectRef>
+          <a:fontRef idx="minor">
+            <a:schemeClr val="tx1"/>
+          </a:fontRef>
+        </p:style>
+      </p:cxnSp>
+      <p:sp>
+        <p:nvSpPr>
+          <p:cNvPr id="76" name="TextBox 75"/>
+          <p:cNvSpPr txBox="1"/>
+          <p:nvPr/>
+        </p:nvSpPr>
+        <p:spPr>
+          <a:xfrm>
+            <a:off x="5220072" y="3120644"/>
+            <a:ext cx="1133644" cy="246221"/>
+          </a:xfrm>
+          <a:prstGeom prst="rect">
+            <a:avLst/>
+          </a:prstGeom>
+          <a:noFill/>
+        </p:spPr>
+        <p:txBody>
+          <a:bodyPr wrap="none" rtlCol="0">
+            <a:spAutoFit/>
+          </a:bodyPr>
+          <a:lstStyle/>
+          <a:p>
+            <a:r>
+              <a:rPr lang="en-SG" sz="1000" b="1" dirty="0" err="1"/>
+              <a:t>SetDisplayLines</a:t>
+            </a:r>
+            <a:r>
+              <a:rPr lang="en-SG" sz="1000" b="1" dirty="0" smtClean="0"/>
+              <a:t>()</a:t>
+            </a:r>
+            <a:endParaRPr lang="en-SG" sz="1000" b="1" dirty="0"/>
+          </a:p>
+        </p:txBody>
+      </p:sp>
+      <p:cxnSp>
+        <p:nvCxnSpPr>
+          <p:cNvPr id="78" name="Straight Arrow Connector 77"/>
+          <p:cNvCxnSpPr>
+            <a:stCxn id="66" idx="3"/>
+            <a:endCxn id="76" idx="1"/>
+          </p:cNvCxnSpPr>
+          <p:nvPr/>
+        </p:nvCxnSpPr>
+        <p:spPr>
+          <a:xfrm>
+            <a:off x="2654947" y="3233882"/>
+            <a:ext cx="2565125" cy="9873"/>
+          </a:xfrm>
+          <a:prstGeom prst="straightConnector1">
+            <a:avLst/>
+          </a:prstGeom>
+          <a:ln>
+            <a:tailEnd type="arrow"/>
+          </a:ln>
+        </p:spPr>
+        <p:style>
+          <a:lnRef idx="1">
+            <a:schemeClr val="accent1"/>
+          </a:lnRef>
+          <a:fillRef idx="0">
+            <a:schemeClr val="accent1"/>
+          </a:fillRef>
+          <a:effectRef idx="0">
+            <a:schemeClr val="accent1"/>
+          </a:effectRef>
+          <a:fontRef idx="minor">
+            <a:schemeClr val="tx1"/>
+          </a:fontRef>
+        </p:style>
+      </p:cxnSp>
+    </p:spTree>
+    <p:extLst>
+      <p:ext uri="{BB962C8B-B14F-4D97-AF65-F5344CB8AC3E}">
+        <p14:creationId xmlns:p14="http://schemas.microsoft.com/office/powerpoint/2010/main" val="1101259676"/>
+      </p:ext>
+    </p:extLst>
+  </p:cSld>
+  <p:clrMapOvr>
+    <a:masterClrMapping/>
+  </p:clrMapOvr>
+</p:sld>
+</file>
+
+<file path=ppt/slides/slide3.xml><?xml version="1.0" encoding="utf-8"?>
 <p:sld xmlns:a="http://schemas.openxmlformats.org/drawingml/2006/main" xmlns:r="http://schemas.openxmlformats.org/officeDocument/2006/relationships" xmlns:p="http://schemas.openxmlformats.org/presentationml/2006/main">
   <p:cSld>
     <p:spTree>
@@ -5360,7 +7731,7 @@
 </p:sld>
 </file>
 
-<file path=ppt/slides/slide3.xml><?xml version="1.0" encoding="utf-8"?>
+<file path=ppt/slides/slide4.xml><?xml version="1.0" encoding="utf-8"?>
 <p:sld xmlns:a="http://schemas.openxmlformats.org/drawingml/2006/main" xmlns:r="http://schemas.openxmlformats.org/officeDocument/2006/relationships" xmlns:p="http://schemas.openxmlformats.org/presentationml/2006/main">
   <p:cSld>
     <p:spTree>
@@ -5956,7 +8327,7 @@
 </p:sld>
 </file>
 
-<file path=ppt/slides/slide4.xml><?xml version="1.0" encoding="utf-8"?>
+<file path=ppt/slides/slide5.xml><?xml version="1.0" encoding="utf-8"?>
 <p:sld xmlns:a="http://schemas.openxmlformats.org/drawingml/2006/main" xmlns:r="http://schemas.openxmlformats.org/officeDocument/2006/relationships" xmlns:p="http://schemas.openxmlformats.org/presentationml/2006/main">
   <p:cSld>
     <p:spTree>
@@ -7672,7 +10043,7 @@
 </p:sld>
 </file>
 
-<file path=ppt/slides/slide5.xml><?xml version="1.0" encoding="utf-8"?>
+<file path=ppt/slides/slide6.xml><?xml version="1.0" encoding="utf-8"?>
 <p:sld xmlns:a="http://schemas.openxmlformats.org/drawingml/2006/main" xmlns:r="http://schemas.openxmlformats.org/officeDocument/2006/relationships" xmlns:p="http://schemas.openxmlformats.org/presentationml/2006/main">
   <p:cSld>
     <p:spTree>
@@ -9851,7 +12222,7 @@
 </p:sld>
 </file>
 
-<file path=ppt/slides/slide6.xml><?xml version="1.0" encoding="utf-8"?>
+<file path=ppt/slides/slide7.xml><?xml version="1.0" encoding="utf-8"?>
 <p:sld xmlns:a="http://schemas.openxmlformats.org/drawingml/2006/main" xmlns:r="http://schemas.openxmlformats.org/officeDocument/2006/relationships" xmlns:p="http://schemas.openxmlformats.org/presentationml/2006/main">
   <p:cSld>
     <p:spTree>
@@ -11700,2009 +14071,6 @@
 </p:sld>
 </file>
 
-<file path=ppt/slides/slide7.xml><?xml version="1.0" encoding="utf-8"?>
-<p:sld xmlns:a="http://schemas.openxmlformats.org/drawingml/2006/main" xmlns:r="http://schemas.openxmlformats.org/officeDocument/2006/relationships" xmlns:p="http://schemas.openxmlformats.org/presentationml/2006/main">
-  <p:cSld>
-    <p:spTree>
-      <p:nvGrpSpPr>
-        <p:cNvPr id="1" name=""/>
-        <p:cNvGrpSpPr/>
-        <p:nvPr/>
-      </p:nvGrpSpPr>
-      <p:grpSpPr>
-        <a:xfrm>
-          <a:off x="0" y="0"/>
-          <a:ext cx="0" cy="0"/>
-          <a:chOff x="0" y="0"/>
-          <a:chExt cx="0" cy="0"/>
-        </a:xfrm>
-      </p:grpSpPr>
-      <p:sp>
-        <p:nvSpPr>
-          <p:cNvPr id="5" name="Rectangle 4"/>
-          <p:cNvSpPr/>
-          <p:nvPr/>
-        </p:nvSpPr>
-        <p:spPr>
-          <a:xfrm>
-            <a:off x="107504" y="44624"/>
-            <a:ext cx="7704856" cy="369332"/>
-          </a:xfrm>
-          <a:prstGeom prst="rect">
-            <a:avLst/>
-          </a:prstGeom>
-        </p:spPr>
-        <p:txBody>
-          <a:bodyPr wrap="square">
-            <a:spAutoFit/>
-          </a:bodyPr>
-          <a:lstStyle/>
-          <a:p>
-            <a:r>
-              <a:rPr lang="en-SG" b="1" dirty="0" err="1" smtClean="0"/>
-              <a:t>TextViewerGlyphDrawer</a:t>
-            </a:r>
-            <a:r>
-              <a:rPr lang="en-SG" b="1" dirty="0" smtClean="0"/>
-              <a:t> </a:t>
-            </a:r>
-            <a:r>
-              <a:rPr lang="en-SG" b="1" dirty="0" err="1"/>
-              <a:t>D</a:t>
-            </a:r>
-            <a:r>
-              <a:rPr lang="en-SG" b="1" dirty="0" err="1" smtClean="0"/>
-              <a:t>ecodeState</a:t>
-            </a:r>
-            <a:endParaRPr lang="en-SG" b="1" dirty="0"/>
-          </a:p>
-        </p:txBody>
-      </p:sp>
-      <p:sp>
-        <p:nvSpPr>
-          <p:cNvPr id="8" name="Oval 7"/>
-          <p:cNvSpPr/>
-          <p:nvPr/>
-        </p:nvSpPr>
-        <p:spPr>
-          <a:xfrm>
-            <a:off x="3386282" y="836712"/>
-            <a:ext cx="1152128" cy="288032"/>
-          </a:xfrm>
-          <a:prstGeom prst="ellipse">
-            <a:avLst/>
-          </a:prstGeom>
-        </p:spPr>
-        <p:style>
-          <a:lnRef idx="1">
-            <a:schemeClr val="dk1"/>
-          </a:lnRef>
-          <a:fillRef idx="2">
-            <a:schemeClr val="dk1"/>
-          </a:fillRef>
-          <a:effectRef idx="1">
-            <a:schemeClr val="dk1"/>
-          </a:effectRef>
-          <a:fontRef idx="minor">
-            <a:schemeClr val="dk1"/>
-          </a:fontRef>
-        </p:style>
-        <p:txBody>
-          <a:bodyPr rtlCol="0" anchor="ctr"/>
-          <a:lstStyle/>
-          <a:p>
-            <a:pPr algn="ctr"/>
-            <a:r>
-              <a:rPr lang="en-SG" sz="1200" b="1" dirty="0"/>
-              <a:t>plain</a:t>
-            </a:r>
-          </a:p>
-        </p:txBody>
-      </p:sp>
-      <p:cxnSp>
-        <p:nvCxnSpPr>
-          <p:cNvPr id="11" name="Straight Arrow Connector 10"/>
-          <p:cNvCxnSpPr>
-            <a:stCxn id="8" idx="4"/>
-            <a:endCxn id="60" idx="0"/>
-          </p:cNvCxnSpPr>
-          <p:nvPr/>
-        </p:nvCxnSpPr>
-        <p:spPr>
-          <a:xfrm flipH="1">
-            <a:off x="3240819" y="1124744"/>
-            <a:ext cx="721527" cy="360040"/>
-          </a:xfrm>
-          <a:prstGeom prst="straightConnector1">
-            <a:avLst/>
-          </a:prstGeom>
-          <a:ln>
-            <a:tailEnd type="arrow"/>
-          </a:ln>
-        </p:spPr>
-        <p:style>
-          <a:lnRef idx="1">
-            <a:schemeClr val="accent1"/>
-          </a:lnRef>
-          <a:fillRef idx="0">
-            <a:schemeClr val="accent1"/>
-          </a:fillRef>
-          <a:effectRef idx="0">
-            <a:schemeClr val="accent1"/>
-          </a:effectRef>
-          <a:fontRef idx="minor">
-            <a:schemeClr val="tx1"/>
-          </a:fontRef>
-        </p:style>
-      </p:cxnSp>
-      <p:sp>
-        <p:nvSpPr>
-          <p:cNvPr id="12" name="TextBox 11"/>
-          <p:cNvSpPr txBox="1"/>
-          <p:nvPr/>
-        </p:nvSpPr>
-        <p:spPr>
-          <a:xfrm>
-            <a:off x="3183782" y="1052736"/>
-            <a:ext cx="308098" cy="276999"/>
-          </a:xfrm>
-          <a:prstGeom prst="rect">
-            <a:avLst/>
-          </a:prstGeom>
-          <a:noFill/>
-        </p:spPr>
-        <p:txBody>
-          <a:bodyPr wrap="none" rtlCol="0">
-            <a:spAutoFit/>
-          </a:bodyPr>
-          <a:lstStyle/>
-          <a:p>
-            <a:r>
-              <a:rPr lang="en-SG" sz="1200" dirty="0" smtClean="0"/>
-              <a:t>‘[‘</a:t>
-            </a:r>
-            <a:endParaRPr lang="en-SG" sz="1200" dirty="0"/>
-          </a:p>
-        </p:txBody>
-      </p:sp>
-      <p:cxnSp>
-        <p:nvCxnSpPr>
-          <p:cNvPr id="15" name="Elbow Connector 14"/>
-          <p:cNvCxnSpPr>
-            <a:stCxn id="60" idx="1"/>
-            <a:endCxn id="17" idx="2"/>
-          </p:cNvCxnSpPr>
-          <p:nvPr/>
-        </p:nvCxnSpPr>
-        <p:spPr>
-          <a:xfrm rot="10800000">
-            <a:off x="2451038" y="1394776"/>
-            <a:ext cx="521253" cy="270029"/>
-          </a:xfrm>
-          <a:prstGeom prst="bentConnector2">
-            <a:avLst/>
-          </a:prstGeom>
-          <a:ln>
-            <a:tailEnd type="arrow"/>
-          </a:ln>
-        </p:spPr>
-        <p:style>
-          <a:lnRef idx="1">
-            <a:schemeClr val="accent1"/>
-          </a:lnRef>
-          <a:fillRef idx="0">
-            <a:schemeClr val="accent1"/>
-          </a:fillRef>
-          <a:effectRef idx="0">
-            <a:schemeClr val="accent1"/>
-          </a:effectRef>
-          <a:fontRef idx="minor">
-            <a:schemeClr val="tx1"/>
-          </a:fontRef>
-        </p:style>
-      </p:cxnSp>
-      <p:sp>
-        <p:nvSpPr>
-          <p:cNvPr id="17" name="Rounded Rectangle 16"/>
-          <p:cNvSpPr/>
-          <p:nvPr/>
-        </p:nvSpPr>
-        <p:spPr>
-          <a:xfrm>
-            <a:off x="2123728" y="1178751"/>
-            <a:ext cx="654618" cy="216024"/>
-          </a:xfrm>
-          <a:prstGeom prst="roundRect">
-            <a:avLst/>
-          </a:prstGeom>
-        </p:spPr>
-        <p:style>
-          <a:lnRef idx="1">
-            <a:schemeClr val="accent3"/>
-          </a:lnRef>
-          <a:fillRef idx="2">
-            <a:schemeClr val="accent3"/>
-          </a:fillRef>
-          <a:effectRef idx="1">
-            <a:schemeClr val="accent3"/>
-          </a:effectRef>
-          <a:fontRef idx="minor">
-            <a:schemeClr val="dk1"/>
-          </a:fontRef>
-        </p:style>
-        <p:txBody>
-          <a:bodyPr rtlCol="0" anchor="ctr"/>
-          <a:lstStyle/>
-          <a:p>
-            <a:pPr algn="ctr"/>
-            <a:r>
-              <a:rPr lang="en-SG" sz="1200" dirty="0" smtClean="0"/>
-              <a:t>add ‘[‘</a:t>
-            </a:r>
-            <a:endParaRPr lang="en-SG" sz="1200" dirty="0"/>
-          </a:p>
-        </p:txBody>
-      </p:sp>
-      <p:cxnSp>
-        <p:nvCxnSpPr>
-          <p:cNvPr id="20" name="Elbow Connector 19"/>
-          <p:cNvCxnSpPr>
-            <a:stCxn id="17" idx="0"/>
-            <a:endCxn id="8" idx="2"/>
-          </p:cNvCxnSpPr>
-          <p:nvPr/>
-        </p:nvCxnSpPr>
-        <p:spPr>
-          <a:xfrm rot="5400000" flipH="1" flipV="1">
-            <a:off x="2819648" y="612118"/>
-            <a:ext cx="198023" cy="935245"/>
-          </a:xfrm>
-          <a:prstGeom prst="bentConnector2">
-            <a:avLst/>
-          </a:prstGeom>
-          <a:ln>
-            <a:tailEnd type="arrow"/>
-          </a:ln>
-        </p:spPr>
-        <p:style>
-          <a:lnRef idx="1">
-            <a:schemeClr val="accent1"/>
-          </a:lnRef>
-          <a:fillRef idx="0">
-            <a:schemeClr val="accent1"/>
-          </a:fillRef>
-          <a:effectRef idx="0">
-            <a:schemeClr val="accent1"/>
-          </a:effectRef>
-          <a:fontRef idx="minor">
-            <a:schemeClr val="tx1"/>
-          </a:fontRef>
-        </p:style>
-      </p:cxnSp>
-      <p:sp>
-        <p:nvSpPr>
-          <p:cNvPr id="22" name="TextBox 21"/>
-          <p:cNvSpPr txBox="1"/>
-          <p:nvPr/>
-        </p:nvSpPr>
-        <p:spPr>
-          <a:xfrm>
-            <a:off x="2451597" y="1374669"/>
-            <a:ext cx="308098" cy="276999"/>
-          </a:xfrm>
-          <a:prstGeom prst="rect">
-            <a:avLst/>
-          </a:prstGeom>
-          <a:noFill/>
-        </p:spPr>
-        <p:txBody>
-          <a:bodyPr wrap="none" rtlCol="0">
-            <a:spAutoFit/>
-          </a:bodyPr>
-          <a:lstStyle/>
-          <a:p>
-            <a:r>
-              <a:rPr lang="en-SG" sz="1200" dirty="0" smtClean="0"/>
-              <a:t>‘[‘</a:t>
-            </a:r>
-            <a:endParaRPr lang="en-SG" sz="1200" dirty="0"/>
-          </a:p>
-        </p:txBody>
-      </p:sp>
-      <p:sp>
-        <p:nvSpPr>
-          <p:cNvPr id="25" name="Oval 24"/>
-          <p:cNvSpPr/>
-          <p:nvPr/>
-        </p:nvSpPr>
-        <p:spPr>
-          <a:xfrm>
-            <a:off x="2666202" y="3129027"/>
-            <a:ext cx="1152128" cy="288032"/>
-          </a:xfrm>
-          <a:prstGeom prst="ellipse">
-            <a:avLst/>
-          </a:prstGeom>
-        </p:spPr>
-        <p:style>
-          <a:lnRef idx="1">
-            <a:schemeClr val="dk1"/>
-          </a:lnRef>
-          <a:fillRef idx="2">
-            <a:schemeClr val="dk1"/>
-          </a:fillRef>
-          <a:effectRef idx="1">
-            <a:schemeClr val="dk1"/>
-          </a:effectRef>
-          <a:fontRef idx="minor">
-            <a:schemeClr val="dk1"/>
-          </a:fontRef>
-        </p:style>
-        <p:txBody>
-          <a:bodyPr rtlCol="0" anchor="ctr"/>
-          <a:lstStyle/>
-          <a:p>
-            <a:pPr algn="ctr"/>
-            <a:r>
-              <a:rPr lang="en-SG" sz="1200" b="1" dirty="0" smtClean="0"/>
-              <a:t>format</a:t>
-            </a:r>
-            <a:endParaRPr lang="en-SG" sz="1200" b="1" dirty="0"/>
-          </a:p>
-        </p:txBody>
-      </p:sp>
-      <p:cxnSp>
-        <p:nvCxnSpPr>
-          <p:cNvPr id="33" name="Straight Arrow Connector 32"/>
-          <p:cNvCxnSpPr>
-            <a:stCxn id="60" idx="2"/>
-            <a:endCxn id="197" idx="0"/>
-          </p:cNvCxnSpPr>
-          <p:nvPr/>
-        </p:nvCxnSpPr>
-        <p:spPr>
-          <a:xfrm flipH="1">
-            <a:off x="3237235" y="1844824"/>
-            <a:ext cx="3584" cy="360040"/>
-          </a:xfrm>
-          <a:prstGeom prst="straightConnector1">
-            <a:avLst/>
-          </a:prstGeom>
-          <a:ln>
-            <a:tailEnd type="arrow"/>
-          </a:ln>
-        </p:spPr>
-        <p:style>
-          <a:lnRef idx="1">
-            <a:schemeClr val="accent1"/>
-          </a:lnRef>
-          <a:fillRef idx="0">
-            <a:schemeClr val="accent1"/>
-          </a:fillRef>
-          <a:effectRef idx="0">
-            <a:schemeClr val="accent1"/>
-          </a:effectRef>
-          <a:fontRef idx="minor">
-            <a:schemeClr val="tx1"/>
-          </a:fontRef>
-        </p:style>
-      </p:cxnSp>
-      <p:sp>
-        <p:nvSpPr>
-          <p:cNvPr id="39" name="TextBox 38"/>
-          <p:cNvSpPr txBox="1"/>
-          <p:nvPr/>
-        </p:nvSpPr>
-        <p:spPr>
-          <a:xfrm>
-            <a:off x="3203848" y="1844824"/>
-            <a:ext cx="475130" cy="276999"/>
-          </a:xfrm>
-          <a:prstGeom prst="rect">
-            <a:avLst/>
-          </a:prstGeom>
-          <a:noFill/>
-        </p:spPr>
-        <p:txBody>
-          <a:bodyPr wrap="none" rtlCol="0">
-            <a:spAutoFit/>
-          </a:bodyPr>
-          <a:lstStyle/>
-          <a:p>
-            <a:r>
-              <a:rPr lang="en-SG" sz="1200" dirty="0"/>
-              <a:t>l</a:t>
-            </a:r>
-            <a:r>
-              <a:rPr lang="en-SG" sz="1200" dirty="0" smtClean="0"/>
-              <a:t>egal</a:t>
-            </a:r>
-          </a:p>
-        </p:txBody>
-      </p:sp>
-      <p:cxnSp>
-        <p:nvCxnSpPr>
-          <p:cNvPr id="41" name="Elbow Connector 40"/>
-          <p:cNvCxnSpPr>
-            <a:endCxn id="43" idx="2"/>
-          </p:cNvCxnSpPr>
-          <p:nvPr/>
-        </p:nvCxnSpPr>
-        <p:spPr>
-          <a:xfrm rot="5400000" flipH="1" flipV="1">
-            <a:off x="4900715" y="1450187"/>
-            <a:ext cx="311947" cy="261306"/>
-          </a:xfrm>
-          <a:prstGeom prst="bentConnector3">
-            <a:avLst>
-              <a:gd name="adj1" fmla="val 50000"/>
-            </a:avLst>
-          </a:prstGeom>
-          <a:ln>
-            <a:tailEnd type="arrow"/>
-          </a:ln>
-        </p:spPr>
-        <p:style>
-          <a:lnRef idx="1">
-            <a:schemeClr val="accent1"/>
-          </a:lnRef>
-          <a:fillRef idx="0">
-            <a:schemeClr val="accent1"/>
-          </a:fillRef>
-          <a:effectRef idx="0">
-            <a:schemeClr val="accent1"/>
-          </a:effectRef>
-          <a:fontRef idx="minor">
-            <a:schemeClr val="tx1"/>
-          </a:fontRef>
-        </p:style>
-      </p:cxnSp>
-      <p:sp>
-        <p:nvSpPr>
-          <p:cNvPr id="43" name="Rounded Rectangle 42"/>
-          <p:cNvSpPr/>
-          <p:nvPr/>
-        </p:nvSpPr>
-        <p:spPr>
-          <a:xfrm>
-            <a:off x="4860032" y="1208842"/>
-            <a:ext cx="654618" cy="216024"/>
-          </a:xfrm>
-          <a:prstGeom prst="roundRect">
-            <a:avLst/>
-          </a:prstGeom>
-        </p:spPr>
-        <p:style>
-          <a:lnRef idx="1">
-            <a:schemeClr val="accent3"/>
-          </a:lnRef>
-          <a:fillRef idx="2">
-            <a:schemeClr val="accent3"/>
-          </a:fillRef>
-          <a:effectRef idx="1">
-            <a:schemeClr val="accent3"/>
-          </a:effectRef>
-          <a:fontRef idx="minor">
-            <a:schemeClr val="dk1"/>
-          </a:fontRef>
-        </p:style>
-        <p:txBody>
-          <a:bodyPr rtlCol="0" anchor="ctr"/>
-          <a:lstStyle/>
-          <a:p>
-            <a:pPr algn="ctr"/>
-            <a:r>
-              <a:rPr lang="en-SG" sz="1200" dirty="0" smtClean="0"/>
-              <a:t>add ‘</a:t>
-            </a:r>
-            <a:r>
-              <a:rPr lang="en-SG" sz="1200" dirty="0"/>
-              <a:t>]</a:t>
-            </a:r>
-            <a:r>
-              <a:rPr lang="en-SG" sz="1200" dirty="0" smtClean="0"/>
-              <a:t>‘</a:t>
-            </a:r>
-            <a:endParaRPr lang="en-SG" sz="1200" dirty="0"/>
-          </a:p>
-        </p:txBody>
-      </p:sp>
-      <p:sp>
-        <p:nvSpPr>
-          <p:cNvPr id="60" name="Rounded Rectangle 59"/>
-          <p:cNvSpPr/>
-          <p:nvPr/>
-        </p:nvSpPr>
-        <p:spPr>
-          <a:xfrm>
-            <a:off x="2972290" y="1484784"/>
-            <a:ext cx="537058" cy="360040"/>
-          </a:xfrm>
-          <a:prstGeom prst="roundRect">
-            <a:avLst/>
-          </a:prstGeom>
-        </p:spPr>
-        <p:style>
-          <a:lnRef idx="1">
-            <a:schemeClr val="accent3"/>
-          </a:lnRef>
-          <a:fillRef idx="2">
-            <a:schemeClr val="accent3"/>
-          </a:fillRef>
-          <a:effectRef idx="1">
-            <a:schemeClr val="accent3"/>
-          </a:effectRef>
-          <a:fontRef idx="minor">
-            <a:schemeClr val="dk1"/>
-          </a:fontRef>
-        </p:style>
-        <p:txBody>
-          <a:bodyPr rtlCol="0" anchor="ctr"/>
-          <a:lstStyle/>
-          <a:p>
-            <a:pPr algn="ctr"/>
-            <a:r>
-              <a:rPr lang="en-SG" sz="1200" dirty="0" smtClean="0"/>
-              <a:t>next char</a:t>
-            </a:r>
-            <a:endParaRPr lang="en-SG" sz="1200" dirty="0"/>
-          </a:p>
-        </p:txBody>
-      </p:sp>
-      <p:sp>
-        <p:nvSpPr>
-          <p:cNvPr id="68" name="Rounded Rectangle 67"/>
-          <p:cNvSpPr/>
-          <p:nvPr/>
-        </p:nvSpPr>
-        <p:spPr>
-          <a:xfrm>
-            <a:off x="4499992" y="1556792"/>
-            <a:ext cx="537058" cy="360040"/>
-          </a:xfrm>
-          <a:prstGeom prst="roundRect">
-            <a:avLst/>
-          </a:prstGeom>
-        </p:spPr>
-        <p:style>
-          <a:lnRef idx="1">
-            <a:schemeClr val="accent3"/>
-          </a:lnRef>
-          <a:fillRef idx="2">
-            <a:schemeClr val="accent3"/>
-          </a:fillRef>
-          <a:effectRef idx="1">
-            <a:schemeClr val="accent3"/>
-          </a:effectRef>
-          <a:fontRef idx="minor">
-            <a:schemeClr val="dk1"/>
-          </a:fontRef>
-        </p:style>
-        <p:txBody>
-          <a:bodyPr rtlCol="0" anchor="ctr"/>
-          <a:lstStyle/>
-          <a:p>
-            <a:pPr algn="ctr"/>
-            <a:r>
-              <a:rPr lang="en-SG" sz="1200" dirty="0" smtClean="0"/>
-              <a:t>next char</a:t>
-            </a:r>
-            <a:endParaRPr lang="en-SG" sz="1200" dirty="0"/>
-          </a:p>
-        </p:txBody>
-      </p:sp>
-      <p:cxnSp>
-        <p:nvCxnSpPr>
-          <p:cNvPr id="69" name="Straight Arrow Connector 68"/>
-          <p:cNvCxnSpPr>
-            <a:endCxn id="68" idx="0"/>
-          </p:cNvCxnSpPr>
-          <p:nvPr/>
-        </p:nvCxnSpPr>
-        <p:spPr>
-          <a:xfrm>
-            <a:off x="4067944" y="1124744"/>
-            <a:ext cx="700577" cy="432048"/>
-          </a:xfrm>
-          <a:prstGeom prst="straightConnector1">
-            <a:avLst/>
-          </a:prstGeom>
-          <a:ln>
-            <a:tailEnd type="arrow"/>
-          </a:ln>
-        </p:spPr>
-        <p:style>
-          <a:lnRef idx="1">
-            <a:schemeClr val="accent1"/>
-          </a:lnRef>
-          <a:fillRef idx="0">
-            <a:schemeClr val="accent1"/>
-          </a:fillRef>
-          <a:effectRef idx="0">
-            <a:schemeClr val="accent1"/>
-          </a:effectRef>
-          <a:fontRef idx="minor">
-            <a:schemeClr val="tx1"/>
-          </a:fontRef>
-        </p:style>
-      </p:cxnSp>
-      <p:sp>
-        <p:nvSpPr>
-          <p:cNvPr id="72" name="TextBox 71"/>
-          <p:cNvSpPr txBox="1"/>
-          <p:nvPr/>
-        </p:nvSpPr>
-        <p:spPr>
-          <a:xfrm>
-            <a:off x="4325877" y="1112259"/>
-            <a:ext cx="308098" cy="276999"/>
-          </a:xfrm>
-          <a:prstGeom prst="rect">
-            <a:avLst/>
-          </a:prstGeom>
-          <a:noFill/>
-        </p:spPr>
-        <p:txBody>
-          <a:bodyPr wrap="none" rtlCol="0">
-            <a:spAutoFit/>
-          </a:bodyPr>
-          <a:lstStyle/>
-          <a:p>
-            <a:r>
-              <a:rPr lang="en-SG" sz="1200" dirty="0" smtClean="0"/>
-              <a:t>‘]‘</a:t>
-            </a:r>
-            <a:endParaRPr lang="en-SG" sz="1200" dirty="0"/>
-          </a:p>
-        </p:txBody>
-      </p:sp>
-      <p:sp>
-        <p:nvSpPr>
-          <p:cNvPr id="75" name="TextBox 74"/>
-          <p:cNvSpPr txBox="1"/>
-          <p:nvPr/>
-        </p:nvSpPr>
-        <p:spPr>
-          <a:xfrm>
-            <a:off x="4983982" y="1466784"/>
-            <a:ext cx="308098" cy="276999"/>
-          </a:xfrm>
-          <a:prstGeom prst="rect">
-            <a:avLst/>
-          </a:prstGeom>
-          <a:noFill/>
-        </p:spPr>
-        <p:txBody>
-          <a:bodyPr wrap="none" rtlCol="0">
-            <a:spAutoFit/>
-          </a:bodyPr>
-          <a:lstStyle/>
-          <a:p>
-            <a:r>
-              <a:rPr lang="en-SG" sz="1200" dirty="0" smtClean="0"/>
-              <a:t>‘</a:t>
-            </a:r>
-            <a:r>
-              <a:rPr lang="en-SG" sz="1200" dirty="0"/>
-              <a:t>]</a:t>
-            </a:r>
-            <a:r>
-              <a:rPr lang="en-SG" sz="1200" dirty="0" smtClean="0"/>
-              <a:t>‘</a:t>
-            </a:r>
-            <a:endParaRPr lang="en-SG" sz="1200" dirty="0"/>
-          </a:p>
-        </p:txBody>
-      </p:sp>
-      <p:cxnSp>
-        <p:nvCxnSpPr>
-          <p:cNvPr id="76" name="Elbow Connector 75"/>
-          <p:cNvCxnSpPr>
-            <a:stCxn id="43" idx="0"/>
-            <a:endCxn id="8" idx="6"/>
-          </p:cNvCxnSpPr>
-          <p:nvPr/>
-        </p:nvCxnSpPr>
-        <p:spPr>
-          <a:xfrm rot="16200000" flipV="1">
-            <a:off x="4748819" y="770319"/>
-            <a:ext cx="228114" cy="648931"/>
-          </a:xfrm>
-          <a:prstGeom prst="bentConnector2">
-            <a:avLst/>
-          </a:prstGeom>
-          <a:ln>
-            <a:tailEnd type="arrow"/>
-          </a:ln>
-        </p:spPr>
-        <p:style>
-          <a:lnRef idx="1">
-            <a:schemeClr val="accent1"/>
-          </a:lnRef>
-          <a:fillRef idx="0">
-            <a:schemeClr val="accent1"/>
-          </a:fillRef>
-          <a:effectRef idx="0">
-            <a:schemeClr val="accent1"/>
-          </a:effectRef>
-          <a:fontRef idx="minor">
-            <a:schemeClr val="tx1"/>
-          </a:fontRef>
-        </p:style>
-      </p:cxnSp>
-      <p:sp>
-        <p:nvSpPr>
-          <p:cNvPr id="79" name="Rounded Rectangle 78"/>
-          <p:cNvSpPr/>
-          <p:nvPr/>
-        </p:nvSpPr>
-        <p:spPr>
-          <a:xfrm>
-            <a:off x="1115616" y="1178750"/>
-            <a:ext cx="785542" cy="216024"/>
-          </a:xfrm>
-          <a:prstGeom prst="roundRect">
-            <a:avLst/>
-          </a:prstGeom>
-        </p:spPr>
-        <p:style>
-          <a:lnRef idx="1">
-            <a:schemeClr val="accent3"/>
-          </a:lnRef>
-          <a:fillRef idx="2">
-            <a:schemeClr val="accent3"/>
-          </a:fillRef>
-          <a:effectRef idx="1">
-            <a:schemeClr val="accent3"/>
-          </a:effectRef>
-          <a:fontRef idx="minor">
-            <a:schemeClr val="dk1"/>
-          </a:fontRef>
-        </p:style>
-        <p:txBody>
-          <a:bodyPr rtlCol="0" anchor="ctr"/>
-          <a:lstStyle/>
-          <a:p>
-            <a:pPr algn="ctr"/>
-            <a:r>
-              <a:rPr lang="en-SG" sz="1200" dirty="0" smtClean="0"/>
-              <a:t>add ‘[x?‘</a:t>
-            </a:r>
-            <a:endParaRPr lang="en-SG" sz="1200" dirty="0"/>
-          </a:p>
-        </p:txBody>
-      </p:sp>
-      <p:cxnSp>
-        <p:nvCxnSpPr>
-          <p:cNvPr id="80" name="Elbow Connector 79"/>
-          <p:cNvCxnSpPr>
-            <a:stCxn id="60" idx="1"/>
-            <a:endCxn id="79" idx="2"/>
-          </p:cNvCxnSpPr>
-          <p:nvPr/>
-        </p:nvCxnSpPr>
-        <p:spPr>
-          <a:xfrm rot="10800000">
-            <a:off x="1508388" y="1394774"/>
-            <a:ext cx="1463903" cy="270030"/>
-          </a:xfrm>
-          <a:prstGeom prst="bentConnector2">
-            <a:avLst/>
-          </a:prstGeom>
-          <a:ln>
-            <a:tailEnd type="arrow"/>
-          </a:ln>
-        </p:spPr>
-        <p:style>
-          <a:lnRef idx="1">
-            <a:schemeClr val="accent1"/>
-          </a:lnRef>
-          <a:fillRef idx="0">
-            <a:schemeClr val="accent1"/>
-          </a:fillRef>
-          <a:effectRef idx="0">
-            <a:schemeClr val="accent1"/>
-          </a:effectRef>
-          <a:fontRef idx="minor">
-            <a:schemeClr val="tx1"/>
-          </a:fontRef>
-        </p:style>
-      </p:cxnSp>
-      <p:sp>
-        <p:nvSpPr>
-          <p:cNvPr id="83" name="TextBox 82"/>
-          <p:cNvSpPr txBox="1"/>
-          <p:nvPr/>
-        </p:nvSpPr>
-        <p:spPr>
-          <a:xfrm>
-            <a:off x="1475656" y="1412776"/>
-            <a:ext cx="729046" cy="276999"/>
-          </a:xfrm>
-          <a:prstGeom prst="rect">
-            <a:avLst/>
-          </a:prstGeom>
-          <a:noFill/>
-        </p:spPr>
-        <p:txBody>
-          <a:bodyPr wrap="none" rtlCol="0">
-            <a:spAutoFit/>
-          </a:bodyPr>
-          <a:lstStyle/>
-          <a:p>
-            <a:r>
-              <a:rPr lang="en-SG" sz="1200" dirty="0"/>
-              <a:t>i</a:t>
-            </a:r>
-            <a:r>
-              <a:rPr lang="en-SG" sz="1200" dirty="0" smtClean="0"/>
-              <a:t>llegal ‘x’</a:t>
-            </a:r>
-            <a:endParaRPr lang="en-SG" sz="1200" dirty="0"/>
-          </a:p>
-        </p:txBody>
-      </p:sp>
-      <p:cxnSp>
-        <p:nvCxnSpPr>
-          <p:cNvPr id="86" name="Elbow Connector 85"/>
-          <p:cNvCxnSpPr>
-            <a:stCxn id="79" idx="0"/>
-            <a:endCxn id="8" idx="2"/>
-          </p:cNvCxnSpPr>
-          <p:nvPr/>
-        </p:nvCxnSpPr>
-        <p:spPr>
-          <a:xfrm rot="5400000" flipH="1" flipV="1">
-            <a:off x="2348323" y="140792"/>
-            <a:ext cx="198022" cy="1877895"/>
-          </a:xfrm>
-          <a:prstGeom prst="bentConnector2">
-            <a:avLst/>
-          </a:prstGeom>
-          <a:ln>
-            <a:tailEnd type="arrow"/>
-          </a:ln>
-        </p:spPr>
-        <p:style>
-          <a:lnRef idx="1">
-            <a:schemeClr val="accent1"/>
-          </a:lnRef>
-          <a:fillRef idx="0">
-            <a:schemeClr val="accent1"/>
-          </a:fillRef>
-          <a:effectRef idx="0">
-            <a:schemeClr val="accent1"/>
-          </a:effectRef>
-          <a:fontRef idx="minor">
-            <a:schemeClr val="tx1"/>
-          </a:fontRef>
-        </p:style>
-      </p:cxnSp>
-      <p:sp>
-        <p:nvSpPr>
-          <p:cNvPr id="93" name="Rounded Rectangle 92"/>
-          <p:cNvSpPr/>
-          <p:nvPr/>
-        </p:nvSpPr>
-        <p:spPr>
-          <a:xfrm>
-            <a:off x="5724128" y="1204241"/>
-            <a:ext cx="720080" cy="216024"/>
-          </a:xfrm>
-          <a:prstGeom prst="roundRect">
-            <a:avLst/>
-          </a:prstGeom>
-        </p:spPr>
-        <p:style>
-          <a:lnRef idx="1">
-            <a:schemeClr val="accent3"/>
-          </a:lnRef>
-          <a:fillRef idx="2">
-            <a:schemeClr val="accent3"/>
-          </a:fillRef>
-          <a:effectRef idx="1">
-            <a:schemeClr val="accent3"/>
-          </a:effectRef>
-          <a:fontRef idx="minor">
-            <a:schemeClr val="dk1"/>
-          </a:fontRef>
-        </p:style>
-        <p:txBody>
-          <a:bodyPr rtlCol="0" anchor="ctr"/>
-          <a:lstStyle/>
-          <a:p>
-            <a:pPr algn="ctr"/>
-            <a:r>
-              <a:rPr lang="en-SG" sz="1200" dirty="0" smtClean="0"/>
-              <a:t>add ‘]x‘</a:t>
-            </a:r>
-            <a:endParaRPr lang="en-SG" sz="1200" dirty="0"/>
-          </a:p>
-        </p:txBody>
-      </p:sp>
-      <p:cxnSp>
-        <p:nvCxnSpPr>
-          <p:cNvPr id="98" name="Elbow Connector 97"/>
-          <p:cNvCxnSpPr>
-            <a:stCxn id="68" idx="3"/>
-            <a:endCxn id="93" idx="2"/>
-          </p:cNvCxnSpPr>
-          <p:nvPr/>
-        </p:nvCxnSpPr>
-        <p:spPr>
-          <a:xfrm flipV="1">
-            <a:off x="5037050" y="1420265"/>
-            <a:ext cx="1047118" cy="316547"/>
-          </a:xfrm>
-          <a:prstGeom prst="bentConnector2">
-            <a:avLst/>
-          </a:prstGeom>
-          <a:ln>
-            <a:tailEnd type="arrow"/>
-          </a:ln>
-        </p:spPr>
-        <p:style>
-          <a:lnRef idx="1">
-            <a:schemeClr val="accent1"/>
-          </a:lnRef>
-          <a:fillRef idx="0">
-            <a:schemeClr val="accent1"/>
-          </a:fillRef>
-          <a:effectRef idx="0">
-            <a:schemeClr val="accent1"/>
-          </a:effectRef>
-          <a:fontRef idx="minor">
-            <a:schemeClr val="tx1"/>
-          </a:fontRef>
-        </p:style>
-      </p:cxnSp>
-      <p:sp>
-        <p:nvSpPr>
-          <p:cNvPr id="103" name="TextBox 102"/>
-          <p:cNvSpPr txBox="1"/>
-          <p:nvPr/>
-        </p:nvSpPr>
-        <p:spPr>
-          <a:xfrm>
-            <a:off x="5763134" y="1455250"/>
-            <a:ext cx="328936" cy="276999"/>
-          </a:xfrm>
-          <a:prstGeom prst="rect">
-            <a:avLst/>
-          </a:prstGeom>
-          <a:noFill/>
-        </p:spPr>
-        <p:txBody>
-          <a:bodyPr wrap="none" rtlCol="0">
-            <a:spAutoFit/>
-          </a:bodyPr>
-          <a:lstStyle/>
-          <a:p>
-            <a:r>
-              <a:rPr lang="en-SG" sz="1200" dirty="0" smtClean="0"/>
-              <a:t>‘x‘</a:t>
-            </a:r>
-            <a:endParaRPr lang="en-SG" sz="1200" dirty="0"/>
-          </a:p>
-        </p:txBody>
-      </p:sp>
-      <p:cxnSp>
-        <p:nvCxnSpPr>
-          <p:cNvPr id="104" name="Elbow Connector 103"/>
-          <p:cNvCxnSpPr>
-            <a:stCxn id="93" idx="0"/>
-            <a:endCxn id="8" idx="6"/>
-          </p:cNvCxnSpPr>
-          <p:nvPr/>
-        </p:nvCxnSpPr>
-        <p:spPr>
-          <a:xfrm rot="16200000" flipV="1">
-            <a:off x="5199533" y="319606"/>
-            <a:ext cx="223513" cy="1545758"/>
-          </a:xfrm>
-          <a:prstGeom prst="bentConnector2">
-            <a:avLst/>
-          </a:prstGeom>
-          <a:ln>
-            <a:tailEnd type="arrow"/>
-          </a:ln>
-        </p:spPr>
-        <p:style>
-          <a:lnRef idx="1">
-            <a:schemeClr val="accent1"/>
-          </a:lnRef>
-          <a:fillRef idx="0">
-            <a:schemeClr val="accent1"/>
-          </a:fillRef>
-          <a:effectRef idx="0">
-            <a:schemeClr val="accent1"/>
-          </a:effectRef>
-          <a:fontRef idx="minor">
-            <a:schemeClr val="tx1"/>
-          </a:fontRef>
-        </p:style>
-      </p:cxnSp>
-      <p:cxnSp>
-        <p:nvCxnSpPr>
-          <p:cNvPr id="120" name="Straight Arrow Connector 119"/>
-          <p:cNvCxnSpPr>
-            <a:stCxn id="25" idx="4"/>
-            <a:endCxn id="128" idx="0"/>
-          </p:cNvCxnSpPr>
-          <p:nvPr/>
-        </p:nvCxnSpPr>
-        <p:spPr>
-          <a:xfrm flipH="1">
-            <a:off x="2952787" y="3417059"/>
-            <a:ext cx="289479" cy="431504"/>
-          </a:xfrm>
-          <a:prstGeom prst="straightConnector1">
-            <a:avLst/>
-          </a:prstGeom>
-          <a:ln>
-            <a:tailEnd type="arrow"/>
-          </a:ln>
-        </p:spPr>
-        <p:style>
-          <a:lnRef idx="1">
-            <a:schemeClr val="accent1"/>
-          </a:lnRef>
-          <a:fillRef idx="0">
-            <a:schemeClr val="accent1"/>
-          </a:fillRef>
-          <a:effectRef idx="0">
-            <a:schemeClr val="accent1"/>
-          </a:effectRef>
-          <a:fontRef idx="minor">
-            <a:schemeClr val="tx1"/>
-          </a:fontRef>
-        </p:style>
-      </p:cxnSp>
-      <p:sp>
-        <p:nvSpPr>
-          <p:cNvPr id="121" name="TextBox 120"/>
-          <p:cNvSpPr txBox="1"/>
-          <p:nvPr/>
-        </p:nvSpPr>
-        <p:spPr>
-          <a:xfrm>
-            <a:off x="2895750" y="3416515"/>
-            <a:ext cx="308098" cy="276999"/>
-          </a:xfrm>
-          <a:prstGeom prst="rect">
-            <a:avLst/>
-          </a:prstGeom>
-          <a:noFill/>
-        </p:spPr>
-        <p:txBody>
-          <a:bodyPr wrap="none" rtlCol="0">
-            <a:spAutoFit/>
-          </a:bodyPr>
-          <a:lstStyle/>
-          <a:p>
-            <a:r>
-              <a:rPr lang="en-SG" sz="1200" dirty="0" smtClean="0"/>
-              <a:t>‘[‘</a:t>
-            </a:r>
-            <a:endParaRPr lang="en-SG" sz="1200" dirty="0"/>
-          </a:p>
-        </p:txBody>
-      </p:sp>
-      <p:cxnSp>
-        <p:nvCxnSpPr>
-          <p:cNvPr id="122" name="Elbow Connector 121"/>
-          <p:cNvCxnSpPr>
-            <a:stCxn id="128" idx="1"/>
-            <a:endCxn id="123" idx="2"/>
-          </p:cNvCxnSpPr>
-          <p:nvPr/>
-        </p:nvCxnSpPr>
-        <p:spPr>
-          <a:xfrm rot="10800000">
-            <a:off x="2163006" y="3758555"/>
-            <a:ext cx="521253" cy="270029"/>
-          </a:xfrm>
-          <a:prstGeom prst="bentConnector2">
-            <a:avLst/>
-          </a:prstGeom>
-          <a:ln>
-            <a:tailEnd type="arrow"/>
-          </a:ln>
-        </p:spPr>
-        <p:style>
-          <a:lnRef idx="1">
-            <a:schemeClr val="accent1"/>
-          </a:lnRef>
-          <a:fillRef idx="0">
-            <a:schemeClr val="accent1"/>
-          </a:fillRef>
-          <a:effectRef idx="0">
-            <a:schemeClr val="accent1"/>
-          </a:effectRef>
-          <a:fontRef idx="minor">
-            <a:schemeClr val="tx1"/>
-          </a:fontRef>
-        </p:style>
-      </p:cxnSp>
-      <p:sp>
-        <p:nvSpPr>
-          <p:cNvPr id="123" name="Rounded Rectangle 122"/>
-          <p:cNvSpPr/>
-          <p:nvPr/>
-        </p:nvSpPr>
-        <p:spPr>
-          <a:xfrm>
-            <a:off x="1835696" y="3542530"/>
-            <a:ext cx="654618" cy="216024"/>
-          </a:xfrm>
-          <a:prstGeom prst="roundRect">
-            <a:avLst/>
-          </a:prstGeom>
-        </p:spPr>
-        <p:style>
-          <a:lnRef idx="1">
-            <a:schemeClr val="accent3"/>
-          </a:lnRef>
-          <a:fillRef idx="2">
-            <a:schemeClr val="accent3"/>
-          </a:fillRef>
-          <a:effectRef idx="1">
-            <a:schemeClr val="accent3"/>
-          </a:effectRef>
-          <a:fontRef idx="minor">
-            <a:schemeClr val="dk1"/>
-          </a:fontRef>
-        </p:style>
-        <p:txBody>
-          <a:bodyPr rtlCol="0" anchor="ctr"/>
-          <a:lstStyle/>
-          <a:p>
-            <a:pPr algn="ctr"/>
-            <a:r>
-              <a:rPr lang="en-SG" sz="1200" dirty="0" smtClean="0"/>
-              <a:t>add ‘[‘</a:t>
-            </a:r>
-            <a:endParaRPr lang="en-SG" sz="1200" dirty="0"/>
-          </a:p>
-        </p:txBody>
-      </p:sp>
-      <p:cxnSp>
-        <p:nvCxnSpPr>
-          <p:cNvPr id="124" name="Elbow Connector 123"/>
-          <p:cNvCxnSpPr>
-            <a:stCxn id="123" idx="0"/>
-            <a:endCxn id="25" idx="2"/>
-          </p:cNvCxnSpPr>
-          <p:nvPr/>
-        </p:nvCxnSpPr>
-        <p:spPr>
-          <a:xfrm rot="5400000" flipH="1" flipV="1">
-            <a:off x="2279860" y="3156189"/>
-            <a:ext cx="269487" cy="503197"/>
-          </a:xfrm>
-          <a:prstGeom prst="bentConnector2">
-            <a:avLst/>
-          </a:prstGeom>
-          <a:ln>
-            <a:tailEnd type="arrow"/>
-          </a:ln>
-        </p:spPr>
-        <p:style>
-          <a:lnRef idx="1">
-            <a:schemeClr val="accent1"/>
-          </a:lnRef>
-          <a:fillRef idx="0">
-            <a:schemeClr val="accent1"/>
-          </a:fillRef>
-          <a:effectRef idx="0">
-            <a:schemeClr val="accent1"/>
-          </a:effectRef>
-          <a:fontRef idx="minor">
-            <a:schemeClr val="tx1"/>
-          </a:fontRef>
-        </p:style>
-      </p:cxnSp>
-      <p:sp>
-        <p:nvSpPr>
-          <p:cNvPr id="125" name="TextBox 124"/>
-          <p:cNvSpPr txBox="1"/>
-          <p:nvPr/>
-        </p:nvSpPr>
-        <p:spPr>
-          <a:xfrm>
-            <a:off x="2163565" y="3738448"/>
-            <a:ext cx="308098" cy="276999"/>
-          </a:xfrm>
-          <a:prstGeom prst="rect">
-            <a:avLst/>
-          </a:prstGeom>
-          <a:noFill/>
-        </p:spPr>
-        <p:txBody>
-          <a:bodyPr wrap="none" rtlCol="0">
-            <a:spAutoFit/>
-          </a:bodyPr>
-          <a:lstStyle/>
-          <a:p>
-            <a:r>
-              <a:rPr lang="en-SG" sz="1200" dirty="0" smtClean="0"/>
-              <a:t>‘[‘</a:t>
-            </a:r>
-            <a:endParaRPr lang="en-SG" sz="1200" dirty="0"/>
-          </a:p>
-        </p:txBody>
-      </p:sp>
-      <p:sp>
-        <p:nvSpPr>
-          <p:cNvPr id="128" name="Rounded Rectangle 127"/>
-          <p:cNvSpPr/>
-          <p:nvPr/>
-        </p:nvSpPr>
-        <p:spPr>
-          <a:xfrm>
-            <a:off x="2684258" y="3848563"/>
-            <a:ext cx="537058" cy="360040"/>
-          </a:xfrm>
-          <a:prstGeom prst="roundRect">
-            <a:avLst/>
-          </a:prstGeom>
-        </p:spPr>
-        <p:style>
-          <a:lnRef idx="1">
-            <a:schemeClr val="accent3"/>
-          </a:lnRef>
-          <a:fillRef idx="2">
-            <a:schemeClr val="accent3"/>
-          </a:fillRef>
-          <a:effectRef idx="1">
-            <a:schemeClr val="accent3"/>
-          </a:effectRef>
-          <a:fontRef idx="minor">
-            <a:schemeClr val="dk1"/>
-          </a:fontRef>
-        </p:style>
-        <p:txBody>
-          <a:bodyPr rtlCol="0" anchor="ctr"/>
-          <a:lstStyle/>
-          <a:p>
-            <a:pPr algn="ctr"/>
-            <a:r>
-              <a:rPr lang="en-SG" sz="1200" dirty="0" smtClean="0"/>
-              <a:t>next char</a:t>
-            </a:r>
-            <a:endParaRPr lang="en-SG" sz="1200" dirty="0"/>
-          </a:p>
-        </p:txBody>
-      </p:sp>
-      <p:sp>
-        <p:nvSpPr>
-          <p:cNvPr id="129" name="Rounded Rectangle 128"/>
-          <p:cNvSpPr/>
-          <p:nvPr/>
-        </p:nvSpPr>
-        <p:spPr>
-          <a:xfrm>
-            <a:off x="827584" y="3542529"/>
-            <a:ext cx="785542" cy="216024"/>
-          </a:xfrm>
-          <a:prstGeom prst="roundRect">
-            <a:avLst/>
-          </a:prstGeom>
-        </p:spPr>
-        <p:style>
-          <a:lnRef idx="1">
-            <a:schemeClr val="accent3"/>
-          </a:lnRef>
-          <a:fillRef idx="2">
-            <a:schemeClr val="accent3"/>
-          </a:fillRef>
-          <a:effectRef idx="1">
-            <a:schemeClr val="accent3"/>
-          </a:effectRef>
-          <a:fontRef idx="minor">
-            <a:schemeClr val="dk1"/>
-          </a:fontRef>
-        </p:style>
-        <p:txBody>
-          <a:bodyPr rtlCol="0" anchor="ctr"/>
-          <a:lstStyle/>
-          <a:p>
-            <a:pPr algn="ctr"/>
-            <a:r>
-              <a:rPr lang="en-SG" sz="1200" dirty="0" smtClean="0"/>
-              <a:t>add ‘[x?‘</a:t>
-            </a:r>
-            <a:endParaRPr lang="en-SG" sz="1200" dirty="0"/>
-          </a:p>
-        </p:txBody>
-      </p:sp>
-      <p:cxnSp>
-        <p:nvCxnSpPr>
-          <p:cNvPr id="130" name="Elbow Connector 129"/>
-          <p:cNvCxnSpPr>
-            <a:stCxn id="128" idx="1"/>
-            <a:endCxn id="129" idx="2"/>
-          </p:cNvCxnSpPr>
-          <p:nvPr/>
-        </p:nvCxnSpPr>
-        <p:spPr>
-          <a:xfrm rot="10800000">
-            <a:off x="1220356" y="3758553"/>
-            <a:ext cx="1463903" cy="270030"/>
-          </a:xfrm>
-          <a:prstGeom prst="bentConnector2">
-            <a:avLst/>
-          </a:prstGeom>
-          <a:ln>
-            <a:tailEnd type="arrow"/>
-          </a:ln>
-        </p:spPr>
-        <p:style>
-          <a:lnRef idx="1">
-            <a:schemeClr val="accent1"/>
-          </a:lnRef>
-          <a:fillRef idx="0">
-            <a:schemeClr val="accent1"/>
-          </a:fillRef>
-          <a:effectRef idx="0">
-            <a:schemeClr val="accent1"/>
-          </a:effectRef>
-          <a:fontRef idx="minor">
-            <a:schemeClr val="tx1"/>
-          </a:fontRef>
-        </p:style>
-      </p:cxnSp>
-      <p:sp>
-        <p:nvSpPr>
-          <p:cNvPr id="131" name="TextBox 130"/>
-          <p:cNvSpPr txBox="1"/>
-          <p:nvPr/>
-        </p:nvSpPr>
-        <p:spPr>
-          <a:xfrm>
-            <a:off x="1187624" y="3776555"/>
-            <a:ext cx="332783" cy="276999"/>
-          </a:xfrm>
-          <a:prstGeom prst="rect">
-            <a:avLst/>
-          </a:prstGeom>
-          <a:noFill/>
-        </p:spPr>
-        <p:txBody>
-          <a:bodyPr wrap="none" rtlCol="0">
-            <a:spAutoFit/>
-          </a:bodyPr>
-          <a:lstStyle/>
-          <a:p>
-            <a:r>
-              <a:rPr lang="en-SG" sz="1200" dirty="0" smtClean="0"/>
-              <a:t>‘x’</a:t>
-            </a:r>
-            <a:endParaRPr lang="en-SG" sz="1200" dirty="0"/>
-          </a:p>
-        </p:txBody>
-      </p:sp>
-      <p:cxnSp>
-        <p:nvCxnSpPr>
-          <p:cNvPr id="132" name="Elbow Connector 131"/>
-          <p:cNvCxnSpPr>
-            <a:stCxn id="129" idx="0"/>
-            <a:endCxn id="25" idx="2"/>
-          </p:cNvCxnSpPr>
-          <p:nvPr/>
-        </p:nvCxnSpPr>
-        <p:spPr>
-          <a:xfrm rot="5400000" flipH="1" flipV="1">
-            <a:off x="1808535" y="2684863"/>
-            <a:ext cx="269486" cy="1445847"/>
-          </a:xfrm>
-          <a:prstGeom prst="bentConnector2">
-            <a:avLst/>
-          </a:prstGeom>
-          <a:ln>
-            <a:tailEnd type="arrow"/>
-          </a:ln>
-        </p:spPr>
-        <p:style>
-          <a:lnRef idx="1">
-            <a:schemeClr val="accent1"/>
-          </a:lnRef>
-          <a:fillRef idx="0">
-            <a:schemeClr val="accent1"/>
-          </a:fillRef>
-          <a:effectRef idx="0">
-            <a:schemeClr val="accent1"/>
-          </a:effectRef>
-          <a:fontRef idx="minor">
-            <a:schemeClr val="tx1"/>
-          </a:fontRef>
-        </p:style>
-      </p:cxnSp>
-      <p:cxnSp>
-        <p:nvCxnSpPr>
-          <p:cNvPr id="168" name="Elbow Connector 167"/>
-          <p:cNvCxnSpPr>
-            <a:stCxn id="170" idx="3"/>
-            <a:endCxn id="169" idx="2"/>
-          </p:cNvCxnSpPr>
-          <p:nvPr/>
-        </p:nvCxnSpPr>
-        <p:spPr>
-          <a:xfrm flipV="1">
-            <a:off x="4028938" y="3729122"/>
-            <a:ext cx="150291" cy="311946"/>
-          </a:xfrm>
-          <a:prstGeom prst="bentConnector2">
-            <a:avLst/>
-          </a:prstGeom>
-          <a:ln>
-            <a:tailEnd type="arrow"/>
-          </a:ln>
-        </p:spPr>
-        <p:style>
-          <a:lnRef idx="1">
-            <a:schemeClr val="accent1"/>
-          </a:lnRef>
-          <a:fillRef idx="0">
-            <a:schemeClr val="accent1"/>
-          </a:fillRef>
-          <a:effectRef idx="0">
-            <a:schemeClr val="accent1"/>
-          </a:effectRef>
-          <a:fontRef idx="minor">
-            <a:schemeClr val="tx1"/>
-          </a:fontRef>
-        </p:style>
-      </p:cxnSp>
-      <p:sp>
-        <p:nvSpPr>
-          <p:cNvPr id="169" name="Rounded Rectangle 168"/>
-          <p:cNvSpPr/>
-          <p:nvPr/>
-        </p:nvSpPr>
-        <p:spPr>
-          <a:xfrm>
-            <a:off x="3851920" y="3513098"/>
-            <a:ext cx="654618" cy="216024"/>
-          </a:xfrm>
-          <a:prstGeom prst="roundRect">
-            <a:avLst/>
-          </a:prstGeom>
-        </p:spPr>
-        <p:style>
-          <a:lnRef idx="1">
-            <a:schemeClr val="accent3"/>
-          </a:lnRef>
-          <a:fillRef idx="2">
-            <a:schemeClr val="accent3"/>
-          </a:fillRef>
-          <a:effectRef idx="1">
-            <a:schemeClr val="accent3"/>
-          </a:effectRef>
-          <a:fontRef idx="minor">
-            <a:schemeClr val="dk1"/>
-          </a:fontRef>
-        </p:style>
-        <p:txBody>
-          <a:bodyPr rtlCol="0" anchor="ctr"/>
-          <a:lstStyle/>
-          <a:p>
-            <a:pPr algn="ctr"/>
-            <a:r>
-              <a:rPr lang="en-SG" sz="1200" dirty="0" smtClean="0"/>
-              <a:t>add ‘</a:t>
-            </a:r>
-            <a:r>
-              <a:rPr lang="en-SG" sz="1200" dirty="0"/>
-              <a:t>]</a:t>
-            </a:r>
-            <a:r>
-              <a:rPr lang="en-SG" sz="1200" dirty="0" smtClean="0"/>
-              <a:t>‘</a:t>
-            </a:r>
-            <a:endParaRPr lang="en-SG" sz="1200" dirty="0"/>
-          </a:p>
-        </p:txBody>
-      </p:sp>
-      <p:sp>
-        <p:nvSpPr>
-          <p:cNvPr id="170" name="Rounded Rectangle 169"/>
-          <p:cNvSpPr/>
-          <p:nvPr/>
-        </p:nvSpPr>
-        <p:spPr>
-          <a:xfrm>
-            <a:off x="3491880" y="3861048"/>
-            <a:ext cx="537058" cy="360040"/>
-          </a:xfrm>
-          <a:prstGeom prst="roundRect">
-            <a:avLst/>
-          </a:prstGeom>
-        </p:spPr>
-        <p:style>
-          <a:lnRef idx="1">
-            <a:schemeClr val="accent3"/>
-          </a:lnRef>
-          <a:fillRef idx="2">
-            <a:schemeClr val="accent3"/>
-          </a:fillRef>
-          <a:effectRef idx="1">
-            <a:schemeClr val="accent3"/>
-          </a:effectRef>
-          <a:fontRef idx="minor">
-            <a:schemeClr val="dk1"/>
-          </a:fontRef>
-        </p:style>
-        <p:txBody>
-          <a:bodyPr rtlCol="0" anchor="ctr"/>
-          <a:lstStyle/>
-          <a:p>
-            <a:pPr algn="ctr"/>
-            <a:r>
-              <a:rPr lang="en-SG" sz="1200" dirty="0" smtClean="0"/>
-              <a:t>next char</a:t>
-            </a:r>
-            <a:endParaRPr lang="en-SG" sz="1200" dirty="0"/>
-          </a:p>
-        </p:txBody>
-      </p:sp>
-      <p:cxnSp>
-        <p:nvCxnSpPr>
-          <p:cNvPr id="171" name="Straight Arrow Connector 170"/>
-          <p:cNvCxnSpPr>
-            <a:stCxn id="25" idx="4"/>
-            <a:endCxn id="170" idx="0"/>
-          </p:cNvCxnSpPr>
-          <p:nvPr/>
-        </p:nvCxnSpPr>
-        <p:spPr>
-          <a:xfrm>
-            <a:off x="3242266" y="3417059"/>
-            <a:ext cx="518143" cy="443989"/>
-          </a:xfrm>
-          <a:prstGeom prst="straightConnector1">
-            <a:avLst/>
-          </a:prstGeom>
-          <a:ln>
-            <a:tailEnd type="arrow"/>
-          </a:ln>
-        </p:spPr>
-        <p:style>
-          <a:lnRef idx="1">
-            <a:schemeClr val="accent1"/>
-          </a:lnRef>
-          <a:fillRef idx="0">
-            <a:schemeClr val="accent1"/>
-          </a:fillRef>
-          <a:effectRef idx="0">
-            <a:schemeClr val="accent1"/>
-          </a:effectRef>
-          <a:fontRef idx="minor">
-            <a:schemeClr val="tx1"/>
-          </a:fontRef>
-        </p:style>
-      </p:cxnSp>
-      <p:sp>
-        <p:nvSpPr>
-          <p:cNvPr id="172" name="TextBox 171"/>
-          <p:cNvSpPr txBox="1"/>
-          <p:nvPr/>
-        </p:nvSpPr>
-        <p:spPr>
-          <a:xfrm>
-            <a:off x="3399806" y="3416515"/>
-            <a:ext cx="308098" cy="276999"/>
-          </a:xfrm>
-          <a:prstGeom prst="rect">
-            <a:avLst/>
-          </a:prstGeom>
-          <a:noFill/>
-        </p:spPr>
-        <p:txBody>
-          <a:bodyPr wrap="none" rtlCol="0">
-            <a:spAutoFit/>
-          </a:bodyPr>
-          <a:lstStyle/>
-          <a:p>
-            <a:r>
-              <a:rPr lang="en-SG" sz="1200" dirty="0" smtClean="0"/>
-              <a:t>‘]‘</a:t>
-            </a:r>
-            <a:endParaRPr lang="en-SG" sz="1200" dirty="0"/>
-          </a:p>
-        </p:txBody>
-      </p:sp>
-      <p:sp>
-        <p:nvSpPr>
-          <p:cNvPr id="173" name="TextBox 172"/>
-          <p:cNvSpPr txBox="1"/>
-          <p:nvPr/>
-        </p:nvSpPr>
-        <p:spPr>
-          <a:xfrm>
-            <a:off x="4139952" y="3704547"/>
-            <a:ext cx="308098" cy="276999"/>
-          </a:xfrm>
-          <a:prstGeom prst="rect">
-            <a:avLst/>
-          </a:prstGeom>
-          <a:noFill/>
-        </p:spPr>
-        <p:txBody>
-          <a:bodyPr wrap="none" rtlCol="0">
-            <a:spAutoFit/>
-          </a:bodyPr>
-          <a:lstStyle/>
-          <a:p>
-            <a:r>
-              <a:rPr lang="en-SG" sz="1200" dirty="0" smtClean="0"/>
-              <a:t>‘</a:t>
-            </a:r>
-            <a:r>
-              <a:rPr lang="en-SG" sz="1200" dirty="0"/>
-              <a:t>]</a:t>
-            </a:r>
-            <a:r>
-              <a:rPr lang="en-SG" sz="1200" dirty="0" smtClean="0"/>
-              <a:t>‘</a:t>
-            </a:r>
-            <a:endParaRPr lang="en-SG" sz="1200" dirty="0"/>
-          </a:p>
-        </p:txBody>
-      </p:sp>
-      <p:cxnSp>
-        <p:nvCxnSpPr>
-          <p:cNvPr id="174" name="Elbow Connector 173"/>
-          <p:cNvCxnSpPr>
-            <a:stCxn id="169" idx="0"/>
-            <a:endCxn id="25" idx="6"/>
-          </p:cNvCxnSpPr>
-          <p:nvPr/>
-        </p:nvCxnSpPr>
-        <p:spPr>
-          <a:xfrm rot="16200000" flipV="1">
-            <a:off x="3878753" y="3212621"/>
-            <a:ext cx="240055" cy="360899"/>
-          </a:xfrm>
-          <a:prstGeom prst="bentConnector2">
-            <a:avLst/>
-          </a:prstGeom>
-          <a:ln>
-            <a:tailEnd type="arrow"/>
-          </a:ln>
-        </p:spPr>
-        <p:style>
-          <a:lnRef idx="1">
-            <a:schemeClr val="accent1"/>
-          </a:lnRef>
-          <a:fillRef idx="0">
-            <a:schemeClr val="accent1"/>
-          </a:fillRef>
-          <a:effectRef idx="0">
-            <a:schemeClr val="accent1"/>
-          </a:effectRef>
-          <a:fontRef idx="minor">
-            <a:schemeClr val="tx1"/>
-          </a:fontRef>
-        </p:style>
-      </p:cxnSp>
-      <p:sp>
-        <p:nvSpPr>
-          <p:cNvPr id="175" name="Rounded Rectangle 174"/>
-          <p:cNvSpPr/>
-          <p:nvPr/>
-        </p:nvSpPr>
-        <p:spPr>
-          <a:xfrm>
-            <a:off x="4716016" y="3508497"/>
-            <a:ext cx="720080" cy="216024"/>
-          </a:xfrm>
-          <a:prstGeom prst="roundRect">
-            <a:avLst/>
-          </a:prstGeom>
-        </p:spPr>
-        <p:style>
-          <a:lnRef idx="1">
-            <a:schemeClr val="accent3"/>
-          </a:lnRef>
-          <a:fillRef idx="2">
-            <a:schemeClr val="accent3"/>
-          </a:fillRef>
-          <a:effectRef idx="1">
-            <a:schemeClr val="accent3"/>
-          </a:effectRef>
-          <a:fontRef idx="minor">
-            <a:schemeClr val="dk1"/>
-          </a:fontRef>
-        </p:style>
-        <p:txBody>
-          <a:bodyPr rtlCol="0" anchor="ctr"/>
-          <a:lstStyle/>
-          <a:p>
-            <a:pPr algn="ctr"/>
-            <a:r>
-              <a:rPr lang="en-SG" sz="1200" smtClean="0"/>
-              <a:t>add ‘x</a:t>
-            </a:r>
-            <a:r>
-              <a:rPr lang="en-SG" sz="1200" dirty="0" smtClean="0"/>
-              <a:t>‘</a:t>
-            </a:r>
-            <a:endParaRPr lang="en-SG" sz="1200" dirty="0"/>
-          </a:p>
-        </p:txBody>
-      </p:sp>
-      <p:cxnSp>
-        <p:nvCxnSpPr>
-          <p:cNvPr id="176" name="Elbow Connector 175"/>
-          <p:cNvCxnSpPr>
-            <a:stCxn id="170" idx="3"/>
-            <a:endCxn id="175" idx="2"/>
-          </p:cNvCxnSpPr>
-          <p:nvPr/>
-        </p:nvCxnSpPr>
-        <p:spPr>
-          <a:xfrm flipV="1">
-            <a:off x="4028938" y="3724521"/>
-            <a:ext cx="1047118" cy="316547"/>
-          </a:xfrm>
-          <a:prstGeom prst="bentConnector2">
-            <a:avLst/>
-          </a:prstGeom>
-          <a:ln>
-            <a:tailEnd type="arrow"/>
-          </a:ln>
-        </p:spPr>
-        <p:style>
-          <a:lnRef idx="1">
-            <a:schemeClr val="accent1"/>
-          </a:lnRef>
-          <a:fillRef idx="0">
-            <a:schemeClr val="accent1"/>
-          </a:fillRef>
-          <a:effectRef idx="0">
-            <a:schemeClr val="accent1"/>
-          </a:effectRef>
-          <a:fontRef idx="minor">
-            <a:schemeClr val="tx1"/>
-          </a:fontRef>
-        </p:style>
-      </p:cxnSp>
-      <p:sp>
-        <p:nvSpPr>
-          <p:cNvPr id="177" name="TextBox 176"/>
-          <p:cNvSpPr txBox="1"/>
-          <p:nvPr/>
-        </p:nvSpPr>
-        <p:spPr>
-          <a:xfrm>
-            <a:off x="4755022" y="3759506"/>
-            <a:ext cx="328936" cy="276999"/>
-          </a:xfrm>
-          <a:prstGeom prst="rect">
-            <a:avLst/>
-          </a:prstGeom>
-          <a:noFill/>
-        </p:spPr>
-        <p:txBody>
-          <a:bodyPr wrap="none" rtlCol="0">
-            <a:spAutoFit/>
-          </a:bodyPr>
-          <a:lstStyle/>
-          <a:p>
-            <a:r>
-              <a:rPr lang="en-SG" sz="1200" dirty="0" smtClean="0"/>
-              <a:t>‘x‘</a:t>
-            </a:r>
-            <a:endParaRPr lang="en-SG" sz="1200" dirty="0"/>
-          </a:p>
-        </p:txBody>
-      </p:sp>
-      <p:cxnSp>
-        <p:nvCxnSpPr>
-          <p:cNvPr id="178" name="Elbow Connector 177"/>
-          <p:cNvCxnSpPr>
-            <a:stCxn id="175" idx="3"/>
-            <a:endCxn id="196" idx="2"/>
-          </p:cNvCxnSpPr>
-          <p:nvPr/>
-        </p:nvCxnSpPr>
-        <p:spPr>
-          <a:xfrm flipV="1">
-            <a:off x="5436096" y="2780928"/>
-            <a:ext cx="1473547" cy="835581"/>
-          </a:xfrm>
-          <a:prstGeom prst="bentConnector2">
-            <a:avLst/>
-          </a:prstGeom>
-          <a:ln>
-            <a:tailEnd type="arrow"/>
-          </a:ln>
-        </p:spPr>
-        <p:style>
-          <a:lnRef idx="1">
-            <a:schemeClr val="accent1"/>
-          </a:lnRef>
-          <a:fillRef idx="0">
-            <a:schemeClr val="accent1"/>
-          </a:fillRef>
-          <a:effectRef idx="0">
-            <a:schemeClr val="accent1"/>
-          </a:effectRef>
-          <a:fontRef idx="minor">
-            <a:schemeClr val="tx1"/>
-          </a:fontRef>
-        </p:style>
-      </p:cxnSp>
-      <p:sp>
-        <p:nvSpPr>
-          <p:cNvPr id="196" name="Rounded Rectangle 195"/>
-          <p:cNvSpPr/>
-          <p:nvPr/>
-        </p:nvSpPr>
-        <p:spPr>
-          <a:xfrm>
-            <a:off x="6444208" y="2204864"/>
-            <a:ext cx="930870" cy="576064"/>
-          </a:xfrm>
-          <a:prstGeom prst="roundRect">
-            <a:avLst/>
-          </a:prstGeom>
-        </p:spPr>
-        <p:style>
-          <a:lnRef idx="1">
-            <a:schemeClr val="accent1"/>
-          </a:lnRef>
-          <a:fillRef idx="2">
-            <a:schemeClr val="accent1"/>
-          </a:fillRef>
-          <a:effectRef idx="1">
-            <a:schemeClr val="accent1"/>
-          </a:effectRef>
-          <a:fontRef idx="minor">
-            <a:schemeClr val="dk1"/>
-          </a:fontRef>
-        </p:style>
-        <p:txBody>
-          <a:bodyPr rtlCol="0" anchor="ctr"/>
-          <a:lstStyle/>
-          <a:p>
-            <a:pPr algn="ctr"/>
-            <a:r>
-              <a:rPr lang="en-SG" sz="1200" dirty="0" smtClean="0"/>
-              <a:t>Draw formatted text</a:t>
-            </a:r>
-            <a:endParaRPr lang="en-SG" sz="1200" dirty="0"/>
-          </a:p>
-        </p:txBody>
-      </p:sp>
-      <p:sp>
-        <p:nvSpPr>
-          <p:cNvPr id="197" name="Rounded Rectangle 196"/>
-          <p:cNvSpPr/>
-          <p:nvPr/>
-        </p:nvSpPr>
-        <p:spPr>
-          <a:xfrm>
-            <a:off x="2771800" y="2204864"/>
-            <a:ext cx="930870" cy="576064"/>
-          </a:xfrm>
-          <a:prstGeom prst="roundRect">
-            <a:avLst/>
-          </a:prstGeom>
-        </p:spPr>
-        <p:style>
-          <a:lnRef idx="1">
-            <a:schemeClr val="accent1"/>
-          </a:lnRef>
-          <a:fillRef idx="2">
-            <a:schemeClr val="accent1"/>
-          </a:fillRef>
-          <a:effectRef idx="1">
-            <a:schemeClr val="accent1"/>
-          </a:effectRef>
-          <a:fontRef idx="minor">
-            <a:schemeClr val="dk1"/>
-          </a:fontRef>
-        </p:style>
-        <p:txBody>
-          <a:bodyPr rtlCol="0" anchor="ctr"/>
-          <a:lstStyle/>
-          <a:p>
-            <a:pPr algn="ctr"/>
-            <a:r>
-              <a:rPr lang="en-SG" sz="1200" dirty="0" smtClean="0"/>
-              <a:t>Draw normal text</a:t>
-            </a:r>
-            <a:endParaRPr lang="en-SG" sz="1200" dirty="0"/>
-          </a:p>
-        </p:txBody>
-      </p:sp>
-      <p:cxnSp>
-        <p:nvCxnSpPr>
-          <p:cNvPr id="200" name="Straight Arrow Connector 199"/>
-          <p:cNvCxnSpPr>
-            <a:stCxn id="197" idx="2"/>
-            <a:endCxn id="25" idx="0"/>
-          </p:cNvCxnSpPr>
-          <p:nvPr/>
-        </p:nvCxnSpPr>
-        <p:spPr>
-          <a:xfrm>
-            <a:off x="3237235" y="2780928"/>
-            <a:ext cx="5031" cy="348099"/>
-          </a:xfrm>
-          <a:prstGeom prst="straightConnector1">
-            <a:avLst/>
-          </a:prstGeom>
-          <a:ln>
-            <a:tailEnd type="arrow"/>
-          </a:ln>
-        </p:spPr>
-        <p:style>
-          <a:lnRef idx="1">
-            <a:schemeClr val="accent1"/>
-          </a:lnRef>
-          <a:fillRef idx="0">
-            <a:schemeClr val="accent1"/>
-          </a:fillRef>
-          <a:effectRef idx="0">
-            <a:schemeClr val="accent1"/>
-          </a:effectRef>
-          <a:fontRef idx="minor">
-            <a:schemeClr val="tx1"/>
-          </a:fontRef>
-        </p:style>
-      </p:cxnSp>
-      <p:cxnSp>
-        <p:nvCxnSpPr>
-          <p:cNvPr id="208" name="Elbow Connector 207"/>
-          <p:cNvCxnSpPr>
-            <a:stCxn id="196" idx="0"/>
-            <a:endCxn id="8" idx="6"/>
-          </p:cNvCxnSpPr>
-          <p:nvPr/>
-        </p:nvCxnSpPr>
-        <p:spPr>
-          <a:xfrm rot="16200000" flipV="1">
-            <a:off x="5111959" y="407179"/>
-            <a:ext cx="1224136" cy="2371233"/>
-          </a:xfrm>
-          <a:prstGeom prst="bentConnector2">
-            <a:avLst/>
-          </a:prstGeom>
-          <a:ln>
-            <a:tailEnd type="arrow"/>
-          </a:ln>
-        </p:spPr>
-        <p:style>
-          <a:lnRef idx="1">
-            <a:schemeClr val="accent1"/>
-          </a:lnRef>
-          <a:fillRef idx="0">
-            <a:schemeClr val="accent1"/>
-          </a:fillRef>
-          <a:effectRef idx="0">
-            <a:schemeClr val="accent1"/>
-          </a:effectRef>
-          <a:fontRef idx="minor">
-            <a:schemeClr val="tx1"/>
-          </a:fontRef>
-        </p:style>
-      </p:cxnSp>
-    </p:spTree>
-    <p:extLst>
-      <p:ext uri="{BB962C8B-B14F-4D97-AF65-F5344CB8AC3E}">
-        <p14:creationId xmlns:p14="http://schemas.microsoft.com/office/powerpoint/2010/main" val="2101982952"/>
-      </p:ext>
-    </p:extLst>
-  </p:cSld>
-  <p:clrMapOvr>
-    <a:masterClrMapping/>
-  </p:clrMapOvr>
-</p:sld>
-</file>
-
 <file path=ppt/slides/slide8.xml><?xml version="1.0" encoding="utf-8"?>
 <p:sld xmlns:a="http://schemas.openxmlformats.org/drawingml/2006/main" xmlns:r="http://schemas.openxmlformats.org/officeDocument/2006/relationships" xmlns:p="http://schemas.openxmlformats.org/presentationml/2006/main">
   <p:cSld>
@@ -13722,120 +14090,6 @@
       </p:grpSpPr>
       <p:sp>
         <p:nvSpPr>
-          <p:cNvPr id="36" name="Rectangle 35"/>
-          <p:cNvSpPr/>
-          <p:nvPr/>
-        </p:nvSpPr>
-        <p:spPr>
-          <a:xfrm>
-            <a:off x="1115616" y="640433"/>
-            <a:ext cx="6120680" cy="3120151"/>
-          </a:xfrm>
-          <a:prstGeom prst="rect">
-            <a:avLst/>
-          </a:prstGeom>
-        </p:spPr>
-        <p:style>
-          <a:lnRef idx="1">
-            <a:schemeClr val="dk1"/>
-          </a:lnRef>
-          <a:fillRef idx="2">
-            <a:schemeClr val="dk1"/>
-          </a:fillRef>
-          <a:effectRef idx="1">
-            <a:schemeClr val="dk1"/>
-          </a:effectRef>
-          <a:fontRef idx="minor">
-            <a:schemeClr val="dk1"/>
-          </a:fontRef>
-        </p:style>
-        <p:txBody>
-          <a:bodyPr rtlCol="0" anchor="ctr"/>
-          <a:lstStyle/>
-          <a:p>
-            <a:pPr algn="ctr"/>
-            <a:endParaRPr lang="en-SG"/>
-          </a:p>
-        </p:txBody>
-      </p:sp>
-      <p:sp>
-        <p:nvSpPr>
-          <p:cNvPr id="38" name="Rectangle 37"/>
-          <p:cNvSpPr/>
-          <p:nvPr/>
-        </p:nvSpPr>
-        <p:spPr>
-          <a:xfrm>
-            <a:off x="1187624" y="959242"/>
-            <a:ext cx="1641204" cy="2705527"/>
-          </a:xfrm>
-          <a:prstGeom prst="rect">
-            <a:avLst/>
-          </a:prstGeom>
-        </p:spPr>
-        <p:style>
-          <a:lnRef idx="1">
-            <a:schemeClr val="accent1"/>
-          </a:lnRef>
-          <a:fillRef idx="2">
-            <a:schemeClr val="accent1"/>
-          </a:fillRef>
-          <a:effectRef idx="1">
-            <a:schemeClr val="accent1"/>
-          </a:effectRef>
-          <a:fontRef idx="minor">
-            <a:schemeClr val="dk1"/>
-          </a:fontRef>
-        </p:style>
-        <p:txBody>
-          <a:bodyPr rtlCol="0" anchor="ctr"/>
-          <a:lstStyle/>
-          <a:p>
-            <a:pPr algn="ctr"/>
-            <a:endParaRPr lang="en-SG"/>
-          </a:p>
-        </p:txBody>
-      </p:sp>
-      <p:sp>
-        <p:nvSpPr>
-          <p:cNvPr id="17" name="Rectangle 16"/>
-          <p:cNvSpPr/>
-          <p:nvPr/>
-        </p:nvSpPr>
-        <p:spPr>
-          <a:xfrm>
-            <a:off x="3104308" y="1321022"/>
-            <a:ext cx="1899739" cy="1819945"/>
-          </a:xfrm>
-          <a:prstGeom prst="rect">
-            <a:avLst/>
-          </a:prstGeom>
-        </p:spPr>
-        <p:style>
-          <a:lnRef idx="1">
-            <a:schemeClr val="accent1"/>
-          </a:lnRef>
-          <a:fillRef idx="2">
-            <a:schemeClr val="accent1"/>
-          </a:fillRef>
-          <a:effectRef idx="1">
-            <a:schemeClr val="accent1"/>
-          </a:effectRef>
-          <a:fontRef idx="minor">
-            <a:schemeClr val="dk1"/>
-          </a:fontRef>
-        </p:style>
-        <p:txBody>
-          <a:bodyPr rtlCol="0" anchor="ctr"/>
-          <a:lstStyle/>
-          <a:p>
-            <a:pPr algn="ctr"/>
-            <a:endParaRPr lang="en-SG"/>
-          </a:p>
-        </p:txBody>
-      </p:sp>
-      <p:sp>
-        <p:nvSpPr>
           <p:cNvPr id="5" name="Rectangle 4"/>
           <p:cNvSpPr/>
           <p:nvPr/>
@@ -13857,7 +14111,19 @@
           <a:p>
             <a:r>
               <a:rPr lang="en-SG" b="1" dirty="0" err="1" smtClean="0"/>
-              <a:t>TextViewer</a:t>
+              <a:t>TextViewerGlyphDrawer</a:t>
+            </a:r>
+            <a:r>
+              <a:rPr lang="en-SG" b="1" dirty="0" smtClean="0"/>
+              <a:t> </a:t>
+            </a:r>
+            <a:r>
+              <a:rPr lang="en-SG" b="1" dirty="0" err="1"/>
+              <a:t>D</a:t>
+            </a:r>
+            <a:r>
+              <a:rPr lang="en-SG" b="1" dirty="0" err="1" smtClean="0"/>
+              <a:t>ecodeState</a:t>
             </a:r>
             <a:endParaRPr lang="en-SG" b="1" dirty="0"/>
           </a:p>
@@ -13865,118 +14131,96 @@
       </p:sp>
       <p:sp>
         <p:nvSpPr>
-          <p:cNvPr id="7" name="Rectangle 6"/>
+          <p:cNvPr id="8" name="Oval 7"/>
           <p:cNvSpPr/>
           <p:nvPr/>
         </p:nvSpPr>
         <p:spPr>
           <a:xfrm>
-            <a:off x="3429755" y="1987365"/>
-            <a:ext cx="710197" cy="646331"/>
+            <a:off x="3386282" y="836712"/>
+            <a:ext cx="1152128" cy="288032"/>
+          </a:xfrm>
+          <a:prstGeom prst="ellipse">
+            <a:avLst/>
+          </a:prstGeom>
+        </p:spPr>
+        <p:style>
+          <a:lnRef idx="1">
+            <a:schemeClr val="dk1"/>
+          </a:lnRef>
+          <a:fillRef idx="2">
+            <a:schemeClr val="dk1"/>
+          </a:fillRef>
+          <a:effectRef idx="1">
+            <a:schemeClr val="dk1"/>
+          </a:effectRef>
+          <a:fontRef idx="minor">
+            <a:schemeClr val="dk1"/>
+          </a:fontRef>
+        </p:style>
+        <p:txBody>
+          <a:bodyPr rtlCol="0" anchor="ctr"/>
+          <a:lstStyle/>
+          <a:p>
+            <a:pPr algn="ctr"/>
+            <a:r>
+              <a:rPr lang="en-SG" sz="1200" b="1" dirty="0"/>
+              <a:t>plain</a:t>
+            </a:r>
+          </a:p>
+        </p:txBody>
+      </p:sp>
+      <p:cxnSp>
+        <p:nvCxnSpPr>
+          <p:cNvPr id="11" name="Straight Arrow Connector 10"/>
+          <p:cNvCxnSpPr>
+            <a:stCxn id="8" idx="4"/>
+            <a:endCxn id="60" idx="0"/>
+          </p:cNvCxnSpPr>
+          <p:nvPr/>
+        </p:nvCxnSpPr>
+        <p:spPr>
+          <a:xfrm flipH="1">
+            <a:off x="3240819" y="1124744"/>
+            <a:ext cx="721527" cy="360040"/>
+          </a:xfrm>
+          <a:prstGeom prst="straightConnector1">
+            <a:avLst/>
+          </a:prstGeom>
+          <a:ln>
+            <a:tailEnd type="arrow"/>
+          </a:ln>
+        </p:spPr>
+        <p:style>
+          <a:lnRef idx="1">
+            <a:schemeClr val="accent1"/>
+          </a:lnRef>
+          <a:fillRef idx="0">
+            <a:schemeClr val="accent1"/>
+          </a:fillRef>
+          <a:effectRef idx="0">
+            <a:schemeClr val="accent1"/>
+          </a:effectRef>
+          <a:fontRef idx="minor">
+            <a:schemeClr val="tx1"/>
+          </a:fontRef>
+        </p:style>
+      </p:cxnSp>
+      <p:sp>
+        <p:nvSpPr>
+          <p:cNvPr id="12" name="TextBox 11"/>
+          <p:cNvSpPr txBox="1"/>
+          <p:nvPr/>
+        </p:nvSpPr>
+        <p:spPr>
+          <a:xfrm>
+            <a:off x="3183782" y="1052736"/>
+            <a:ext cx="308098" cy="276999"/>
           </a:xfrm>
           <a:prstGeom prst="rect">
             <a:avLst/>
           </a:prstGeom>
-          <a:solidFill>
-            <a:schemeClr val="bg1">
-              <a:lumMod val="95000"/>
-            </a:schemeClr>
-          </a:solidFill>
-          <a:ln w="9525">
-            <a:solidFill>
-              <a:schemeClr val="tx1"/>
-            </a:solidFill>
-          </a:ln>
-        </p:spPr>
-        <p:style>
-          <a:lnRef idx="2">
-            <a:schemeClr val="accent1">
-              <a:shade val="50000"/>
-            </a:schemeClr>
-          </a:lnRef>
-          <a:fillRef idx="1">
-            <a:schemeClr val="accent1"/>
-          </a:fillRef>
-          <a:effectRef idx="0">
-            <a:schemeClr val="accent1"/>
-          </a:effectRef>
-          <a:fontRef idx="minor">
-            <a:schemeClr val="lt1"/>
-          </a:fontRef>
-        </p:style>
-        <p:txBody>
-          <a:bodyPr rtlCol="0" anchor="ctr"/>
-          <a:lstStyle/>
-          <a:p>
-            <a:pPr algn="ctr"/>
-            <a:endParaRPr lang="en-SG"/>
-          </a:p>
-        </p:txBody>
-      </p:sp>
-      <p:sp>
-        <p:nvSpPr>
-          <p:cNvPr id="8" name="Rectangle 7"/>
-          <p:cNvSpPr/>
-          <p:nvPr/>
-        </p:nvSpPr>
-        <p:spPr>
-          <a:xfrm>
-            <a:off x="3347864" y="2120793"/>
-            <a:ext cx="576064" cy="216024"/>
-          </a:xfrm>
-          <a:prstGeom prst="rect">
-            <a:avLst/>
-          </a:prstGeom>
-        </p:spPr>
-        <p:style>
-          <a:lnRef idx="2">
-            <a:schemeClr val="accent1">
-              <a:shade val="50000"/>
-            </a:schemeClr>
-          </a:lnRef>
-          <a:fillRef idx="1">
-            <a:schemeClr val="accent1"/>
-          </a:fillRef>
-          <a:effectRef idx="0">
-            <a:schemeClr val="accent1"/>
-          </a:effectRef>
-          <a:fontRef idx="minor">
-            <a:schemeClr val="lt1"/>
-          </a:fontRef>
-        </p:style>
-        <p:txBody>
-          <a:bodyPr rtlCol="0" anchor="ctr"/>
-          <a:lstStyle/>
-          <a:p>
-            <a:pPr algn="ctr"/>
-            <a:endParaRPr lang="en-SG"/>
-          </a:p>
-        </p:txBody>
-      </p:sp>
-      <p:sp>
-        <p:nvSpPr>
-          <p:cNvPr id="6" name="TextBox 5"/>
-          <p:cNvSpPr txBox="1"/>
-          <p:nvPr/>
-        </p:nvSpPr>
-        <p:spPr>
-          <a:xfrm>
-            <a:off x="3275856" y="1841608"/>
-            <a:ext cx="706475" cy="523220"/>
-          </a:xfrm>
-          <a:prstGeom prst="rect">
-            <a:avLst/>
-          </a:prstGeom>
-          <a:solidFill>
-            <a:srgbClr val="969696">
-              <a:alpha val="32157"/>
-            </a:srgbClr>
-          </a:solidFill>
-          <a:ln>
-            <a:solidFill>
-              <a:schemeClr val="tx1"/>
-            </a:solidFill>
-          </a:ln>
+          <a:noFill/>
         </p:spPr>
         <p:txBody>
           <a:bodyPr wrap="none" rtlCol="0">
@@ -13985,196 +14229,142 @@
           <a:lstStyle/>
           <a:p>
             <a:r>
-              <a:rPr lang="en-SG" sz="1400" dirty="0" smtClean="0"/>
-              <a:t>Link</a:t>
-            </a:r>
-          </a:p>
-          <a:p>
-            <a:r>
-              <a:rPr lang="en-SG" sz="1400" dirty="0" smtClean="0"/>
-              <a:t>Stream</a:t>
-            </a:r>
-            <a:endParaRPr lang="en-SG" sz="1400" dirty="0"/>
-          </a:p>
-        </p:txBody>
-      </p:sp>
-      <p:sp>
-        <p:nvSpPr>
-          <p:cNvPr id="10" name="Rectangle 9"/>
+              <a:rPr lang="en-SG" sz="1200" dirty="0" smtClean="0"/>
+              <a:t>‘[‘</a:t>
+            </a:r>
+            <a:endParaRPr lang="en-SG" sz="1200" dirty="0"/>
+          </a:p>
+        </p:txBody>
+      </p:sp>
+      <p:cxnSp>
+        <p:nvCxnSpPr>
+          <p:cNvPr id="15" name="Elbow Connector 14"/>
+          <p:cNvCxnSpPr>
+            <a:stCxn id="60" idx="1"/>
+            <a:endCxn id="17" idx="2"/>
+          </p:cNvCxnSpPr>
+          <p:nvPr/>
+        </p:nvCxnSpPr>
+        <p:spPr>
+          <a:xfrm rot="10800000">
+            <a:off x="2451038" y="1394776"/>
+            <a:ext cx="521253" cy="270029"/>
+          </a:xfrm>
+          <a:prstGeom prst="bentConnector2">
+            <a:avLst/>
+          </a:prstGeom>
+          <a:ln>
+            <a:tailEnd type="arrow"/>
+          </a:ln>
+        </p:spPr>
+        <p:style>
+          <a:lnRef idx="1">
+            <a:schemeClr val="accent1"/>
+          </a:lnRef>
+          <a:fillRef idx="0">
+            <a:schemeClr val="accent1"/>
+          </a:fillRef>
+          <a:effectRef idx="0">
+            <a:schemeClr val="accent1"/>
+          </a:effectRef>
+          <a:fontRef idx="minor">
+            <a:schemeClr val="tx1"/>
+          </a:fontRef>
+        </p:style>
+      </p:cxnSp>
+      <p:sp>
+        <p:nvSpPr>
+          <p:cNvPr id="17" name="Rounded Rectangle 16"/>
           <p:cNvSpPr/>
           <p:nvPr/>
         </p:nvSpPr>
         <p:spPr>
           <a:xfrm>
-            <a:off x="1115616" y="908720"/>
-            <a:ext cx="882357" cy="307777"/>
+            <a:off x="2123728" y="1178751"/>
+            <a:ext cx="654618" cy="216024"/>
+          </a:xfrm>
+          <a:prstGeom prst="roundRect">
+            <a:avLst/>
+          </a:prstGeom>
+        </p:spPr>
+        <p:style>
+          <a:lnRef idx="1">
+            <a:schemeClr val="accent3"/>
+          </a:lnRef>
+          <a:fillRef idx="2">
+            <a:schemeClr val="accent3"/>
+          </a:fillRef>
+          <a:effectRef idx="1">
+            <a:schemeClr val="accent3"/>
+          </a:effectRef>
+          <a:fontRef idx="minor">
+            <a:schemeClr val="dk1"/>
+          </a:fontRef>
+        </p:style>
+        <p:txBody>
+          <a:bodyPr rtlCol="0" anchor="ctr"/>
+          <a:lstStyle/>
+          <a:p>
+            <a:pPr algn="ctr"/>
+            <a:r>
+              <a:rPr lang="en-SG" sz="1200" dirty="0" smtClean="0"/>
+              <a:t>add ‘[‘</a:t>
+            </a:r>
+            <a:endParaRPr lang="en-SG" sz="1200" dirty="0"/>
+          </a:p>
+        </p:txBody>
+      </p:sp>
+      <p:cxnSp>
+        <p:nvCxnSpPr>
+          <p:cNvPr id="20" name="Elbow Connector 19"/>
+          <p:cNvCxnSpPr>
+            <a:stCxn id="17" idx="0"/>
+            <a:endCxn id="8" idx="2"/>
+          </p:cNvCxnSpPr>
+          <p:nvPr/>
+        </p:nvCxnSpPr>
+        <p:spPr>
+          <a:xfrm rot="5400000" flipH="1" flipV="1">
+            <a:off x="2819648" y="612118"/>
+            <a:ext cx="198023" cy="935245"/>
+          </a:xfrm>
+          <a:prstGeom prst="bentConnector2">
+            <a:avLst/>
+          </a:prstGeom>
+          <a:ln>
+            <a:tailEnd type="arrow"/>
+          </a:ln>
+        </p:spPr>
+        <p:style>
+          <a:lnRef idx="1">
+            <a:schemeClr val="accent1"/>
+          </a:lnRef>
+          <a:fillRef idx="0">
+            <a:schemeClr val="accent1"/>
+          </a:fillRef>
+          <a:effectRef idx="0">
+            <a:schemeClr val="accent1"/>
+          </a:effectRef>
+          <a:fontRef idx="minor">
+            <a:schemeClr val="tx1"/>
+          </a:fontRef>
+        </p:style>
+      </p:cxnSp>
+      <p:sp>
+        <p:nvSpPr>
+          <p:cNvPr id="22" name="TextBox 21"/>
+          <p:cNvSpPr txBox="1"/>
+          <p:nvPr/>
+        </p:nvSpPr>
+        <p:spPr>
+          <a:xfrm>
+            <a:off x="2451597" y="1374669"/>
+            <a:ext cx="308098" cy="276999"/>
           </a:xfrm>
           <a:prstGeom prst="rect">
             <a:avLst/>
           </a:prstGeom>
-        </p:spPr>
-        <p:txBody>
-          <a:bodyPr wrap="none">
-            <a:spAutoFit/>
-          </a:bodyPr>
-          <a:lstStyle/>
-          <a:p>
-            <a:r>
-              <a:rPr lang="en-SG" sz="1400" b="1" dirty="0" err="1"/>
-              <a:t>TextStore</a:t>
-            </a:r>
-            <a:endParaRPr lang="en-SG" sz="1400" b="1" dirty="0"/>
-          </a:p>
-        </p:txBody>
-      </p:sp>
-      <p:sp>
-        <p:nvSpPr>
-          <p:cNvPr id="12" name="Left Brace 11"/>
-          <p:cNvSpPr/>
-          <p:nvPr/>
-        </p:nvSpPr>
-        <p:spPr>
-          <a:xfrm>
-            <a:off x="3131840" y="1913616"/>
-            <a:ext cx="117727" cy="432048"/>
-          </a:xfrm>
-          <a:prstGeom prst="leftBrace">
-            <a:avLst/>
-          </a:prstGeom>
-          <a:ln w="19050"/>
-        </p:spPr>
-        <p:style>
-          <a:lnRef idx="1">
-            <a:schemeClr val="accent1"/>
-          </a:lnRef>
-          <a:fillRef idx="0">
-            <a:schemeClr val="accent1"/>
-          </a:fillRef>
-          <a:effectRef idx="0">
-            <a:schemeClr val="accent1"/>
-          </a:effectRef>
-          <a:fontRef idx="minor">
-            <a:schemeClr val="tx1"/>
-          </a:fontRef>
-        </p:style>
-        <p:txBody>
-          <a:bodyPr rtlCol="0" anchor="ctr"/>
-          <a:lstStyle/>
-          <a:p>
-            <a:pPr algn="ctr"/>
-            <a:endParaRPr lang="en-SG"/>
-          </a:p>
-        </p:txBody>
-      </p:sp>
-      <p:sp>
-        <p:nvSpPr>
-          <p:cNvPr id="15" name="Rectangle 14"/>
-          <p:cNvSpPr/>
-          <p:nvPr/>
-        </p:nvSpPr>
-        <p:spPr>
-          <a:xfrm>
-            <a:off x="3154943" y="1564609"/>
-            <a:ext cx="1273041" cy="276999"/>
-          </a:xfrm>
-          <a:prstGeom prst="rect">
-            <a:avLst/>
-          </a:prstGeom>
-        </p:spPr>
-        <p:txBody>
-          <a:bodyPr wrap="none">
-            <a:spAutoFit/>
-          </a:bodyPr>
-          <a:lstStyle/>
-          <a:p>
-            <a:r>
-              <a:rPr lang="en-SG" sz="1200" b="1" dirty="0" err="1"/>
-              <a:t>TextViewerGlyph</a:t>
-            </a:r>
-            <a:endParaRPr lang="en-SG" sz="1200" b="1" dirty="0"/>
-          </a:p>
-        </p:txBody>
-      </p:sp>
-      <p:sp>
-        <p:nvSpPr>
-          <p:cNvPr id="16" name="Rectangle 15"/>
-          <p:cNvSpPr/>
-          <p:nvPr/>
-        </p:nvSpPr>
-        <p:spPr>
-          <a:xfrm>
-            <a:off x="3347864" y="2633696"/>
-            <a:ext cx="1484637" cy="276999"/>
-          </a:xfrm>
-          <a:prstGeom prst="rect">
-            <a:avLst/>
-          </a:prstGeom>
-        </p:spPr>
-        <p:txBody>
-          <a:bodyPr wrap="none">
-            <a:spAutoFit/>
-          </a:bodyPr>
-          <a:lstStyle/>
-          <a:p>
-            <a:r>
-              <a:rPr lang="en-SG" sz="1200" b="1" dirty="0" err="1"/>
-              <a:t>TextViewerSelection</a:t>
-            </a:r>
-            <a:endParaRPr lang="en-SG" sz="1200" b="1" dirty="0"/>
-          </a:p>
-        </p:txBody>
-      </p:sp>
-      <p:sp>
-        <p:nvSpPr>
-          <p:cNvPr id="18" name="Rectangle 17"/>
-          <p:cNvSpPr/>
-          <p:nvPr/>
-        </p:nvSpPr>
-        <p:spPr>
-          <a:xfrm>
-            <a:off x="3104309" y="1321023"/>
-            <a:ext cx="726417" cy="307777"/>
-          </a:xfrm>
-          <a:prstGeom prst="rect">
-            <a:avLst/>
-          </a:prstGeom>
-        </p:spPr>
-        <p:txBody>
-          <a:bodyPr wrap="none">
-            <a:spAutoFit/>
-          </a:bodyPr>
-          <a:lstStyle/>
-          <a:p>
-            <a:r>
-              <a:rPr lang="en-SG" sz="1400" b="1" dirty="0" smtClean="0"/>
-              <a:t>Display</a:t>
-            </a:r>
-            <a:endParaRPr lang="en-SG" sz="1400" b="1" dirty="0"/>
-          </a:p>
-        </p:txBody>
-      </p:sp>
-      <p:sp>
-        <p:nvSpPr>
-          <p:cNvPr id="19" name="TextBox 18"/>
-          <p:cNvSpPr txBox="1"/>
-          <p:nvPr/>
-        </p:nvSpPr>
-        <p:spPr>
-          <a:xfrm>
-            <a:off x="1568438" y="1432521"/>
-            <a:ext cx="367408" cy="1384995"/>
-          </a:xfrm>
-          <a:prstGeom prst="rect">
-            <a:avLst/>
-          </a:prstGeom>
-          <a:solidFill>
-            <a:schemeClr val="bg1"/>
-          </a:solidFill>
-          <a:ln>
-            <a:solidFill>
-              <a:schemeClr val="tx1"/>
-            </a:solidFill>
-          </a:ln>
+          <a:noFill/>
         </p:spPr>
         <p:txBody>
           <a:bodyPr wrap="none" rtlCol="0">
@@ -14182,72 +14372,107 @@
           </a:bodyPr>
           <a:lstStyle/>
           <a:p>
-            <a:pPr algn="r"/>
-            <a:r>
-              <a:rPr lang="en-SG" sz="1400" dirty="0" smtClean="0"/>
-              <a:t>0</a:t>
-            </a:r>
-          </a:p>
-          <a:p>
-            <a:pPr algn="r"/>
-            <a:r>
-              <a:rPr lang="en-SG" sz="1400" dirty="0" smtClean="0"/>
-              <a:t>3</a:t>
-            </a:r>
-          </a:p>
-          <a:p>
-            <a:pPr algn="r"/>
-            <a:r>
-              <a:rPr lang="en-SG" sz="1400" dirty="0" smtClean="0"/>
-              <a:t>6</a:t>
-            </a:r>
-          </a:p>
-          <a:p>
-            <a:pPr algn="r"/>
-            <a:r>
-              <a:rPr lang="en-SG" sz="1400" dirty="0" smtClean="0"/>
-              <a:t>9</a:t>
-            </a:r>
-          </a:p>
-          <a:p>
-            <a:pPr algn="r"/>
-            <a:r>
-              <a:rPr lang="en-SG" sz="1400" dirty="0" smtClean="0"/>
-              <a:t>12</a:t>
-            </a:r>
-          </a:p>
-          <a:p>
-            <a:pPr algn="r"/>
-            <a:r>
-              <a:rPr lang="en-SG" sz="1400" dirty="0" smtClean="0"/>
-              <a:t>15</a:t>
-            </a:r>
-            <a:endParaRPr lang="en-SG" sz="1400" dirty="0"/>
-          </a:p>
-        </p:txBody>
-      </p:sp>
-      <p:sp>
-        <p:nvSpPr>
-          <p:cNvPr id="20" name="TextBox 19"/>
+            <a:r>
+              <a:rPr lang="en-SG" sz="1200" dirty="0" smtClean="0"/>
+              <a:t>‘[‘</a:t>
+            </a:r>
+            <a:endParaRPr lang="en-SG" sz="1200" dirty="0"/>
+          </a:p>
+        </p:txBody>
+      </p:sp>
+      <p:sp>
+        <p:nvSpPr>
+          <p:cNvPr id="25" name="Oval 24"/>
+          <p:cNvSpPr/>
+          <p:nvPr/>
+        </p:nvSpPr>
+        <p:spPr>
+          <a:xfrm>
+            <a:off x="2666202" y="3129027"/>
+            <a:ext cx="1152128" cy="288032"/>
+          </a:xfrm>
+          <a:prstGeom prst="ellipse">
+            <a:avLst/>
+          </a:prstGeom>
+        </p:spPr>
+        <p:style>
+          <a:lnRef idx="1">
+            <a:schemeClr val="dk1"/>
+          </a:lnRef>
+          <a:fillRef idx="2">
+            <a:schemeClr val="dk1"/>
+          </a:fillRef>
+          <a:effectRef idx="1">
+            <a:schemeClr val="dk1"/>
+          </a:effectRef>
+          <a:fontRef idx="minor">
+            <a:schemeClr val="dk1"/>
+          </a:fontRef>
+        </p:style>
+        <p:txBody>
+          <a:bodyPr rtlCol="0" anchor="ctr"/>
+          <a:lstStyle/>
+          <a:p>
+            <a:pPr algn="ctr"/>
+            <a:r>
+              <a:rPr lang="en-SG" sz="1200" b="1" dirty="0" smtClean="0"/>
+              <a:t>format</a:t>
+            </a:r>
+            <a:endParaRPr lang="en-SG" sz="1200" b="1" dirty="0"/>
+          </a:p>
+        </p:txBody>
+      </p:sp>
+      <p:cxnSp>
+        <p:nvCxnSpPr>
+          <p:cNvPr id="33" name="Straight Arrow Connector 32"/>
+          <p:cNvCxnSpPr>
+            <a:stCxn id="60" idx="2"/>
+            <a:endCxn id="197" idx="0"/>
+          </p:cNvCxnSpPr>
+          <p:nvPr/>
+        </p:nvCxnSpPr>
+        <p:spPr>
+          <a:xfrm flipH="1">
+            <a:off x="3237235" y="1844824"/>
+            <a:ext cx="3584" cy="360040"/>
+          </a:xfrm>
+          <a:prstGeom prst="straightConnector1">
+            <a:avLst/>
+          </a:prstGeom>
+          <a:ln>
+            <a:tailEnd type="arrow"/>
+          </a:ln>
+        </p:spPr>
+        <p:style>
+          <a:lnRef idx="1">
+            <a:schemeClr val="accent1"/>
+          </a:lnRef>
+          <a:fillRef idx="0">
+            <a:schemeClr val="accent1"/>
+          </a:fillRef>
+          <a:effectRef idx="0">
+            <a:schemeClr val="accent1"/>
+          </a:effectRef>
+          <a:fontRef idx="minor">
+            <a:schemeClr val="tx1"/>
+          </a:fontRef>
+        </p:style>
+      </p:cxnSp>
+      <p:sp>
+        <p:nvSpPr>
+          <p:cNvPr id="39" name="TextBox 38"/>
           <p:cNvSpPr txBox="1"/>
           <p:nvPr/>
         </p:nvSpPr>
         <p:spPr>
           <a:xfrm>
-            <a:off x="1295922" y="1432521"/>
-            <a:ext cx="276038" cy="1384995"/>
+            <a:off x="3203848" y="1844824"/>
+            <a:ext cx="475130" cy="276999"/>
           </a:xfrm>
           <a:prstGeom prst="rect">
             <a:avLst/>
           </a:prstGeom>
-          <a:solidFill>
-            <a:schemeClr val="bg1"/>
-          </a:solidFill>
-          <a:ln>
-            <a:solidFill>
-              <a:schemeClr val="tx1"/>
-            </a:solidFill>
-          </a:ln>
+          <a:noFill/>
         </p:spPr>
         <p:txBody>
           <a:bodyPr wrap="none" rtlCol="0">
@@ -14256,122 +14481,33 @@
           <a:lstStyle/>
           <a:p>
             <a:r>
-              <a:rPr lang="en-SG" sz="1400" dirty="0" smtClean="0"/>
-              <a:t>0</a:t>
-            </a:r>
-          </a:p>
-          <a:p>
-            <a:r>
-              <a:rPr lang="en-SG" sz="1400" dirty="0" smtClean="0"/>
-              <a:t>1</a:t>
-            </a:r>
-          </a:p>
-          <a:p>
-            <a:r>
-              <a:rPr lang="en-SG" sz="1400" dirty="0" smtClean="0"/>
-              <a:t>2</a:t>
-            </a:r>
-          </a:p>
-          <a:p>
-            <a:r>
-              <a:rPr lang="en-SG" sz="1400" dirty="0" smtClean="0"/>
-              <a:t>3</a:t>
-            </a:r>
-          </a:p>
-          <a:p>
-            <a:r>
-              <a:rPr lang="en-SG" sz="1400" dirty="0" smtClean="0"/>
-              <a:t>4</a:t>
-            </a:r>
-          </a:p>
-          <a:p>
-            <a:r>
-              <a:rPr lang="en-SG" sz="1400" dirty="0" smtClean="0"/>
-              <a:t>5</a:t>
-            </a:r>
-            <a:endParaRPr lang="en-SG" sz="1400" dirty="0"/>
-          </a:p>
-        </p:txBody>
-      </p:sp>
-      <p:sp>
-        <p:nvSpPr>
-          <p:cNvPr id="21" name="Rectangle 20"/>
-          <p:cNvSpPr/>
-          <p:nvPr/>
-        </p:nvSpPr>
-        <p:spPr>
-          <a:xfrm>
-            <a:off x="1187624" y="3387770"/>
-            <a:ext cx="1244380" cy="276999"/>
-          </a:xfrm>
-          <a:prstGeom prst="rect">
-            <a:avLst/>
-          </a:prstGeom>
-        </p:spPr>
-        <p:txBody>
-          <a:bodyPr wrap="none">
-            <a:spAutoFit/>
-          </a:bodyPr>
-          <a:lstStyle/>
-          <a:p>
-            <a:r>
-              <a:rPr lang="en-SG" sz="1200" dirty="0" err="1" smtClean="0"/>
-              <a:t>absolutLineIndex</a:t>
-            </a:r>
-            <a:endParaRPr lang="en-SG" sz="1200" dirty="0"/>
-          </a:p>
-        </p:txBody>
-      </p:sp>
-      <p:sp>
-        <p:nvSpPr>
-          <p:cNvPr id="22" name="Rectangle 21"/>
-          <p:cNvSpPr/>
-          <p:nvPr/>
-        </p:nvSpPr>
-        <p:spPr>
-          <a:xfrm>
-            <a:off x="1448322" y="2915072"/>
-            <a:ext cx="1380506" cy="461665"/>
-          </a:xfrm>
-          <a:prstGeom prst="rect">
-            <a:avLst/>
-          </a:prstGeom>
-        </p:spPr>
-        <p:txBody>
-          <a:bodyPr wrap="none">
-            <a:spAutoFit/>
-          </a:bodyPr>
-          <a:lstStyle/>
-          <a:p>
-            <a:r>
-              <a:rPr lang="en-SG" sz="1200" dirty="0" smtClean="0"/>
-              <a:t>First character </a:t>
-            </a:r>
-          </a:p>
-          <a:p>
-            <a:r>
-              <a:rPr lang="en-SG" sz="1200" dirty="0" smtClean="0"/>
-              <a:t>position of this line</a:t>
-            </a:r>
-            <a:endParaRPr lang="en-SG" sz="1200" dirty="0"/>
+              <a:rPr lang="en-SG" sz="1200" dirty="0"/>
+              <a:t>l</a:t>
+            </a:r>
+            <a:r>
+              <a:rPr lang="en-SG" sz="1200" dirty="0" smtClean="0"/>
+              <a:t>egal</a:t>
+            </a:r>
           </a:p>
         </p:txBody>
       </p:sp>
       <p:cxnSp>
         <p:nvCxnSpPr>
-          <p:cNvPr id="24" name="Straight Arrow Connector 23"/>
+          <p:cNvPr id="41" name="Elbow Connector 40"/>
           <p:cNvCxnSpPr>
-            <a:endCxn id="20" idx="2"/>
+            <a:endCxn id="43" idx="2"/>
           </p:cNvCxnSpPr>
           <p:nvPr/>
         </p:nvCxnSpPr>
         <p:spPr>
-          <a:xfrm flipV="1">
-            <a:off x="1433941" y="2817516"/>
-            <a:ext cx="0" cy="570254"/>
-          </a:xfrm>
-          <a:prstGeom prst="straightConnector1">
-            <a:avLst/>
+          <a:xfrm rot="5400000" flipH="1" flipV="1">
+            <a:off x="4900715" y="1450187"/>
+            <a:ext cx="311947" cy="261306"/>
+          </a:xfrm>
+          <a:prstGeom prst="bentConnector3">
+            <a:avLst>
+              <a:gd name="adj1" fmla="val 50000"/>
+            </a:avLst>
           </a:prstGeom>
           <a:ln>
             <a:tailEnd type="arrow"/>
@@ -14392,18 +14528,152 @@
           </a:fontRef>
         </p:style>
       </p:cxnSp>
+      <p:sp>
+        <p:nvSpPr>
+          <p:cNvPr id="43" name="Rounded Rectangle 42"/>
+          <p:cNvSpPr/>
+          <p:nvPr/>
+        </p:nvSpPr>
+        <p:spPr>
+          <a:xfrm>
+            <a:off x="4860032" y="1208842"/>
+            <a:ext cx="654618" cy="216024"/>
+          </a:xfrm>
+          <a:prstGeom prst="roundRect">
+            <a:avLst/>
+          </a:prstGeom>
+        </p:spPr>
+        <p:style>
+          <a:lnRef idx="1">
+            <a:schemeClr val="accent3"/>
+          </a:lnRef>
+          <a:fillRef idx="2">
+            <a:schemeClr val="accent3"/>
+          </a:fillRef>
+          <a:effectRef idx="1">
+            <a:schemeClr val="accent3"/>
+          </a:effectRef>
+          <a:fontRef idx="minor">
+            <a:schemeClr val="dk1"/>
+          </a:fontRef>
+        </p:style>
+        <p:txBody>
+          <a:bodyPr rtlCol="0" anchor="ctr"/>
+          <a:lstStyle/>
+          <a:p>
+            <a:pPr algn="ctr"/>
+            <a:r>
+              <a:rPr lang="en-SG" sz="1200" dirty="0" smtClean="0"/>
+              <a:t>add ‘</a:t>
+            </a:r>
+            <a:r>
+              <a:rPr lang="en-SG" sz="1200" dirty="0"/>
+              <a:t>]</a:t>
+            </a:r>
+            <a:r>
+              <a:rPr lang="en-SG" sz="1200" dirty="0" smtClean="0"/>
+              <a:t>‘</a:t>
+            </a:r>
+            <a:endParaRPr lang="en-SG" sz="1200" dirty="0"/>
+          </a:p>
+        </p:txBody>
+      </p:sp>
+      <p:sp>
+        <p:nvSpPr>
+          <p:cNvPr id="60" name="Rounded Rectangle 59"/>
+          <p:cNvSpPr/>
+          <p:nvPr/>
+        </p:nvSpPr>
+        <p:spPr>
+          <a:xfrm>
+            <a:off x="2972290" y="1484784"/>
+            <a:ext cx="537058" cy="360040"/>
+          </a:xfrm>
+          <a:prstGeom prst="roundRect">
+            <a:avLst/>
+          </a:prstGeom>
+        </p:spPr>
+        <p:style>
+          <a:lnRef idx="1">
+            <a:schemeClr val="accent3"/>
+          </a:lnRef>
+          <a:fillRef idx="2">
+            <a:schemeClr val="accent3"/>
+          </a:fillRef>
+          <a:effectRef idx="1">
+            <a:schemeClr val="accent3"/>
+          </a:effectRef>
+          <a:fontRef idx="minor">
+            <a:schemeClr val="dk1"/>
+          </a:fontRef>
+        </p:style>
+        <p:txBody>
+          <a:bodyPr rtlCol="0" anchor="ctr"/>
+          <a:lstStyle/>
+          <a:p>
+            <a:pPr algn="ctr"/>
+            <a:r>
+              <a:rPr lang="en-SG" sz="1200" dirty="0" smtClean="0"/>
+              <a:t>next char</a:t>
+            </a:r>
+            <a:endParaRPr lang="en-SG" sz="1200" dirty="0"/>
+          </a:p>
+        </p:txBody>
+      </p:sp>
+      <p:sp>
+        <p:nvSpPr>
+          <p:cNvPr id="68" name="Rounded Rectangle 67"/>
+          <p:cNvSpPr/>
+          <p:nvPr/>
+        </p:nvSpPr>
+        <p:spPr>
+          <a:xfrm>
+            <a:off x="4499992" y="1556792"/>
+            <a:ext cx="537058" cy="360040"/>
+          </a:xfrm>
+          <a:prstGeom prst="roundRect">
+            <a:avLst/>
+          </a:prstGeom>
+        </p:spPr>
+        <p:style>
+          <a:lnRef idx="1">
+            <a:schemeClr val="accent3"/>
+          </a:lnRef>
+          <a:fillRef idx="2">
+            <a:schemeClr val="accent3"/>
+          </a:fillRef>
+          <a:effectRef idx="1">
+            <a:schemeClr val="accent3"/>
+          </a:effectRef>
+          <a:fontRef idx="minor">
+            <a:schemeClr val="dk1"/>
+          </a:fontRef>
+        </p:style>
+        <p:txBody>
+          <a:bodyPr rtlCol="0" anchor="ctr"/>
+          <a:lstStyle/>
+          <a:p>
+            <a:pPr algn="ctr"/>
+            <a:r>
+              <a:rPr lang="en-SG" sz="1200" dirty="0" smtClean="0"/>
+              <a:t>next char</a:t>
+            </a:r>
+            <a:endParaRPr lang="en-SG" sz="1200" dirty="0"/>
+          </a:p>
+        </p:txBody>
+      </p:sp>
       <p:cxnSp>
         <p:nvCxnSpPr>
-          <p:cNvPr id="27" name="Straight Arrow Connector 26"/>
+          <p:cNvPr id="69" name="Straight Arrow Connector 68"/>
           <p:cNvCxnSpPr>
-            <a:endCxn id="19" idx="2"/>
+            <a:endCxn id="68" idx="0"/>
           </p:cNvCxnSpPr>
           <p:nvPr/>
         </p:nvCxnSpPr>
         <p:spPr>
-          <a:xfrm flipV="1">
-            <a:off x="1752142" y="2817516"/>
-            <a:ext cx="0" cy="199181"/>
+          <a:xfrm>
+            <a:off x="4067944" y="1124744"/>
+            <a:ext cx="700577" cy="432048"/>
           </a:xfrm>
           <a:prstGeom prst="straightConnector1">
             <a:avLst/>
@@ -14429,32 +14699,67 @@
       </p:cxnSp>
       <p:sp>
         <p:nvSpPr>
-          <p:cNvPr id="29" name="Rectangle 28"/>
-          <p:cNvSpPr/>
-          <p:nvPr/>
-        </p:nvSpPr>
-        <p:spPr>
-          <a:xfrm>
-            <a:off x="3707155" y="1351801"/>
-            <a:ext cx="1368901" cy="276999"/>
+          <p:cNvPr id="72" name="TextBox 71"/>
+          <p:cNvSpPr txBox="1"/>
+          <p:nvPr/>
+        </p:nvSpPr>
+        <p:spPr>
+          <a:xfrm>
+            <a:off x="4325877" y="1112259"/>
+            <a:ext cx="308098" cy="276999"/>
           </a:xfrm>
           <a:prstGeom prst="rect">
             <a:avLst/>
           </a:prstGeom>
-        </p:spPr>
-        <p:txBody>
-          <a:bodyPr wrap="none">
+          <a:noFill/>
+        </p:spPr>
+        <p:txBody>
+          <a:bodyPr wrap="none" rtlCol="0">
             <a:spAutoFit/>
           </a:bodyPr>
           <a:lstStyle/>
           <a:p>
             <a:r>
-              <a:rPr lang="en-SG" sz="1200" dirty="0" err="1" smtClean="0"/>
-              <a:t>displayLineIndex</a:t>
-            </a:r>
-            <a:r>
-              <a:rPr lang="en-SG" sz="1200" dirty="0" smtClean="0"/>
-              <a:t>: 0</a:t>
+              <a:rPr lang="en-SG" sz="1200" dirty="0" smtClean="0"/>
+              <a:t>‘]‘</a:t>
+            </a:r>
+            <a:endParaRPr lang="en-SG" sz="1200" dirty="0"/>
+          </a:p>
+        </p:txBody>
+      </p:sp>
+      <p:sp>
+        <p:nvSpPr>
+          <p:cNvPr id="75" name="TextBox 74"/>
+          <p:cNvSpPr txBox="1"/>
+          <p:nvPr/>
+        </p:nvSpPr>
+        <p:spPr>
+          <a:xfrm>
+            <a:off x="4983982" y="1466784"/>
+            <a:ext cx="308098" cy="276999"/>
+          </a:xfrm>
+          <a:prstGeom prst="rect">
+            <a:avLst/>
+          </a:prstGeom>
+          <a:noFill/>
+        </p:spPr>
+        <p:txBody>
+          <a:bodyPr wrap="none" rtlCol="0">
+            <a:spAutoFit/>
+          </a:bodyPr>
+          <a:lstStyle/>
+          <a:p>
+            <a:r>
+              <a:rPr lang="en-SG" sz="1200" dirty="0" smtClean="0"/>
+              <a:t>‘</a:t>
+            </a:r>
+            <a:r>
+              <a:rPr lang="en-SG" sz="1200" dirty="0"/>
+              <a:t>]</a:t>
+            </a:r>
+            <a:r>
+              <a:rPr lang="en-SG" sz="1200" dirty="0" smtClean="0"/>
+              <a:t>‘</a:t>
             </a:r>
             <a:endParaRPr lang="en-SG" sz="1200" dirty="0"/>
           </a:p>
@@ -14462,16 +14767,19 @@
       </p:sp>
       <p:cxnSp>
         <p:nvCxnSpPr>
-          <p:cNvPr id="31" name="Straight Arrow Connector 30"/>
-          <p:cNvCxnSpPr/>
+          <p:cNvPr id="76" name="Elbow Connector 75"/>
+          <p:cNvCxnSpPr>
+            <a:stCxn id="43" idx="0"/>
+            <a:endCxn id="8" idx="6"/>
+          </p:cNvCxnSpPr>
           <p:nvPr/>
         </p:nvCxnSpPr>
         <p:spPr>
-          <a:xfrm flipH="1">
-            <a:off x="3707904" y="1628800"/>
-            <a:ext cx="1124597" cy="358565"/>
-          </a:xfrm>
-          <a:prstGeom prst="straightConnector1">
+          <a:xfrm rot="16200000" flipV="1">
+            <a:off x="4748819" y="770319"/>
+            <a:ext cx="228114" cy="648931"/>
+          </a:xfrm>
+          <a:prstGeom prst="bentConnector2">
             <a:avLst/>
           </a:prstGeom>
           <a:ln>
@@ -14495,426 +14803,97 @@
       </p:cxnSp>
       <p:sp>
         <p:nvSpPr>
-          <p:cNvPr id="32" name="TextBox 31"/>
+          <p:cNvPr id="79" name="Rounded Rectangle 78"/>
+          <p:cNvSpPr/>
+          <p:nvPr/>
+        </p:nvSpPr>
+        <p:spPr>
+          <a:xfrm>
+            <a:off x="1115616" y="1178750"/>
+            <a:ext cx="785542" cy="216024"/>
+          </a:xfrm>
+          <a:prstGeom prst="roundRect">
+            <a:avLst/>
+          </a:prstGeom>
+        </p:spPr>
+        <p:style>
+          <a:lnRef idx="1">
+            <a:schemeClr val="accent3"/>
+          </a:lnRef>
+          <a:fillRef idx="2">
+            <a:schemeClr val="accent3"/>
+          </a:fillRef>
+          <a:effectRef idx="1">
+            <a:schemeClr val="accent3"/>
+          </a:effectRef>
+          <a:fontRef idx="minor">
+            <a:schemeClr val="dk1"/>
+          </a:fontRef>
+        </p:style>
+        <p:txBody>
+          <a:bodyPr rtlCol="0" anchor="ctr"/>
+          <a:lstStyle/>
+          <a:p>
+            <a:pPr algn="ctr"/>
+            <a:r>
+              <a:rPr lang="en-SG" sz="1200" dirty="0" smtClean="0"/>
+              <a:t>add ‘[x?‘</a:t>
+            </a:r>
+            <a:endParaRPr lang="en-SG" sz="1200" dirty="0"/>
+          </a:p>
+        </p:txBody>
+      </p:sp>
+      <p:cxnSp>
+        <p:nvCxnSpPr>
+          <p:cNvPr id="80" name="Elbow Connector 79"/>
+          <p:cNvCxnSpPr>
+            <a:stCxn id="60" idx="1"/>
+            <a:endCxn id="79" idx="2"/>
+          </p:cNvCxnSpPr>
+          <p:nvPr/>
+        </p:nvCxnSpPr>
+        <p:spPr>
+          <a:xfrm rot="10800000">
+            <a:off x="1508388" y="1394774"/>
+            <a:ext cx="1463903" cy="270030"/>
+          </a:xfrm>
+          <a:prstGeom prst="bentConnector2">
+            <a:avLst/>
+          </a:prstGeom>
+          <a:ln>
+            <a:tailEnd type="arrow"/>
+          </a:ln>
+        </p:spPr>
+        <p:style>
+          <a:lnRef idx="1">
+            <a:schemeClr val="accent1"/>
+          </a:lnRef>
+          <a:fillRef idx="0">
+            <a:schemeClr val="accent1"/>
+          </a:fillRef>
+          <a:effectRef idx="0">
+            <a:schemeClr val="accent1"/>
+          </a:effectRef>
+          <a:fontRef idx="minor">
+            <a:schemeClr val="tx1"/>
+          </a:fontRef>
+        </p:style>
+      </p:cxnSp>
+      <p:sp>
+        <p:nvSpPr>
+          <p:cNvPr id="83" name="TextBox 82"/>
           <p:cNvSpPr txBox="1"/>
           <p:nvPr/>
         </p:nvSpPr>
         <p:spPr>
           <a:xfrm>
-            <a:off x="200232" y="3760584"/>
-            <a:ext cx="8692247" cy="830997"/>
+            <a:off x="1475656" y="1412776"/>
+            <a:ext cx="729046" cy="276999"/>
           </a:xfrm>
           <a:prstGeom prst="rect">
             <a:avLst/>
           </a:prstGeom>
           <a:noFill/>
-        </p:spPr>
-        <p:txBody>
-          <a:bodyPr wrap="square" rtlCol="0">
-            <a:spAutoFit/>
-          </a:bodyPr>
-          <a:lstStyle/>
-          <a:p>
-            <a:r>
-              <a:rPr lang="en-SG" sz="1200" b="1" dirty="0" err="1" smtClean="0"/>
-              <a:t>TextStore</a:t>
-            </a:r>
-            <a:r>
-              <a:rPr lang="en-SG" sz="1200" dirty="0" smtClean="0"/>
-              <a:t> contains all characters of a document</a:t>
-            </a:r>
-          </a:p>
-          <a:p>
-            <a:r>
-              <a:rPr lang="en-SG" sz="1200" b="1" dirty="0" err="1" smtClean="0"/>
-              <a:t>TextViewerGlyph</a:t>
-            </a:r>
-            <a:r>
-              <a:rPr lang="en-SG" sz="1200" dirty="0" smtClean="0"/>
-              <a:t> calculates the width of the characters and paints them to the screen</a:t>
-            </a:r>
-          </a:p>
-          <a:p>
-            <a:r>
-              <a:rPr lang="en-SG" sz="1200" b="1" dirty="0" err="1" smtClean="0"/>
-              <a:t>TextViewerSelection</a:t>
-            </a:r>
-            <a:r>
-              <a:rPr lang="en-SG" sz="1200" dirty="0" smtClean="0"/>
-              <a:t> draws blue rectangles under characters selected by user</a:t>
-            </a:r>
-          </a:p>
-          <a:p>
-            <a:r>
-              <a:rPr lang="en-SG" sz="1200" b="1" dirty="0" err="1" smtClean="0"/>
-              <a:t>TextViewerObjects</a:t>
-            </a:r>
-            <a:r>
-              <a:rPr lang="en-SG" sz="1200" dirty="0" smtClean="0"/>
-              <a:t> holds information about some </a:t>
-            </a:r>
-            <a:r>
-              <a:rPr lang="en-SG" sz="1200" dirty="0"/>
-              <a:t>displayed </a:t>
-            </a:r>
-            <a:r>
-              <a:rPr lang="en-SG" sz="1200" dirty="0" smtClean="0"/>
-              <a:t>characters, showing a pdf stream or a </a:t>
-            </a:r>
-            <a:r>
-              <a:rPr lang="en-SG" sz="1200" u="sng" dirty="0" smtClean="0"/>
-              <a:t>link</a:t>
-            </a:r>
-            <a:r>
-              <a:rPr lang="en-SG" sz="1200" dirty="0" smtClean="0"/>
-              <a:t> to another part in the document</a:t>
-            </a:r>
-            <a:endParaRPr lang="en-SG" sz="1200" dirty="0"/>
-          </a:p>
-        </p:txBody>
-      </p:sp>
-      <p:sp>
-        <p:nvSpPr>
-          <p:cNvPr id="33" name="Rectangle 32"/>
-          <p:cNvSpPr/>
-          <p:nvPr/>
-        </p:nvSpPr>
-        <p:spPr>
-          <a:xfrm>
-            <a:off x="1115616" y="1144489"/>
-            <a:ext cx="816377" cy="276999"/>
-          </a:xfrm>
-          <a:prstGeom prst="rect">
-            <a:avLst/>
-          </a:prstGeom>
-        </p:spPr>
-        <p:txBody>
-          <a:bodyPr wrap="none">
-            <a:spAutoFit/>
-          </a:bodyPr>
-          <a:lstStyle/>
-          <a:p>
-            <a:r>
-              <a:rPr lang="en-SG" sz="1200" b="1" dirty="0" err="1"/>
-              <a:t>LineStarts</a:t>
-            </a:r>
-            <a:endParaRPr lang="en-SG" sz="1200" b="1" dirty="0"/>
-          </a:p>
-        </p:txBody>
-      </p:sp>
-      <p:sp>
-        <p:nvSpPr>
-          <p:cNvPr id="34" name="Rectangle 33"/>
-          <p:cNvSpPr/>
-          <p:nvPr/>
-        </p:nvSpPr>
-        <p:spPr>
-          <a:xfrm>
-            <a:off x="1899829" y="1144489"/>
-            <a:ext cx="538674" cy="276999"/>
-          </a:xfrm>
-          <a:prstGeom prst="rect">
-            <a:avLst/>
-          </a:prstGeom>
-        </p:spPr>
-        <p:txBody>
-          <a:bodyPr wrap="none">
-            <a:spAutoFit/>
-          </a:bodyPr>
-          <a:lstStyle/>
-          <a:p>
-            <a:r>
-              <a:rPr lang="en-SG" sz="1200" b="1" dirty="0" smtClean="0"/>
-              <a:t>Chars</a:t>
-            </a:r>
-            <a:endParaRPr lang="en-SG" sz="1200" b="1" dirty="0"/>
-          </a:p>
-        </p:txBody>
-      </p:sp>
-      <p:sp>
-        <p:nvSpPr>
-          <p:cNvPr id="35" name="Rectangle 34"/>
-          <p:cNvSpPr/>
-          <p:nvPr/>
-        </p:nvSpPr>
-        <p:spPr>
-          <a:xfrm>
-            <a:off x="251519" y="4645585"/>
-            <a:ext cx="8640960" cy="1015663"/>
-          </a:xfrm>
-          <a:prstGeom prst="rect">
-            <a:avLst/>
-          </a:prstGeom>
-        </p:spPr>
-        <p:txBody>
-          <a:bodyPr wrap="square">
-            <a:spAutoFit/>
-          </a:bodyPr>
-          <a:lstStyle/>
-          <a:p>
-            <a:r>
-              <a:rPr lang="en-SG" sz="1200" b="1" dirty="0" err="1"/>
-              <a:t>TextStore</a:t>
-            </a:r>
-            <a:r>
-              <a:rPr lang="en-SG" sz="1200" dirty="0"/>
-              <a:t> </a:t>
-            </a:r>
-            <a:endParaRPr lang="en-SG" sz="1200" dirty="0" smtClean="0"/>
-          </a:p>
-          <a:p>
-            <a:r>
-              <a:rPr lang="en-SG" sz="1200" dirty="0" smtClean="0"/>
-              <a:t>Stores all characters in </a:t>
-            </a:r>
-            <a:r>
-              <a:rPr lang="en-SG" sz="1200" b="1" dirty="0" smtClean="0"/>
-              <a:t>chars</a:t>
-            </a:r>
-            <a:r>
-              <a:rPr lang="en-SG" sz="1200" dirty="0" smtClean="0"/>
-              <a:t>, a char[], which gets reused by ever document</a:t>
-            </a:r>
-          </a:p>
-          <a:p>
-            <a:r>
-              <a:rPr lang="en-SG" sz="1200" dirty="0" smtClean="0"/>
-              <a:t>The </a:t>
-            </a:r>
-            <a:r>
-              <a:rPr lang="en-SG" sz="1200" dirty="0" err="1" smtClean="0"/>
-              <a:t>int</a:t>
-            </a:r>
-            <a:r>
-              <a:rPr lang="en-SG" sz="1200" dirty="0" smtClean="0"/>
-              <a:t>[] </a:t>
-            </a:r>
-            <a:r>
-              <a:rPr lang="en-SG" sz="1200" b="1" dirty="0" err="1" smtClean="0"/>
-              <a:t>LineStarts</a:t>
-            </a:r>
-            <a:r>
-              <a:rPr lang="en-SG" sz="1200" dirty="0" smtClean="0"/>
-              <a:t> stores for every line a character index into </a:t>
-            </a:r>
-            <a:r>
-              <a:rPr lang="en-SG" sz="1200" b="1" dirty="0" smtClean="0"/>
-              <a:t>chars</a:t>
-            </a:r>
-            <a:r>
-              <a:rPr lang="en-SG" sz="1200" dirty="0" smtClean="0"/>
-              <a:t> where that line starts. </a:t>
-            </a:r>
-            <a:r>
-              <a:rPr lang="en-SG" sz="1200" b="1" dirty="0" err="1" smtClean="0"/>
-              <a:t>LineStarts</a:t>
-            </a:r>
-            <a:r>
-              <a:rPr lang="en-SG" sz="1200" dirty="0" smtClean="0"/>
-              <a:t>[0] is always 0. </a:t>
-            </a:r>
-            <a:r>
-              <a:rPr lang="en-SG" sz="1200" b="1" dirty="0" err="1" smtClean="0"/>
-              <a:t>LineStarts</a:t>
-            </a:r>
-            <a:r>
-              <a:rPr lang="en-SG" sz="1200" dirty="0"/>
-              <a:t> </a:t>
-            </a:r>
-            <a:r>
-              <a:rPr lang="en-SG" sz="1200" dirty="0" smtClean="0"/>
-              <a:t>has 1 more line entry than the number of lines in the document. It points to the first character in </a:t>
-            </a:r>
-            <a:r>
-              <a:rPr lang="en-SG" sz="1200" b="1" dirty="0" smtClean="0"/>
-              <a:t>chars</a:t>
-            </a:r>
-            <a:r>
-              <a:rPr lang="en-SG" sz="1200" dirty="0" smtClean="0"/>
-              <a:t> after the document ends. </a:t>
-            </a:r>
-          </a:p>
-          <a:p>
-            <a:endParaRPr lang="en-SG" sz="1200" dirty="0"/>
-          </a:p>
-        </p:txBody>
-      </p:sp>
-      <p:sp>
-        <p:nvSpPr>
-          <p:cNvPr id="37" name="Rectangle 36"/>
-          <p:cNvSpPr/>
-          <p:nvPr/>
-        </p:nvSpPr>
-        <p:spPr>
-          <a:xfrm>
-            <a:off x="1043608" y="620688"/>
-            <a:ext cx="1132490" cy="338554"/>
-          </a:xfrm>
-          <a:prstGeom prst="rect">
-            <a:avLst/>
-          </a:prstGeom>
-        </p:spPr>
-        <p:txBody>
-          <a:bodyPr wrap="none">
-            <a:spAutoFit/>
-          </a:bodyPr>
-          <a:lstStyle/>
-          <a:p>
-            <a:r>
-              <a:rPr lang="en-SG" sz="1600" b="1" dirty="0" err="1" smtClean="0"/>
-              <a:t>TextViewer</a:t>
-            </a:r>
-            <a:endParaRPr lang="en-SG" sz="1600" b="1" dirty="0"/>
-          </a:p>
-        </p:txBody>
-      </p:sp>
-      <p:sp>
-        <p:nvSpPr>
-          <p:cNvPr id="39" name="Rectangle 38"/>
-          <p:cNvSpPr/>
-          <p:nvPr/>
-        </p:nvSpPr>
-        <p:spPr>
-          <a:xfrm>
-            <a:off x="179511" y="5560784"/>
-            <a:ext cx="8856985" cy="1015663"/>
-          </a:xfrm>
-          <a:prstGeom prst="rect">
-            <a:avLst/>
-          </a:prstGeom>
-        </p:spPr>
-        <p:txBody>
-          <a:bodyPr wrap="square">
-            <a:spAutoFit/>
-          </a:bodyPr>
-          <a:lstStyle/>
-          <a:p>
-            <a:r>
-              <a:rPr lang="en-SG" sz="1200" b="1" dirty="0" smtClean="0"/>
-              <a:t>Line Indexes</a:t>
-            </a:r>
-            <a:endParaRPr lang="en-SG" sz="1200" dirty="0" smtClean="0"/>
-          </a:p>
-          <a:p>
-            <a:r>
-              <a:rPr lang="en-SG" sz="1200" dirty="0" smtClean="0"/>
-              <a:t>Lines related to the </a:t>
-            </a:r>
-            <a:r>
-              <a:rPr lang="en-SG" sz="1200" dirty="0" err="1" smtClean="0"/>
-              <a:t>TextStore</a:t>
-            </a:r>
-            <a:r>
-              <a:rPr lang="en-SG" sz="1200" dirty="0" smtClean="0"/>
-              <a:t> are counted from the beginning of the document and are called absolute lines.</a:t>
-            </a:r>
-          </a:p>
-          <a:p>
-            <a:r>
-              <a:rPr lang="en-SG" sz="1200" dirty="0" smtClean="0"/>
-              <a:t>Lines counted from the first displayed line are called display lines. For example the mouse position is first translated to a display line index.</a:t>
-            </a:r>
-          </a:p>
-          <a:p>
-            <a:r>
-              <a:rPr lang="en-SG" sz="1200" dirty="0" smtClean="0"/>
-              <a:t>Most lines in the code are absolute lines.</a:t>
-            </a:r>
-          </a:p>
-          <a:p>
-            <a:endParaRPr lang="en-SG" sz="1200" dirty="0"/>
-          </a:p>
-        </p:txBody>
-      </p:sp>
-      <p:sp>
-        <p:nvSpPr>
-          <p:cNvPr id="45" name="Rectangle 44"/>
-          <p:cNvSpPr/>
-          <p:nvPr/>
-        </p:nvSpPr>
-        <p:spPr>
-          <a:xfrm>
-            <a:off x="5192542" y="1484784"/>
-            <a:ext cx="1671070" cy="989507"/>
-          </a:xfrm>
-          <a:prstGeom prst="rect">
-            <a:avLst/>
-          </a:prstGeom>
-        </p:spPr>
-        <p:style>
-          <a:lnRef idx="1">
-            <a:schemeClr val="accent1"/>
-          </a:lnRef>
-          <a:fillRef idx="2">
-            <a:schemeClr val="accent1"/>
-          </a:fillRef>
-          <a:effectRef idx="1">
-            <a:schemeClr val="accent1"/>
-          </a:effectRef>
-          <a:fontRef idx="minor">
-            <a:schemeClr val="dk1"/>
-          </a:fontRef>
-        </p:style>
-        <p:txBody>
-          <a:bodyPr rtlCol="0" anchor="ctr"/>
-          <a:lstStyle/>
-          <a:p>
-            <a:pPr algn="ctr"/>
-            <a:endParaRPr lang="en-SG"/>
-          </a:p>
-        </p:txBody>
-      </p:sp>
-      <p:sp>
-        <p:nvSpPr>
-          <p:cNvPr id="46" name="Rectangle 45"/>
-          <p:cNvSpPr/>
-          <p:nvPr/>
-        </p:nvSpPr>
-        <p:spPr>
-          <a:xfrm>
-            <a:off x="5285743" y="1484784"/>
-            <a:ext cx="1577868" cy="307777"/>
-          </a:xfrm>
-          <a:prstGeom prst="rect">
-            <a:avLst/>
-          </a:prstGeom>
-        </p:spPr>
-        <p:txBody>
-          <a:bodyPr wrap="none">
-            <a:spAutoFit/>
-          </a:bodyPr>
-          <a:lstStyle/>
-          <a:p>
-            <a:r>
-              <a:rPr lang="en-SG" sz="1400" b="1" dirty="0" err="1"/>
-              <a:t>TextViewerObjects</a:t>
-            </a:r>
-            <a:endParaRPr lang="en-SG" sz="1400" b="1" dirty="0"/>
-          </a:p>
-        </p:txBody>
-      </p:sp>
-      <p:sp>
-        <p:nvSpPr>
-          <p:cNvPr id="9" name="TextBox 8"/>
-          <p:cNvSpPr txBox="1"/>
-          <p:nvPr/>
-        </p:nvSpPr>
-        <p:spPr>
-          <a:xfrm>
-            <a:off x="1935235" y="1421488"/>
-            <a:ext cx="706475" cy="1169551"/>
-          </a:xfrm>
-          <a:prstGeom prst="rect">
-            <a:avLst/>
-          </a:prstGeom>
-          <a:solidFill>
-            <a:schemeClr val="bg1"/>
-          </a:solidFill>
-          <a:ln w="19050">
-            <a:solidFill>
-              <a:schemeClr val="tx1"/>
-            </a:solidFill>
-          </a:ln>
         </p:spPr>
         <p:txBody>
           <a:bodyPr wrap="none" rtlCol="0">
@@ -14923,61 +14902,146 @@
           <a:lstStyle/>
           <a:p>
             <a:r>
-              <a:rPr lang="en-SG" sz="1400" dirty="0" err="1" smtClean="0"/>
-              <a:t>Aaa</a:t>
-            </a:r>
-            <a:endParaRPr lang="en-SG" sz="1400" dirty="0" smtClean="0"/>
-          </a:p>
-          <a:p>
-            <a:r>
-              <a:rPr lang="en-SG" sz="1400" dirty="0" err="1" smtClean="0"/>
-              <a:t>Bbb</a:t>
-            </a:r>
-            <a:endParaRPr lang="en-SG" sz="1400" dirty="0" smtClean="0"/>
-          </a:p>
-          <a:p>
-            <a:r>
-              <a:rPr lang="en-SG" sz="1400" dirty="0" smtClean="0"/>
-              <a:t>Link</a:t>
-            </a:r>
-          </a:p>
-          <a:p>
-            <a:r>
-              <a:rPr lang="en-SG" sz="1400" dirty="0" smtClean="0"/>
-              <a:t>Stream</a:t>
-            </a:r>
-          </a:p>
-          <a:p>
-            <a:r>
-              <a:rPr lang="en-SG" sz="1400" dirty="0" smtClean="0"/>
-              <a:t>456</a:t>
-            </a:r>
-            <a:endParaRPr lang="en-SG" sz="1400" dirty="0"/>
-          </a:p>
-        </p:txBody>
-      </p:sp>
-      <p:sp>
-        <p:nvSpPr>
-          <p:cNvPr id="47" name="TextBox 46"/>
+              <a:rPr lang="en-SG" sz="1200" dirty="0"/>
+              <a:t>i</a:t>
+            </a:r>
+            <a:r>
+              <a:rPr lang="en-SG" sz="1200" dirty="0" smtClean="0"/>
+              <a:t>llegal ‘x’</a:t>
+            </a:r>
+            <a:endParaRPr lang="en-SG" sz="1200" dirty="0"/>
+          </a:p>
+        </p:txBody>
+      </p:sp>
+      <p:cxnSp>
+        <p:nvCxnSpPr>
+          <p:cNvPr id="86" name="Elbow Connector 85"/>
+          <p:cNvCxnSpPr>
+            <a:stCxn id="79" idx="0"/>
+            <a:endCxn id="8" idx="2"/>
+          </p:cNvCxnSpPr>
+          <p:nvPr/>
+        </p:nvCxnSpPr>
+        <p:spPr>
+          <a:xfrm rot="5400000" flipH="1" flipV="1">
+            <a:off x="2348323" y="140792"/>
+            <a:ext cx="198022" cy="1877895"/>
+          </a:xfrm>
+          <a:prstGeom prst="bentConnector2">
+            <a:avLst/>
+          </a:prstGeom>
+          <a:ln>
+            <a:tailEnd type="arrow"/>
+          </a:ln>
+        </p:spPr>
+        <p:style>
+          <a:lnRef idx="1">
+            <a:schemeClr val="accent1"/>
+          </a:lnRef>
+          <a:fillRef idx="0">
+            <a:schemeClr val="accent1"/>
+          </a:fillRef>
+          <a:effectRef idx="0">
+            <a:schemeClr val="accent1"/>
+          </a:effectRef>
+          <a:fontRef idx="minor">
+            <a:schemeClr val="tx1"/>
+          </a:fontRef>
+        </p:style>
+      </p:cxnSp>
+      <p:sp>
+        <p:nvSpPr>
+          <p:cNvPr id="93" name="Rounded Rectangle 92"/>
+          <p:cNvSpPr/>
+          <p:nvPr/>
+        </p:nvSpPr>
+        <p:spPr>
+          <a:xfrm>
+            <a:off x="5724128" y="1204241"/>
+            <a:ext cx="720080" cy="216024"/>
+          </a:xfrm>
+          <a:prstGeom prst="roundRect">
+            <a:avLst/>
+          </a:prstGeom>
+        </p:spPr>
+        <p:style>
+          <a:lnRef idx="1">
+            <a:schemeClr val="accent3"/>
+          </a:lnRef>
+          <a:fillRef idx="2">
+            <a:schemeClr val="accent3"/>
+          </a:fillRef>
+          <a:effectRef idx="1">
+            <a:schemeClr val="accent3"/>
+          </a:effectRef>
+          <a:fontRef idx="minor">
+            <a:schemeClr val="dk1"/>
+          </a:fontRef>
+        </p:style>
+        <p:txBody>
+          <a:bodyPr rtlCol="0" anchor="ctr"/>
+          <a:lstStyle/>
+          <a:p>
+            <a:pPr algn="ctr"/>
+            <a:r>
+              <a:rPr lang="en-SG" sz="1200" dirty="0" smtClean="0"/>
+              <a:t>add ‘]x‘</a:t>
+            </a:r>
+            <a:endParaRPr lang="en-SG" sz="1200" dirty="0"/>
+          </a:p>
+        </p:txBody>
+      </p:sp>
+      <p:cxnSp>
+        <p:nvCxnSpPr>
+          <p:cNvPr id="98" name="Elbow Connector 97"/>
+          <p:cNvCxnSpPr>
+            <a:stCxn id="68" idx="3"/>
+            <a:endCxn id="93" idx="2"/>
+          </p:cNvCxnSpPr>
+          <p:nvPr/>
+        </p:nvCxnSpPr>
+        <p:spPr>
+          <a:xfrm flipV="1">
+            <a:off x="5037050" y="1420265"/>
+            <a:ext cx="1047118" cy="316547"/>
+          </a:xfrm>
+          <a:prstGeom prst="bentConnector2">
+            <a:avLst/>
+          </a:prstGeom>
+          <a:ln>
+            <a:tailEnd type="arrow"/>
+          </a:ln>
+        </p:spPr>
+        <p:style>
+          <a:lnRef idx="1">
+            <a:schemeClr val="accent1"/>
+          </a:lnRef>
+          <a:fillRef idx="0">
+            <a:schemeClr val="accent1"/>
+          </a:fillRef>
+          <a:effectRef idx="0">
+            <a:schemeClr val="accent1"/>
+          </a:effectRef>
+          <a:fontRef idx="minor">
+            <a:schemeClr val="tx1"/>
+          </a:fontRef>
+        </p:style>
+      </p:cxnSp>
+      <p:sp>
+        <p:nvSpPr>
+          <p:cNvPr id="103" name="TextBox 102"/>
           <p:cNvSpPr txBox="1"/>
           <p:nvPr/>
         </p:nvSpPr>
         <p:spPr>
           <a:xfrm>
-            <a:off x="5385320" y="1773397"/>
-            <a:ext cx="706475" cy="523220"/>
+            <a:off x="5763134" y="1455250"/>
+            <a:ext cx="328936" cy="276999"/>
           </a:xfrm>
           <a:prstGeom prst="rect">
             <a:avLst/>
           </a:prstGeom>
-          <a:solidFill>
-            <a:schemeClr val="bg1"/>
-          </a:solidFill>
-          <a:ln w="19050">
-            <a:solidFill>
-              <a:schemeClr val="tx1"/>
-            </a:solidFill>
-          </a:ln>
+          <a:noFill/>
         </p:spPr>
         <p:txBody>
           <a:bodyPr wrap="none" rtlCol="0">
@@ -14986,78 +15050,32 @@
           <a:lstStyle/>
           <a:p>
             <a:r>
-              <a:rPr lang="en-SG" sz="1400" dirty="0" smtClean="0"/>
-              <a:t>Link</a:t>
-            </a:r>
-          </a:p>
-          <a:p>
-            <a:r>
-              <a:rPr lang="en-SG" sz="1400" dirty="0" smtClean="0"/>
-              <a:t>Stream</a:t>
-            </a:r>
-            <a:endParaRPr lang="en-SG" sz="1400" dirty="0"/>
-          </a:p>
-        </p:txBody>
-      </p:sp>
-      <p:sp>
-        <p:nvSpPr>
-          <p:cNvPr id="11" name="Right Brace 10"/>
-          <p:cNvSpPr/>
-          <p:nvPr/>
-        </p:nvSpPr>
-        <p:spPr>
-          <a:xfrm>
-            <a:off x="2483768" y="1911875"/>
-            <a:ext cx="144016" cy="433789"/>
-          </a:xfrm>
-          <a:prstGeom prst="rightBrace">
-            <a:avLst/>
-          </a:prstGeom>
-          <a:ln w="19050"/>
-        </p:spPr>
-        <p:style>
-          <a:lnRef idx="1">
-            <a:schemeClr val="accent1"/>
-          </a:lnRef>
-          <a:fillRef idx="0">
-            <a:schemeClr val="accent1"/>
-          </a:fillRef>
-          <a:effectRef idx="0">
-            <a:schemeClr val="accent1"/>
-          </a:effectRef>
-          <a:fontRef idx="minor">
-            <a:schemeClr val="tx1"/>
-          </a:fontRef>
-        </p:style>
-        <p:txBody>
-          <a:bodyPr rtlCol="0" anchor="ctr"/>
-          <a:lstStyle/>
-          <a:p>
-            <a:pPr algn="ctr"/>
-            <a:endParaRPr lang="en-SG"/>
+              <a:rPr lang="en-SG" sz="1200" dirty="0" smtClean="0"/>
+              <a:t>‘x‘</a:t>
+            </a:r>
+            <a:endParaRPr lang="en-SG" sz="1200" dirty="0"/>
           </a:p>
         </p:txBody>
       </p:sp>
       <p:cxnSp>
         <p:nvCxnSpPr>
-          <p:cNvPr id="14" name="Straight Arrow Connector 13"/>
+          <p:cNvPr id="104" name="Elbow Connector 103"/>
           <p:cNvCxnSpPr>
-            <a:stCxn id="11" idx="1"/>
-            <a:endCxn id="12" idx="1"/>
+            <a:stCxn id="93" idx="0"/>
+            <a:endCxn id="8" idx="6"/>
           </p:cNvCxnSpPr>
           <p:nvPr/>
         </p:nvCxnSpPr>
         <p:spPr>
-          <a:xfrm>
-            <a:off x="2627784" y="2128770"/>
-            <a:ext cx="504056" cy="870"/>
-          </a:xfrm>
-          <a:prstGeom prst="straightConnector1">
-            <a:avLst/>
-          </a:prstGeom>
-          <a:ln w="19050">
-            <a:headEnd type="arrow" w="med" len="med"/>
-            <a:tailEnd type="arrow" w="med" len="med"/>
+          <a:xfrm rot="16200000" flipV="1">
+            <a:off x="5199533" y="319606"/>
+            <a:ext cx="223513" cy="1545758"/>
+          </a:xfrm>
+          <a:prstGeom prst="bentConnector2">
+            <a:avLst/>
+          </a:prstGeom>
+          <a:ln>
+            <a:tailEnd type="arrow"/>
           </a:ln>
         </p:spPr>
         <p:style>
@@ -15077,14 +15095,17 @@
       </p:cxnSp>
       <p:cxnSp>
         <p:nvCxnSpPr>
-          <p:cNvPr id="49" name="Straight Arrow Connector 48"/>
-          <p:cNvCxnSpPr/>
+          <p:cNvPr id="120" name="Straight Arrow Connector 119"/>
+          <p:cNvCxnSpPr>
+            <a:stCxn id="25" idx="4"/>
+            <a:endCxn id="128" idx="0"/>
+          </p:cNvCxnSpPr>
           <p:nvPr/>
         </p:nvCxnSpPr>
         <p:spPr>
           <a:xfrm flipH="1">
-            <a:off x="3791463" y="1911875"/>
-            <a:ext cx="1644633" cy="67662"/>
+            <a:off x="2952787" y="3417059"/>
+            <a:ext cx="289479" cy="431504"/>
           </a:xfrm>
           <a:prstGeom prst="straightConnector1">
             <a:avLst/>
@@ -15108,18 +15129,917 @@
           </a:fontRef>
         </p:style>
       </p:cxnSp>
+      <p:sp>
+        <p:nvSpPr>
+          <p:cNvPr id="121" name="TextBox 120"/>
+          <p:cNvSpPr txBox="1"/>
+          <p:nvPr/>
+        </p:nvSpPr>
+        <p:spPr>
+          <a:xfrm>
+            <a:off x="2895750" y="3416515"/>
+            <a:ext cx="308098" cy="276999"/>
+          </a:xfrm>
+          <a:prstGeom prst="rect">
+            <a:avLst/>
+          </a:prstGeom>
+          <a:noFill/>
+        </p:spPr>
+        <p:txBody>
+          <a:bodyPr wrap="none" rtlCol="0">
+            <a:spAutoFit/>
+          </a:bodyPr>
+          <a:lstStyle/>
+          <a:p>
+            <a:r>
+              <a:rPr lang="en-SG" sz="1200" dirty="0" smtClean="0"/>
+              <a:t>‘[‘</a:t>
+            </a:r>
+            <a:endParaRPr lang="en-SG" sz="1200" dirty="0"/>
+          </a:p>
+        </p:txBody>
+      </p:sp>
       <p:cxnSp>
         <p:nvCxnSpPr>
-          <p:cNvPr id="51" name="Straight Arrow Connector 50"/>
-          <p:cNvCxnSpPr/>
+          <p:cNvPr id="122" name="Elbow Connector 121"/>
+          <p:cNvCxnSpPr>
+            <a:stCxn id="128" idx="1"/>
+            <a:endCxn id="123" idx="2"/>
+          </p:cNvCxnSpPr>
           <p:nvPr/>
         </p:nvCxnSpPr>
         <p:spPr>
-          <a:xfrm flipH="1">
-            <a:off x="3753872" y="2131906"/>
-            <a:ext cx="1682224" cy="96899"/>
+          <a:xfrm rot="10800000">
+            <a:off x="2163006" y="3758555"/>
+            <a:ext cx="521253" cy="270029"/>
+          </a:xfrm>
+          <a:prstGeom prst="bentConnector2">
+            <a:avLst/>
+          </a:prstGeom>
+          <a:ln>
+            <a:tailEnd type="arrow"/>
+          </a:ln>
+        </p:spPr>
+        <p:style>
+          <a:lnRef idx="1">
+            <a:schemeClr val="accent1"/>
+          </a:lnRef>
+          <a:fillRef idx="0">
+            <a:schemeClr val="accent1"/>
+          </a:fillRef>
+          <a:effectRef idx="0">
+            <a:schemeClr val="accent1"/>
+          </a:effectRef>
+          <a:fontRef idx="minor">
+            <a:schemeClr val="tx1"/>
+          </a:fontRef>
+        </p:style>
+      </p:cxnSp>
+      <p:sp>
+        <p:nvSpPr>
+          <p:cNvPr id="123" name="Rounded Rectangle 122"/>
+          <p:cNvSpPr/>
+          <p:nvPr/>
+        </p:nvSpPr>
+        <p:spPr>
+          <a:xfrm>
+            <a:off x="1835696" y="3542530"/>
+            <a:ext cx="654618" cy="216024"/>
+          </a:xfrm>
+          <a:prstGeom prst="roundRect">
+            <a:avLst/>
+          </a:prstGeom>
+        </p:spPr>
+        <p:style>
+          <a:lnRef idx="1">
+            <a:schemeClr val="accent3"/>
+          </a:lnRef>
+          <a:fillRef idx="2">
+            <a:schemeClr val="accent3"/>
+          </a:fillRef>
+          <a:effectRef idx="1">
+            <a:schemeClr val="accent3"/>
+          </a:effectRef>
+          <a:fontRef idx="minor">
+            <a:schemeClr val="dk1"/>
+          </a:fontRef>
+        </p:style>
+        <p:txBody>
+          <a:bodyPr rtlCol="0" anchor="ctr"/>
+          <a:lstStyle/>
+          <a:p>
+            <a:pPr algn="ctr"/>
+            <a:r>
+              <a:rPr lang="en-SG" sz="1200" dirty="0" smtClean="0"/>
+              <a:t>add ‘[‘</a:t>
+            </a:r>
+            <a:endParaRPr lang="en-SG" sz="1200" dirty="0"/>
+          </a:p>
+        </p:txBody>
+      </p:sp>
+      <p:cxnSp>
+        <p:nvCxnSpPr>
+          <p:cNvPr id="124" name="Elbow Connector 123"/>
+          <p:cNvCxnSpPr>
+            <a:stCxn id="123" idx="0"/>
+            <a:endCxn id="25" idx="2"/>
+          </p:cNvCxnSpPr>
+          <p:nvPr/>
+        </p:nvCxnSpPr>
+        <p:spPr>
+          <a:xfrm rot="5400000" flipH="1" flipV="1">
+            <a:off x="2279860" y="3156189"/>
+            <a:ext cx="269487" cy="503197"/>
+          </a:xfrm>
+          <a:prstGeom prst="bentConnector2">
+            <a:avLst/>
+          </a:prstGeom>
+          <a:ln>
+            <a:tailEnd type="arrow"/>
+          </a:ln>
+        </p:spPr>
+        <p:style>
+          <a:lnRef idx="1">
+            <a:schemeClr val="accent1"/>
+          </a:lnRef>
+          <a:fillRef idx="0">
+            <a:schemeClr val="accent1"/>
+          </a:fillRef>
+          <a:effectRef idx="0">
+            <a:schemeClr val="accent1"/>
+          </a:effectRef>
+          <a:fontRef idx="minor">
+            <a:schemeClr val="tx1"/>
+          </a:fontRef>
+        </p:style>
+      </p:cxnSp>
+      <p:sp>
+        <p:nvSpPr>
+          <p:cNvPr id="125" name="TextBox 124"/>
+          <p:cNvSpPr txBox="1"/>
+          <p:nvPr/>
+        </p:nvSpPr>
+        <p:spPr>
+          <a:xfrm>
+            <a:off x="2163565" y="3738448"/>
+            <a:ext cx="308098" cy="276999"/>
+          </a:xfrm>
+          <a:prstGeom prst="rect">
+            <a:avLst/>
+          </a:prstGeom>
+          <a:noFill/>
+        </p:spPr>
+        <p:txBody>
+          <a:bodyPr wrap="none" rtlCol="0">
+            <a:spAutoFit/>
+          </a:bodyPr>
+          <a:lstStyle/>
+          <a:p>
+            <a:r>
+              <a:rPr lang="en-SG" sz="1200" dirty="0" smtClean="0"/>
+              <a:t>‘[‘</a:t>
+            </a:r>
+            <a:endParaRPr lang="en-SG" sz="1200" dirty="0"/>
+          </a:p>
+        </p:txBody>
+      </p:sp>
+      <p:sp>
+        <p:nvSpPr>
+          <p:cNvPr id="128" name="Rounded Rectangle 127"/>
+          <p:cNvSpPr/>
+          <p:nvPr/>
+        </p:nvSpPr>
+        <p:spPr>
+          <a:xfrm>
+            <a:off x="2684258" y="3848563"/>
+            <a:ext cx="537058" cy="360040"/>
+          </a:xfrm>
+          <a:prstGeom prst="roundRect">
+            <a:avLst/>
+          </a:prstGeom>
+        </p:spPr>
+        <p:style>
+          <a:lnRef idx="1">
+            <a:schemeClr val="accent3"/>
+          </a:lnRef>
+          <a:fillRef idx="2">
+            <a:schemeClr val="accent3"/>
+          </a:fillRef>
+          <a:effectRef idx="1">
+            <a:schemeClr val="accent3"/>
+          </a:effectRef>
+          <a:fontRef idx="minor">
+            <a:schemeClr val="dk1"/>
+          </a:fontRef>
+        </p:style>
+        <p:txBody>
+          <a:bodyPr rtlCol="0" anchor="ctr"/>
+          <a:lstStyle/>
+          <a:p>
+            <a:pPr algn="ctr"/>
+            <a:r>
+              <a:rPr lang="en-SG" sz="1200" dirty="0" smtClean="0"/>
+              <a:t>next char</a:t>
+            </a:r>
+            <a:endParaRPr lang="en-SG" sz="1200" dirty="0"/>
+          </a:p>
+        </p:txBody>
+      </p:sp>
+      <p:sp>
+        <p:nvSpPr>
+          <p:cNvPr id="129" name="Rounded Rectangle 128"/>
+          <p:cNvSpPr/>
+          <p:nvPr/>
+        </p:nvSpPr>
+        <p:spPr>
+          <a:xfrm>
+            <a:off x="827584" y="3542529"/>
+            <a:ext cx="785542" cy="216024"/>
+          </a:xfrm>
+          <a:prstGeom prst="roundRect">
+            <a:avLst/>
+          </a:prstGeom>
+        </p:spPr>
+        <p:style>
+          <a:lnRef idx="1">
+            <a:schemeClr val="accent3"/>
+          </a:lnRef>
+          <a:fillRef idx="2">
+            <a:schemeClr val="accent3"/>
+          </a:fillRef>
+          <a:effectRef idx="1">
+            <a:schemeClr val="accent3"/>
+          </a:effectRef>
+          <a:fontRef idx="minor">
+            <a:schemeClr val="dk1"/>
+          </a:fontRef>
+        </p:style>
+        <p:txBody>
+          <a:bodyPr rtlCol="0" anchor="ctr"/>
+          <a:lstStyle/>
+          <a:p>
+            <a:pPr algn="ctr"/>
+            <a:r>
+              <a:rPr lang="en-SG" sz="1200" dirty="0" smtClean="0"/>
+              <a:t>add ‘[x?‘</a:t>
+            </a:r>
+            <a:endParaRPr lang="en-SG" sz="1200" dirty="0"/>
+          </a:p>
+        </p:txBody>
+      </p:sp>
+      <p:cxnSp>
+        <p:nvCxnSpPr>
+          <p:cNvPr id="130" name="Elbow Connector 129"/>
+          <p:cNvCxnSpPr>
+            <a:stCxn id="128" idx="1"/>
+            <a:endCxn id="129" idx="2"/>
+          </p:cNvCxnSpPr>
+          <p:nvPr/>
+        </p:nvCxnSpPr>
+        <p:spPr>
+          <a:xfrm rot="10800000">
+            <a:off x="1220356" y="3758553"/>
+            <a:ext cx="1463903" cy="270030"/>
+          </a:xfrm>
+          <a:prstGeom prst="bentConnector2">
+            <a:avLst/>
+          </a:prstGeom>
+          <a:ln>
+            <a:tailEnd type="arrow"/>
+          </a:ln>
+        </p:spPr>
+        <p:style>
+          <a:lnRef idx="1">
+            <a:schemeClr val="accent1"/>
+          </a:lnRef>
+          <a:fillRef idx="0">
+            <a:schemeClr val="accent1"/>
+          </a:fillRef>
+          <a:effectRef idx="0">
+            <a:schemeClr val="accent1"/>
+          </a:effectRef>
+          <a:fontRef idx="minor">
+            <a:schemeClr val="tx1"/>
+          </a:fontRef>
+        </p:style>
+      </p:cxnSp>
+      <p:sp>
+        <p:nvSpPr>
+          <p:cNvPr id="131" name="TextBox 130"/>
+          <p:cNvSpPr txBox="1"/>
+          <p:nvPr/>
+        </p:nvSpPr>
+        <p:spPr>
+          <a:xfrm>
+            <a:off x="1187624" y="3776555"/>
+            <a:ext cx="332783" cy="276999"/>
+          </a:xfrm>
+          <a:prstGeom prst="rect">
+            <a:avLst/>
+          </a:prstGeom>
+          <a:noFill/>
+        </p:spPr>
+        <p:txBody>
+          <a:bodyPr wrap="none" rtlCol="0">
+            <a:spAutoFit/>
+          </a:bodyPr>
+          <a:lstStyle/>
+          <a:p>
+            <a:r>
+              <a:rPr lang="en-SG" sz="1200" dirty="0" smtClean="0"/>
+              <a:t>‘x’</a:t>
+            </a:r>
+            <a:endParaRPr lang="en-SG" sz="1200" dirty="0"/>
+          </a:p>
+        </p:txBody>
+      </p:sp>
+      <p:cxnSp>
+        <p:nvCxnSpPr>
+          <p:cNvPr id="132" name="Elbow Connector 131"/>
+          <p:cNvCxnSpPr>
+            <a:stCxn id="129" idx="0"/>
+            <a:endCxn id="25" idx="2"/>
+          </p:cNvCxnSpPr>
+          <p:nvPr/>
+        </p:nvCxnSpPr>
+        <p:spPr>
+          <a:xfrm rot="5400000" flipH="1" flipV="1">
+            <a:off x="1808535" y="2684863"/>
+            <a:ext cx="269486" cy="1445847"/>
+          </a:xfrm>
+          <a:prstGeom prst="bentConnector2">
+            <a:avLst/>
+          </a:prstGeom>
+          <a:ln>
+            <a:tailEnd type="arrow"/>
+          </a:ln>
+        </p:spPr>
+        <p:style>
+          <a:lnRef idx="1">
+            <a:schemeClr val="accent1"/>
+          </a:lnRef>
+          <a:fillRef idx="0">
+            <a:schemeClr val="accent1"/>
+          </a:fillRef>
+          <a:effectRef idx="0">
+            <a:schemeClr val="accent1"/>
+          </a:effectRef>
+          <a:fontRef idx="minor">
+            <a:schemeClr val="tx1"/>
+          </a:fontRef>
+        </p:style>
+      </p:cxnSp>
+      <p:cxnSp>
+        <p:nvCxnSpPr>
+          <p:cNvPr id="168" name="Elbow Connector 167"/>
+          <p:cNvCxnSpPr>
+            <a:stCxn id="170" idx="3"/>
+            <a:endCxn id="169" idx="2"/>
+          </p:cNvCxnSpPr>
+          <p:nvPr/>
+        </p:nvCxnSpPr>
+        <p:spPr>
+          <a:xfrm flipV="1">
+            <a:off x="4028938" y="3729122"/>
+            <a:ext cx="150291" cy="311946"/>
+          </a:xfrm>
+          <a:prstGeom prst="bentConnector2">
+            <a:avLst/>
+          </a:prstGeom>
+          <a:ln>
+            <a:tailEnd type="arrow"/>
+          </a:ln>
+        </p:spPr>
+        <p:style>
+          <a:lnRef idx="1">
+            <a:schemeClr val="accent1"/>
+          </a:lnRef>
+          <a:fillRef idx="0">
+            <a:schemeClr val="accent1"/>
+          </a:fillRef>
+          <a:effectRef idx="0">
+            <a:schemeClr val="accent1"/>
+          </a:effectRef>
+          <a:fontRef idx="minor">
+            <a:schemeClr val="tx1"/>
+          </a:fontRef>
+        </p:style>
+      </p:cxnSp>
+      <p:sp>
+        <p:nvSpPr>
+          <p:cNvPr id="169" name="Rounded Rectangle 168"/>
+          <p:cNvSpPr/>
+          <p:nvPr/>
+        </p:nvSpPr>
+        <p:spPr>
+          <a:xfrm>
+            <a:off x="3851920" y="3513098"/>
+            <a:ext cx="654618" cy="216024"/>
+          </a:xfrm>
+          <a:prstGeom prst="roundRect">
+            <a:avLst/>
+          </a:prstGeom>
+        </p:spPr>
+        <p:style>
+          <a:lnRef idx="1">
+            <a:schemeClr val="accent3"/>
+          </a:lnRef>
+          <a:fillRef idx="2">
+            <a:schemeClr val="accent3"/>
+          </a:fillRef>
+          <a:effectRef idx="1">
+            <a:schemeClr val="accent3"/>
+          </a:effectRef>
+          <a:fontRef idx="minor">
+            <a:schemeClr val="dk1"/>
+          </a:fontRef>
+        </p:style>
+        <p:txBody>
+          <a:bodyPr rtlCol="0" anchor="ctr"/>
+          <a:lstStyle/>
+          <a:p>
+            <a:pPr algn="ctr"/>
+            <a:r>
+              <a:rPr lang="en-SG" sz="1200" dirty="0" smtClean="0"/>
+              <a:t>add ‘</a:t>
+            </a:r>
+            <a:r>
+              <a:rPr lang="en-SG" sz="1200" dirty="0"/>
+              <a:t>]</a:t>
+            </a:r>
+            <a:r>
+              <a:rPr lang="en-SG" sz="1200" dirty="0" smtClean="0"/>
+              <a:t>‘</a:t>
+            </a:r>
+            <a:endParaRPr lang="en-SG" sz="1200" dirty="0"/>
+          </a:p>
+        </p:txBody>
+      </p:sp>
+      <p:sp>
+        <p:nvSpPr>
+          <p:cNvPr id="170" name="Rounded Rectangle 169"/>
+          <p:cNvSpPr/>
+          <p:nvPr/>
+        </p:nvSpPr>
+        <p:spPr>
+          <a:xfrm>
+            <a:off x="3491880" y="3861048"/>
+            <a:ext cx="537058" cy="360040"/>
+          </a:xfrm>
+          <a:prstGeom prst="roundRect">
+            <a:avLst/>
+          </a:prstGeom>
+        </p:spPr>
+        <p:style>
+          <a:lnRef idx="1">
+            <a:schemeClr val="accent3"/>
+          </a:lnRef>
+          <a:fillRef idx="2">
+            <a:schemeClr val="accent3"/>
+          </a:fillRef>
+          <a:effectRef idx="1">
+            <a:schemeClr val="accent3"/>
+          </a:effectRef>
+          <a:fontRef idx="minor">
+            <a:schemeClr val="dk1"/>
+          </a:fontRef>
+        </p:style>
+        <p:txBody>
+          <a:bodyPr rtlCol="0" anchor="ctr"/>
+          <a:lstStyle/>
+          <a:p>
+            <a:pPr algn="ctr"/>
+            <a:r>
+              <a:rPr lang="en-SG" sz="1200" dirty="0" smtClean="0"/>
+              <a:t>next char</a:t>
+            </a:r>
+            <a:endParaRPr lang="en-SG" sz="1200" dirty="0"/>
+          </a:p>
+        </p:txBody>
+      </p:sp>
+      <p:cxnSp>
+        <p:nvCxnSpPr>
+          <p:cNvPr id="171" name="Straight Arrow Connector 170"/>
+          <p:cNvCxnSpPr>
+            <a:stCxn id="25" idx="4"/>
+            <a:endCxn id="170" idx="0"/>
+          </p:cNvCxnSpPr>
+          <p:nvPr/>
+        </p:nvCxnSpPr>
+        <p:spPr>
+          <a:xfrm>
+            <a:off x="3242266" y="3417059"/>
+            <a:ext cx="518143" cy="443989"/>
           </a:xfrm>
           <a:prstGeom prst="straightConnector1">
+            <a:avLst/>
+          </a:prstGeom>
+          <a:ln>
+            <a:tailEnd type="arrow"/>
+          </a:ln>
+        </p:spPr>
+        <p:style>
+          <a:lnRef idx="1">
+            <a:schemeClr val="accent1"/>
+          </a:lnRef>
+          <a:fillRef idx="0">
+            <a:schemeClr val="accent1"/>
+          </a:fillRef>
+          <a:effectRef idx="0">
+            <a:schemeClr val="accent1"/>
+          </a:effectRef>
+          <a:fontRef idx="minor">
+            <a:schemeClr val="tx1"/>
+          </a:fontRef>
+        </p:style>
+      </p:cxnSp>
+      <p:sp>
+        <p:nvSpPr>
+          <p:cNvPr id="172" name="TextBox 171"/>
+          <p:cNvSpPr txBox="1"/>
+          <p:nvPr/>
+        </p:nvSpPr>
+        <p:spPr>
+          <a:xfrm>
+            <a:off x="3399806" y="3416515"/>
+            <a:ext cx="308098" cy="276999"/>
+          </a:xfrm>
+          <a:prstGeom prst="rect">
+            <a:avLst/>
+          </a:prstGeom>
+          <a:noFill/>
+        </p:spPr>
+        <p:txBody>
+          <a:bodyPr wrap="none" rtlCol="0">
+            <a:spAutoFit/>
+          </a:bodyPr>
+          <a:lstStyle/>
+          <a:p>
+            <a:r>
+              <a:rPr lang="en-SG" sz="1200" dirty="0" smtClean="0"/>
+              <a:t>‘]‘</a:t>
+            </a:r>
+            <a:endParaRPr lang="en-SG" sz="1200" dirty="0"/>
+          </a:p>
+        </p:txBody>
+      </p:sp>
+      <p:sp>
+        <p:nvSpPr>
+          <p:cNvPr id="173" name="TextBox 172"/>
+          <p:cNvSpPr txBox="1"/>
+          <p:nvPr/>
+        </p:nvSpPr>
+        <p:spPr>
+          <a:xfrm>
+            <a:off x="4139952" y="3704547"/>
+            <a:ext cx="308098" cy="276999"/>
+          </a:xfrm>
+          <a:prstGeom prst="rect">
+            <a:avLst/>
+          </a:prstGeom>
+          <a:noFill/>
+        </p:spPr>
+        <p:txBody>
+          <a:bodyPr wrap="none" rtlCol="0">
+            <a:spAutoFit/>
+          </a:bodyPr>
+          <a:lstStyle/>
+          <a:p>
+            <a:r>
+              <a:rPr lang="en-SG" sz="1200" dirty="0" smtClean="0"/>
+              <a:t>‘</a:t>
+            </a:r>
+            <a:r>
+              <a:rPr lang="en-SG" sz="1200" dirty="0"/>
+              <a:t>]</a:t>
+            </a:r>
+            <a:r>
+              <a:rPr lang="en-SG" sz="1200" dirty="0" smtClean="0"/>
+              <a:t>‘</a:t>
+            </a:r>
+            <a:endParaRPr lang="en-SG" sz="1200" dirty="0"/>
+          </a:p>
+        </p:txBody>
+      </p:sp>
+      <p:cxnSp>
+        <p:nvCxnSpPr>
+          <p:cNvPr id="174" name="Elbow Connector 173"/>
+          <p:cNvCxnSpPr>
+            <a:stCxn id="169" idx="0"/>
+            <a:endCxn id="25" idx="6"/>
+          </p:cNvCxnSpPr>
+          <p:nvPr/>
+        </p:nvCxnSpPr>
+        <p:spPr>
+          <a:xfrm rot="16200000" flipV="1">
+            <a:off x="3878753" y="3212621"/>
+            <a:ext cx="240055" cy="360899"/>
+          </a:xfrm>
+          <a:prstGeom prst="bentConnector2">
+            <a:avLst/>
+          </a:prstGeom>
+          <a:ln>
+            <a:tailEnd type="arrow"/>
+          </a:ln>
+        </p:spPr>
+        <p:style>
+          <a:lnRef idx="1">
+            <a:schemeClr val="accent1"/>
+          </a:lnRef>
+          <a:fillRef idx="0">
+            <a:schemeClr val="accent1"/>
+          </a:fillRef>
+          <a:effectRef idx="0">
+            <a:schemeClr val="accent1"/>
+          </a:effectRef>
+          <a:fontRef idx="minor">
+            <a:schemeClr val="tx1"/>
+          </a:fontRef>
+        </p:style>
+      </p:cxnSp>
+      <p:sp>
+        <p:nvSpPr>
+          <p:cNvPr id="175" name="Rounded Rectangle 174"/>
+          <p:cNvSpPr/>
+          <p:nvPr/>
+        </p:nvSpPr>
+        <p:spPr>
+          <a:xfrm>
+            <a:off x="4716016" y="3508497"/>
+            <a:ext cx="720080" cy="216024"/>
+          </a:xfrm>
+          <a:prstGeom prst="roundRect">
+            <a:avLst/>
+          </a:prstGeom>
+        </p:spPr>
+        <p:style>
+          <a:lnRef idx="1">
+            <a:schemeClr val="accent3"/>
+          </a:lnRef>
+          <a:fillRef idx="2">
+            <a:schemeClr val="accent3"/>
+          </a:fillRef>
+          <a:effectRef idx="1">
+            <a:schemeClr val="accent3"/>
+          </a:effectRef>
+          <a:fontRef idx="minor">
+            <a:schemeClr val="dk1"/>
+          </a:fontRef>
+        </p:style>
+        <p:txBody>
+          <a:bodyPr rtlCol="0" anchor="ctr"/>
+          <a:lstStyle/>
+          <a:p>
+            <a:pPr algn="ctr"/>
+            <a:r>
+              <a:rPr lang="en-SG" sz="1200" smtClean="0"/>
+              <a:t>add ‘x</a:t>
+            </a:r>
+            <a:r>
+              <a:rPr lang="en-SG" sz="1200" dirty="0" smtClean="0"/>
+              <a:t>‘</a:t>
+            </a:r>
+            <a:endParaRPr lang="en-SG" sz="1200" dirty="0"/>
+          </a:p>
+        </p:txBody>
+      </p:sp>
+      <p:cxnSp>
+        <p:nvCxnSpPr>
+          <p:cNvPr id="176" name="Elbow Connector 175"/>
+          <p:cNvCxnSpPr>
+            <a:stCxn id="170" idx="3"/>
+            <a:endCxn id="175" idx="2"/>
+          </p:cNvCxnSpPr>
+          <p:nvPr/>
+        </p:nvCxnSpPr>
+        <p:spPr>
+          <a:xfrm flipV="1">
+            <a:off x="4028938" y="3724521"/>
+            <a:ext cx="1047118" cy="316547"/>
+          </a:xfrm>
+          <a:prstGeom prst="bentConnector2">
+            <a:avLst/>
+          </a:prstGeom>
+          <a:ln>
+            <a:tailEnd type="arrow"/>
+          </a:ln>
+        </p:spPr>
+        <p:style>
+          <a:lnRef idx="1">
+            <a:schemeClr val="accent1"/>
+          </a:lnRef>
+          <a:fillRef idx="0">
+            <a:schemeClr val="accent1"/>
+          </a:fillRef>
+          <a:effectRef idx="0">
+            <a:schemeClr val="accent1"/>
+          </a:effectRef>
+          <a:fontRef idx="minor">
+            <a:schemeClr val="tx1"/>
+          </a:fontRef>
+        </p:style>
+      </p:cxnSp>
+      <p:sp>
+        <p:nvSpPr>
+          <p:cNvPr id="177" name="TextBox 176"/>
+          <p:cNvSpPr txBox="1"/>
+          <p:nvPr/>
+        </p:nvSpPr>
+        <p:spPr>
+          <a:xfrm>
+            <a:off x="4755022" y="3759506"/>
+            <a:ext cx="328936" cy="276999"/>
+          </a:xfrm>
+          <a:prstGeom prst="rect">
+            <a:avLst/>
+          </a:prstGeom>
+          <a:noFill/>
+        </p:spPr>
+        <p:txBody>
+          <a:bodyPr wrap="none" rtlCol="0">
+            <a:spAutoFit/>
+          </a:bodyPr>
+          <a:lstStyle/>
+          <a:p>
+            <a:r>
+              <a:rPr lang="en-SG" sz="1200" dirty="0" smtClean="0"/>
+              <a:t>‘x‘</a:t>
+            </a:r>
+            <a:endParaRPr lang="en-SG" sz="1200" dirty="0"/>
+          </a:p>
+        </p:txBody>
+      </p:sp>
+      <p:cxnSp>
+        <p:nvCxnSpPr>
+          <p:cNvPr id="178" name="Elbow Connector 177"/>
+          <p:cNvCxnSpPr>
+            <a:stCxn id="175" idx="3"/>
+            <a:endCxn id="196" idx="2"/>
+          </p:cNvCxnSpPr>
+          <p:nvPr/>
+        </p:nvCxnSpPr>
+        <p:spPr>
+          <a:xfrm flipV="1">
+            <a:off x="5436096" y="2780928"/>
+            <a:ext cx="1473547" cy="835581"/>
+          </a:xfrm>
+          <a:prstGeom prst="bentConnector2">
+            <a:avLst/>
+          </a:prstGeom>
+          <a:ln>
+            <a:tailEnd type="arrow"/>
+          </a:ln>
+        </p:spPr>
+        <p:style>
+          <a:lnRef idx="1">
+            <a:schemeClr val="accent1"/>
+          </a:lnRef>
+          <a:fillRef idx="0">
+            <a:schemeClr val="accent1"/>
+          </a:fillRef>
+          <a:effectRef idx="0">
+            <a:schemeClr val="accent1"/>
+          </a:effectRef>
+          <a:fontRef idx="minor">
+            <a:schemeClr val="tx1"/>
+          </a:fontRef>
+        </p:style>
+      </p:cxnSp>
+      <p:sp>
+        <p:nvSpPr>
+          <p:cNvPr id="196" name="Rounded Rectangle 195"/>
+          <p:cNvSpPr/>
+          <p:nvPr/>
+        </p:nvSpPr>
+        <p:spPr>
+          <a:xfrm>
+            <a:off x="6444208" y="2204864"/>
+            <a:ext cx="930870" cy="576064"/>
+          </a:xfrm>
+          <a:prstGeom prst="roundRect">
+            <a:avLst/>
+          </a:prstGeom>
+        </p:spPr>
+        <p:style>
+          <a:lnRef idx="1">
+            <a:schemeClr val="accent1"/>
+          </a:lnRef>
+          <a:fillRef idx="2">
+            <a:schemeClr val="accent1"/>
+          </a:fillRef>
+          <a:effectRef idx="1">
+            <a:schemeClr val="accent1"/>
+          </a:effectRef>
+          <a:fontRef idx="minor">
+            <a:schemeClr val="dk1"/>
+          </a:fontRef>
+        </p:style>
+        <p:txBody>
+          <a:bodyPr rtlCol="0" anchor="ctr"/>
+          <a:lstStyle/>
+          <a:p>
+            <a:pPr algn="ctr"/>
+            <a:r>
+              <a:rPr lang="en-SG" sz="1200" dirty="0" smtClean="0"/>
+              <a:t>Draw formatted text</a:t>
+            </a:r>
+            <a:endParaRPr lang="en-SG" sz="1200" dirty="0"/>
+          </a:p>
+        </p:txBody>
+      </p:sp>
+      <p:sp>
+        <p:nvSpPr>
+          <p:cNvPr id="197" name="Rounded Rectangle 196"/>
+          <p:cNvSpPr/>
+          <p:nvPr/>
+        </p:nvSpPr>
+        <p:spPr>
+          <a:xfrm>
+            <a:off x="2771800" y="2204864"/>
+            <a:ext cx="930870" cy="576064"/>
+          </a:xfrm>
+          <a:prstGeom prst="roundRect">
+            <a:avLst/>
+          </a:prstGeom>
+        </p:spPr>
+        <p:style>
+          <a:lnRef idx="1">
+            <a:schemeClr val="accent1"/>
+          </a:lnRef>
+          <a:fillRef idx="2">
+            <a:schemeClr val="accent1"/>
+          </a:fillRef>
+          <a:effectRef idx="1">
+            <a:schemeClr val="accent1"/>
+          </a:effectRef>
+          <a:fontRef idx="minor">
+            <a:schemeClr val="dk1"/>
+          </a:fontRef>
+        </p:style>
+        <p:txBody>
+          <a:bodyPr rtlCol="0" anchor="ctr"/>
+          <a:lstStyle/>
+          <a:p>
+            <a:pPr algn="ctr"/>
+            <a:r>
+              <a:rPr lang="en-SG" sz="1200" dirty="0" smtClean="0"/>
+              <a:t>Draw normal text</a:t>
+            </a:r>
+            <a:endParaRPr lang="en-SG" sz="1200" dirty="0"/>
+          </a:p>
+        </p:txBody>
+      </p:sp>
+      <p:cxnSp>
+        <p:nvCxnSpPr>
+          <p:cNvPr id="200" name="Straight Arrow Connector 199"/>
+          <p:cNvCxnSpPr>
+            <a:stCxn id="197" idx="2"/>
+            <a:endCxn id="25" idx="0"/>
+          </p:cNvCxnSpPr>
+          <p:nvPr/>
+        </p:nvCxnSpPr>
+        <p:spPr>
+          <a:xfrm>
+            <a:off x="3237235" y="2780928"/>
+            <a:ext cx="5031" cy="348099"/>
+          </a:xfrm>
+          <a:prstGeom prst="straightConnector1">
+            <a:avLst/>
+          </a:prstGeom>
+          <a:ln>
+            <a:tailEnd type="arrow"/>
+          </a:ln>
+        </p:spPr>
+        <p:style>
+          <a:lnRef idx="1">
+            <a:schemeClr val="accent1"/>
+          </a:lnRef>
+          <a:fillRef idx="0">
+            <a:schemeClr val="accent1"/>
+          </a:fillRef>
+          <a:effectRef idx="0">
+            <a:schemeClr val="accent1"/>
+          </a:effectRef>
+          <a:fontRef idx="minor">
+            <a:schemeClr val="tx1"/>
+          </a:fontRef>
+        </p:style>
+      </p:cxnSp>
+      <p:cxnSp>
+        <p:nvCxnSpPr>
+          <p:cNvPr id="208" name="Elbow Connector 207"/>
+          <p:cNvCxnSpPr>
+            <a:stCxn id="196" idx="0"/>
+            <a:endCxn id="8" idx="6"/>
+          </p:cNvCxnSpPr>
+          <p:nvPr/>
+        </p:nvCxnSpPr>
+        <p:spPr>
+          <a:xfrm rot="16200000" flipV="1">
+            <a:off x="5111959" y="407179"/>
+            <a:ext cx="1224136" cy="2371233"/>
+          </a:xfrm>
+          <a:prstGeom prst="bentConnector2">
             <a:avLst/>
           </a:prstGeom>
           <a:ln>
@@ -15144,7 +16064,7 @@
     </p:spTree>
     <p:extLst>
       <p:ext uri="{BB962C8B-B14F-4D97-AF65-F5344CB8AC3E}">
-        <p14:creationId xmlns:p14="http://schemas.microsoft.com/office/powerpoint/2010/main" val="107876005"/>
+        <p14:creationId xmlns:p14="http://schemas.microsoft.com/office/powerpoint/2010/main" val="2101982952"/>
       </p:ext>
     </p:extLst>
   </p:cSld>
@@ -15173,7 +16093,121 @@
       </p:grpSpPr>
       <p:sp>
         <p:nvSpPr>
-          <p:cNvPr id="4" name="Rectangle 3"/>
+          <p:cNvPr id="36" name="Rectangle 35"/>
+          <p:cNvSpPr/>
+          <p:nvPr/>
+        </p:nvSpPr>
+        <p:spPr>
+          <a:xfrm>
+            <a:off x="1115616" y="640433"/>
+            <a:ext cx="6120680" cy="3120151"/>
+          </a:xfrm>
+          <a:prstGeom prst="rect">
+            <a:avLst/>
+          </a:prstGeom>
+        </p:spPr>
+        <p:style>
+          <a:lnRef idx="1">
+            <a:schemeClr val="dk1"/>
+          </a:lnRef>
+          <a:fillRef idx="2">
+            <a:schemeClr val="dk1"/>
+          </a:fillRef>
+          <a:effectRef idx="1">
+            <a:schemeClr val="dk1"/>
+          </a:effectRef>
+          <a:fontRef idx="minor">
+            <a:schemeClr val="dk1"/>
+          </a:fontRef>
+        </p:style>
+        <p:txBody>
+          <a:bodyPr rtlCol="0" anchor="ctr"/>
+          <a:lstStyle/>
+          <a:p>
+            <a:pPr algn="ctr"/>
+            <a:endParaRPr lang="en-SG"/>
+          </a:p>
+        </p:txBody>
+      </p:sp>
+      <p:sp>
+        <p:nvSpPr>
+          <p:cNvPr id="38" name="Rectangle 37"/>
+          <p:cNvSpPr/>
+          <p:nvPr/>
+        </p:nvSpPr>
+        <p:spPr>
+          <a:xfrm>
+            <a:off x="1187624" y="959242"/>
+            <a:ext cx="1641204" cy="2705527"/>
+          </a:xfrm>
+          <a:prstGeom prst="rect">
+            <a:avLst/>
+          </a:prstGeom>
+        </p:spPr>
+        <p:style>
+          <a:lnRef idx="1">
+            <a:schemeClr val="accent1"/>
+          </a:lnRef>
+          <a:fillRef idx="2">
+            <a:schemeClr val="accent1"/>
+          </a:fillRef>
+          <a:effectRef idx="1">
+            <a:schemeClr val="accent1"/>
+          </a:effectRef>
+          <a:fontRef idx="minor">
+            <a:schemeClr val="dk1"/>
+          </a:fontRef>
+        </p:style>
+        <p:txBody>
+          <a:bodyPr rtlCol="0" anchor="ctr"/>
+          <a:lstStyle/>
+          <a:p>
+            <a:pPr algn="ctr"/>
+            <a:endParaRPr lang="en-SG"/>
+          </a:p>
+        </p:txBody>
+      </p:sp>
+      <p:sp>
+        <p:nvSpPr>
+          <p:cNvPr id="17" name="Rectangle 16"/>
+          <p:cNvSpPr/>
+          <p:nvPr/>
+        </p:nvSpPr>
+        <p:spPr>
+          <a:xfrm>
+            <a:off x="3104308" y="1321022"/>
+            <a:ext cx="1899739" cy="1819945"/>
+          </a:xfrm>
+          <a:prstGeom prst="rect">
+            <a:avLst/>
+          </a:prstGeom>
+        </p:spPr>
+        <p:style>
+          <a:lnRef idx="1">
+            <a:schemeClr val="accent1"/>
+          </a:lnRef>
+          <a:fillRef idx="2">
+            <a:schemeClr val="accent1"/>
+          </a:fillRef>
+          <a:effectRef idx="1">
+            <a:schemeClr val="accent1"/>
+          </a:effectRef>
+          <a:fontRef idx="minor">
+            <a:schemeClr val="dk1"/>
+          </a:fontRef>
+        </p:style>
+        <p:txBody>
+          <a:bodyPr rtlCol="0" anchor="ctr"/>
+          <a:lstStyle/>
+          <a:p>
+            <a:pPr algn="ctr"/>
+            <a:endParaRPr lang="en-SG"/>
+          </a:p>
+        </p:txBody>
+      </p:sp>
+      <p:sp>
+        <p:nvSpPr>
+          <p:cNvPr id="5" name="Rectangle 4"/>
           <p:cNvSpPr/>
           <p:nvPr/>
         </p:nvSpPr>
@@ -15202,250 +16236,510 @@
       </p:sp>
       <p:sp>
         <p:nvSpPr>
-          <p:cNvPr id="5" name="Rectangle 4"/>
-          <p:cNvSpPr/>
-          <p:nvPr/>
-        </p:nvSpPr>
-        <p:spPr>
-          <a:xfrm>
-            <a:off x="539552" y="1052736"/>
-            <a:ext cx="2232248" cy="3168352"/>
-          </a:xfrm>
-          <a:prstGeom prst="rect">
-            <a:avLst/>
-          </a:prstGeom>
-        </p:spPr>
-        <p:style>
-          <a:lnRef idx="1">
-            <a:schemeClr val="dk1"/>
-          </a:lnRef>
-          <a:fillRef idx="2">
-            <a:schemeClr val="dk1"/>
-          </a:fillRef>
-          <a:effectRef idx="1">
-            <a:schemeClr val="dk1"/>
-          </a:effectRef>
-          <a:fontRef idx="minor">
-            <a:schemeClr val="dk1"/>
-          </a:fontRef>
-        </p:style>
-        <p:txBody>
-          <a:bodyPr rtlCol="0" anchor="t"/>
-          <a:lstStyle/>
-          <a:p>
-            <a:r>
-              <a:rPr lang="en-SG" sz="1400" b="1" dirty="0" err="1" smtClean="0"/>
-              <a:t>TextViewer</a:t>
-            </a:r>
-            <a:endParaRPr lang="en-SG" sz="1400" b="1" dirty="0" smtClean="0"/>
-          </a:p>
-          <a:p>
-            <a:r>
-              <a:rPr lang="en-SG" sz="1200" dirty="0" err="1"/>
-              <a:t>TextViewer_SizeChanged</a:t>
-            </a:r>
-            <a:endParaRPr lang="en-SG" sz="1200" dirty="0" smtClean="0"/>
-          </a:p>
-          <a:p>
-            <a:r>
-              <a:rPr lang="en-SG" sz="1200" dirty="0" err="1" smtClean="0"/>
-              <a:t>ScrollBar_ValueChanged</a:t>
-            </a:r>
-            <a:endParaRPr lang="en-SG" sz="1200" dirty="0" smtClean="0"/>
-          </a:p>
-          <a:p>
-            <a:endParaRPr lang="en-SG" sz="1200" dirty="0"/>
-          </a:p>
-          <a:p>
-            <a:r>
-              <a:rPr lang="en-SG" sz="1200" dirty="0" err="1" smtClean="0"/>
-              <a:t>TextViewer_MouseMove</a:t>
-            </a:r>
-            <a:endParaRPr lang="en-SG" sz="1200" dirty="0" smtClean="0"/>
-          </a:p>
-          <a:p>
-            <a:r>
-              <a:rPr lang="en-SG" sz="1200" i="1" dirty="0"/>
-              <a:t> </a:t>
-            </a:r>
-            <a:r>
-              <a:rPr lang="en-SG" sz="1200" i="1" dirty="0" smtClean="0"/>
-              <a:t> when left mouse button is</a:t>
-            </a:r>
-          </a:p>
-          <a:p>
-            <a:r>
-              <a:rPr lang="en-SG" sz="1200" i="1" dirty="0"/>
-              <a:t> </a:t>
-            </a:r>
-            <a:r>
-              <a:rPr lang="en-SG" sz="1200" i="1" dirty="0" smtClean="0"/>
-              <a:t> pressed, text selection changes</a:t>
-            </a:r>
-          </a:p>
-          <a:p>
-            <a:endParaRPr lang="en-SG" sz="1200" dirty="0" smtClean="0"/>
-          </a:p>
-          <a:p>
-            <a:endParaRPr lang="en-SG" sz="1200" dirty="0"/>
-          </a:p>
-        </p:txBody>
-      </p:sp>
-      <p:sp>
-        <p:nvSpPr>
-          <p:cNvPr id="6" name="Rectangle 5"/>
-          <p:cNvSpPr/>
-          <p:nvPr/>
-        </p:nvSpPr>
-        <p:spPr>
-          <a:xfrm>
-            <a:off x="3419872" y="260648"/>
-            <a:ext cx="2232248" cy="1296144"/>
-          </a:xfrm>
-          <a:prstGeom prst="rect">
-            <a:avLst/>
-          </a:prstGeom>
-        </p:spPr>
-        <p:style>
-          <a:lnRef idx="1">
-            <a:schemeClr val="dk1"/>
-          </a:lnRef>
-          <a:fillRef idx="2">
-            <a:schemeClr val="dk1"/>
-          </a:fillRef>
-          <a:effectRef idx="1">
-            <a:schemeClr val="dk1"/>
-          </a:effectRef>
-          <a:fontRef idx="minor">
-            <a:schemeClr val="dk1"/>
-          </a:fontRef>
-        </p:style>
-        <p:txBody>
-          <a:bodyPr rtlCol="0" anchor="t"/>
-          <a:lstStyle/>
-          <a:p>
-            <a:r>
-              <a:rPr lang="en-SG" sz="1400" b="1" dirty="0" err="1" smtClean="0"/>
-              <a:t>TextViewerGlyph</a:t>
-            </a:r>
-            <a:endParaRPr lang="en-SG" sz="1400" b="1" dirty="0" smtClean="0"/>
-          </a:p>
-          <a:p>
-            <a:r>
-              <a:rPr lang="en-SG" sz="1200" dirty="0" err="1"/>
-              <a:t>SetDisplayLines</a:t>
-            </a:r>
-            <a:r>
-              <a:rPr lang="en-SG" sz="1200" dirty="0" smtClean="0"/>
-              <a:t>()</a:t>
-            </a:r>
-          </a:p>
-          <a:p>
-            <a:endParaRPr lang="en-SG" sz="1200" dirty="0" smtClean="0"/>
-          </a:p>
-          <a:p>
-            <a:r>
-              <a:rPr lang="en-SG" sz="1200" dirty="0" err="1" smtClean="0"/>
-              <a:t>OnRenderContent</a:t>
-            </a:r>
-            <a:r>
-              <a:rPr lang="en-SG" sz="1200" dirty="0"/>
-              <a:t>()</a:t>
-            </a:r>
-          </a:p>
-          <a:p>
-            <a:endParaRPr lang="en-SG" sz="1200" dirty="0" smtClean="0"/>
-          </a:p>
-        </p:txBody>
-      </p:sp>
-      <p:sp>
-        <p:nvSpPr>
           <p:cNvPr id="7" name="Rectangle 6"/>
           <p:cNvSpPr/>
           <p:nvPr/>
         </p:nvSpPr>
         <p:spPr>
           <a:xfrm>
-            <a:off x="6156176" y="2132856"/>
-            <a:ext cx="2232248" cy="1368152"/>
+            <a:off x="3429755" y="1987365"/>
+            <a:ext cx="710197" cy="646331"/>
           </a:xfrm>
           <a:prstGeom prst="rect">
             <a:avLst/>
           </a:prstGeom>
-        </p:spPr>
-        <p:style>
-          <a:lnRef idx="1">
-            <a:schemeClr val="dk1"/>
-          </a:lnRef>
-          <a:fillRef idx="2">
-            <a:schemeClr val="dk1"/>
-          </a:fillRef>
-          <a:effectRef idx="1">
-            <a:schemeClr val="dk1"/>
-          </a:effectRef>
-          <a:fontRef idx="minor">
-            <a:schemeClr val="dk1"/>
-          </a:fontRef>
-        </p:style>
-        <p:txBody>
-          <a:bodyPr rtlCol="0" anchor="t"/>
-          <a:lstStyle/>
-          <a:p>
-            <a:r>
-              <a:rPr lang="en-SG" sz="1400" b="1" dirty="0" err="1" smtClean="0"/>
+          <a:solidFill>
+            <a:schemeClr val="bg1">
+              <a:lumMod val="95000"/>
+            </a:schemeClr>
+          </a:solidFill>
+          <a:ln w="9525">
+            <a:solidFill>
+              <a:schemeClr val="tx1"/>
+            </a:solidFill>
+          </a:ln>
+        </p:spPr>
+        <p:style>
+          <a:lnRef idx="2">
+            <a:schemeClr val="accent1">
+              <a:shade val="50000"/>
+            </a:schemeClr>
+          </a:lnRef>
+          <a:fillRef idx="1">
+            <a:schemeClr val="accent1"/>
+          </a:fillRef>
+          <a:effectRef idx="0">
+            <a:schemeClr val="accent1"/>
+          </a:effectRef>
+          <a:fontRef idx="minor">
+            <a:schemeClr val="lt1"/>
+          </a:fontRef>
+        </p:style>
+        <p:txBody>
+          <a:bodyPr rtlCol="0" anchor="ctr"/>
+          <a:lstStyle/>
+          <a:p>
+            <a:pPr algn="ctr"/>
+            <a:endParaRPr lang="en-SG"/>
+          </a:p>
+        </p:txBody>
+      </p:sp>
+      <p:sp>
+        <p:nvSpPr>
+          <p:cNvPr id="8" name="Rectangle 7"/>
+          <p:cNvSpPr/>
+          <p:nvPr/>
+        </p:nvSpPr>
+        <p:spPr>
+          <a:xfrm>
+            <a:off x="3347864" y="2120793"/>
+            <a:ext cx="576064" cy="216024"/>
+          </a:xfrm>
+          <a:prstGeom prst="rect">
+            <a:avLst/>
+          </a:prstGeom>
+        </p:spPr>
+        <p:style>
+          <a:lnRef idx="2">
+            <a:schemeClr val="accent1">
+              <a:shade val="50000"/>
+            </a:schemeClr>
+          </a:lnRef>
+          <a:fillRef idx="1">
+            <a:schemeClr val="accent1"/>
+          </a:fillRef>
+          <a:effectRef idx="0">
+            <a:schemeClr val="accent1"/>
+          </a:effectRef>
+          <a:fontRef idx="minor">
+            <a:schemeClr val="lt1"/>
+          </a:fontRef>
+        </p:style>
+        <p:txBody>
+          <a:bodyPr rtlCol="0" anchor="ctr"/>
+          <a:lstStyle/>
+          <a:p>
+            <a:pPr algn="ctr"/>
+            <a:endParaRPr lang="en-SG"/>
+          </a:p>
+        </p:txBody>
+      </p:sp>
+      <p:sp>
+        <p:nvSpPr>
+          <p:cNvPr id="6" name="TextBox 5"/>
+          <p:cNvSpPr txBox="1"/>
+          <p:nvPr/>
+        </p:nvSpPr>
+        <p:spPr>
+          <a:xfrm>
+            <a:off x="3275856" y="1841608"/>
+            <a:ext cx="706475" cy="523220"/>
+          </a:xfrm>
+          <a:prstGeom prst="rect">
+            <a:avLst/>
+          </a:prstGeom>
+          <a:solidFill>
+            <a:srgbClr val="969696">
+              <a:alpha val="32157"/>
+            </a:srgbClr>
+          </a:solidFill>
+          <a:ln>
+            <a:solidFill>
+              <a:schemeClr val="tx1"/>
+            </a:solidFill>
+          </a:ln>
+        </p:spPr>
+        <p:txBody>
+          <a:bodyPr wrap="none" rtlCol="0">
+            <a:spAutoFit/>
+          </a:bodyPr>
+          <a:lstStyle/>
+          <a:p>
+            <a:r>
+              <a:rPr lang="en-SG" sz="1400" dirty="0" smtClean="0"/>
+              <a:t>Link</a:t>
+            </a:r>
+          </a:p>
+          <a:p>
+            <a:r>
+              <a:rPr lang="en-SG" sz="1400" dirty="0" smtClean="0"/>
+              <a:t>Stream</a:t>
+            </a:r>
+            <a:endParaRPr lang="en-SG" sz="1400" dirty="0"/>
+          </a:p>
+        </p:txBody>
+      </p:sp>
+      <p:sp>
+        <p:nvSpPr>
+          <p:cNvPr id="10" name="Rectangle 9"/>
+          <p:cNvSpPr/>
+          <p:nvPr/>
+        </p:nvSpPr>
+        <p:spPr>
+          <a:xfrm>
+            <a:off x="1115616" y="908720"/>
+            <a:ext cx="882357" cy="307777"/>
+          </a:xfrm>
+          <a:prstGeom prst="rect">
+            <a:avLst/>
+          </a:prstGeom>
+        </p:spPr>
+        <p:txBody>
+          <a:bodyPr wrap="none">
+            <a:spAutoFit/>
+          </a:bodyPr>
+          <a:lstStyle/>
+          <a:p>
+            <a:r>
+              <a:rPr lang="en-SG" sz="1400" b="1" dirty="0" err="1"/>
+              <a:t>TextStore</a:t>
+            </a:r>
+            <a:endParaRPr lang="en-SG" sz="1400" b="1" dirty="0"/>
+          </a:p>
+        </p:txBody>
+      </p:sp>
+      <p:sp>
+        <p:nvSpPr>
+          <p:cNvPr id="12" name="Left Brace 11"/>
+          <p:cNvSpPr/>
+          <p:nvPr/>
+        </p:nvSpPr>
+        <p:spPr>
+          <a:xfrm>
+            <a:off x="3131840" y="1913616"/>
+            <a:ext cx="117727" cy="432048"/>
+          </a:xfrm>
+          <a:prstGeom prst="leftBrace">
+            <a:avLst/>
+          </a:prstGeom>
+          <a:ln w="19050"/>
+        </p:spPr>
+        <p:style>
+          <a:lnRef idx="1">
+            <a:schemeClr val="accent1"/>
+          </a:lnRef>
+          <a:fillRef idx="0">
+            <a:schemeClr val="accent1"/>
+          </a:fillRef>
+          <a:effectRef idx="0">
+            <a:schemeClr val="accent1"/>
+          </a:effectRef>
+          <a:fontRef idx="minor">
+            <a:schemeClr val="tx1"/>
+          </a:fontRef>
+        </p:style>
+        <p:txBody>
+          <a:bodyPr rtlCol="0" anchor="ctr"/>
+          <a:lstStyle/>
+          <a:p>
+            <a:pPr algn="ctr"/>
+            <a:endParaRPr lang="en-SG"/>
+          </a:p>
+        </p:txBody>
+      </p:sp>
+      <p:sp>
+        <p:nvSpPr>
+          <p:cNvPr id="15" name="Rectangle 14"/>
+          <p:cNvSpPr/>
+          <p:nvPr/>
+        </p:nvSpPr>
+        <p:spPr>
+          <a:xfrm>
+            <a:off x="3154943" y="1564609"/>
+            <a:ext cx="1273041" cy="276999"/>
+          </a:xfrm>
+          <a:prstGeom prst="rect">
+            <a:avLst/>
+          </a:prstGeom>
+        </p:spPr>
+        <p:txBody>
+          <a:bodyPr wrap="none">
+            <a:spAutoFit/>
+          </a:bodyPr>
+          <a:lstStyle/>
+          <a:p>
+            <a:r>
+              <a:rPr lang="en-SG" sz="1200" b="1" dirty="0" err="1"/>
+              <a:t>TextViewerGlyph</a:t>
+            </a:r>
+            <a:endParaRPr lang="en-SG" sz="1200" b="1" dirty="0"/>
+          </a:p>
+        </p:txBody>
+      </p:sp>
+      <p:sp>
+        <p:nvSpPr>
+          <p:cNvPr id="16" name="Rectangle 15"/>
+          <p:cNvSpPr/>
+          <p:nvPr/>
+        </p:nvSpPr>
+        <p:spPr>
+          <a:xfrm>
+            <a:off x="3347864" y="2633696"/>
+            <a:ext cx="1484637" cy="276999"/>
+          </a:xfrm>
+          <a:prstGeom prst="rect">
+            <a:avLst/>
+          </a:prstGeom>
+        </p:spPr>
+        <p:txBody>
+          <a:bodyPr wrap="none">
+            <a:spAutoFit/>
+          </a:bodyPr>
+          <a:lstStyle/>
+          <a:p>
+            <a:r>
+              <a:rPr lang="en-SG" sz="1200" b="1" dirty="0" err="1"/>
               <a:t>TextViewerSelection</a:t>
             </a:r>
-            <a:endParaRPr lang="en-SG" sz="1400" b="1" dirty="0" smtClean="0"/>
-          </a:p>
-          <a:p>
-            <a:r>
-              <a:rPr lang="en-SG" sz="1200" dirty="0" err="1"/>
-              <a:t>SetDisplayLines</a:t>
-            </a:r>
-            <a:r>
-              <a:rPr lang="en-SG" sz="1200" dirty="0" smtClean="0"/>
-              <a:t>()</a:t>
-            </a:r>
-          </a:p>
-          <a:p>
+            <a:endParaRPr lang="en-SG" sz="1200" b="1" dirty="0"/>
+          </a:p>
+        </p:txBody>
+      </p:sp>
+      <p:sp>
+        <p:nvSpPr>
+          <p:cNvPr id="18" name="Rectangle 17"/>
+          <p:cNvSpPr/>
+          <p:nvPr/>
+        </p:nvSpPr>
+        <p:spPr>
+          <a:xfrm>
+            <a:off x="3104309" y="1321023"/>
+            <a:ext cx="726417" cy="307777"/>
+          </a:xfrm>
+          <a:prstGeom prst="rect">
+            <a:avLst/>
+          </a:prstGeom>
+        </p:spPr>
+        <p:txBody>
+          <a:bodyPr wrap="none">
+            <a:spAutoFit/>
+          </a:bodyPr>
+          <a:lstStyle/>
+          <a:p>
+            <a:r>
+              <a:rPr lang="en-SG" sz="1400" b="1" dirty="0" smtClean="0"/>
+              <a:t>Display</a:t>
+            </a:r>
+            <a:endParaRPr lang="en-SG" sz="1400" b="1" dirty="0"/>
+          </a:p>
+        </p:txBody>
+      </p:sp>
+      <p:sp>
+        <p:nvSpPr>
+          <p:cNvPr id="19" name="TextBox 18"/>
+          <p:cNvSpPr txBox="1"/>
+          <p:nvPr/>
+        </p:nvSpPr>
+        <p:spPr>
+          <a:xfrm>
+            <a:off x="1568438" y="1432521"/>
+            <a:ext cx="367408" cy="1384995"/>
+          </a:xfrm>
+          <a:prstGeom prst="rect">
+            <a:avLst/>
+          </a:prstGeom>
+          <a:solidFill>
+            <a:schemeClr val="bg1"/>
+          </a:solidFill>
+          <a:ln>
+            <a:solidFill>
+              <a:schemeClr val="tx1"/>
+            </a:solidFill>
+          </a:ln>
+        </p:spPr>
+        <p:txBody>
+          <a:bodyPr wrap="none" rtlCol="0">
+            <a:spAutoFit/>
+          </a:bodyPr>
+          <a:lstStyle/>
+          <a:p>
+            <a:pPr algn="r"/>
+            <a:r>
+              <a:rPr lang="en-SG" sz="1400" dirty="0" smtClean="0"/>
+              <a:t>0</a:t>
+            </a:r>
+          </a:p>
+          <a:p>
+            <a:pPr algn="r"/>
+            <a:r>
+              <a:rPr lang="en-SG" sz="1400" dirty="0" smtClean="0"/>
+              <a:t>3</a:t>
+            </a:r>
+          </a:p>
+          <a:p>
+            <a:pPr algn="r"/>
+            <a:r>
+              <a:rPr lang="en-SG" sz="1400" dirty="0" smtClean="0"/>
+              <a:t>6</a:t>
+            </a:r>
+          </a:p>
+          <a:p>
+            <a:pPr algn="r"/>
+            <a:r>
+              <a:rPr lang="en-SG" sz="1400" dirty="0" smtClean="0"/>
+              <a:t>9</a:t>
+            </a:r>
+          </a:p>
+          <a:p>
+            <a:pPr algn="r"/>
+            <a:r>
+              <a:rPr lang="en-SG" sz="1400" dirty="0" smtClean="0"/>
+              <a:t>12</a:t>
+            </a:r>
+          </a:p>
+          <a:p>
+            <a:pPr algn="r"/>
+            <a:r>
+              <a:rPr lang="en-SG" sz="1400" dirty="0" smtClean="0"/>
+              <a:t>15</a:t>
+            </a:r>
+            <a:endParaRPr lang="en-SG" sz="1400" dirty="0"/>
+          </a:p>
+        </p:txBody>
+      </p:sp>
+      <p:sp>
+        <p:nvSpPr>
+          <p:cNvPr id="20" name="TextBox 19"/>
+          <p:cNvSpPr txBox="1"/>
+          <p:nvPr/>
+        </p:nvSpPr>
+        <p:spPr>
+          <a:xfrm>
+            <a:off x="1295922" y="1432521"/>
+            <a:ext cx="276038" cy="1384995"/>
+          </a:xfrm>
+          <a:prstGeom prst="rect">
+            <a:avLst/>
+          </a:prstGeom>
+          <a:solidFill>
+            <a:schemeClr val="bg1"/>
+          </a:solidFill>
+          <a:ln>
+            <a:solidFill>
+              <a:schemeClr val="tx1"/>
+            </a:solidFill>
+          </a:ln>
+        </p:spPr>
+        <p:txBody>
+          <a:bodyPr wrap="none" rtlCol="0">
+            <a:spAutoFit/>
+          </a:bodyPr>
+          <a:lstStyle/>
+          <a:p>
+            <a:r>
+              <a:rPr lang="en-SG" sz="1400" dirty="0" smtClean="0"/>
+              <a:t>0</a:t>
+            </a:r>
+          </a:p>
+          <a:p>
+            <a:r>
+              <a:rPr lang="en-SG" sz="1400" dirty="0" smtClean="0"/>
+              <a:t>1</a:t>
+            </a:r>
+          </a:p>
+          <a:p>
+            <a:r>
+              <a:rPr lang="en-SG" sz="1400" dirty="0" smtClean="0"/>
+              <a:t>2</a:t>
+            </a:r>
+          </a:p>
+          <a:p>
+            <a:r>
+              <a:rPr lang="en-SG" sz="1400" dirty="0" smtClean="0"/>
+              <a:t>3</a:t>
+            </a:r>
+          </a:p>
+          <a:p>
+            <a:r>
+              <a:rPr lang="en-SG" sz="1400" dirty="0" smtClean="0"/>
+              <a:t>4</a:t>
+            </a:r>
+          </a:p>
+          <a:p>
+            <a:r>
+              <a:rPr lang="en-SG" sz="1400" dirty="0" smtClean="0"/>
+              <a:t>5</a:t>
+            </a:r>
+            <a:endParaRPr lang="en-SG" sz="1400" dirty="0"/>
+          </a:p>
+        </p:txBody>
+      </p:sp>
+      <p:sp>
+        <p:nvSpPr>
+          <p:cNvPr id="21" name="Rectangle 20"/>
+          <p:cNvSpPr/>
+          <p:nvPr/>
+        </p:nvSpPr>
+        <p:spPr>
+          <a:xfrm>
+            <a:off x="1187624" y="3387770"/>
+            <a:ext cx="1244380" cy="276999"/>
+          </a:xfrm>
+          <a:prstGeom prst="rect">
+            <a:avLst/>
+          </a:prstGeom>
+        </p:spPr>
+        <p:txBody>
+          <a:bodyPr wrap="none">
+            <a:spAutoFit/>
+          </a:bodyPr>
+          <a:lstStyle/>
+          <a:p>
+            <a:r>
+              <a:rPr lang="en-SG" sz="1200" dirty="0" err="1" smtClean="0"/>
+              <a:t>absolutLineIndex</a:t>
+            </a:r>
             <a:endParaRPr lang="en-SG" sz="1200" dirty="0"/>
           </a:p>
-          <a:p>
-            <a:r>
-              <a:rPr lang="en-SG" sz="1200" dirty="0" err="1"/>
-              <a:t>SetSelection</a:t>
-            </a:r>
-            <a:r>
-              <a:rPr lang="en-SG" sz="1200" dirty="0" smtClean="0"/>
-              <a:t>()</a:t>
-            </a:r>
-          </a:p>
-          <a:p>
+        </p:txBody>
+      </p:sp>
+      <p:sp>
+        <p:nvSpPr>
+          <p:cNvPr id="22" name="Rectangle 21"/>
+          <p:cNvSpPr/>
+          <p:nvPr/>
+        </p:nvSpPr>
+        <p:spPr>
+          <a:xfrm>
+            <a:off x="1448322" y="2915072"/>
+            <a:ext cx="1380506" cy="461665"/>
+          </a:xfrm>
+          <a:prstGeom prst="rect">
+            <a:avLst/>
+          </a:prstGeom>
+        </p:spPr>
+        <p:txBody>
+          <a:bodyPr wrap="none">
+            <a:spAutoFit/>
+          </a:bodyPr>
+          <a:lstStyle/>
+          <a:p>
+            <a:r>
+              <a:rPr lang="en-SG" sz="1200" dirty="0" smtClean="0"/>
+              <a:t>First character </a:t>
+            </a:r>
+          </a:p>
+          <a:p>
+            <a:r>
+              <a:rPr lang="en-SG" sz="1200" dirty="0" smtClean="0"/>
+              <a:t>position of this line</a:t>
+            </a:r>
             <a:endParaRPr lang="en-SG" sz="1200" dirty="0"/>
-          </a:p>
-          <a:p>
-            <a:r>
-              <a:rPr lang="en-SG" sz="1200" dirty="0" err="1"/>
-              <a:t>OnRenderContent</a:t>
-            </a:r>
-            <a:r>
-              <a:rPr lang="en-SG" sz="1200" dirty="0"/>
-              <a:t>()</a:t>
-            </a:r>
-            <a:endParaRPr lang="en-SG" sz="1200" dirty="0" smtClean="0"/>
           </a:p>
         </p:txBody>
       </p:sp>
       <p:cxnSp>
         <p:nvCxnSpPr>
-          <p:cNvPr id="9" name="Straight Arrow Connector 8"/>
-          <p:cNvCxnSpPr/>
+          <p:cNvPr id="24" name="Straight Arrow Connector 23"/>
+          <p:cNvCxnSpPr>
+            <a:endCxn id="20" idx="2"/>
+          </p:cNvCxnSpPr>
           <p:nvPr/>
         </p:nvCxnSpPr>
         <p:spPr>
           <a:xfrm flipV="1">
-            <a:off x="2123728" y="620688"/>
-            <a:ext cx="1368152" cy="864096"/>
+            <a:off x="1433941" y="2817516"/>
+            <a:ext cx="0" cy="570254"/>
           </a:xfrm>
           <a:prstGeom prst="straightConnector1">
             <a:avLst/>
@@ -15471,14 +16765,16 @@
       </p:cxnSp>
       <p:cxnSp>
         <p:nvCxnSpPr>
-          <p:cNvPr id="11" name="Straight Arrow Connector 10"/>
-          <p:cNvCxnSpPr/>
+          <p:cNvPr id="27" name="Straight Arrow Connector 26"/>
+          <p:cNvCxnSpPr>
+            <a:endCxn id="19" idx="2"/>
+          </p:cNvCxnSpPr>
           <p:nvPr/>
         </p:nvCxnSpPr>
         <p:spPr>
-          <a:xfrm>
-            <a:off x="4067944" y="1052736"/>
-            <a:ext cx="2016224" cy="1440160"/>
+          <a:xfrm flipV="1">
+            <a:off x="1752142" y="2817516"/>
+            <a:ext cx="0" cy="199181"/>
           </a:xfrm>
           <a:prstGeom prst="straightConnector1">
             <a:avLst/>
@@ -15502,16 +16798,49 @@
           </a:fontRef>
         </p:style>
       </p:cxnSp>
+      <p:sp>
+        <p:nvSpPr>
+          <p:cNvPr id="29" name="Rectangle 28"/>
+          <p:cNvSpPr/>
+          <p:nvPr/>
+        </p:nvSpPr>
+        <p:spPr>
+          <a:xfrm>
+            <a:off x="3707155" y="1351801"/>
+            <a:ext cx="1368901" cy="276999"/>
+          </a:xfrm>
+          <a:prstGeom prst="rect">
+            <a:avLst/>
+          </a:prstGeom>
+        </p:spPr>
+        <p:txBody>
+          <a:bodyPr wrap="none">
+            <a:spAutoFit/>
+          </a:bodyPr>
+          <a:lstStyle/>
+          <a:p>
+            <a:r>
+              <a:rPr lang="en-SG" sz="1200" dirty="0" err="1" smtClean="0"/>
+              <a:t>displayLineIndex</a:t>
+            </a:r>
+            <a:r>
+              <a:rPr lang="en-SG" sz="1200" dirty="0" smtClean="0"/>
+              <a:t>: 0</a:t>
+            </a:r>
+            <a:endParaRPr lang="en-SG" sz="1200" dirty="0"/>
+          </a:p>
+        </p:txBody>
+      </p:sp>
       <p:cxnSp>
         <p:nvCxnSpPr>
-          <p:cNvPr id="13" name="Straight Arrow Connector 12"/>
+          <p:cNvPr id="31" name="Straight Arrow Connector 30"/>
           <p:cNvCxnSpPr/>
           <p:nvPr/>
         </p:nvCxnSpPr>
         <p:spPr>
-          <a:xfrm>
-            <a:off x="2339752" y="1988840"/>
-            <a:ext cx="3744416" cy="855095"/>
+          <a:xfrm flipH="1">
+            <a:off x="3707904" y="1628800"/>
+            <a:ext cx="1124597" cy="358565"/>
           </a:xfrm>
           <a:prstGeom prst="straightConnector1">
             <a:avLst/>
@@ -15537,75 +16866,596 @@
       </p:cxnSp>
       <p:sp>
         <p:nvSpPr>
-          <p:cNvPr id="14" name="Rectangle 13"/>
+          <p:cNvPr id="32" name="TextBox 31"/>
+          <p:cNvSpPr txBox="1"/>
+          <p:nvPr/>
+        </p:nvSpPr>
+        <p:spPr>
+          <a:xfrm>
+            <a:off x="200232" y="3760584"/>
+            <a:ext cx="8692247" cy="830997"/>
+          </a:xfrm>
+          <a:prstGeom prst="rect">
+            <a:avLst/>
+          </a:prstGeom>
+          <a:noFill/>
+        </p:spPr>
+        <p:txBody>
+          <a:bodyPr wrap="square" rtlCol="0">
+            <a:spAutoFit/>
+          </a:bodyPr>
+          <a:lstStyle/>
+          <a:p>
+            <a:r>
+              <a:rPr lang="en-SG" sz="1200" b="1" dirty="0" err="1" smtClean="0"/>
+              <a:t>TextStore</a:t>
+            </a:r>
+            <a:r>
+              <a:rPr lang="en-SG" sz="1200" dirty="0" smtClean="0"/>
+              <a:t> contains all characters of a document</a:t>
+            </a:r>
+          </a:p>
+          <a:p>
+            <a:r>
+              <a:rPr lang="en-SG" sz="1200" b="1" dirty="0" err="1" smtClean="0"/>
+              <a:t>TextViewerGlyph</a:t>
+            </a:r>
+            <a:r>
+              <a:rPr lang="en-SG" sz="1200" dirty="0" smtClean="0"/>
+              <a:t> calculates the width of the characters and paints them to the screen</a:t>
+            </a:r>
+          </a:p>
+          <a:p>
+            <a:r>
+              <a:rPr lang="en-SG" sz="1200" b="1" dirty="0" err="1" smtClean="0"/>
+              <a:t>TextViewerSelection</a:t>
+            </a:r>
+            <a:r>
+              <a:rPr lang="en-SG" sz="1200" dirty="0" smtClean="0"/>
+              <a:t> draws blue rectangles under characters selected by user</a:t>
+            </a:r>
+          </a:p>
+          <a:p>
+            <a:r>
+              <a:rPr lang="en-SG" sz="1200" b="1" dirty="0" err="1" smtClean="0"/>
+              <a:t>TextViewerObjects</a:t>
+            </a:r>
+            <a:r>
+              <a:rPr lang="en-SG" sz="1200" dirty="0" smtClean="0"/>
+              <a:t> holds information about some </a:t>
+            </a:r>
+            <a:r>
+              <a:rPr lang="en-SG" sz="1200" dirty="0"/>
+              <a:t>displayed </a:t>
+            </a:r>
+            <a:r>
+              <a:rPr lang="en-SG" sz="1200" dirty="0" smtClean="0"/>
+              <a:t>characters, showing a pdf stream or a </a:t>
+            </a:r>
+            <a:r>
+              <a:rPr lang="en-SG" sz="1200" u="sng" dirty="0" smtClean="0"/>
+              <a:t>link</a:t>
+            </a:r>
+            <a:r>
+              <a:rPr lang="en-SG" sz="1200" dirty="0" smtClean="0"/>
+              <a:t> to another part in the document</a:t>
+            </a:r>
+            <a:endParaRPr lang="en-SG" sz="1200" dirty="0"/>
+          </a:p>
+        </p:txBody>
+      </p:sp>
+      <p:sp>
+        <p:nvSpPr>
+          <p:cNvPr id="33" name="Rectangle 32"/>
           <p:cNvSpPr/>
           <p:nvPr/>
         </p:nvSpPr>
         <p:spPr>
           <a:xfrm>
-            <a:off x="6156176" y="548680"/>
-            <a:ext cx="2232248" cy="1296144"/>
+            <a:off x="1115616" y="1144489"/>
+            <a:ext cx="816377" cy="276999"/>
           </a:xfrm>
           <a:prstGeom prst="rect">
             <a:avLst/>
           </a:prstGeom>
         </p:spPr>
-        <p:style>
-          <a:lnRef idx="1">
-            <a:schemeClr val="dk1"/>
+        <p:txBody>
+          <a:bodyPr wrap="none">
+            <a:spAutoFit/>
+          </a:bodyPr>
+          <a:lstStyle/>
+          <a:p>
+            <a:r>
+              <a:rPr lang="en-SG" sz="1200" b="1" dirty="0" err="1"/>
+              <a:t>LineStarts</a:t>
+            </a:r>
+            <a:endParaRPr lang="en-SG" sz="1200" b="1" dirty="0"/>
+          </a:p>
+        </p:txBody>
+      </p:sp>
+      <p:sp>
+        <p:nvSpPr>
+          <p:cNvPr id="34" name="Rectangle 33"/>
+          <p:cNvSpPr/>
+          <p:nvPr/>
+        </p:nvSpPr>
+        <p:spPr>
+          <a:xfrm>
+            <a:off x="1899829" y="1144489"/>
+            <a:ext cx="538674" cy="276999"/>
+          </a:xfrm>
+          <a:prstGeom prst="rect">
+            <a:avLst/>
+          </a:prstGeom>
+        </p:spPr>
+        <p:txBody>
+          <a:bodyPr wrap="none">
+            <a:spAutoFit/>
+          </a:bodyPr>
+          <a:lstStyle/>
+          <a:p>
+            <a:r>
+              <a:rPr lang="en-SG" sz="1200" b="1" dirty="0" smtClean="0"/>
+              <a:t>Chars</a:t>
+            </a:r>
+            <a:endParaRPr lang="en-SG" sz="1200" b="1" dirty="0"/>
+          </a:p>
+        </p:txBody>
+      </p:sp>
+      <p:sp>
+        <p:nvSpPr>
+          <p:cNvPr id="35" name="Rectangle 34"/>
+          <p:cNvSpPr/>
+          <p:nvPr/>
+        </p:nvSpPr>
+        <p:spPr>
+          <a:xfrm>
+            <a:off x="251519" y="4645585"/>
+            <a:ext cx="8640960" cy="1015663"/>
+          </a:xfrm>
+          <a:prstGeom prst="rect">
+            <a:avLst/>
+          </a:prstGeom>
+        </p:spPr>
+        <p:txBody>
+          <a:bodyPr wrap="square">
+            <a:spAutoFit/>
+          </a:bodyPr>
+          <a:lstStyle/>
+          <a:p>
+            <a:r>
+              <a:rPr lang="en-SG" sz="1200" b="1" dirty="0" err="1"/>
+              <a:t>TextStore</a:t>
+            </a:r>
+            <a:r>
+              <a:rPr lang="en-SG" sz="1200" dirty="0"/>
+              <a:t> </a:t>
+            </a:r>
+            <a:endParaRPr lang="en-SG" sz="1200" dirty="0" smtClean="0"/>
+          </a:p>
+          <a:p>
+            <a:r>
+              <a:rPr lang="en-SG" sz="1200" dirty="0" smtClean="0"/>
+              <a:t>Stores all characters in </a:t>
+            </a:r>
+            <a:r>
+              <a:rPr lang="en-SG" sz="1200" b="1" dirty="0" smtClean="0"/>
+              <a:t>chars</a:t>
+            </a:r>
+            <a:r>
+              <a:rPr lang="en-SG" sz="1200" dirty="0" smtClean="0"/>
+              <a:t>, a char[], which gets reused by ever document</a:t>
+            </a:r>
+          </a:p>
+          <a:p>
+            <a:r>
+              <a:rPr lang="en-SG" sz="1200" dirty="0" smtClean="0"/>
+              <a:t>The </a:t>
+            </a:r>
+            <a:r>
+              <a:rPr lang="en-SG" sz="1200" dirty="0" err="1" smtClean="0"/>
+              <a:t>int</a:t>
+            </a:r>
+            <a:r>
+              <a:rPr lang="en-SG" sz="1200" dirty="0" smtClean="0"/>
+              <a:t>[] </a:t>
+            </a:r>
+            <a:r>
+              <a:rPr lang="en-SG" sz="1200" b="1" dirty="0" err="1" smtClean="0"/>
+              <a:t>LineStarts</a:t>
+            </a:r>
+            <a:r>
+              <a:rPr lang="en-SG" sz="1200" dirty="0" smtClean="0"/>
+              <a:t> stores for every line a character index into </a:t>
+            </a:r>
+            <a:r>
+              <a:rPr lang="en-SG" sz="1200" b="1" dirty="0" smtClean="0"/>
+              <a:t>chars</a:t>
+            </a:r>
+            <a:r>
+              <a:rPr lang="en-SG" sz="1200" dirty="0" smtClean="0"/>
+              <a:t> where that line starts. </a:t>
+            </a:r>
+            <a:r>
+              <a:rPr lang="en-SG" sz="1200" b="1" dirty="0" err="1" smtClean="0"/>
+              <a:t>LineStarts</a:t>
+            </a:r>
+            <a:r>
+              <a:rPr lang="en-SG" sz="1200" dirty="0" smtClean="0"/>
+              <a:t>[0] is always 0. </a:t>
+            </a:r>
+            <a:r>
+              <a:rPr lang="en-SG" sz="1200" b="1" dirty="0" err="1" smtClean="0"/>
+              <a:t>LineStarts</a:t>
+            </a:r>
+            <a:r>
+              <a:rPr lang="en-SG" sz="1200" dirty="0"/>
+              <a:t> </a:t>
+            </a:r>
+            <a:r>
+              <a:rPr lang="en-SG" sz="1200" dirty="0" smtClean="0"/>
+              <a:t>has 1 more line entry than the number of lines in the document. It points to the first character in </a:t>
+            </a:r>
+            <a:r>
+              <a:rPr lang="en-SG" sz="1200" b="1" dirty="0" smtClean="0"/>
+              <a:t>chars</a:t>
+            </a:r>
+            <a:r>
+              <a:rPr lang="en-SG" sz="1200" dirty="0" smtClean="0"/>
+              <a:t> after the document ends. </a:t>
+            </a:r>
+          </a:p>
+          <a:p>
+            <a:endParaRPr lang="en-SG" sz="1200" dirty="0"/>
+          </a:p>
+        </p:txBody>
+      </p:sp>
+      <p:sp>
+        <p:nvSpPr>
+          <p:cNvPr id="37" name="Rectangle 36"/>
+          <p:cNvSpPr/>
+          <p:nvPr/>
+        </p:nvSpPr>
+        <p:spPr>
+          <a:xfrm>
+            <a:off x="1043608" y="620688"/>
+            <a:ext cx="1132490" cy="338554"/>
+          </a:xfrm>
+          <a:prstGeom prst="rect">
+            <a:avLst/>
+          </a:prstGeom>
+        </p:spPr>
+        <p:txBody>
+          <a:bodyPr wrap="none">
+            <a:spAutoFit/>
+          </a:bodyPr>
+          <a:lstStyle/>
+          <a:p>
+            <a:r>
+              <a:rPr lang="en-SG" sz="1600" b="1" dirty="0" err="1" smtClean="0"/>
+              <a:t>TextViewer</a:t>
+            </a:r>
+            <a:endParaRPr lang="en-SG" sz="1600" b="1" dirty="0"/>
+          </a:p>
+        </p:txBody>
+      </p:sp>
+      <p:sp>
+        <p:nvSpPr>
+          <p:cNvPr id="39" name="Rectangle 38"/>
+          <p:cNvSpPr/>
+          <p:nvPr/>
+        </p:nvSpPr>
+        <p:spPr>
+          <a:xfrm>
+            <a:off x="179511" y="5560784"/>
+            <a:ext cx="8856985" cy="1015663"/>
+          </a:xfrm>
+          <a:prstGeom prst="rect">
+            <a:avLst/>
+          </a:prstGeom>
+        </p:spPr>
+        <p:txBody>
+          <a:bodyPr wrap="square">
+            <a:spAutoFit/>
+          </a:bodyPr>
+          <a:lstStyle/>
+          <a:p>
+            <a:r>
+              <a:rPr lang="en-SG" sz="1200" b="1" dirty="0" smtClean="0"/>
+              <a:t>Line Indexes</a:t>
+            </a:r>
+            <a:endParaRPr lang="en-SG" sz="1200" dirty="0" smtClean="0"/>
+          </a:p>
+          <a:p>
+            <a:r>
+              <a:rPr lang="en-SG" sz="1200" dirty="0" smtClean="0"/>
+              <a:t>Lines related to the </a:t>
+            </a:r>
+            <a:r>
+              <a:rPr lang="en-SG" sz="1200" dirty="0" err="1" smtClean="0"/>
+              <a:t>TextStore</a:t>
+            </a:r>
+            <a:r>
+              <a:rPr lang="en-SG" sz="1200" dirty="0" smtClean="0"/>
+              <a:t> are counted from the beginning of the document and are called absolute lines.</a:t>
+            </a:r>
+          </a:p>
+          <a:p>
+            <a:r>
+              <a:rPr lang="en-SG" sz="1200" dirty="0" smtClean="0"/>
+              <a:t>Lines counted from the first displayed line are called display lines. For example the mouse position is first translated to a display line index.</a:t>
+            </a:r>
+          </a:p>
+          <a:p>
+            <a:r>
+              <a:rPr lang="en-SG" sz="1200" dirty="0" smtClean="0"/>
+              <a:t>Most lines in the code are absolute lines.</a:t>
+            </a:r>
+          </a:p>
+          <a:p>
+            <a:endParaRPr lang="en-SG" sz="1200" dirty="0"/>
+          </a:p>
+        </p:txBody>
+      </p:sp>
+      <p:sp>
+        <p:nvSpPr>
+          <p:cNvPr id="45" name="Rectangle 44"/>
+          <p:cNvSpPr/>
+          <p:nvPr/>
+        </p:nvSpPr>
+        <p:spPr>
+          <a:xfrm>
+            <a:off x="5192542" y="1484784"/>
+            <a:ext cx="1671070" cy="989507"/>
+          </a:xfrm>
+          <a:prstGeom prst="rect">
+            <a:avLst/>
+          </a:prstGeom>
+        </p:spPr>
+        <p:style>
+          <a:lnRef idx="1">
+            <a:schemeClr val="accent1"/>
           </a:lnRef>
           <a:fillRef idx="2">
-            <a:schemeClr val="dk1"/>
+            <a:schemeClr val="accent1"/>
           </a:fillRef>
           <a:effectRef idx="1">
-            <a:schemeClr val="dk1"/>
-          </a:effectRef>
-          <a:fontRef idx="minor">
-            <a:schemeClr val="dk1"/>
-          </a:fontRef>
-        </p:style>
-        <p:txBody>
-          <a:bodyPr rtlCol="0" anchor="t"/>
+            <a:schemeClr val="accent1"/>
+          </a:effectRef>
+          <a:fontRef idx="minor">
+            <a:schemeClr val="dk1"/>
+          </a:fontRef>
+        </p:style>
+        <p:txBody>
+          <a:bodyPr rtlCol="0" anchor="ctr"/>
+          <a:lstStyle/>
+          <a:p>
+            <a:pPr algn="ctr"/>
+            <a:endParaRPr lang="en-SG"/>
+          </a:p>
+        </p:txBody>
+      </p:sp>
+      <p:sp>
+        <p:nvSpPr>
+          <p:cNvPr id="46" name="Rectangle 45"/>
+          <p:cNvSpPr/>
+          <p:nvPr/>
+        </p:nvSpPr>
+        <p:spPr>
+          <a:xfrm>
+            <a:off x="5285743" y="1484784"/>
+            <a:ext cx="1577868" cy="307777"/>
+          </a:xfrm>
+          <a:prstGeom prst="rect">
+            <a:avLst/>
+          </a:prstGeom>
+        </p:spPr>
+        <p:txBody>
+          <a:bodyPr wrap="none">
+            <a:spAutoFit/>
+          </a:bodyPr>
           <a:lstStyle/>
           <a:p>
             <a:r>
               <a:rPr lang="en-SG" sz="1400" b="1" dirty="0" err="1"/>
               <a:t>TextViewerObjects</a:t>
             </a:r>
-            <a:endParaRPr lang="en-SG" sz="1400" b="1" dirty="0" smtClean="0"/>
-          </a:p>
-          <a:p>
-            <a:r>
-              <a:rPr lang="en-SG" sz="1200" dirty="0" err="1"/>
-              <a:t>AddLink</a:t>
-            </a:r>
-            <a:r>
-              <a:rPr lang="en-SG" sz="1200" dirty="0" smtClean="0"/>
-              <a:t>()</a:t>
-            </a:r>
-          </a:p>
-          <a:p>
-            <a:r>
-              <a:rPr lang="en-SG" sz="1200" dirty="0" err="1" smtClean="0"/>
-              <a:t>AddStream</a:t>
-            </a:r>
-            <a:r>
-              <a:rPr lang="en-SG" sz="1200" dirty="0" smtClean="0"/>
-              <a:t>()</a:t>
-            </a:r>
+            <a:endParaRPr lang="en-SG" sz="1400" b="1" dirty="0"/>
+          </a:p>
+        </p:txBody>
+      </p:sp>
+      <p:sp>
+        <p:nvSpPr>
+          <p:cNvPr id="9" name="TextBox 8"/>
+          <p:cNvSpPr txBox="1"/>
+          <p:nvPr/>
+        </p:nvSpPr>
+        <p:spPr>
+          <a:xfrm>
+            <a:off x="1935235" y="1421488"/>
+            <a:ext cx="706475" cy="1169551"/>
+          </a:xfrm>
+          <a:prstGeom prst="rect">
+            <a:avLst/>
+          </a:prstGeom>
+          <a:solidFill>
+            <a:schemeClr val="bg1"/>
+          </a:solidFill>
+          <a:ln w="19050">
+            <a:solidFill>
+              <a:schemeClr val="tx1"/>
+            </a:solidFill>
+          </a:ln>
+        </p:spPr>
+        <p:txBody>
+          <a:bodyPr wrap="none" rtlCol="0">
+            <a:spAutoFit/>
+          </a:bodyPr>
+          <a:lstStyle/>
+          <a:p>
+            <a:r>
+              <a:rPr lang="en-SG" sz="1400" dirty="0" err="1" smtClean="0"/>
+              <a:t>Aaa</a:t>
+            </a:r>
+            <a:endParaRPr lang="en-SG" sz="1400" dirty="0" smtClean="0"/>
+          </a:p>
+          <a:p>
+            <a:r>
+              <a:rPr lang="en-SG" sz="1400" dirty="0" err="1" smtClean="0"/>
+              <a:t>Bbb</a:t>
+            </a:r>
+            <a:endParaRPr lang="en-SG" sz="1400" dirty="0" smtClean="0"/>
+          </a:p>
+          <a:p>
+            <a:r>
+              <a:rPr lang="en-SG" sz="1400" dirty="0" smtClean="0"/>
+              <a:t>Link</a:t>
+            </a:r>
+          </a:p>
+          <a:p>
+            <a:r>
+              <a:rPr lang="en-SG" sz="1400" dirty="0" smtClean="0"/>
+              <a:t>Stream</a:t>
+            </a:r>
+          </a:p>
+          <a:p>
+            <a:r>
+              <a:rPr lang="en-SG" sz="1400" dirty="0" smtClean="0"/>
+              <a:t>456</a:t>
+            </a:r>
+            <a:endParaRPr lang="en-SG" sz="1400" dirty="0"/>
+          </a:p>
+        </p:txBody>
+      </p:sp>
+      <p:sp>
+        <p:nvSpPr>
+          <p:cNvPr id="47" name="TextBox 46"/>
+          <p:cNvSpPr txBox="1"/>
+          <p:nvPr/>
+        </p:nvSpPr>
+        <p:spPr>
+          <a:xfrm>
+            <a:off x="5385320" y="1773397"/>
+            <a:ext cx="706475" cy="523220"/>
+          </a:xfrm>
+          <a:prstGeom prst="rect">
+            <a:avLst/>
+          </a:prstGeom>
+          <a:solidFill>
+            <a:schemeClr val="bg1"/>
+          </a:solidFill>
+          <a:ln w="19050">
+            <a:solidFill>
+              <a:schemeClr val="tx1"/>
+            </a:solidFill>
+          </a:ln>
+        </p:spPr>
+        <p:txBody>
+          <a:bodyPr wrap="none" rtlCol="0">
+            <a:spAutoFit/>
+          </a:bodyPr>
+          <a:lstStyle/>
+          <a:p>
+            <a:r>
+              <a:rPr lang="en-SG" sz="1400" dirty="0" smtClean="0"/>
+              <a:t>Link</a:t>
+            </a:r>
+          </a:p>
+          <a:p>
+            <a:r>
+              <a:rPr lang="en-SG" sz="1400" dirty="0" smtClean="0"/>
+              <a:t>Stream</a:t>
+            </a:r>
+            <a:endParaRPr lang="en-SG" sz="1400" dirty="0"/>
+          </a:p>
+        </p:txBody>
+      </p:sp>
+      <p:sp>
+        <p:nvSpPr>
+          <p:cNvPr id="11" name="Right Brace 10"/>
+          <p:cNvSpPr/>
+          <p:nvPr/>
+        </p:nvSpPr>
+        <p:spPr>
+          <a:xfrm>
+            <a:off x="2483768" y="1911875"/>
+            <a:ext cx="144016" cy="433789"/>
+          </a:xfrm>
+          <a:prstGeom prst="rightBrace">
+            <a:avLst/>
+          </a:prstGeom>
+          <a:ln w="19050"/>
+        </p:spPr>
+        <p:style>
+          <a:lnRef idx="1">
+            <a:schemeClr val="accent1"/>
+          </a:lnRef>
+          <a:fillRef idx="0">
+            <a:schemeClr val="accent1"/>
+          </a:fillRef>
+          <a:effectRef idx="0">
+            <a:schemeClr val="accent1"/>
+          </a:effectRef>
+          <a:fontRef idx="minor">
+            <a:schemeClr val="tx1"/>
+          </a:fontRef>
+        </p:style>
+        <p:txBody>
+          <a:bodyPr rtlCol="0" anchor="ctr"/>
+          <a:lstStyle/>
+          <a:p>
+            <a:pPr algn="ctr"/>
+            <a:endParaRPr lang="en-SG"/>
           </a:p>
         </p:txBody>
       </p:sp>
       <p:cxnSp>
         <p:nvCxnSpPr>
-          <p:cNvPr id="16" name="Straight Arrow Connector 15"/>
+          <p:cNvPr id="14" name="Straight Arrow Connector 13"/>
+          <p:cNvCxnSpPr>
+            <a:stCxn id="11" idx="1"/>
+            <a:endCxn id="12" idx="1"/>
+          </p:cNvCxnSpPr>
+          <p:nvPr/>
+        </p:nvCxnSpPr>
+        <p:spPr>
+          <a:xfrm>
+            <a:off x="2627784" y="2128770"/>
+            <a:ext cx="504056" cy="870"/>
+          </a:xfrm>
+          <a:prstGeom prst="straightConnector1">
+            <a:avLst/>
+          </a:prstGeom>
+          <a:ln w="19050">
+            <a:headEnd type="arrow" w="med" len="med"/>
+            <a:tailEnd type="arrow" w="med" len="med"/>
+          </a:ln>
+        </p:spPr>
+        <p:style>
+          <a:lnRef idx="1">
+            <a:schemeClr val="accent1"/>
+          </a:lnRef>
+          <a:fillRef idx="0">
+            <a:schemeClr val="accent1"/>
+          </a:fillRef>
+          <a:effectRef idx="0">
+            <a:schemeClr val="accent1"/>
+          </a:effectRef>
+          <a:fontRef idx="minor">
+            <a:schemeClr val="tx1"/>
+          </a:fontRef>
+        </p:style>
+      </p:cxnSp>
+      <p:cxnSp>
+        <p:nvCxnSpPr>
+          <p:cNvPr id="49" name="Straight Arrow Connector 48"/>
           <p:cNvCxnSpPr/>
           <p:nvPr/>
         </p:nvCxnSpPr>
         <p:spPr>
-          <a:xfrm>
-            <a:off x="4716016" y="980728"/>
-            <a:ext cx="1512168" cy="0"/>
+          <a:xfrm flipH="1">
+            <a:off x="3791463" y="1911875"/>
+            <a:ext cx="1644633" cy="67662"/>
           </a:xfrm>
           <a:prstGeom prst="straightConnector1">
             <a:avLst/>
@@ -15631,80 +17481,14 @@
       </p:cxnSp>
       <p:cxnSp>
         <p:nvCxnSpPr>
-          <p:cNvPr id="20" name="Straight Arrow Connector 19"/>
+          <p:cNvPr id="51" name="Straight Arrow Connector 50"/>
           <p:cNvCxnSpPr/>
           <p:nvPr/>
         </p:nvCxnSpPr>
         <p:spPr>
-          <a:xfrm>
-            <a:off x="4067944" y="692696"/>
-            <a:ext cx="0" cy="216024"/>
-          </a:xfrm>
-          <a:prstGeom prst="straightConnector1">
-            <a:avLst/>
-          </a:prstGeom>
-          <a:ln>
-            <a:tailEnd type="arrow"/>
-          </a:ln>
-        </p:spPr>
-        <p:style>
-          <a:lnRef idx="1">
-            <a:schemeClr val="accent1"/>
-          </a:lnRef>
-          <a:fillRef idx="0">
-            <a:schemeClr val="accent1"/>
-          </a:fillRef>
-          <a:effectRef idx="0">
-            <a:schemeClr val="accent1"/>
-          </a:effectRef>
-          <a:fontRef idx="minor">
-            <a:schemeClr val="tx1"/>
-          </a:fontRef>
-        </p:style>
-      </p:cxnSp>
-      <p:cxnSp>
-        <p:nvCxnSpPr>
-          <p:cNvPr id="22" name="Straight Arrow Connector 21"/>
-          <p:cNvCxnSpPr/>
-          <p:nvPr/>
-        </p:nvCxnSpPr>
-        <p:spPr>
-          <a:xfrm>
-            <a:off x="6732240" y="2924944"/>
-            <a:ext cx="0" cy="216024"/>
-          </a:xfrm>
-          <a:prstGeom prst="straightConnector1">
-            <a:avLst/>
-          </a:prstGeom>
-          <a:ln>
-            <a:tailEnd type="arrow"/>
-          </a:ln>
-        </p:spPr>
-        <p:style>
-          <a:lnRef idx="1">
-            <a:schemeClr val="accent1"/>
-          </a:lnRef>
-          <a:fillRef idx="0">
-            <a:schemeClr val="accent1"/>
-          </a:fillRef>
-          <a:effectRef idx="0">
-            <a:schemeClr val="accent1"/>
-          </a:effectRef>
-          <a:fontRef idx="minor">
-            <a:schemeClr val="tx1"/>
-          </a:fontRef>
-        </p:style>
-      </p:cxnSp>
-      <p:cxnSp>
-        <p:nvCxnSpPr>
-          <p:cNvPr id="24" name="Straight Arrow Connector 23"/>
-          <p:cNvCxnSpPr/>
-          <p:nvPr/>
-        </p:nvCxnSpPr>
-        <p:spPr>
-          <a:xfrm>
-            <a:off x="7236296" y="2564904"/>
-            <a:ext cx="0" cy="432048"/>
+          <a:xfrm flipH="1">
+            <a:off x="3753872" y="2131906"/>
+            <a:ext cx="1682224" cy="96899"/>
           </a:xfrm>
           <a:prstGeom prst="straightConnector1">
             <a:avLst/>
@@ -15731,7 +17515,7 @@
     </p:spTree>
     <p:extLst>
       <p:ext uri="{BB962C8B-B14F-4D97-AF65-F5344CB8AC3E}">
-        <p14:creationId xmlns:p14="http://schemas.microsoft.com/office/powerpoint/2010/main" val="3140254973"/>
+        <p14:creationId xmlns:p14="http://schemas.microsoft.com/office/powerpoint/2010/main" val="107876005"/>
       </p:ext>
     </p:extLst>
   </p:cSld>

--- a/PdfParser Design.pptx
+++ b/PdfParser Design.pptx
@@ -5,7 +5,7 @@
     <p:sldMasterId id="2147483648" r:id="rId1"/>
   </p:sldMasterIdLst>
   <p:notesMasterIdLst>
-    <p:notesMasterId r:id="rId17"/>
+    <p:notesMasterId r:id="rId18"/>
   </p:notesMasterIdLst>
   <p:sldIdLst>
     <p:sldId id="263" r:id="rId2"/>
@@ -23,6 +23,7 @@
     <p:sldId id="262" r:id="rId14"/>
     <p:sldId id="264" r:id="rId15"/>
     <p:sldId id="265" r:id="rId16"/>
+    <p:sldId id="272" r:id="rId17"/>
   </p:sldIdLst>
   <p:sldSz cx="9144000" cy="6858000" type="screen4x3"/>
   <p:notesSz cx="6858000" cy="9144000"/>
@@ -206,7 +207,7 @@
           <a:p>
             <a:fld id="{D9868407-9A4F-47AB-A8EB-DC5757C925AB}" type="datetimeFigureOut">
               <a:rPr lang="en-SG" smtClean="0"/>
-              <a:t>30/8/2021</a:t>
+              <a:t>11/9/2021</a:t>
             </a:fld>
             <a:endParaRPr lang="en-SG"/>
           </a:p>
@@ -739,7 +740,7 @@
           <a:p>
             <a:fld id="{8ED238AC-D00D-4077-9A18-165FEE5E386A}" type="datetimeFigureOut">
               <a:rPr lang="en-SG" smtClean="0"/>
-              <a:t>28/8/2021</a:t>
+              <a:t>11/9/2021</a:t>
             </a:fld>
             <a:endParaRPr lang="en-SG"/>
           </a:p>
@@ -909,7 +910,7 @@
           <a:p>
             <a:fld id="{8ED238AC-D00D-4077-9A18-165FEE5E386A}" type="datetimeFigureOut">
               <a:rPr lang="en-SG" smtClean="0"/>
-              <a:t>28/8/2021</a:t>
+              <a:t>11/9/2021</a:t>
             </a:fld>
             <a:endParaRPr lang="en-SG"/>
           </a:p>
@@ -1089,7 +1090,7 @@
           <a:p>
             <a:fld id="{8ED238AC-D00D-4077-9A18-165FEE5E386A}" type="datetimeFigureOut">
               <a:rPr lang="en-SG" smtClean="0"/>
-              <a:t>28/8/2021</a:t>
+              <a:t>11/9/2021</a:t>
             </a:fld>
             <a:endParaRPr lang="en-SG"/>
           </a:p>
@@ -1259,7 +1260,7 @@
           <a:p>
             <a:fld id="{8ED238AC-D00D-4077-9A18-165FEE5E386A}" type="datetimeFigureOut">
               <a:rPr lang="en-SG" smtClean="0"/>
-              <a:t>28/8/2021</a:t>
+              <a:t>11/9/2021</a:t>
             </a:fld>
             <a:endParaRPr lang="en-SG"/>
           </a:p>
@@ -1505,7 +1506,7 @@
           <a:p>
             <a:fld id="{8ED238AC-D00D-4077-9A18-165FEE5E386A}" type="datetimeFigureOut">
               <a:rPr lang="en-SG" smtClean="0"/>
-              <a:t>28/8/2021</a:t>
+              <a:t>11/9/2021</a:t>
             </a:fld>
             <a:endParaRPr lang="en-SG"/>
           </a:p>
@@ -1793,7 +1794,7 @@
           <a:p>
             <a:fld id="{8ED238AC-D00D-4077-9A18-165FEE5E386A}" type="datetimeFigureOut">
               <a:rPr lang="en-SG" smtClean="0"/>
-              <a:t>28/8/2021</a:t>
+              <a:t>11/9/2021</a:t>
             </a:fld>
             <a:endParaRPr lang="en-SG"/>
           </a:p>
@@ -2215,7 +2216,7 @@
           <a:p>
             <a:fld id="{8ED238AC-D00D-4077-9A18-165FEE5E386A}" type="datetimeFigureOut">
               <a:rPr lang="en-SG" smtClean="0"/>
-              <a:t>28/8/2021</a:t>
+              <a:t>11/9/2021</a:t>
             </a:fld>
             <a:endParaRPr lang="en-SG"/>
           </a:p>
@@ -2333,7 +2334,7 @@
           <a:p>
             <a:fld id="{8ED238AC-D00D-4077-9A18-165FEE5E386A}" type="datetimeFigureOut">
               <a:rPr lang="en-SG" smtClean="0"/>
-              <a:t>28/8/2021</a:t>
+              <a:t>11/9/2021</a:t>
             </a:fld>
             <a:endParaRPr lang="en-SG"/>
           </a:p>
@@ -2428,7 +2429,7 @@
           <a:p>
             <a:fld id="{8ED238AC-D00D-4077-9A18-165FEE5E386A}" type="datetimeFigureOut">
               <a:rPr lang="en-SG" smtClean="0"/>
-              <a:t>28/8/2021</a:t>
+              <a:t>11/9/2021</a:t>
             </a:fld>
             <a:endParaRPr lang="en-SG"/>
           </a:p>
@@ -2705,7 +2706,7 @@
           <a:p>
             <a:fld id="{8ED238AC-D00D-4077-9A18-165FEE5E386A}" type="datetimeFigureOut">
               <a:rPr lang="en-SG" smtClean="0"/>
-              <a:t>28/8/2021</a:t>
+              <a:t>11/9/2021</a:t>
             </a:fld>
             <a:endParaRPr lang="en-SG"/>
           </a:p>
@@ -2958,7 +2959,7 @@
           <a:p>
             <a:fld id="{8ED238AC-D00D-4077-9A18-165FEE5E386A}" type="datetimeFigureOut">
               <a:rPr lang="en-SG" smtClean="0"/>
-              <a:t>28/8/2021</a:t>
+              <a:t>11/9/2021</a:t>
             </a:fld>
             <a:endParaRPr lang="en-SG"/>
           </a:p>
@@ -3171,7 +3172,7 @@
           <a:p>
             <a:fld id="{8ED238AC-D00D-4077-9A18-165FEE5E386A}" type="datetimeFigureOut">
               <a:rPr lang="en-SG" smtClean="0"/>
-              <a:t>28/8/2021</a:t>
+              <a:t>11/9/2021</a:t>
             </a:fld>
             <a:endParaRPr lang="en-SG"/>
           </a:p>
@@ -3618,13 +3619,8 @@
           <a:p>
             <a:r>
               <a:rPr lang="en-SG" sz="1200" dirty="0" smtClean="0"/>
-              <a:t>     %</a:t>
-            </a:r>
-            <a:r>
-              <a:rPr lang="en-SG" sz="1200" dirty="0" smtClean="0"/>
-              <a:t>PDF-1.0</a:t>
-            </a:r>
-            <a:endParaRPr lang="en-SG" sz="1200" dirty="0" smtClean="0"/>
+              <a:t>     %PDF-1.0</a:t>
+            </a:r>
           </a:p>
           <a:p>
             <a:r>
@@ -3779,11 +3775,7 @@
             </a:r>
             <a:r>
               <a:rPr lang="en-SG" sz="1200" dirty="0" smtClean="0"/>
-              <a:t> </a:t>
-            </a:r>
-            <a:r>
-              <a:rPr lang="en-SG" sz="1200" dirty="0" smtClean="0"/>
-              <a:t>12345</a:t>
+              <a:t> 12345</a:t>
             </a:r>
           </a:p>
           <a:p>
@@ -4260,7 +4252,6 @@
               <a:rPr lang="en-SG" sz="1200" dirty="0"/>
               <a:t>j</a:t>
             </a:r>
-            <a:endParaRPr lang="en-SG" sz="1200" dirty="0"/>
           </a:p>
         </p:txBody>
       </p:sp>
@@ -4409,11 +4400,7 @@
           <a:p>
             <a:r>
               <a:rPr lang="pt-BR" sz="1200" dirty="0" smtClean="0"/>
-              <a:t>/</a:t>
-            </a:r>
-            <a:r>
-              <a:rPr lang="pt-BR" sz="1200" dirty="0" smtClean="0"/>
-              <a:t>Type/Catalog</a:t>
+              <a:t>/Type/Catalog</a:t>
             </a:r>
           </a:p>
           <a:p>
@@ -12754,6 +12741,13 @@
   <p:clrMapOvr>
     <a:masterClrMapping/>
   </p:clrMapOvr>
+  <p:timing>
+    <p:tnLst>
+      <p:par>
+        <p:cTn id="1" dur="indefinite" restart="never" nodeType="tmRoot"/>
+      </p:par>
+    </p:tnLst>
+  </p:timing>
 </p:sld>
 </file>
 
@@ -14205,6 +14199,13 @@
   <p:clrMapOvr>
     <a:masterClrMapping/>
   </p:clrMapOvr>
+  <p:timing>
+    <p:tnLst>
+      <p:par>
+        <p:cTn id="1" dur="indefinite" restart="never" nodeType="tmRoot"/>
+      </p:par>
+    </p:tnLst>
+  </p:timing>
 </p:sld>
 </file>
 
@@ -14792,6 +14793,870 @@
   <p:clrMapOvr>
     <a:masterClrMapping/>
   </p:clrMapOvr>
+  <p:timing>
+    <p:tnLst>
+      <p:par>
+        <p:cTn id="1" dur="indefinite" restart="never" nodeType="tmRoot"/>
+      </p:par>
+    </p:tnLst>
+  </p:timing>
+</p:sld>
+</file>
+
+<file path=ppt/slides/slide16.xml><?xml version="1.0" encoding="utf-8"?>
+<p:sld xmlns:a="http://schemas.openxmlformats.org/drawingml/2006/main" xmlns:r="http://schemas.openxmlformats.org/officeDocument/2006/relationships" xmlns:p="http://schemas.openxmlformats.org/presentationml/2006/main">
+  <p:cSld>
+    <p:spTree>
+      <p:nvGrpSpPr>
+        <p:cNvPr id="1" name=""/>
+        <p:cNvGrpSpPr/>
+        <p:nvPr/>
+      </p:nvGrpSpPr>
+      <p:grpSpPr>
+        <a:xfrm>
+          <a:off x="0" y="0"/>
+          <a:ext cx="0" cy="0"/>
+          <a:chOff x="0" y="0"/>
+          <a:chExt cx="0" cy="0"/>
+        </a:xfrm>
+      </p:grpSpPr>
+      <p:sp>
+        <p:nvSpPr>
+          <p:cNvPr id="4" name="Rectangle 3"/>
+          <p:cNvSpPr/>
+          <p:nvPr/>
+        </p:nvSpPr>
+        <p:spPr>
+          <a:xfrm>
+            <a:off x="107504" y="44624"/>
+            <a:ext cx="7704856" cy="369332"/>
+          </a:xfrm>
+          <a:prstGeom prst="rect">
+            <a:avLst/>
+          </a:prstGeom>
+        </p:spPr>
+        <p:txBody>
+          <a:bodyPr wrap="square">
+            <a:spAutoFit/>
+          </a:bodyPr>
+          <a:lstStyle/>
+          <a:p>
+            <a:r>
+              <a:rPr lang="en-SG" b="1" dirty="0" smtClean="0"/>
+              <a:t>Coordinates</a:t>
+            </a:r>
+            <a:endParaRPr lang="en-SG" b="1" dirty="0"/>
+          </a:p>
+        </p:txBody>
+      </p:sp>
+      <p:sp>
+        <p:nvSpPr>
+          <p:cNvPr id="5" name="Rectangle 4"/>
+          <p:cNvSpPr/>
+          <p:nvPr/>
+        </p:nvSpPr>
+        <p:spPr>
+          <a:xfrm>
+            <a:off x="1859173" y="434876"/>
+            <a:ext cx="3096344" cy="3930228"/>
+          </a:xfrm>
+          <a:prstGeom prst="rect">
+            <a:avLst/>
+          </a:prstGeom>
+          <a:ln>
+            <a:headEnd type="none" w="med" len="med"/>
+            <a:tailEnd type="arrow" w="med" len="med"/>
+          </a:ln>
+        </p:spPr>
+        <p:style>
+          <a:lnRef idx="1">
+            <a:schemeClr val="dk1"/>
+          </a:lnRef>
+          <a:fillRef idx="2">
+            <a:schemeClr val="dk1"/>
+          </a:fillRef>
+          <a:effectRef idx="1">
+            <a:schemeClr val="dk1"/>
+          </a:effectRef>
+          <a:fontRef idx="minor">
+            <a:schemeClr val="dk1"/>
+          </a:fontRef>
+        </p:style>
+        <p:txBody>
+          <a:bodyPr rtlCol="0" anchor="t"/>
+          <a:lstStyle/>
+          <a:p>
+            <a:r>
+              <a:rPr lang="en-SG" dirty="0" smtClean="0">
+                <a:solidFill>
+                  <a:schemeClr val="tx1"/>
+                </a:solidFill>
+              </a:rPr>
+              <a:t>Document</a:t>
+            </a:r>
+            <a:endParaRPr lang="en-SG" dirty="0">
+              <a:solidFill>
+                <a:schemeClr val="tx1"/>
+              </a:solidFill>
+            </a:endParaRPr>
+          </a:p>
+        </p:txBody>
+      </p:sp>
+      <p:sp>
+        <p:nvSpPr>
+          <p:cNvPr id="6" name="Rectangle 5"/>
+          <p:cNvSpPr/>
+          <p:nvPr/>
+        </p:nvSpPr>
+        <p:spPr>
+          <a:xfrm>
+            <a:off x="2413987" y="955824"/>
+            <a:ext cx="2520280" cy="3193256"/>
+          </a:xfrm>
+          <a:prstGeom prst="rect">
+            <a:avLst/>
+          </a:prstGeom>
+          <a:ln>
+            <a:headEnd type="none" w="med" len="med"/>
+            <a:tailEnd type="arrow" w="med" len="med"/>
+          </a:ln>
+        </p:spPr>
+        <p:style>
+          <a:lnRef idx="1">
+            <a:schemeClr val="accent1"/>
+          </a:lnRef>
+          <a:fillRef idx="2">
+            <a:schemeClr val="accent1"/>
+          </a:fillRef>
+          <a:effectRef idx="1">
+            <a:schemeClr val="accent1"/>
+          </a:effectRef>
+          <a:fontRef idx="minor">
+            <a:schemeClr val="dk1"/>
+          </a:fontRef>
+        </p:style>
+        <p:txBody>
+          <a:bodyPr rtlCol="0" anchor="t"/>
+          <a:lstStyle/>
+          <a:p>
+            <a:r>
+              <a:rPr lang="en-SG" dirty="0" smtClean="0"/>
+              <a:t>Text</a:t>
+            </a:r>
+            <a:endParaRPr lang="en-SG" dirty="0"/>
+          </a:p>
+        </p:txBody>
+      </p:sp>
+      <p:sp>
+        <p:nvSpPr>
+          <p:cNvPr id="7" name="Rectangle 6"/>
+          <p:cNvSpPr/>
+          <p:nvPr/>
+        </p:nvSpPr>
+        <p:spPr>
+          <a:xfrm>
+            <a:off x="2195736" y="1700808"/>
+            <a:ext cx="2160240" cy="1224136"/>
+          </a:xfrm>
+          <a:prstGeom prst="rect">
+            <a:avLst/>
+          </a:prstGeom>
+          <a:solidFill>
+            <a:schemeClr val="bg1"/>
+          </a:solidFill>
+          <a:ln>
+            <a:headEnd type="none" w="med" len="med"/>
+            <a:tailEnd type="arrow" w="med" len="med"/>
+          </a:ln>
+        </p:spPr>
+        <p:style>
+          <a:lnRef idx="1">
+            <a:schemeClr val="dk1"/>
+          </a:lnRef>
+          <a:fillRef idx="2">
+            <a:schemeClr val="dk1"/>
+          </a:fillRef>
+          <a:effectRef idx="1">
+            <a:schemeClr val="dk1"/>
+          </a:effectRef>
+          <a:fontRef idx="minor">
+            <a:schemeClr val="dk1"/>
+          </a:fontRef>
+        </p:style>
+        <p:txBody>
+          <a:bodyPr rtlCol="0" anchor="t"/>
+          <a:lstStyle/>
+          <a:p>
+            <a:r>
+              <a:rPr lang="en-SG" dirty="0" smtClean="0"/>
+              <a:t>Screen</a:t>
+            </a:r>
+            <a:endParaRPr lang="en-SG" dirty="0"/>
+          </a:p>
+        </p:txBody>
+      </p:sp>
+      <p:sp>
+        <p:nvSpPr>
+          <p:cNvPr id="8" name="TextBox 7"/>
+          <p:cNvSpPr txBox="1"/>
+          <p:nvPr/>
+        </p:nvSpPr>
+        <p:spPr>
+          <a:xfrm>
+            <a:off x="1907704" y="980728"/>
+            <a:ext cx="451870" cy="3231654"/>
+          </a:xfrm>
+          <a:prstGeom prst="rect">
+            <a:avLst/>
+          </a:prstGeom>
+          <a:noFill/>
+        </p:spPr>
+        <p:txBody>
+          <a:bodyPr wrap="square" rtlCol="0">
+            <a:spAutoFit/>
+          </a:bodyPr>
+          <a:lstStyle/>
+          <a:p>
+            <a:pPr algn="r"/>
+            <a:r>
+              <a:rPr lang="en-SG" sz="1200" dirty="0" smtClean="0"/>
+              <a:t>0</a:t>
+            </a:r>
+          </a:p>
+          <a:p>
+            <a:pPr algn="r"/>
+            <a:r>
+              <a:rPr lang="en-SG" sz="1200" dirty="0" smtClean="0"/>
+              <a:t>13</a:t>
+            </a:r>
+          </a:p>
+          <a:p>
+            <a:pPr algn="r"/>
+            <a:r>
+              <a:rPr lang="en-SG" sz="1200" dirty="0" smtClean="0"/>
+              <a:t>34</a:t>
+            </a:r>
+          </a:p>
+          <a:p>
+            <a:pPr algn="r"/>
+            <a:r>
+              <a:rPr lang="en-SG" sz="1200" dirty="0" smtClean="0"/>
+              <a:t>45</a:t>
+            </a:r>
+          </a:p>
+          <a:p>
+            <a:pPr algn="r"/>
+            <a:r>
+              <a:rPr lang="en-SG" sz="1200" dirty="0" smtClean="0"/>
+              <a:t>56</a:t>
+            </a:r>
+          </a:p>
+          <a:p>
+            <a:pPr algn="r"/>
+            <a:r>
+              <a:rPr lang="en-SG" sz="1200" dirty="0" smtClean="0"/>
+              <a:t>85</a:t>
+            </a:r>
+          </a:p>
+          <a:p>
+            <a:pPr algn="r"/>
+            <a:r>
+              <a:rPr lang="en-SG" sz="1200" dirty="0" smtClean="0"/>
+              <a:t>93</a:t>
+            </a:r>
+          </a:p>
+          <a:p>
+            <a:pPr algn="r"/>
+            <a:r>
+              <a:rPr lang="en-SG" sz="1200" dirty="0" smtClean="0"/>
+              <a:t>113</a:t>
+            </a:r>
+          </a:p>
+          <a:p>
+            <a:pPr algn="r"/>
+            <a:r>
+              <a:rPr lang="en-SG" sz="1200" dirty="0" smtClean="0"/>
+              <a:t>127</a:t>
+            </a:r>
+          </a:p>
+          <a:p>
+            <a:pPr algn="r"/>
+            <a:r>
+              <a:rPr lang="en-SG" sz="1200" dirty="0" smtClean="0"/>
+              <a:t>139</a:t>
+            </a:r>
+          </a:p>
+          <a:p>
+            <a:pPr algn="r"/>
+            <a:r>
+              <a:rPr lang="en-SG" sz="1200" dirty="0" smtClean="0"/>
+              <a:t>147</a:t>
+            </a:r>
+          </a:p>
+          <a:p>
+            <a:pPr algn="r"/>
+            <a:r>
+              <a:rPr lang="en-SG" sz="1200" dirty="0" smtClean="0"/>
+              <a:t>156</a:t>
+            </a:r>
+          </a:p>
+          <a:p>
+            <a:pPr algn="r"/>
+            <a:r>
+              <a:rPr lang="en-SG" sz="1200" dirty="0" smtClean="0"/>
+              <a:t>163</a:t>
+            </a:r>
+          </a:p>
+          <a:p>
+            <a:pPr algn="r"/>
+            <a:r>
+              <a:rPr lang="en-SG" sz="1200" dirty="0" smtClean="0"/>
+              <a:t>176</a:t>
+            </a:r>
+          </a:p>
+          <a:p>
+            <a:pPr algn="r"/>
+            <a:r>
+              <a:rPr lang="en-SG" sz="1200" dirty="0" smtClean="0"/>
+              <a:t>189</a:t>
+            </a:r>
+          </a:p>
+          <a:p>
+            <a:pPr algn="r"/>
+            <a:r>
+              <a:rPr lang="en-SG" sz="1200" dirty="0" smtClean="0"/>
+              <a:t>199</a:t>
+            </a:r>
+          </a:p>
+          <a:p>
+            <a:pPr algn="r"/>
+            <a:r>
+              <a:rPr lang="en-SG" sz="1200" dirty="0" smtClean="0"/>
+              <a:t>214</a:t>
+            </a:r>
+            <a:endParaRPr lang="en-SG" sz="1200" dirty="0"/>
+          </a:p>
+        </p:txBody>
+      </p:sp>
+      <p:cxnSp>
+        <p:nvCxnSpPr>
+          <p:cNvPr id="10" name="Straight Arrow Connector 9"/>
+          <p:cNvCxnSpPr/>
+          <p:nvPr/>
+        </p:nvCxnSpPr>
+        <p:spPr>
+          <a:xfrm>
+            <a:off x="1567486" y="188640"/>
+            <a:ext cx="3816424" cy="0"/>
+          </a:xfrm>
+          <a:prstGeom prst="straightConnector1">
+            <a:avLst/>
+          </a:prstGeom>
+          <a:ln w="12700">
+            <a:solidFill>
+              <a:srgbClr val="385D8A"/>
+            </a:solidFill>
+            <a:tailEnd type="arrow"/>
+          </a:ln>
+        </p:spPr>
+        <p:style>
+          <a:lnRef idx="1">
+            <a:schemeClr val="accent1"/>
+          </a:lnRef>
+          <a:fillRef idx="0">
+            <a:schemeClr val="accent1"/>
+          </a:fillRef>
+          <a:effectRef idx="0">
+            <a:schemeClr val="accent1"/>
+          </a:effectRef>
+          <a:fontRef idx="minor">
+            <a:schemeClr val="tx1"/>
+          </a:fontRef>
+        </p:style>
+      </p:cxnSp>
+      <p:sp>
+        <p:nvSpPr>
+          <p:cNvPr id="11" name="TextBox 10"/>
+          <p:cNvSpPr txBox="1"/>
+          <p:nvPr/>
+        </p:nvSpPr>
+        <p:spPr>
+          <a:xfrm>
+            <a:off x="5311902" y="44624"/>
+            <a:ext cx="277640" cy="307777"/>
+          </a:xfrm>
+          <a:prstGeom prst="rect">
+            <a:avLst/>
+          </a:prstGeom>
+          <a:noFill/>
+        </p:spPr>
+        <p:txBody>
+          <a:bodyPr wrap="none" rtlCol="0">
+            <a:spAutoFit/>
+          </a:bodyPr>
+          <a:lstStyle/>
+          <a:p>
+            <a:r>
+              <a:rPr lang="en-SG" sz="1400" dirty="0" smtClean="0"/>
+              <a:t>X</a:t>
+            </a:r>
+            <a:endParaRPr lang="en-SG" sz="1400" dirty="0"/>
+          </a:p>
+        </p:txBody>
+      </p:sp>
+      <p:cxnSp>
+        <p:nvCxnSpPr>
+          <p:cNvPr id="13" name="Straight Arrow Connector 12"/>
+          <p:cNvCxnSpPr/>
+          <p:nvPr/>
+        </p:nvCxnSpPr>
+        <p:spPr>
+          <a:xfrm flipH="1">
+            <a:off x="1495478" y="188640"/>
+            <a:ext cx="72008" cy="4680520"/>
+          </a:xfrm>
+          <a:prstGeom prst="straightConnector1">
+            <a:avLst/>
+          </a:prstGeom>
+          <a:ln w="12700">
+            <a:solidFill>
+              <a:srgbClr val="385D8A"/>
+            </a:solidFill>
+            <a:tailEnd type="arrow"/>
+          </a:ln>
+        </p:spPr>
+        <p:style>
+          <a:lnRef idx="1">
+            <a:schemeClr val="accent1"/>
+          </a:lnRef>
+          <a:fillRef idx="0">
+            <a:schemeClr val="accent1"/>
+          </a:fillRef>
+          <a:effectRef idx="0">
+            <a:schemeClr val="accent1"/>
+          </a:effectRef>
+          <a:fontRef idx="minor">
+            <a:schemeClr val="tx1"/>
+          </a:fontRef>
+        </p:style>
+      </p:cxnSp>
+      <p:sp>
+        <p:nvSpPr>
+          <p:cNvPr id="14" name="TextBox 13"/>
+          <p:cNvSpPr txBox="1"/>
+          <p:nvPr/>
+        </p:nvSpPr>
+        <p:spPr>
+          <a:xfrm>
+            <a:off x="1359062" y="4882728"/>
+            <a:ext cx="272832" cy="307777"/>
+          </a:xfrm>
+          <a:prstGeom prst="rect">
+            <a:avLst/>
+          </a:prstGeom>
+          <a:noFill/>
+        </p:spPr>
+        <p:txBody>
+          <a:bodyPr wrap="none" rtlCol="0">
+            <a:spAutoFit/>
+          </a:bodyPr>
+          <a:lstStyle/>
+          <a:p>
+            <a:r>
+              <a:rPr lang="en-SG" sz="1400" dirty="0" smtClean="0"/>
+              <a:t>Y</a:t>
+            </a:r>
+            <a:endParaRPr lang="en-SG" sz="1400" dirty="0"/>
+          </a:p>
+        </p:txBody>
+      </p:sp>
+      <p:sp>
+        <p:nvSpPr>
+          <p:cNvPr id="15" name="TextBox 14"/>
+          <p:cNvSpPr txBox="1"/>
+          <p:nvPr/>
+        </p:nvSpPr>
+        <p:spPr>
+          <a:xfrm>
+            <a:off x="3131840" y="1124744"/>
+            <a:ext cx="1792414" cy="307777"/>
+          </a:xfrm>
+          <a:prstGeom prst="rect">
+            <a:avLst/>
+          </a:prstGeom>
+          <a:noFill/>
+        </p:spPr>
+        <p:txBody>
+          <a:bodyPr wrap="none" rtlCol="0">
+            <a:spAutoFit/>
+          </a:bodyPr>
+          <a:lstStyle/>
+          <a:p>
+            <a:r>
+              <a:rPr lang="en-SG" sz="1400" dirty="0" err="1" smtClean="0"/>
+              <a:t>VerticalScrollbar.Value</a:t>
+            </a:r>
+            <a:endParaRPr lang="en-SG" sz="1400" dirty="0"/>
+          </a:p>
+        </p:txBody>
+      </p:sp>
+      <p:sp>
+        <p:nvSpPr>
+          <p:cNvPr id="17" name="TextBox 16"/>
+          <p:cNvSpPr txBox="1"/>
+          <p:nvPr/>
+        </p:nvSpPr>
+        <p:spPr>
+          <a:xfrm>
+            <a:off x="651204" y="5445224"/>
+            <a:ext cx="7813614" cy="1107996"/>
+          </a:xfrm>
+          <a:prstGeom prst="rect">
+            <a:avLst/>
+          </a:prstGeom>
+          <a:noFill/>
+        </p:spPr>
+        <p:txBody>
+          <a:bodyPr wrap="square" rtlCol="0">
+            <a:spAutoFit/>
+          </a:bodyPr>
+          <a:lstStyle/>
+          <a:p>
+            <a:pPr>
+              <a:spcAft>
+                <a:spcPts val="600"/>
+              </a:spcAft>
+            </a:pPr>
+            <a:r>
+              <a:rPr lang="en-SG" sz="1400" b="1" dirty="0" smtClean="0"/>
+              <a:t>Document</a:t>
+            </a:r>
+            <a:r>
+              <a:rPr lang="en-SG" sz="1400" dirty="0" smtClean="0"/>
+              <a:t>: Covers  all characters of </a:t>
+            </a:r>
+            <a:r>
+              <a:rPr lang="en-SG" sz="1400" dirty="0" err="1" smtClean="0"/>
+              <a:t>AdrLabels</a:t>
+            </a:r>
+            <a:r>
+              <a:rPr lang="en-SG" sz="1400" dirty="0" smtClean="0"/>
+              <a:t> and pdf content, just used as coordinates, not stored, uses line number for y coordinates and pixels for x coordinates.</a:t>
+            </a:r>
+          </a:p>
+          <a:p>
+            <a:pPr>
+              <a:spcAft>
+                <a:spcPts val="600"/>
+              </a:spcAft>
+            </a:pPr>
+            <a:r>
+              <a:rPr lang="en-SG" sz="1400" b="1" dirty="0" smtClean="0"/>
+              <a:t>Text:</a:t>
+            </a:r>
+            <a:r>
+              <a:rPr lang="en-SG" sz="1400" dirty="0" smtClean="0"/>
+              <a:t> Contains all characters (incl. formatting chars) of pdf text. Uses char number for x line number for y.</a:t>
+            </a:r>
+          </a:p>
+          <a:p>
+            <a:pPr>
+              <a:spcAft>
+                <a:spcPts val="600"/>
+              </a:spcAft>
+            </a:pPr>
+            <a:r>
+              <a:rPr lang="en-SG" sz="1400" b="1" dirty="0" smtClean="0"/>
+              <a:t>Screen</a:t>
+            </a:r>
+            <a:r>
+              <a:rPr lang="en-SG" sz="1400" dirty="0" smtClean="0"/>
+              <a:t>: </a:t>
+            </a:r>
+            <a:r>
+              <a:rPr lang="en-SG" sz="1400" dirty="0" err="1" smtClean="0"/>
+              <a:t>TextViewer</a:t>
+            </a:r>
+            <a:r>
+              <a:rPr lang="en-SG" sz="1400" dirty="0" smtClean="0"/>
+              <a:t> window, shows part of </a:t>
+            </a:r>
+            <a:r>
+              <a:rPr lang="en-SG" sz="1400" dirty="0" err="1"/>
+              <a:t>AdrLabels</a:t>
+            </a:r>
+            <a:r>
+              <a:rPr lang="en-SG" sz="1400" dirty="0"/>
+              <a:t> and pdf </a:t>
+            </a:r>
+            <a:r>
+              <a:rPr lang="en-SG" sz="1400" dirty="0" smtClean="0"/>
+              <a:t>content on screen, uses pixels for x and y.</a:t>
+            </a:r>
+            <a:endParaRPr lang="en-SG" sz="1400" dirty="0"/>
+          </a:p>
+        </p:txBody>
+      </p:sp>
+      <p:cxnSp>
+        <p:nvCxnSpPr>
+          <p:cNvPr id="21" name="Straight Arrow Connector 20"/>
+          <p:cNvCxnSpPr/>
+          <p:nvPr/>
+        </p:nvCxnSpPr>
+        <p:spPr>
+          <a:xfrm>
+            <a:off x="3203848" y="955824"/>
+            <a:ext cx="0" cy="735111"/>
+          </a:xfrm>
+          <a:prstGeom prst="straightConnector1">
+            <a:avLst/>
+          </a:prstGeom>
+          <a:ln w="12700">
+            <a:solidFill>
+              <a:srgbClr val="385D8A"/>
+            </a:solidFill>
+            <a:headEnd type="arrow"/>
+            <a:tailEnd type="arrow"/>
+          </a:ln>
+        </p:spPr>
+        <p:style>
+          <a:lnRef idx="1">
+            <a:schemeClr val="accent1"/>
+          </a:lnRef>
+          <a:fillRef idx="0">
+            <a:schemeClr val="accent1"/>
+          </a:fillRef>
+          <a:effectRef idx="0">
+            <a:schemeClr val="accent1"/>
+          </a:effectRef>
+          <a:fontRef idx="minor">
+            <a:schemeClr val="tx1"/>
+          </a:fontRef>
+        </p:style>
+      </p:cxnSp>
+      <p:cxnSp>
+        <p:nvCxnSpPr>
+          <p:cNvPr id="23" name="Straight Arrow Connector 22"/>
+          <p:cNvCxnSpPr/>
+          <p:nvPr/>
+        </p:nvCxnSpPr>
+        <p:spPr>
+          <a:xfrm>
+            <a:off x="1855518" y="2492896"/>
+            <a:ext cx="340218" cy="0"/>
+          </a:xfrm>
+          <a:prstGeom prst="straightConnector1">
+            <a:avLst/>
+          </a:prstGeom>
+          <a:ln w="12700">
+            <a:solidFill>
+              <a:srgbClr val="385D8A"/>
+            </a:solidFill>
+            <a:headEnd type="arrow"/>
+            <a:tailEnd type="arrow"/>
+          </a:ln>
+        </p:spPr>
+        <p:style>
+          <a:lnRef idx="1">
+            <a:schemeClr val="accent1"/>
+          </a:lnRef>
+          <a:fillRef idx="0">
+            <a:schemeClr val="accent1"/>
+          </a:fillRef>
+          <a:effectRef idx="0">
+            <a:schemeClr val="accent1"/>
+          </a:effectRef>
+          <a:fontRef idx="minor">
+            <a:schemeClr val="tx1"/>
+          </a:fontRef>
+        </p:style>
+      </p:cxnSp>
+      <p:sp>
+        <p:nvSpPr>
+          <p:cNvPr id="24" name="TextBox 23"/>
+          <p:cNvSpPr txBox="1"/>
+          <p:nvPr/>
+        </p:nvSpPr>
+        <p:spPr>
+          <a:xfrm>
+            <a:off x="2267744" y="2348880"/>
+            <a:ext cx="1993751" cy="307777"/>
+          </a:xfrm>
+          <a:prstGeom prst="rect">
+            <a:avLst/>
+          </a:prstGeom>
+          <a:noFill/>
+        </p:spPr>
+        <p:txBody>
+          <a:bodyPr wrap="none" rtlCol="0">
+            <a:spAutoFit/>
+          </a:bodyPr>
+          <a:lstStyle/>
+          <a:p>
+            <a:r>
+              <a:rPr lang="en-SG" sz="1400" dirty="0" err="1" smtClean="0"/>
+              <a:t>HorizontalScrollbar.Value</a:t>
+            </a:r>
+            <a:endParaRPr lang="en-SG" sz="1400" dirty="0"/>
+          </a:p>
+        </p:txBody>
+      </p:sp>
+      <p:sp>
+        <p:nvSpPr>
+          <p:cNvPr id="25" name="TextBox 24"/>
+          <p:cNvSpPr txBox="1"/>
+          <p:nvPr/>
+        </p:nvSpPr>
+        <p:spPr>
+          <a:xfrm>
+            <a:off x="1940827" y="4653136"/>
+            <a:ext cx="4830297" cy="307777"/>
+          </a:xfrm>
+          <a:prstGeom prst="rect">
+            <a:avLst/>
+          </a:prstGeom>
+          <a:noFill/>
+        </p:spPr>
+        <p:txBody>
+          <a:bodyPr wrap="none" rtlCol="0">
+            <a:spAutoFit/>
+          </a:bodyPr>
+          <a:lstStyle/>
+          <a:p>
+            <a:r>
+              <a:rPr lang="en-SG" sz="1400" dirty="0" err="1" smtClean="0"/>
+              <a:t>AdrLabel</a:t>
+            </a:r>
+            <a:r>
+              <a:rPr lang="en-SG" sz="1400" dirty="0" smtClean="0"/>
+              <a:t> (Byte offset of first line character from start of pdf file)</a:t>
+            </a:r>
+            <a:endParaRPr lang="en-SG" sz="1400" dirty="0"/>
+          </a:p>
+        </p:txBody>
+      </p:sp>
+      <p:cxnSp>
+        <p:nvCxnSpPr>
+          <p:cNvPr id="27" name="Straight Arrow Connector 26"/>
+          <p:cNvCxnSpPr>
+            <a:endCxn id="8" idx="2"/>
+          </p:cNvCxnSpPr>
+          <p:nvPr/>
+        </p:nvCxnSpPr>
+        <p:spPr>
+          <a:xfrm flipH="1" flipV="1">
+            <a:off x="2133639" y="4212382"/>
+            <a:ext cx="62097" cy="440754"/>
+          </a:xfrm>
+          <a:prstGeom prst="straightConnector1">
+            <a:avLst/>
+          </a:prstGeom>
+          <a:ln w="12700">
+            <a:solidFill>
+              <a:srgbClr val="385D8A"/>
+            </a:solidFill>
+            <a:tailEnd type="arrow"/>
+          </a:ln>
+        </p:spPr>
+        <p:style>
+          <a:lnRef idx="1">
+            <a:schemeClr val="accent1"/>
+          </a:lnRef>
+          <a:fillRef idx="0">
+            <a:schemeClr val="accent1"/>
+          </a:fillRef>
+          <a:effectRef idx="0">
+            <a:schemeClr val="accent1"/>
+          </a:effectRef>
+          <a:fontRef idx="minor">
+            <a:schemeClr val="tx1"/>
+          </a:fontRef>
+        </p:style>
+      </p:cxnSp>
+      <p:cxnSp>
+        <p:nvCxnSpPr>
+          <p:cNvPr id="31" name="Straight Arrow Connector 30"/>
+          <p:cNvCxnSpPr/>
+          <p:nvPr/>
+        </p:nvCxnSpPr>
+        <p:spPr>
+          <a:xfrm>
+            <a:off x="1835696" y="4077072"/>
+            <a:ext cx="216024" cy="0"/>
+          </a:xfrm>
+          <a:prstGeom prst="straightConnector1">
+            <a:avLst/>
+          </a:prstGeom>
+          <a:ln w="12700">
+            <a:solidFill>
+              <a:srgbClr val="385D8A"/>
+            </a:solidFill>
+            <a:headEnd type="arrow"/>
+            <a:tailEnd type="arrow"/>
+          </a:ln>
+        </p:spPr>
+        <p:style>
+          <a:lnRef idx="1">
+            <a:schemeClr val="accent1"/>
+          </a:lnRef>
+          <a:fillRef idx="0">
+            <a:schemeClr val="accent1"/>
+          </a:fillRef>
+          <a:effectRef idx="0">
+            <a:schemeClr val="accent1"/>
+          </a:effectRef>
+          <a:fontRef idx="minor">
+            <a:schemeClr val="tx1"/>
+          </a:fontRef>
+        </p:style>
+      </p:cxnSp>
+      <p:sp>
+        <p:nvSpPr>
+          <p:cNvPr id="34" name="TextBox 33"/>
+          <p:cNvSpPr txBox="1"/>
+          <p:nvPr/>
+        </p:nvSpPr>
+        <p:spPr>
+          <a:xfrm>
+            <a:off x="1223734" y="3933056"/>
+            <a:ext cx="683970" cy="307777"/>
+          </a:xfrm>
+          <a:prstGeom prst="rect">
+            <a:avLst/>
+          </a:prstGeom>
+          <a:noFill/>
+        </p:spPr>
+        <p:txBody>
+          <a:bodyPr wrap="none" rtlCol="0">
+            <a:spAutoFit/>
+          </a:bodyPr>
+          <a:lstStyle/>
+          <a:p>
+            <a:r>
+              <a:rPr lang="en-SG" sz="1400" dirty="0" smtClean="0"/>
+              <a:t>Border</a:t>
+            </a:r>
+            <a:endParaRPr lang="en-SG" sz="1400" dirty="0"/>
+          </a:p>
+        </p:txBody>
+      </p:sp>
+    </p:spTree>
+    <p:extLst>
+      <p:ext uri="{BB962C8B-B14F-4D97-AF65-F5344CB8AC3E}">
+        <p14:creationId xmlns:p14="http://schemas.microsoft.com/office/powerpoint/2010/main" val="2379479454"/>
+      </p:ext>
+    </p:extLst>
+  </p:cSld>
+  <p:clrMapOvr>
+    <a:masterClrMapping/>
+  </p:clrMapOvr>
+  <p:timing>
+    <p:tnLst>
+      <p:par>
+        <p:cTn id="1" dur="indefinite" restart="never" nodeType="tmRoot"/>
+      </p:par>
+    </p:tnLst>
+  </p:timing>
 </p:sld>
 </file>
 
@@ -14855,22 +15720,13 @@
           <a:p>
             <a:r>
               <a:rPr lang="en-SG" sz="900" dirty="0" smtClean="0"/>
-              <a:t>    </a:t>
-            </a:r>
+              <a:t>                   %PDF-1.1</a:t>
+            </a:r>
+          </a:p>
+          <a:p>
             <a:r>
               <a:rPr lang="en-SG" sz="900" dirty="0" smtClean="0"/>
-              <a:t>               %PDF-1.1</a:t>
-            </a:r>
-            <a:endParaRPr lang="en-SG" sz="900" dirty="0" smtClean="0"/>
-          </a:p>
-          <a:p>
-            <a:r>
-              <a:rPr lang="en-SG" sz="900" dirty="0" smtClean="0"/>
-              <a:t>    </a:t>
-            </a:r>
-            <a:r>
-              <a:rPr lang="en-SG" sz="900" dirty="0" smtClean="0"/>
-              <a:t>               %</a:t>
+              <a:t>                   %</a:t>
             </a:r>
             <a:r>
               <a:rPr lang="en-SG" sz="900" dirty="0" err="1" smtClean="0"/>
@@ -14888,8 +15744,8 @@
         </p:nvSpPr>
         <p:spPr>
           <a:xfrm>
-            <a:off x="1835696" y="4941167"/>
-            <a:ext cx="1728192" cy="1800201"/>
+            <a:off x="1835695" y="4941167"/>
+            <a:ext cx="1930031" cy="1800201"/>
           </a:xfrm>
           <a:prstGeom prst="rect">
             <a:avLst/>
@@ -14930,8 +15786,8 @@
         </p:nvSpPr>
         <p:spPr>
           <a:xfrm>
-            <a:off x="1835696" y="495975"/>
-            <a:ext cx="1728192" cy="4373186"/>
+            <a:off x="1835695" y="495975"/>
+            <a:ext cx="1930031" cy="4373186"/>
           </a:xfrm>
           <a:prstGeom prst="rect">
             <a:avLst/>
@@ -14991,15 +15847,7 @@
             </a:r>
             <a:r>
               <a:rPr lang="en-US" sz="1100" b="1" dirty="0" smtClean="0"/>
-              <a:t> </a:t>
-            </a:r>
-            <a:r>
-              <a:rPr lang="en-US" sz="1100" b="1" dirty="0" smtClean="0"/>
-              <a:t>File </a:t>
-            </a:r>
-            <a:r>
-              <a:rPr lang="en-US" sz="1100" b="1" dirty="0" smtClean="0"/>
-              <a:t>Structure</a:t>
+              <a:t> File Structure</a:t>
             </a:r>
             <a:endParaRPr lang="en-SG" sz="1100" b="1" dirty="0"/>
           </a:p>
@@ -16900,11 +17748,6 @@
               </a:rPr>
               <a:t>5</a:t>
             </a:r>
-            <a:endParaRPr lang="en-SG" sz="900" dirty="0">
-              <a:solidFill>
-                <a:schemeClr val="bg1"/>
-              </a:solidFill>
-            </a:endParaRPr>
           </a:p>
         </p:txBody>
       </p:sp>
@@ -17478,6 +18321,89 @@
           </a:p>
         </p:txBody>
       </p:sp>
+      <p:sp>
+        <p:nvSpPr>
+          <p:cNvPr id="58" name="Freeform 57"/>
+          <p:cNvSpPr/>
+          <p:nvPr/>
+        </p:nvSpPr>
+        <p:spPr>
+          <a:xfrm>
+            <a:off x="3288723" y="5079423"/>
+            <a:ext cx="498684" cy="299604"/>
+          </a:xfrm>
+          <a:custGeom>
+            <a:avLst/>
+            <a:gdLst>
+              <a:gd name="connsiteX0" fmla="*/ 0 w 498684"/>
+              <a:gd name="connsiteY0" fmla="*/ 0 h 299604"/>
+              <a:gd name="connsiteX1" fmla="*/ 479713 w 498684"/>
+              <a:gd name="connsiteY1" fmla="*/ 157595 h 299604"/>
+              <a:gd name="connsiteX2" fmla="*/ 356754 w 498684"/>
+              <a:gd name="connsiteY2" fmla="*/ 299604 h 299604"/>
+            </a:gdLst>
+            <a:ahLst/>
+            <a:cxnLst>
+              <a:cxn ang="0">
+                <a:pos x="connsiteX0" y="connsiteY0"/>
+              </a:cxn>
+              <a:cxn ang="0">
+                <a:pos x="connsiteX1" y="connsiteY1"/>
+              </a:cxn>
+              <a:cxn ang="0">
+                <a:pos x="connsiteX2" y="connsiteY2"/>
+              </a:cxn>
+            </a:cxnLst>
+            <a:rect l="l" t="t" r="r" b="b"/>
+            <a:pathLst>
+              <a:path w="498684" h="299604">
+                <a:moveTo>
+                  <a:pt x="0" y="0"/>
+                </a:moveTo>
+                <a:cubicBezTo>
+                  <a:pt x="210127" y="53830"/>
+                  <a:pt x="420254" y="107661"/>
+                  <a:pt x="479713" y="157595"/>
+                </a:cubicBezTo>
+                <a:cubicBezTo>
+                  <a:pt x="539172" y="207529"/>
+                  <a:pt x="447963" y="253566"/>
+                  <a:pt x="356754" y="299604"/>
+                </a:cubicBezTo>
+              </a:path>
+            </a:pathLst>
+          </a:custGeom>
+          <a:noFill/>
+          <a:ln w="12700">
+            <a:headEnd type="none" w="med" len="med"/>
+            <a:tailEnd type="arrow" w="med" len="med"/>
+          </a:ln>
+        </p:spPr>
+        <p:style>
+          <a:lnRef idx="2">
+            <a:schemeClr val="accent1">
+              <a:shade val="50000"/>
+            </a:schemeClr>
+          </a:lnRef>
+          <a:fillRef idx="1">
+            <a:schemeClr val="accent1"/>
+          </a:fillRef>
+          <a:effectRef idx="0">
+            <a:schemeClr val="accent1"/>
+          </a:effectRef>
+          <a:fontRef idx="minor">
+            <a:schemeClr val="lt1"/>
+          </a:fontRef>
+        </p:style>
+        <p:txBody>
+          <a:bodyPr rtlCol="0" anchor="ctr"/>
+          <a:lstStyle/>
+          <a:p>
+            <a:pPr algn="ctr"/>
+            <a:endParaRPr lang="en-SG"/>
+          </a:p>
+        </p:txBody>
+      </p:sp>
     </p:spTree>
     <p:extLst>
       <p:ext uri="{BB962C8B-B14F-4D97-AF65-F5344CB8AC3E}">
@@ -17728,11 +18654,7 @@
             </a:r>
             <a:r>
               <a:rPr lang="en-SG" sz="1200" dirty="0" smtClean="0"/>
-              <a:t> </a:t>
-            </a:r>
-            <a:r>
-              <a:rPr lang="en-SG" sz="1200" dirty="0" smtClean="0"/>
-              <a:t>67964</a:t>
+              <a:t> 67964</a:t>
             </a:r>
           </a:p>
           <a:p>
@@ -17865,11 +18787,7 @@
           <a:p>
             <a:r>
               <a:rPr lang="pt-BR" sz="1200" dirty="0" smtClean="0"/>
-              <a:t>/</a:t>
-            </a:r>
-            <a:r>
-              <a:rPr lang="pt-BR" sz="1200" dirty="0" smtClean="0"/>
-              <a:t>ID [&lt;160c...&gt;</a:t>
+              <a:t>/ID [&lt;160c...&gt;</a:t>
             </a:r>
             <a:r>
               <a:rPr lang="pt-BR" sz="1200" dirty="0"/>
@@ -17941,11 +18859,7 @@
           <a:p>
             <a:r>
               <a:rPr lang="pt-BR" sz="1200" dirty="0" smtClean="0"/>
-              <a:t>/</a:t>
-            </a:r>
-            <a:r>
-              <a:rPr lang="pt-BR" sz="1200" dirty="0" smtClean="0"/>
-              <a:t>Type /Xref</a:t>
+              <a:t>/Type /Xref</a:t>
             </a:r>
           </a:p>
           <a:p>
@@ -18014,21 +18928,13 @@
           <a:p>
             <a:r>
               <a:rPr lang="pt-BR" sz="1200" dirty="0" smtClean="0"/>
-              <a:t>/</a:t>
-            </a:r>
+              <a:t>/Filter/FlateDecode</a:t>
+            </a:r>
+          </a:p>
+          <a:p>
             <a:r>
               <a:rPr lang="pt-BR" sz="1200" dirty="0" smtClean="0"/>
-              <a:t>Filter/FlateDecode</a:t>
-            </a:r>
-          </a:p>
-          <a:p>
-            <a:r>
-              <a:rPr lang="pt-BR" sz="1200" dirty="0" smtClean="0"/>
-              <a:t>/</a:t>
-            </a:r>
-            <a:r>
-              <a:rPr lang="pt-BR" sz="1200" dirty="0" smtClean="0"/>
-              <a:t>Length </a:t>
+              <a:t>/Length </a:t>
             </a:r>
             <a:r>
               <a:rPr lang="pt-BR" sz="1200" dirty="0"/>
@@ -18694,11 +19600,7 @@
             </a:r>
             <a:r>
               <a:rPr lang="en-SG" sz="1200" dirty="0" smtClean="0"/>
-              <a:t> </a:t>
-            </a:r>
-            <a:r>
-              <a:rPr lang="en-SG" sz="1200" dirty="0" smtClean="0"/>
-              <a:t>67964</a:t>
+              <a:t> 67964</a:t>
             </a:r>
           </a:p>
           <a:p>
